--- a/VOLLEY_KELOMPOK 2.pptx
+++ b/VOLLEY_KELOMPOK 2.pptx
@@ -5,7 +5,7 @@
     <p:sldMasterId id="2147483661" r:id="rId1"/>
   </p:sldMasterIdLst>
   <p:notesMasterIdLst>
-    <p:notesMasterId r:id="rId10"/>
+    <p:notesMasterId r:id="rId11"/>
   </p:notesMasterIdLst>
   <p:sldIdLst>
     <p:sldId id="256" r:id="rId2"/>
@@ -13,56 +13,52 @@
     <p:sldId id="262" r:id="rId4"/>
     <p:sldId id="292" r:id="rId5"/>
     <p:sldId id="258" r:id="rId6"/>
-    <p:sldId id="293" r:id="rId7"/>
-    <p:sldId id="294" r:id="rId8"/>
-    <p:sldId id="278" r:id="rId9"/>
+    <p:sldId id="295" r:id="rId7"/>
+    <p:sldId id="296" r:id="rId8"/>
+    <p:sldId id="294" r:id="rId9"/>
+    <p:sldId id="278" r:id="rId10"/>
   </p:sldIdLst>
   <p:sldSz cx="9144000" cy="5143500" type="screen16x9"/>
   <p:notesSz cx="6858000" cy="9144000"/>
   <p:embeddedFontLst>
     <p:embeddedFont>
-      <p:font typeface="Arial Narrow" panose="020B0606020202030204" pitchFamily="34" charset="0"/>
-      <p:regular r:id="rId11"/>
-      <p:bold r:id="rId12"/>
-      <p:italic r:id="rId13"/>
-      <p:boldItalic r:id="rId14"/>
+      <p:font typeface="Lexend" charset="0"/>
+      <p:regular r:id="rId12"/>
+      <p:bold r:id="rId13"/>
     </p:embeddedFont>
     <p:embeddedFont>
-      <p:font typeface="Lexend" panose="020B0604020202020204" charset="0"/>
-      <p:regular r:id="rId15"/>
-      <p:bold r:id="rId16"/>
+      <p:font typeface="Monotype Corsiva" pitchFamily="66" charset="0"/>
+      <p:italic r:id="rId14"/>
     </p:embeddedFont>
     <p:embeddedFont>
-      <p:font typeface="Fira Sans Extra Condensed" panose="020B0604020202020204" charset="0"/>
-      <p:regular r:id="rId17"/>
-      <p:bold r:id="rId18"/>
-      <p:italic r:id="rId19"/>
-      <p:boldItalic r:id="rId20"/>
+      <p:font typeface="Footlight MT Light" pitchFamily="18" charset="0"/>
+      <p:regular r:id="rId15"/>
     </p:embeddedFont>
     <p:embeddedFont>
-      <p:font typeface="Footlight MT Light" panose="0204060206030A020304" pitchFamily="18" charset="0"/>
-      <p:regular r:id="rId21"/>
+      <p:font typeface="Arial Narrow" pitchFamily="34" charset="0"/>
+      <p:regular r:id="rId16"/>
+      <p:bold r:id="rId17"/>
+      <p:italic r:id="rId18"/>
+      <p:boldItalic r:id="rId19"/>
     </p:embeddedFont>
     <p:embeddedFont>
-      <p:font typeface="Square721 BT" panose="020B0504020202060204" pitchFamily="34" charset="0"/>
-      <p:regular r:id="rId22"/>
-      <p:bold r:id="rId23"/>
+      <p:font typeface="Fira Sans Extra Condensed" charset="0"/>
+      <p:regular r:id="rId20"/>
+      <p:bold r:id="rId21"/>
+      <p:italic r:id="rId22"/>
+      <p:boldItalic r:id="rId23"/>
     </p:embeddedFont>
     <p:embeddedFont>
-      <p:font typeface="Monotype Corsiva" panose="03010101010201010101" pitchFamily="66" charset="0"/>
-      <p:italic r:id="rId24"/>
+      <p:font typeface="Fira Sans Condensed" charset="0"/>
+      <p:regular r:id="rId24"/>
+      <p:bold r:id="rId25"/>
+      <p:italic r:id="rId26"/>
+      <p:boldItalic r:id="rId27"/>
     </p:embeddedFont>
     <p:embeddedFont>
-      <p:font typeface="Fira Sans Condensed" panose="020B0604020202020204" charset="0"/>
-      <p:regular r:id="rId25"/>
-      <p:bold r:id="rId26"/>
-      <p:italic r:id="rId27"/>
-      <p:boldItalic r:id="rId28"/>
-    </p:embeddedFont>
-    <p:embeddedFont>
-      <p:font typeface="Mukta" panose="020B0604020202020204" charset="0"/>
-      <p:regular r:id="rId29"/>
-      <p:bold r:id="rId30"/>
+      <p:font typeface="Mukta" charset="0"/>
+      <p:regular r:id="rId28"/>
+      <p:bold r:id="rId29"/>
     </p:embeddedFont>
   </p:embeddedFontLst>
   <p:defaultTextStyle>
@@ -1507,6 +1503,115 @@
 </file>
 
 <file path=ppt/notesSlides/notesSlide8.xml><?xml version="1.0" encoding="utf-8"?>
+<p:notes xmlns:a="http://schemas.openxmlformats.org/drawingml/2006/main" xmlns:r="http://schemas.openxmlformats.org/officeDocument/2006/relationships" xmlns:p="http://schemas.openxmlformats.org/presentationml/2006/main" showMasterSp="0" showMasterPhAnim="0">
+  <p:cSld>
+    <p:spTree>
+      <p:nvGrpSpPr>
+        <p:cNvPr id="1" name="Shape 110"/>
+        <p:cNvGrpSpPr/>
+        <p:nvPr/>
+      </p:nvGrpSpPr>
+      <p:grpSpPr>
+        <a:xfrm>
+          <a:off x="0" y="0"/>
+          <a:ext cx="0" cy="0"/>
+          <a:chOff x="0" y="0"/>
+          <a:chExt cx="0" cy="0"/>
+        </a:xfrm>
+      </p:grpSpPr>
+      <p:sp>
+        <p:nvSpPr>
+          <p:cNvPr id="111" name="Google Shape;111;g13b8d9ef969_0_3062:notes"/>
+          <p:cNvSpPr>
+            <a:spLocks noGrp="1" noRot="1" noChangeAspect="1"/>
+          </p:cNvSpPr>
+          <p:nvPr>
+            <p:ph type="sldImg" idx="2"/>
+          </p:nvPr>
+        </p:nvSpPr>
+        <p:spPr>
+          <a:xfrm>
+            <a:off x="381000" y="685800"/>
+            <a:ext cx="6096000" cy="3429000"/>
+          </a:xfrm>
+          <a:custGeom>
+            <a:avLst/>
+            <a:gdLst/>
+            <a:ahLst/>
+            <a:cxnLst/>
+            <a:rect l="l" t="t" r="r" b="b"/>
+            <a:pathLst>
+              <a:path w="120000" h="120000" extrusionOk="0">
+                <a:moveTo>
+                  <a:pt x="0" y="0"/>
+                </a:moveTo>
+                <a:lnTo>
+                  <a:pt x="120000" y="0"/>
+                </a:lnTo>
+                <a:lnTo>
+                  <a:pt x="120000" y="120000"/>
+                </a:lnTo>
+                <a:lnTo>
+                  <a:pt x="0" y="120000"/>
+                </a:lnTo>
+                <a:close/>
+              </a:path>
+            </a:pathLst>
+          </a:custGeom>
+        </p:spPr>
+      </p:sp>
+      <p:sp>
+        <p:nvSpPr>
+          <p:cNvPr id="112" name="Google Shape;112;g13b8d9ef969_0_3062:notes"/>
+          <p:cNvSpPr txBox="1">
+            <a:spLocks noGrp="1"/>
+          </p:cNvSpPr>
+          <p:nvPr>
+            <p:ph type="body" idx="1"/>
+          </p:nvPr>
+        </p:nvSpPr>
+        <p:spPr>
+          <a:xfrm>
+            <a:off x="685800" y="4343400"/>
+            <a:ext cx="5486400" cy="4114800"/>
+          </a:xfrm>
+          <a:prstGeom prst="rect">
+            <a:avLst/>
+          </a:prstGeom>
+        </p:spPr>
+        <p:txBody>
+          <a:bodyPr spcFirstLastPara="1" wrap="square" lIns="91425" tIns="91425" rIns="91425" bIns="91425" anchor="t" anchorCtr="0">
+            <a:noAutofit/>
+          </a:bodyPr>
+          <a:lstStyle/>
+          <a:p>
+            <a:pPr marL="0" lvl="0" indent="0" algn="l" rtl="0">
+              <a:spcBef>
+                <a:spcPts val="0"/>
+              </a:spcBef>
+              <a:spcAft>
+                <a:spcPts val="0"/>
+              </a:spcAft>
+              <a:buNone/>
+            </a:pPr>
+            <a:endParaRPr/>
+          </a:p>
+        </p:txBody>
+      </p:sp>
+    </p:spTree>
+    <p:extLst>
+      <p:ext uri="{BB962C8B-B14F-4D97-AF65-F5344CB8AC3E}">
+        <p14:creationId xmlns:p14="http://schemas.microsoft.com/office/powerpoint/2010/main" val="3338231554"/>
+      </p:ext>
+    </p:extLst>
+  </p:cSld>
+  <p:clrMapOvr>
+    <a:masterClrMapping/>
+  </p:clrMapOvr>
+</p:notes>
+</file>
+
+<file path=ppt/notesSlides/notesSlide9.xml><?xml version="1.0" encoding="utf-8"?>
 <p:notes xmlns:a="http://schemas.openxmlformats.org/drawingml/2006/main" xmlns:r="http://schemas.openxmlformats.org/officeDocument/2006/relationships" xmlns:p="http://schemas.openxmlformats.org/presentationml/2006/main" showMasterSp="0" showMasterPhAnim="0">
   <p:cSld>
     <p:spTree>
@@ -10041,7 +10146,7 @@
   </p:txStyles>
   <p:extLst>
     <p:ext uri="{27BBF7A9-308A-43DC-89C8-2F10F3537804}">
-      <p15:sldGuideLst xmlns:p15="http://schemas.microsoft.com/office/powerpoint/2012/main">
+      <p15:sldGuideLst xmlns:p15="http://schemas.microsoft.com/office/powerpoint/2012/main" xmlns="">
         <p15:guide id="1" orient="horz" pos="336">
           <p15:clr>
             <a:srgbClr val="EA4335"/>
@@ -10151,13 +10256,7 @@
                 <a:rPr lang="en-US" sz="1000" dirty="0" smtClean="0">
                   <a:latin typeface="Arial Narrow" panose="020B0606020202030204" pitchFamily="34" charset="0"/>
                 </a:rPr>
-                <a:t>Ca</a:t>
-              </a:r>
-              <a:r>
-                <a:rPr lang="en-US" sz="1000" dirty="0" smtClean="0">
-                  <a:latin typeface="Arial Narrow" panose="020B0606020202030204" pitchFamily="34" charset="0"/>
-                </a:rPr>
-                <a:t>ra </a:t>
+                <a:t>Cara </a:t>
               </a:r>
               <a:r>
                 <a:rPr lang="en-US" sz="1000" dirty="0" err="1" smtClean="0">
@@ -19191,15 +19290,6 @@
               </a:rPr>
               <a:t>Step 3</a:t>
             </a:r>
-            <a:endParaRPr lang="en-US" sz="2000" b="1" dirty="0">
-              <a:solidFill>
-                <a:schemeClr val="lt1"/>
-              </a:solidFill>
-              <a:latin typeface="Lexend"/>
-              <a:ea typeface="Lexend"/>
-              <a:cs typeface="Lexend"/>
-              <a:sym typeface="Lexend"/>
-            </a:endParaRPr>
           </a:p>
         </p:txBody>
       </p:sp>
@@ -19806,36 +19896,12 @@
       </p:sp>
       <p:pic>
         <p:nvPicPr>
-          <p:cNvPr id="2" name="Picture 1"/>
-          <p:cNvPicPr>
-            <a:picLocks noChangeAspect="1"/>
-          </p:cNvPicPr>
-          <p:nvPr/>
-        </p:nvPicPr>
-        <p:blipFill>
-          <a:blip r:embed="rId3"/>
-          <a:stretch>
-            <a:fillRect/>
-          </a:stretch>
-        </p:blipFill>
-        <p:spPr>
-          <a:xfrm>
-            <a:off x="861900" y="1324278"/>
-            <a:ext cx="7429500" cy="3305175"/>
-          </a:xfrm>
-          <a:prstGeom prst="rect">
-            <a:avLst/>
-          </a:prstGeom>
-        </p:spPr>
-      </p:pic>
-      <p:pic>
-        <p:nvPicPr>
           <p:cNvPr id="116" name="Google Shape;116;p17"/>
           <p:cNvPicPr preferRelativeResize="0"/>
           <p:nvPr/>
         </p:nvPicPr>
         <p:blipFill>
-          <a:blip r:embed="rId4">
+          <a:blip r:embed="rId3">
             <a:alphaModFix/>
           </a:blip>
           <a:stretch>
@@ -21208,6 +21274,70 @@
           </p:txBody>
         </p:sp>
       </p:grpSp>
+      <p:pic>
+        <p:nvPicPr>
+          <p:cNvPr id="1026" name="Picture 2"/>
+          <p:cNvPicPr>
+            <a:picLocks noChangeAspect="1" noChangeArrowheads="1"/>
+          </p:cNvPicPr>
+          <p:nvPr/>
+        </p:nvPicPr>
+        <p:blipFill>
+          <a:blip r:embed="rId4">
+            <a:extLst>
+              <a:ext uri="{28A0092B-C50C-407E-A947-70E740481C1C}">
+                <a14:useLocalDpi xmlns:a14="http://schemas.microsoft.com/office/drawing/2010/main" val="0"/>
+              </a:ext>
+            </a:extLst>
+          </a:blip>
+          <a:srcRect/>
+          <a:stretch>
+            <a:fillRect/>
+          </a:stretch>
+        </p:blipFill>
+        <p:spPr bwMode="auto">
+          <a:xfrm>
+            <a:off x="1538106" y="1364721"/>
+            <a:ext cx="5553075" cy="3007253"/>
+          </a:xfrm>
+          <a:prstGeom prst="rect">
+            <a:avLst/>
+          </a:prstGeom>
+          <a:noFill/>
+          <a:ln>
+            <a:noFill/>
+          </a:ln>
+          <a:effectLst/>
+          <a:extLst>
+            <a:ext uri="{909E8E84-426E-40DD-AFC4-6F175D3DCCD1}">
+              <a14:hiddenFill xmlns:a14="http://schemas.microsoft.com/office/drawing/2010/main">
+                <a:solidFill>
+                  <a:schemeClr val="accent1"/>
+                </a:solidFill>
+              </a14:hiddenFill>
+            </a:ext>
+            <a:ext uri="{91240B29-F687-4F45-9708-019B960494DF}">
+              <a14:hiddenLine xmlns:a14="http://schemas.microsoft.com/office/drawing/2010/main" w="9525">
+                <a:solidFill>
+                  <a:schemeClr val="tx1"/>
+                </a:solidFill>
+                <a:miter lim="800000"/>
+                <a:headEnd/>
+                <a:tailEnd/>
+              </a14:hiddenLine>
+            </a:ext>
+            <a:ext uri="{AF507438-7753-43E0-B8FC-AC1667EBCBE1}">
+              <a14:hiddenEffects xmlns:a14="http://schemas.microsoft.com/office/drawing/2010/main">
+                <a:effectLst>
+                  <a:outerShdw dist="35921" dir="2700000" algn="ctr" rotWithShape="0">
+                    <a:schemeClr val="bg2"/>
+                  </a:outerShdw>
+                </a:effectLst>
+              </a14:hiddenEffects>
+            </a:ext>
+          </a:extLst>
+        </p:spPr>
+      </p:pic>
     </p:spTree>
     <p:extLst>
       <p:ext uri="{BB962C8B-B14F-4D97-AF65-F5344CB8AC3E}">
@@ -25701,7 +25831,7 @@
         <p:spPr>
           <a:xfrm>
             <a:off x="1751610" y="1270982"/>
-            <a:ext cx="6186145" cy="378886"/>
+            <a:ext cx="6186145" cy="348109"/>
           </a:xfrm>
           <a:prstGeom prst="rect">
             <a:avLst/>
@@ -25737,154 +25867,14 @@
               </a:tabLst>
             </a:pPr>
             <a:r>
-              <a:rPr lang="en-AU" altLang="en-US" b="1" dirty="0">
+              <a:rPr lang="id-ID" altLang="en-US" b="1" dirty="0" smtClean="0">
                 <a:solidFill>
                   <a:schemeClr val="tx1"/>
                 </a:solidFill>
                 <a:latin typeface="Rubik" charset="0"/>
                 <a:ea typeface="Rubik" charset="0"/>
               </a:rPr>
-              <a:t>Hal </a:t>
-            </a:r>
-            <a:r>
-              <a:rPr lang="en-AU" altLang="en-US" b="1" dirty="0" err="1">
-                <a:solidFill>
-                  <a:schemeClr val="tx1"/>
-                </a:solidFill>
-                <a:latin typeface="Rubik" charset="0"/>
-                <a:ea typeface="Rubik" charset="0"/>
-              </a:rPr>
-              <a:t>ini</a:t>
-            </a:r>
-            <a:r>
-              <a:rPr lang="en-AU" altLang="en-US" b="1" dirty="0">
-                <a:solidFill>
-                  <a:schemeClr val="tx1"/>
-                </a:solidFill>
-                <a:latin typeface="Rubik" charset="0"/>
-                <a:ea typeface="Rubik" charset="0"/>
-              </a:rPr>
-              <a:t> </a:t>
-            </a:r>
-            <a:r>
-              <a:rPr lang="en-AU" altLang="en-US" b="1" dirty="0" err="1">
-                <a:solidFill>
-                  <a:schemeClr val="tx1"/>
-                </a:solidFill>
-                <a:latin typeface="Rubik" charset="0"/>
-                <a:ea typeface="Rubik" charset="0"/>
-              </a:rPr>
-              <a:t>dilakukan</a:t>
-            </a:r>
-            <a:r>
-              <a:rPr lang="en-AU" altLang="en-US" b="1" dirty="0">
-                <a:solidFill>
-                  <a:schemeClr val="tx1"/>
-                </a:solidFill>
-                <a:latin typeface="Rubik" charset="0"/>
-                <a:ea typeface="Rubik" charset="0"/>
-              </a:rPr>
-              <a:t> agar </a:t>
-            </a:r>
-            <a:r>
-              <a:rPr lang="en-AU" altLang="en-US" b="1" dirty="0" err="1">
-                <a:solidFill>
-                  <a:schemeClr val="tx1"/>
-                </a:solidFill>
-                <a:latin typeface="Rubik" charset="0"/>
-                <a:ea typeface="Rubik" charset="0"/>
-              </a:rPr>
-              <a:t>saat</a:t>
-            </a:r>
-            <a:r>
-              <a:rPr lang="en-AU" altLang="en-US" b="1" dirty="0">
-                <a:solidFill>
-                  <a:schemeClr val="tx1"/>
-                </a:solidFill>
-                <a:latin typeface="Rubik" charset="0"/>
-                <a:ea typeface="Rubik" charset="0"/>
-              </a:rPr>
-              <a:t> button </a:t>
-            </a:r>
-            <a:r>
-              <a:rPr lang="en-AU" altLang="en-US" b="1" dirty="0" err="1">
-                <a:solidFill>
-                  <a:schemeClr val="tx1"/>
-                </a:solidFill>
-                <a:latin typeface="Rubik" charset="0"/>
-                <a:ea typeface="Rubik" charset="0"/>
-              </a:rPr>
-              <a:t>diklik</a:t>
-            </a:r>
-            <a:r>
-              <a:rPr lang="en-AU" altLang="en-US" b="1" dirty="0">
-                <a:solidFill>
-                  <a:schemeClr val="tx1"/>
-                </a:solidFill>
-                <a:latin typeface="Rubik" charset="0"/>
-                <a:ea typeface="Rubik" charset="0"/>
-              </a:rPr>
-              <a:t> </a:t>
-            </a:r>
-            <a:r>
-              <a:rPr lang="en-AU" altLang="en-US" b="1" dirty="0" err="1">
-                <a:solidFill>
-                  <a:schemeClr val="tx1"/>
-                </a:solidFill>
-                <a:latin typeface="Rubik" charset="0"/>
-                <a:ea typeface="Rubik" charset="0"/>
-              </a:rPr>
-              <a:t>maka</a:t>
-            </a:r>
-            <a:r>
-              <a:rPr lang="en-AU" altLang="en-US" b="1" dirty="0">
-                <a:solidFill>
-                  <a:schemeClr val="tx1"/>
-                </a:solidFill>
-                <a:latin typeface="Rubik" charset="0"/>
-                <a:ea typeface="Rubik" charset="0"/>
-              </a:rPr>
-              <a:t> </a:t>
-            </a:r>
-            <a:r>
-              <a:rPr lang="en-AU" altLang="en-US" b="1" dirty="0" err="1">
-                <a:solidFill>
-                  <a:schemeClr val="tx1"/>
-                </a:solidFill>
-                <a:latin typeface="Rubik" charset="0"/>
-                <a:ea typeface="Rubik" charset="0"/>
-              </a:rPr>
-              <a:t>akan</a:t>
-            </a:r>
-            <a:r>
-              <a:rPr lang="en-AU" altLang="en-US" b="1" dirty="0">
-                <a:solidFill>
-                  <a:schemeClr val="tx1"/>
-                </a:solidFill>
-                <a:latin typeface="Rubik" charset="0"/>
-                <a:ea typeface="Rubik" charset="0"/>
-              </a:rPr>
-              <a:t> </a:t>
-            </a:r>
-            <a:r>
-              <a:rPr lang="en-AU" altLang="en-US" b="1" dirty="0" err="1">
-                <a:solidFill>
-                  <a:schemeClr val="tx1"/>
-                </a:solidFill>
-                <a:latin typeface="Rubik" charset="0"/>
-                <a:ea typeface="Rubik" charset="0"/>
-              </a:rPr>
-              <a:t>menampilkan</a:t>
-            </a:r>
-            <a:r>
-              <a:rPr lang="en-AU" altLang="en-US" b="1" dirty="0">
-                <a:solidFill>
-                  <a:schemeClr val="tx1"/>
-                </a:solidFill>
-                <a:latin typeface="Rubik" charset="0"/>
-                <a:ea typeface="Rubik" charset="0"/>
-              </a:rPr>
-              <a:t> data</a:t>
+              <a:t>Library yang digunakan</a:t>
             </a:r>
             <a:endParaRPr lang="en-AU" altLang="en-US" b="1" dirty="0">
               <a:solidFill>
@@ -25896,35 +25886,6 @@
           </a:p>
         </p:txBody>
       </p:sp>
-      <p:pic>
-        <p:nvPicPr>
-          <p:cNvPr id="6" name="Picture 5"/>
-          <p:cNvPicPr>
-            <a:picLocks noChangeAspect="1"/>
-          </p:cNvPicPr>
-          <p:nvPr/>
-        </p:nvPicPr>
-        <p:blipFill rotWithShape="1">
-          <a:blip r:embed="rId4">
-            <a:extLst>
-              <a:ext uri="{28A0092B-C50C-407E-A947-70E740481C1C}">
-                <a14:useLocalDpi xmlns:a14="http://schemas.microsoft.com/office/drawing/2010/main" val="0"/>
-              </a:ext>
-            </a:extLst>
-          </a:blip>
-          <a:srcRect l="6907" t="11173" r="53329" b="27897"/>
-          <a:stretch/>
-        </p:blipFill>
-        <p:spPr>
-          <a:xfrm>
-            <a:off x="2984485" y="1692933"/>
-            <a:ext cx="2984644" cy="2790695"/>
-          </a:xfrm>
-          <a:prstGeom prst="rect">
-            <a:avLst/>
-          </a:prstGeom>
-        </p:spPr>
-      </p:pic>
       <p:grpSp>
         <p:nvGrpSpPr>
           <p:cNvPr id="122" name="Google Shape;122;p17"/>
@@ -26172,10 +26133,74 @@
           </p:txBody>
         </p:sp>
       </p:grpSp>
+      <p:pic>
+        <p:nvPicPr>
+          <p:cNvPr id="2050" name="Picture 2"/>
+          <p:cNvPicPr>
+            <a:picLocks noChangeAspect="1" noChangeArrowheads="1"/>
+          </p:cNvPicPr>
+          <p:nvPr/>
+        </p:nvPicPr>
+        <p:blipFill>
+          <a:blip r:embed="rId4">
+            <a:extLst>
+              <a:ext uri="{28A0092B-C50C-407E-A947-70E740481C1C}">
+                <a14:useLocalDpi xmlns:a14="http://schemas.microsoft.com/office/drawing/2010/main" val="0"/>
+              </a:ext>
+            </a:extLst>
+          </a:blip>
+          <a:srcRect/>
+          <a:stretch>
+            <a:fillRect/>
+          </a:stretch>
+        </p:blipFill>
+        <p:spPr bwMode="auto">
+          <a:xfrm>
+            <a:off x="2219325" y="1692933"/>
+            <a:ext cx="3495675" cy="3025668"/>
+          </a:xfrm>
+          <a:prstGeom prst="rect">
+            <a:avLst/>
+          </a:prstGeom>
+          <a:noFill/>
+          <a:ln>
+            <a:noFill/>
+          </a:ln>
+          <a:effectLst/>
+          <a:extLst>
+            <a:ext uri="{909E8E84-426E-40DD-AFC4-6F175D3DCCD1}">
+              <a14:hiddenFill xmlns:a14="http://schemas.microsoft.com/office/drawing/2010/main">
+                <a:solidFill>
+                  <a:schemeClr val="accent1"/>
+                </a:solidFill>
+              </a14:hiddenFill>
+            </a:ext>
+            <a:ext uri="{91240B29-F687-4F45-9708-019B960494DF}">
+              <a14:hiddenLine xmlns:a14="http://schemas.microsoft.com/office/drawing/2010/main" w="9525">
+                <a:solidFill>
+                  <a:schemeClr val="tx1"/>
+                </a:solidFill>
+                <a:miter lim="800000"/>
+                <a:headEnd/>
+                <a:tailEnd/>
+              </a14:hiddenLine>
+            </a:ext>
+            <a:ext uri="{AF507438-7753-43E0-B8FC-AC1667EBCBE1}">
+              <a14:hiddenEffects xmlns:a14="http://schemas.microsoft.com/office/drawing/2010/main">
+                <a:effectLst>
+                  <a:outerShdw dist="35921" dir="2700000" algn="ctr" rotWithShape="0">
+                    <a:schemeClr val="bg2"/>
+                  </a:outerShdw>
+                </a:effectLst>
+              </a14:hiddenEffects>
+            </a:ext>
+          </a:extLst>
+        </p:spPr>
+      </p:pic>
     </p:spTree>
     <p:extLst>
       <p:ext uri="{BB962C8B-B14F-4D97-AF65-F5344CB8AC3E}">
-        <p14:creationId xmlns:p14="http://schemas.microsoft.com/office/powerpoint/2010/main" val="1066598822"/>
+        <p14:creationId xmlns:p14="http://schemas.microsoft.com/office/powerpoint/2010/main" val="911051828"/>
       </p:ext>
     </p:extLst>
   </p:cSld>
@@ -26323,11 +26348,6 @@
               </a:rPr>
               <a:t> HTTP</a:t>
             </a:r>
-            <a:endParaRPr lang="en-US" sz="1800" dirty="0">
-              <a:solidFill>
-                <a:schemeClr val="bg1"/>
-              </a:solidFill>
-            </a:endParaRPr>
           </a:p>
         </p:txBody>
       </p:sp>
@@ -27658,6 +27678,1478 @@
               </a:rPr>
               <a:t> data</a:t>
             </a:r>
+          </a:p>
+        </p:txBody>
+      </p:sp>
+      <p:pic>
+        <p:nvPicPr>
+          <p:cNvPr id="3074" name="Picture 2"/>
+          <p:cNvPicPr>
+            <a:picLocks noChangeAspect="1" noChangeArrowheads="1"/>
+          </p:cNvPicPr>
+          <p:nvPr/>
+        </p:nvPicPr>
+        <p:blipFill>
+          <a:blip r:embed="rId4">
+            <a:extLst>
+              <a:ext uri="{28A0092B-C50C-407E-A947-70E740481C1C}">
+                <a14:useLocalDpi xmlns:a14="http://schemas.microsoft.com/office/drawing/2010/main" val="0"/>
+              </a:ext>
+            </a:extLst>
+          </a:blip>
+          <a:srcRect/>
+          <a:stretch>
+            <a:fillRect/>
+          </a:stretch>
+        </p:blipFill>
+        <p:spPr bwMode="auto">
+          <a:xfrm>
+            <a:off x="2409825" y="1740560"/>
+            <a:ext cx="3524250" cy="2924175"/>
+          </a:xfrm>
+          <a:prstGeom prst="rect">
+            <a:avLst/>
+          </a:prstGeom>
+          <a:noFill/>
+          <a:ln>
+            <a:noFill/>
+          </a:ln>
+          <a:effectLst/>
+          <a:extLst>
+            <a:ext uri="{909E8E84-426E-40DD-AFC4-6F175D3DCCD1}">
+              <a14:hiddenFill xmlns:a14="http://schemas.microsoft.com/office/drawing/2010/main">
+                <a:solidFill>
+                  <a:schemeClr val="accent1"/>
+                </a:solidFill>
+              </a14:hiddenFill>
+            </a:ext>
+            <a:ext uri="{91240B29-F687-4F45-9708-019B960494DF}">
+              <a14:hiddenLine xmlns:a14="http://schemas.microsoft.com/office/drawing/2010/main" w="9525">
+                <a:solidFill>
+                  <a:schemeClr val="tx1"/>
+                </a:solidFill>
+                <a:miter lim="800000"/>
+                <a:headEnd/>
+                <a:tailEnd/>
+              </a14:hiddenLine>
+            </a:ext>
+            <a:ext uri="{AF507438-7753-43E0-B8FC-AC1667EBCBE1}">
+              <a14:hiddenEffects xmlns:a14="http://schemas.microsoft.com/office/drawing/2010/main">
+                <a:effectLst>
+                  <a:outerShdw dist="35921" dir="2700000" algn="ctr" rotWithShape="0">
+                    <a:schemeClr val="bg2"/>
+                  </a:outerShdw>
+                </a:effectLst>
+              </a14:hiddenEffects>
+            </a:ext>
+          </a:extLst>
+        </p:spPr>
+      </p:pic>
+    </p:spTree>
+    <p:extLst>
+      <p:ext uri="{BB962C8B-B14F-4D97-AF65-F5344CB8AC3E}">
+        <p14:creationId xmlns:p14="http://schemas.microsoft.com/office/powerpoint/2010/main" val="2798037212"/>
+      </p:ext>
+    </p:extLst>
+  </p:cSld>
+  <p:clrMapOvr>
+    <a:masterClrMapping/>
+  </p:clrMapOvr>
+</p:sld>
+</file>
+
+<file path=ppt/slides/slide8.xml><?xml version="1.0" encoding="utf-8"?>
+<p:sld xmlns:a="http://schemas.openxmlformats.org/drawingml/2006/main" xmlns:r="http://schemas.openxmlformats.org/officeDocument/2006/relationships" xmlns:p="http://schemas.openxmlformats.org/presentationml/2006/main">
+  <p:cSld>
+    <p:spTree>
+      <p:nvGrpSpPr>
+        <p:cNvPr id="1" name="Shape 113"/>
+        <p:cNvGrpSpPr/>
+        <p:nvPr/>
+      </p:nvGrpSpPr>
+      <p:grpSpPr>
+        <a:xfrm>
+          <a:off x="0" y="0"/>
+          <a:ext cx="0" cy="0"/>
+          <a:chOff x="0" y="0"/>
+          <a:chExt cx="0" cy="0"/>
+        </a:xfrm>
+      </p:grpSpPr>
+      <p:pic>
+        <p:nvPicPr>
+          <p:cNvPr id="4098" name="Picture 2"/>
+          <p:cNvPicPr>
+            <a:picLocks noChangeAspect="1" noChangeArrowheads="1"/>
+          </p:cNvPicPr>
+          <p:nvPr/>
+        </p:nvPicPr>
+        <p:blipFill>
+          <a:blip r:embed="rId3">
+            <a:extLst>
+              <a:ext uri="{28A0092B-C50C-407E-A947-70E740481C1C}">
+                <a14:useLocalDpi xmlns:a14="http://schemas.microsoft.com/office/drawing/2010/main" val="0"/>
+              </a:ext>
+            </a:extLst>
+          </a:blip>
+          <a:srcRect/>
+          <a:stretch>
+            <a:fillRect/>
+          </a:stretch>
+        </p:blipFill>
+        <p:spPr bwMode="auto">
+          <a:xfrm>
+            <a:off x="1067856" y="1566296"/>
+            <a:ext cx="6200775" cy="2989376"/>
+          </a:xfrm>
+          <a:prstGeom prst="rect">
+            <a:avLst/>
+          </a:prstGeom>
+          <a:noFill/>
+          <a:ln>
+            <a:noFill/>
+          </a:ln>
+          <a:effectLst/>
+          <a:extLst>
+            <a:ext uri="{909E8E84-426E-40DD-AFC4-6F175D3DCCD1}">
+              <a14:hiddenFill xmlns:a14="http://schemas.microsoft.com/office/drawing/2010/main">
+                <a:solidFill>
+                  <a:schemeClr val="accent1"/>
+                </a:solidFill>
+              </a14:hiddenFill>
+            </a:ext>
+            <a:ext uri="{91240B29-F687-4F45-9708-019B960494DF}">
+              <a14:hiddenLine xmlns:a14="http://schemas.microsoft.com/office/drawing/2010/main" w="9525">
+                <a:solidFill>
+                  <a:schemeClr val="tx1"/>
+                </a:solidFill>
+                <a:miter lim="800000"/>
+                <a:headEnd/>
+                <a:tailEnd/>
+              </a14:hiddenLine>
+            </a:ext>
+            <a:ext uri="{AF507438-7753-43E0-B8FC-AC1667EBCBE1}">
+              <a14:hiddenEffects xmlns:a14="http://schemas.microsoft.com/office/drawing/2010/main">
+                <a:effectLst>
+                  <a:outerShdw dist="35921" dir="2700000" algn="ctr" rotWithShape="0">
+                    <a:schemeClr val="bg2"/>
+                  </a:outerShdw>
+                </a:effectLst>
+              </a14:hiddenEffects>
+            </a:ext>
+          </a:extLst>
+        </p:spPr>
+      </p:pic>
+      <p:sp>
+        <p:nvSpPr>
+          <p:cNvPr id="114" name="Google Shape;114;p17"/>
+          <p:cNvSpPr txBox="1">
+            <a:spLocks noGrp="1"/>
+          </p:cNvSpPr>
+          <p:nvPr>
+            <p:ph type="title"/>
+          </p:nvPr>
+        </p:nvSpPr>
+        <p:spPr>
+          <a:xfrm>
+            <a:off x="656061" y="309197"/>
+            <a:ext cx="7762800" cy="564300"/>
+          </a:xfrm>
+          <a:prstGeom prst="rect">
+            <a:avLst/>
+          </a:prstGeom>
+        </p:spPr>
+        <p:txBody>
+          <a:bodyPr spcFirstLastPara="1" wrap="square" lIns="91425" tIns="91425" rIns="91425" bIns="91425" anchor="ctr" anchorCtr="0">
+            <a:noAutofit/>
+          </a:bodyPr>
+          <a:lstStyle/>
+          <a:p>
+            <a:pPr lvl="0"/>
+            <a:r>
+              <a:rPr lang="en-US" sz="1800" dirty="0" err="1">
+                <a:solidFill>
+                  <a:schemeClr val="bg1"/>
+                </a:solidFill>
+              </a:rPr>
+              <a:t>Menginisialisasi</a:t>
+            </a:r>
+            <a:r>
+              <a:rPr lang="en-US" sz="1800" dirty="0">
+                <a:solidFill>
+                  <a:schemeClr val="bg1"/>
+                </a:solidFill>
+              </a:rPr>
+              <a:t> </a:t>
+            </a:r>
+            <a:r>
+              <a:rPr lang="en-US" sz="1800" dirty="0" err="1">
+                <a:solidFill>
+                  <a:schemeClr val="bg1"/>
+                </a:solidFill>
+              </a:rPr>
+              <a:t>tombol</a:t>
+            </a:r>
+            <a:r>
+              <a:rPr lang="en-US" sz="1800" dirty="0">
+                <a:solidFill>
+                  <a:schemeClr val="bg1"/>
+                </a:solidFill>
+              </a:rPr>
+              <a:t> agar </a:t>
+            </a:r>
+            <a:r>
+              <a:rPr lang="en-US" sz="1800" dirty="0" err="1">
+                <a:solidFill>
+                  <a:schemeClr val="bg1"/>
+                </a:solidFill>
+              </a:rPr>
+              <a:t>bisa</a:t>
+            </a:r>
+            <a:r>
+              <a:rPr lang="en-US" sz="1800" dirty="0">
+                <a:solidFill>
+                  <a:schemeClr val="bg1"/>
+                </a:solidFill>
+              </a:rPr>
+              <a:t/>
+            </a:r>
+            <a:br>
+              <a:rPr lang="en-US" sz="1800" dirty="0">
+                <a:solidFill>
+                  <a:schemeClr val="bg1"/>
+                </a:solidFill>
+              </a:rPr>
+            </a:br>
+            <a:r>
+              <a:rPr lang="en-US" sz="1800" dirty="0">
+                <a:solidFill>
+                  <a:schemeClr val="bg1"/>
+                </a:solidFill>
+              </a:rPr>
+              <a:t> </a:t>
+            </a:r>
+            <a:r>
+              <a:rPr lang="en-US" sz="1800" dirty="0" err="1">
+                <a:solidFill>
+                  <a:schemeClr val="bg1"/>
+                </a:solidFill>
+              </a:rPr>
+              <a:t>mengirim</a:t>
+            </a:r>
+            <a:r>
+              <a:rPr lang="en-US" sz="1800" dirty="0">
+                <a:solidFill>
+                  <a:schemeClr val="bg1"/>
+                </a:solidFill>
+              </a:rPr>
+              <a:t> </a:t>
+            </a:r>
+            <a:r>
+              <a:rPr lang="en-US" sz="1800" dirty="0" err="1">
+                <a:solidFill>
+                  <a:schemeClr val="bg1"/>
+                </a:solidFill>
+              </a:rPr>
+              <a:t>permintaan</a:t>
+            </a:r>
+            <a:r>
+              <a:rPr lang="en-US" sz="1800" dirty="0">
+                <a:solidFill>
+                  <a:schemeClr val="bg1"/>
+                </a:solidFill>
+              </a:rPr>
+              <a:t> HTTP</a:t>
+            </a:r>
+          </a:p>
+        </p:txBody>
+      </p:sp>
+      <p:pic>
+        <p:nvPicPr>
+          <p:cNvPr id="116" name="Google Shape;116;p17"/>
+          <p:cNvPicPr preferRelativeResize="0"/>
+          <p:nvPr/>
+        </p:nvPicPr>
+        <p:blipFill>
+          <a:blip r:embed="rId4">
+            <a:alphaModFix/>
+          </a:blip>
+          <a:stretch>
+            <a:fillRect/>
+          </a:stretch>
+        </p:blipFill>
+        <p:spPr>
+          <a:xfrm rot="-1390248">
+            <a:off x="6643434" y="3028436"/>
+            <a:ext cx="2382900" cy="2444097"/>
+          </a:xfrm>
+          <a:prstGeom prst="rect">
+            <a:avLst/>
+          </a:prstGeom>
+          <a:noFill/>
+          <a:ln>
+            <a:noFill/>
+          </a:ln>
+        </p:spPr>
+      </p:pic>
+      <p:grpSp>
+        <p:nvGrpSpPr>
+          <p:cNvPr id="117" name="Google Shape;117;p17"/>
+          <p:cNvGrpSpPr/>
+          <p:nvPr/>
+        </p:nvGrpSpPr>
+        <p:grpSpPr>
+          <a:xfrm rot="-858253">
+            <a:off x="7595062" y="2968401"/>
+            <a:ext cx="572134" cy="483947"/>
+            <a:chOff x="1477075" y="1122475"/>
+            <a:chExt cx="237775" cy="201125"/>
+          </a:xfrm>
+        </p:grpSpPr>
+        <p:sp>
+          <p:nvSpPr>
+            <p:cNvPr id="118" name="Google Shape;118;p17"/>
+            <p:cNvSpPr/>
+            <p:nvPr/>
+          </p:nvSpPr>
+          <p:spPr>
+            <a:xfrm>
+              <a:off x="1513700" y="1122475"/>
+              <a:ext cx="201150" cy="201125"/>
+            </a:xfrm>
+            <a:custGeom>
+              <a:avLst/>
+              <a:gdLst/>
+              <a:ahLst/>
+              <a:cxnLst/>
+              <a:rect l="l" t="t" r="r" b="b"/>
+              <a:pathLst>
+                <a:path w="8046" h="8045" extrusionOk="0">
+                  <a:moveTo>
+                    <a:pt x="1560" y="0"/>
+                  </a:moveTo>
+                  <a:cubicBezTo>
+                    <a:pt x="699" y="0"/>
+                    <a:pt x="1" y="700"/>
+                    <a:pt x="1" y="1561"/>
+                  </a:cubicBezTo>
+                  <a:lnTo>
+                    <a:pt x="1" y="6485"/>
+                  </a:lnTo>
+                  <a:cubicBezTo>
+                    <a:pt x="1" y="7347"/>
+                    <a:pt x="699" y="8045"/>
+                    <a:pt x="1560" y="8045"/>
+                  </a:cubicBezTo>
+                  <a:lnTo>
+                    <a:pt x="6485" y="8045"/>
+                  </a:lnTo>
+                  <a:cubicBezTo>
+                    <a:pt x="7347" y="8045"/>
+                    <a:pt x="8045" y="7347"/>
+                    <a:pt x="8045" y="6485"/>
+                  </a:cubicBezTo>
+                  <a:lnTo>
+                    <a:pt x="8045" y="1561"/>
+                  </a:lnTo>
+                  <a:cubicBezTo>
+                    <a:pt x="8045" y="700"/>
+                    <a:pt x="7347" y="0"/>
+                    <a:pt x="6485" y="0"/>
+                  </a:cubicBezTo>
+                  <a:close/>
+                </a:path>
+              </a:pathLst>
+            </a:custGeom>
+            <a:solidFill>
+              <a:srgbClr val="4A67B4"/>
+            </a:solidFill>
+            <a:ln>
+              <a:noFill/>
+            </a:ln>
+          </p:spPr>
+          <p:txBody>
+            <a:bodyPr spcFirstLastPara="1" wrap="square" lIns="91425" tIns="91425" rIns="91425" bIns="91425" anchor="ctr" anchorCtr="0">
+              <a:noAutofit/>
+            </a:bodyPr>
+            <a:lstStyle/>
+            <a:p>
+              <a:pPr marL="0" lvl="0" indent="0" algn="l" rtl="0">
+                <a:spcBef>
+                  <a:spcPts val="0"/>
+                </a:spcBef>
+                <a:spcAft>
+                  <a:spcPts val="0"/>
+                </a:spcAft>
+                <a:buNone/>
+              </a:pPr>
+              <a:endParaRPr/>
+            </a:p>
+          </p:txBody>
+        </p:sp>
+        <p:sp>
+          <p:nvSpPr>
+            <p:cNvPr id="119" name="Google Shape;119;p17"/>
+            <p:cNvSpPr/>
+            <p:nvPr/>
+          </p:nvSpPr>
+          <p:spPr>
+            <a:xfrm>
+              <a:off x="1477075" y="1122475"/>
+              <a:ext cx="201100" cy="201125"/>
+            </a:xfrm>
+            <a:custGeom>
+              <a:avLst/>
+              <a:gdLst/>
+              <a:ahLst/>
+              <a:cxnLst/>
+              <a:rect l="l" t="t" r="r" b="b"/>
+              <a:pathLst>
+                <a:path w="8044" h="8045" extrusionOk="0">
+                  <a:moveTo>
+                    <a:pt x="134" y="0"/>
+                  </a:moveTo>
+                  <a:cubicBezTo>
+                    <a:pt x="59" y="0"/>
+                    <a:pt x="0" y="60"/>
+                    <a:pt x="0" y="133"/>
+                  </a:cubicBezTo>
+                  <a:lnTo>
+                    <a:pt x="0" y="7912"/>
+                  </a:lnTo>
+                  <a:cubicBezTo>
+                    <a:pt x="0" y="7986"/>
+                    <a:pt x="59" y="8045"/>
+                    <a:pt x="134" y="8045"/>
+                  </a:cubicBezTo>
+                  <a:lnTo>
+                    <a:pt x="7911" y="8045"/>
+                  </a:lnTo>
+                  <a:cubicBezTo>
+                    <a:pt x="7985" y="8045"/>
+                    <a:pt x="8044" y="7986"/>
+                    <a:pt x="8044" y="7912"/>
+                  </a:cubicBezTo>
+                  <a:lnTo>
+                    <a:pt x="8044" y="133"/>
+                  </a:lnTo>
+                  <a:cubicBezTo>
+                    <a:pt x="8044" y="60"/>
+                    <a:pt x="7985" y="0"/>
+                    <a:pt x="7911" y="0"/>
+                  </a:cubicBezTo>
+                  <a:close/>
+                </a:path>
+              </a:pathLst>
+            </a:custGeom>
+            <a:gradFill>
+              <a:gsLst>
+                <a:gs pos="0">
+                  <a:srgbClr val="A3C8FF"/>
+                </a:gs>
+                <a:gs pos="100000">
+                  <a:srgbClr val="4A67B4"/>
+                </a:gs>
+              </a:gsLst>
+              <a:lin ang="5400012" scaled="0"/>
+            </a:gradFill>
+            <a:ln>
+              <a:noFill/>
+            </a:ln>
+          </p:spPr>
+          <p:txBody>
+            <a:bodyPr spcFirstLastPara="1" wrap="square" lIns="91425" tIns="91425" rIns="91425" bIns="91425" anchor="ctr" anchorCtr="0">
+              <a:noAutofit/>
+            </a:bodyPr>
+            <a:lstStyle/>
+            <a:p>
+              <a:pPr marL="0" lvl="0" indent="0" algn="l" rtl="0">
+                <a:spcBef>
+                  <a:spcPts val="0"/>
+                </a:spcBef>
+                <a:spcAft>
+                  <a:spcPts val="0"/>
+                </a:spcAft>
+                <a:buNone/>
+              </a:pPr>
+              <a:endParaRPr/>
+            </a:p>
+          </p:txBody>
+        </p:sp>
+        <p:sp>
+          <p:nvSpPr>
+            <p:cNvPr id="120" name="Google Shape;120;p17"/>
+            <p:cNvSpPr/>
+            <p:nvPr/>
+          </p:nvSpPr>
+          <p:spPr>
+            <a:xfrm>
+              <a:off x="1553450" y="1147650"/>
+              <a:ext cx="48350" cy="48350"/>
+            </a:xfrm>
+            <a:custGeom>
+              <a:avLst/>
+              <a:gdLst/>
+              <a:ahLst/>
+              <a:cxnLst/>
+              <a:rect l="l" t="t" r="r" b="b"/>
+              <a:pathLst>
+                <a:path w="1934" h="1934" extrusionOk="0">
+                  <a:moveTo>
+                    <a:pt x="967" y="0"/>
+                  </a:moveTo>
+                  <a:cubicBezTo>
+                    <a:pt x="434" y="0"/>
+                    <a:pt x="1" y="433"/>
+                    <a:pt x="1" y="968"/>
+                  </a:cubicBezTo>
+                  <a:cubicBezTo>
+                    <a:pt x="1" y="1501"/>
+                    <a:pt x="434" y="1934"/>
+                    <a:pt x="967" y="1934"/>
+                  </a:cubicBezTo>
+                  <a:cubicBezTo>
+                    <a:pt x="1500" y="1934"/>
+                    <a:pt x="1933" y="1501"/>
+                    <a:pt x="1933" y="968"/>
+                  </a:cubicBezTo>
+                  <a:cubicBezTo>
+                    <a:pt x="1933" y="433"/>
+                    <a:pt x="1501" y="0"/>
+                    <a:pt x="967" y="0"/>
+                  </a:cubicBezTo>
+                  <a:close/>
+                </a:path>
+              </a:pathLst>
+            </a:custGeom>
+            <a:solidFill>
+              <a:srgbClr val="FFFFFF"/>
+            </a:solidFill>
+            <a:ln>
+              <a:noFill/>
+            </a:ln>
+          </p:spPr>
+          <p:txBody>
+            <a:bodyPr spcFirstLastPara="1" wrap="square" lIns="91425" tIns="91425" rIns="91425" bIns="91425" anchor="ctr" anchorCtr="0">
+              <a:noAutofit/>
+            </a:bodyPr>
+            <a:lstStyle/>
+            <a:p>
+              <a:pPr marL="0" lvl="0" indent="0" algn="l" rtl="0">
+                <a:spcBef>
+                  <a:spcPts val="0"/>
+                </a:spcBef>
+                <a:spcAft>
+                  <a:spcPts val="0"/>
+                </a:spcAft>
+                <a:buNone/>
+              </a:pPr>
+              <a:endParaRPr/>
+            </a:p>
+          </p:txBody>
+        </p:sp>
+        <p:sp>
+          <p:nvSpPr>
+            <p:cNvPr id="121" name="Google Shape;121;p17"/>
+            <p:cNvSpPr/>
+            <p:nvPr/>
+          </p:nvSpPr>
+          <p:spPr>
+            <a:xfrm>
+              <a:off x="1527250" y="1203250"/>
+              <a:ext cx="100750" cy="91900"/>
+            </a:xfrm>
+            <a:custGeom>
+              <a:avLst/>
+              <a:gdLst/>
+              <a:ahLst/>
+              <a:cxnLst/>
+              <a:rect l="l" t="t" r="r" b="b"/>
+              <a:pathLst>
+                <a:path w="4030" h="3676" extrusionOk="0">
+                  <a:moveTo>
+                    <a:pt x="2015" y="1"/>
+                  </a:moveTo>
+                  <a:cubicBezTo>
+                    <a:pt x="902" y="1"/>
+                    <a:pt x="0" y="903"/>
+                    <a:pt x="0" y="2015"/>
+                  </a:cubicBezTo>
+                  <a:lnTo>
+                    <a:pt x="0" y="3443"/>
+                  </a:lnTo>
+                  <a:cubicBezTo>
+                    <a:pt x="0" y="3572"/>
+                    <a:pt x="104" y="3675"/>
+                    <a:pt x="233" y="3675"/>
+                  </a:cubicBezTo>
+                  <a:lnTo>
+                    <a:pt x="3796" y="3675"/>
+                  </a:lnTo>
+                  <a:cubicBezTo>
+                    <a:pt x="3925" y="3675"/>
+                    <a:pt x="4030" y="3572"/>
+                    <a:pt x="4030" y="3443"/>
+                  </a:cubicBezTo>
+                  <a:lnTo>
+                    <a:pt x="4030" y="2015"/>
+                  </a:lnTo>
+                  <a:cubicBezTo>
+                    <a:pt x="4030" y="903"/>
+                    <a:pt x="3128" y="1"/>
+                    <a:pt x="2015" y="1"/>
+                  </a:cubicBezTo>
+                  <a:close/>
+                </a:path>
+              </a:pathLst>
+            </a:custGeom>
+            <a:solidFill>
+              <a:srgbClr val="FFFFFF"/>
+            </a:solidFill>
+            <a:ln>
+              <a:noFill/>
+            </a:ln>
+          </p:spPr>
+          <p:txBody>
+            <a:bodyPr spcFirstLastPara="1" wrap="square" lIns="91425" tIns="91425" rIns="91425" bIns="91425" anchor="ctr" anchorCtr="0">
+              <a:noAutofit/>
+            </a:bodyPr>
+            <a:lstStyle/>
+            <a:p>
+              <a:pPr marL="0" lvl="0" indent="0" algn="l" rtl="0">
+                <a:spcBef>
+                  <a:spcPts val="0"/>
+                </a:spcBef>
+                <a:spcAft>
+                  <a:spcPts val="0"/>
+                </a:spcAft>
+                <a:buNone/>
+              </a:pPr>
+              <a:endParaRPr/>
+            </a:p>
+          </p:txBody>
+        </p:sp>
+      </p:grpSp>
+      <p:grpSp>
+        <p:nvGrpSpPr>
+          <p:cNvPr id="125" name="Google Shape;125;p17"/>
+          <p:cNvGrpSpPr/>
+          <p:nvPr/>
+        </p:nvGrpSpPr>
+        <p:grpSpPr>
+          <a:xfrm rot="431122">
+            <a:off x="8153084" y="2244542"/>
+            <a:ext cx="802375" cy="827329"/>
+            <a:chOff x="4035150" y="1187900"/>
+            <a:chExt cx="311100" cy="320800"/>
+          </a:xfrm>
+        </p:grpSpPr>
+        <p:sp>
+          <p:nvSpPr>
+            <p:cNvPr id="126" name="Google Shape;126;p17"/>
+            <p:cNvSpPr/>
+            <p:nvPr/>
+          </p:nvSpPr>
+          <p:spPr>
+            <a:xfrm>
+              <a:off x="4035150" y="1187900"/>
+              <a:ext cx="148725" cy="318675"/>
+            </a:xfrm>
+            <a:custGeom>
+              <a:avLst/>
+              <a:gdLst/>
+              <a:ahLst/>
+              <a:cxnLst/>
+              <a:rect l="l" t="t" r="r" b="b"/>
+              <a:pathLst>
+                <a:path w="5949" h="12747" extrusionOk="0">
+                  <a:moveTo>
+                    <a:pt x="2695" y="1"/>
+                  </a:moveTo>
+                  <a:cubicBezTo>
+                    <a:pt x="2418" y="1"/>
+                    <a:pt x="2169" y="191"/>
+                    <a:pt x="2103" y="470"/>
+                  </a:cubicBezTo>
+                  <a:lnTo>
+                    <a:pt x="77" y="9074"/>
+                  </a:lnTo>
+                  <a:cubicBezTo>
+                    <a:pt x="1" y="9397"/>
+                    <a:pt x="199" y="9723"/>
+                    <a:pt x="522" y="9803"/>
+                  </a:cubicBezTo>
+                  <a:lnTo>
+                    <a:pt x="2308" y="10248"/>
+                  </a:lnTo>
+                  <a:lnTo>
+                    <a:pt x="2980" y="10344"/>
+                  </a:lnTo>
+                  <a:lnTo>
+                    <a:pt x="3578" y="12143"/>
+                  </a:lnTo>
+                  <a:cubicBezTo>
+                    <a:pt x="3650" y="12360"/>
+                    <a:pt x="3836" y="12517"/>
+                    <a:pt x="4062" y="12552"/>
+                  </a:cubicBezTo>
+                  <a:lnTo>
+                    <a:pt x="5298" y="12747"/>
+                  </a:lnTo>
+                  <a:lnTo>
+                    <a:pt x="5817" y="11544"/>
+                  </a:lnTo>
+                  <a:lnTo>
+                    <a:pt x="5948" y="539"/>
+                  </a:lnTo>
+                  <a:lnTo>
+                    <a:pt x="2797" y="9"/>
+                  </a:lnTo>
+                  <a:cubicBezTo>
+                    <a:pt x="2763" y="3"/>
+                    <a:pt x="2729" y="1"/>
+                    <a:pt x="2695" y="1"/>
+                  </a:cubicBezTo>
+                  <a:close/>
+                </a:path>
+              </a:pathLst>
+            </a:custGeom>
+            <a:solidFill>
+              <a:srgbClr val="3676F7"/>
+            </a:solidFill>
+            <a:ln>
+              <a:noFill/>
+            </a:ln>
+          </p:spPr>
+          <p:txBody>
+            <a:bodyPr spcFirstLastPara="1" wrap="square" lIns="91425" tIns="91425" rIns="91425" bIns="91425" anchor="ctr" anchorCtr="0">
+              <a:noAutofit/>
+            </a:bodyPr>
+            <a:lstStyle/>
+            <a:p>
+              <a:pPr marL="0" lvl="0" indent="0" algn="l" rtl="0">
+                <a:spcBef>
+                  <a:spcPts val="0"/>
+                </a:spcBef>
+                <a:spcAft>
+                  <a:spcPts val="0"/>
+                </a:spcAft>
+                <a:buNone/>
+              </a:pPr>
+              <a:endParaRPr/>
+            </a:p>
+          </p:txBody>
+        </p:sp>
+        <p:sp>
+          <p:nvSpPr>
+            <p:cNvPr id="127" name="Google Shape;127;p17"/>
+            <p:cNvSpPr/>
+            <p:nvPr/>
+          </p:nvSpPr>
+          <p:spPr>
+            <a:xfrm>
+              <a:off x="4074150" y="1194575"/>
+              <a:ext cx="272100" cy="314125"/>
+            </a:xfrm>
+            <a:custGeom>
+              <a:avLst/>
+              <a:gdLst/>
+              <a:ahLst/>
+              <a:cxnLst/>
+              <a:rect l="l" t="t" r="r" b="b"/>
+              <a:pathLst>
+                <a:path w="10884" h="12565" extrusionOk="0">
+                  <a:moveTo>
+                    <a:pt x="2950" y="1"/>
+                  </a:moveTo>
+                  <a:cubicBezTo>
+                    <a:pt x="2672" y="1"/>
+                    <a:pt x="2422" y="188"/>
+                    <a:pt x="2350" y="466"/>
+                  </a:cubicBezTo>
+                  <a:lnTo>
+                    <a:pt x="93" y="9191"/>
+                  </a:lnTo>
+                  <a:cubicBezTo>
+                    <a:pt x="1" y="9549"/>
+                    <a:pt x="240" y="9909"/>
+                    <a:pt x="607" y="9961"/>
+                  </a:cubicBezTo>
+                  <a:lnTo>
+                    <a:pt x="2581" y="10243"/>
+                  </a:lnTo>
+                  <a:cubicBezTo>
+                    <a:pt x="2834" y="10279"/>
+                    <a:pt x="3039" y="10466"/>
+                    <a:pt x="3097" y="10715"/>
+                  </a:cubicBezTo>
+                  <a:lnTo>
+                    <a:pt x="3423" y="12086"/>
+                  </a:lnTo>
+                  <a:cubicBezTo>
+                    <a:pt x="3495" y="12391"/>
+                    <a:pt x="3761" y="12565"/>
+                    <a:pt x="4031" y="12565"/>
+                  </a:cubicBezTo>
+                  <a:cubicBezTo>
+                    <a:pt x="4210" y="12565"/>
+                    <a:pt x="4391" y="12488"/>
+                    <a:pt x="4518" y="12324"/>
+                  </a:cubicBezTo>
+                  <a:lnTo>
+                    <a:pt x="5545" y="10997"/>
+                  </a:lnTo>
+                  <a:cubicBezTo>
+                    <a:pt x="5664" y="10843"/>
+                    <a:pt x="5845" y="10756"/>
+                    <a:pt x="6036" y="10756"/>
+                  </a:cubicBezTo>
+                  <a:cubicBezTo>
+                    <a:pt x="6065" y="10756"/>
+                    <a:pt x="6094" y="10758"/>
+                    <a:pt x="6123" y="10762"/>
+                  </a:cubicBezTo>
+                  <a:lnTo>
+                    <a:pt x="8129" y="11042"/>
+                  </a:lnTo>
+                  <a:cubicBezTo>
+                    <a:pt x="8158" y="11046"/>
+                    <a:pt x="8187" y="11048"/>
+                    <a:pt x="8216" y="11048"/>
+                  </a:cubicBezTo>
+                  <a:cubicBezTo>
+                    <a:pt x="8499" y="11048"/>
+                    <a:pt x="8751" y="10853"/>
+                    <a:pt x="8819" y="10569"/>
+                  </a:cubicBezTo>
+                  <a:lnTo>
+                    <a:pt x="10803" y="2192"/>
+                  </a:lnTo>
+                  <a:cubicBezTo>
+                    <a:pt x="10884" y="1850"/>
+                    <a:pt x="10664" y="1508"/>
+                    <a:pt x="10319" y="1440"/>
+                  </a:cubicBezTo>
+                  <a:lnTo>
+                    <a:pt x="3072" y="13"/>
+                  </a:lnTo>
+                  <a:cubicBezTo>
+                    <a:pt x="3031" y="4"/>
+                    <a:pt x="2990" y="1"/>
+                    <a:pt x="2950" y="1"/>
+                  </a:cubicBezTo>
+                  <a:close/>
+                </a:path>
+              </a:pathLst>
+            </a:custGeom>
+            <a:gradFill>
+              <a:gsLst>
+                <a:gs pos="0">
+                  <a:srgbClr val="E9E9E9"/>
+                </a:gs>
+                <a:gs pos="100000">
+                  <a:srgbClr val="A3C8FF"/>
+                </a:gs>
+              </a:gsLst>
+              <a:lin ang="5400700" scaled="0"/>
+            </a:gradFill>
+            <a:ln>
+              <a:noFill/>
+            </a:ln>
+          </p:spPr>
+          <p:txBody>
+            <a:bodyPr spcFirstLastPara="1" wrap="square" lIns="91425" tIns="91425" rIns="91425" bIns="91425" anchor="ctr" anchorCtr="0">
+              <a:noAutofit/>
+            </a:bodyPr>
+            <a:lstStyle/>
+            <a:p>
+              <a:pPr marL="0" lvl="0" indent="0" algn="l" rtl="0">
+                <a:spcBef>
+                  <a:spcPts val="0"/>
+                </a:spcBef>
+                <a:spcAft>
+                  <a:spcPts val="0"/>
+                </a:spcAft>
+                <a:buNone/>
+              </a:pPr>
+              <a:endParaRPr/>
+            </a:p>
+          </p:txBody>
+        </p:sp>
+      </p:grpSp>
+      <p:grpSp>
+        <p:nvGrpSpPr>
+          <p:cNvPr id="128" name="Google Shape;128;p17"/>
+          <p:cNvGrpSpPr/>
+          <p:nvPr/>
+        </p:nvGrpSpPr>
+        <p:grpSpPr>
+          <a:xfrm>
+            <a:off x="148647" y="4099132"/>
+            <a:ext cx="985088" cy="921030"/>
+            <a:chOff x="3385225" y="1725400"/>
+            <a:chExt cx="698050" cy="652750"/>
+          </a:xfrm>
+        </p:grpSpPr>
+        <p:sp>
+          <p:nvSpPr>
+            <p:cNvPr id="129" name="Google Shape;129;p17"/>
+            <p:cNvSpPr/>
+            <p:nvPr/>
+          </p:nvSpPr>
+          <p:spPr>
+            <a:xfrm>
+              <a:off x="3385225" y="1986375"/>
+              <a:ext cx="514600" cy="391775"/>
+            </a:xfrm>
+            <a:custGeom>
+              <a:avLst/>
+              <a:gdLst/>
+              <a:ahLst/>
+              <a:cxnLst/>
+              <a:rect l="l" t="t" r="r" b="b"/>
+              <a:pathLst>
+                <a:path w="20584" h="15671" extrusionOk="0">
+                  <a:moveTo>
+                    <a:pt x="2420" y="0"/>
+                  </a:moveTo>
+                  <a:lnTo>
+                    <a:pt x="375" y="1304"/>
+                  </a:lnTo>
+                  <a:cubicBezTo>
+                    <a:pt x="90" y="1486"/>
+                    <a:pt x="1" y="1862"/>
+                    <a:pt x="175" y="2153"/>
+                  </a:cubicBezTo>
+                  <a:lnTo>
+                    <a:pt x="8078" y="15366"/>
+                  </a:lnTo>
+                  <a:cubicBezTo>
+                    <a:pt x="8193" y="15558"/>
+                    <a:pt x="8399" y="15671"/>
+                    <a:pt x="8616" y="15671"/>
+                  </a:cubicBezTo>
+                  <a:cubicBezTo>
+                    <a:pt x="8660" y="15671"/>
+                    <a:pt x="8705" y="15666"/>
+                    <a:pt x="8750" y="15656"/>
+                  </a:cubicBezTo>
+                  <a:lnTo>
+                    <a:pt x="9796" y="15426"/>
+                  </a:lnTo>
+                  <a:lnTo>
+                    <a:pt x="15151" y="11910"/>
+                  </a:lnTo>
+                  <a:lnTo>
+                    <a:pt x="19211" y="13628"/>
+                  </a:lnTo>
+                  <a:cubicBezTo>
+                    <a:pt x="19289" y="13661"/>
+                    <a:pt x="19373" y="13678"/>
+                    <a:pt x="19456" y="13678"/>
+                  </a:cubicBezTo>
+                  <a:cubicBezTo>
+                    <a:pt x="19501" y="13678"/>
+                    <a:pt x="19546" y="13673"/>
+                    <a:pt x="19591" y="13664"/>
+                  </a:cubicBezTo>
+                  <a:lnTo>
+                    <a:pt x="20583" y="13443"/>
+                  </a:lnTo>
+                  <a:lnTo>
+                    <a:pt x="2420" y="0"/>
+                  </a:lnTo>
+                  <a:close/>
+                </a:path>
+              </a:pathLst>
+            </a:custGeom>
+            <a:solidFill>
+              <a:srgbClr val="3676F7"/>
+            </a:solidFill>
+            <a:ln>
+              <a:noFill/>
+            </a:ln>
+          </p:spPr>
+          <p:txBody>
+            <a:bodyPr spcFirstLastPara="1" wrap="square" lIns="91425" tIns="91425" rIns="91425" bIns="91425" anchor="ctr" anchorCtr="0">
+              <a:noAutofit/>
+            </a:bodyPr>
+            <a:lstStyle/>
+            <a:p>
+              <a:pPr marL="0" lvl="0" indent="0" algn="l" rtl="0">
+                <a:spcBef>
+                  <a:spcPts val="0"/>
+                </a:spcBef>
+                <a:spcAft>
+                  <a:spcPts val="0"/>
+                </a:spcAft>
+                <a:buNone/>
+              </a:pPr>
+              <a:endParaRPr/>
+            </a:p>
+          </p:txBody>
+        </p:sp>
+        <p:sp>
+          <p:nvSpPr>
+            <p:cNvPr id="130" name="Google Shape;130;p17"/>
+            <p:cNvSpPr/>
+            <p:nvPr/>
+          </p:nvSpPr>
+          <p:spPr>
+            <a:xfrm>
+              <a:off x="3406300" y="1725400"/>
+              <a:ext cx="676975" cy="646000"/>
+            </a:xfrm>
+            <a:custGeom>
+              <a:avLst/>
+              <a:gdLst/>
+              <a:ahLst/>
+              <a:cxnLst/>
+              <a:rect l="l" t="t" r="r" b="b"/>
+              <a:pathLst>
+                <a:path w="27079" h="25840" extrusionOk="0">
+                  <a:moveTo>
+                    <a:pt x="18522" y="1"/>
+                  </a:moveTo>
+                  <a:cubicBezTo>
+                    <a:pt x="18367" y="1"/>
+                    <a:pt x="18210" y="43"/>
+                    <a:pt x="18068" y="131"/>
+                  </a:cubicBezTo>
+                  <a:lnTo>
+                    <a:pt x="520" y="11099"/>
+                  </a:lnTo>
+                  <a:cubicBezTo>
+                    <a:pt x="125" y="11345"/>
+                    <a:pt x="0" y="11860"/>
+                    <a:pt x="236" y="12261"/>
+                  </a:cubicBezTo>
+                  <a:lnTo>
+                    <a:pt x="8000" y="25418"/>
+                  </a:lnTo>
+                  <a:cubicBezTo>
+                    <a:pt x="8160" y="25689"/>
+                    <a:pt x="8445" y="25839"/>
+                    <a:pt x="8738" y="25839"/>
+                  </a:cubicBezTo>
+                  <a:cubicBezTo>
+                    <a:pt x="8899" y="25839"/>
+                    <a:pt x="9062" y="25793"/>
+                    <a:pt x="9208" y="25698"/>
+                  </a:cubicBezTo>
+                  <a:lnTo>
+                    <a:pt x="14594" y="22161"/>
+                  </a:lnTo>
+                  <a:cubicBezTo>
+                    <a:pt x="14735" y="22068"/>
+                    <a:pt x="14899" y="22021"/>
+                    <a:pt x="15063" y="22021"/>
+                  </a:cubicBezTo>
+                  <a:cubicBezTo>
+                    <a:pt x="15184" y="22021"/>
+                    <a:pt x="15306" y="22047"/>
+                    <a:pt x="15419" y="22099"/>
+                  </a:cubicBezTo>
+                  <a:lnTo>
+                    <a:pt x="19191" y="23822"/>
+                  </a:lnTo>
+                  <a:cubicBezTo>
+                    <a:pt x="19308" y="23875"/>
+                    <a:pt x="19429" y="23900"/>
+                    <a:pt x="19547" y="23900"/>
+                  </a:cubicBezTo>
+                  <a:cubicBezTo>
+                    <a:pt x="19982" y="23900"/>
+                    <a:pt x="20377" y="23563"/>
+                    <a:pt x="20403" y="23089"/>
+                  </a:cubicBezTo>
+                  <a:lnTo>
+                    <a:pt x="20640" y="18715"/>
+                  </a:lnTo>
+                  <a:cubicBezTo>
+                    <a:pt x="20656" y="18437"/>
+                    <a:pt x="20804" y="18184"/>
+                    <a:pt x="21039" y="18037"/>
+                  </a:cubicBezTo>
+                  <a:lnTo>
+                    <a:pt x="26563" y="14556"/>
+                  </a:lnTo>
+                  <a:cubicBezTo>
+                    <a:pt x="26953" y="14311"/>
+                    <a:pt x="27079" y="13799"/>
+                    <a:pt x="26846" y="13400"/>
+                  </a:cubicBezTo>
+                  <a:lnTo>
+                    <a:pt x="19262" y="425"/>
+                  </a:lnTo>
+                  <a:cubicBezTo>
+                    <a:pt x="19102" y="152"/>
+                    <a:pt x="18816" y="1"/>
+                    <a:pt x="18522" y="1"/>
+                  </a:cubicBezTo>
+                  <a:close/>
+                </a:path>
+              </a:pathLst>
+            </a:custGeom>
+            <a:gradFill>
+              <a:gsLst>
+                <a:gs pos="0">
+                  <a:srgbClr val="E9E9E9"/>
+                </a:gs>
+                <a:gs pos="100000">
+                  <a:srgbClr val="A3C8FF"/>
+                </a:gs>
+              </a:gsLst>
+              <a:lin ang="5400700" scaled="0"/>
+            </a:gradFill>
+            <a:ln>
+              <a:noFill/>
+            </a:ln>
+          </p:spPr>
+          <p:txBody>
+            <a:bodyPr spcFirstLastPara="1" wrap="square" lIns="91425" tIns="91425" rIns="91425" bIns="91425" anchor="ctr" anchorCtr="0">
+              <a:noAutofit/>
+            </a:bodyPr>
+            <a:lstStyle/>
+            <a:p>
+              <a:pPr marL="0" lvl="0" indent="0" algn="l" rtl="0">
+                <a:spcBef>
+                  <a:spcPts val="0"/>
+                </a:spcBef>
+                <a:spcAft>
+                  <a:spcPts val="0"/>
+                </a:spcAft>
+                <a:buNone/>
+              </a:pPr>
+              <a:endParaRPr/>
+            </a:p>
+          </p:txBody>
+        </p:sp>
+      </p:grpSp>
+      <p:grpSp>
+        <p:nvGrpSpPr>
+          <p:cNvPr id="131" name="Google Shape;131;p17"/>
+          <p:cNvGrpSpPr/>
+          <p:nvPr/>
+        </p:nvGrpSpPr>
+        <p:grpSpPr>
+          <a:xfrm rot="-305266">
+            <a:off x="998793" y="4500598"/>
+            <a:ext cx="585125" cy="494895"/>
+            <a:chOff x="1488250" y="1650750"/>
+            <a:chExt cx="211450" cy="178850"/>
+          </a:xfrm>
+        </p:grpSpPr>
+        <p:sp>
+          <p:nvSpPr>
+            <p:cNvPr id="132" name="Google Shape;132;p17"/>
+            <p:cNvSpPr/>
+            <p:nvPr/>
+          </p:nvSpPr>
+          <p:spPr>
+            <a:xfrm>
+              <a:off x="1520850" y="1650750"/>
+              <a:ext cx="178850" cy="178850"/>
+            </a:xfrm>
+            <a:custGeom>
+              <a:avLst/>
+              <a:gdLst/>
+              <a:ahLst/>
+              <a:cxnLst/>
+              <a:rect l="l" t="t" r="r" b="b"/>
+              <a:pathLst>
+                <a:path w="7154" h="7154" extrusionOk="0">
+                  <a:moveTo>
+                    <a:pt x="1388" y="0"/>
+                  </a:moveTo>
+                  <a:cubicBezTo>
+                    <a:pt x="621" y="0"/>
+                    <a:pt x="0" y="621"/>
+                    <a:pt x="0" y="1387"/>
+                  </a:cubicBezTo>
+                  <a:lnTo>
+                    <a:pt x="0" y="5766"/>
+                  </a:lnTo>
+                  <a:cubicBezTo>
+                    <a:pt x="0" y="6532"/>
+                    <a:pt x="621" y="7153"/>
+                    <a:pt x="1388" y="7153"/>
+                  </a:cubicBezTo>
+                  <a:lnTo>
+                    <a:pt x="5766" y="7153"/>
+                  </a:lnTo>
+                  <a:cubicBezTo>
+                    <a:pt x="6532" y="7153"/>
+                    <a:pt x="7153" y="6532"/>
+                    <a:pt x="7153" y="5766"/>
+                  </a:cubicBezTo>
+                  <a:lnTo>
+                    <a:pt x="7153" y="1387"/>
+                  </a:lnTo>
+                  <a:cubicBezTo>
+                    <a:pt x="7153" y="621"/>
+                    <a:pt x="6532" y="0"/>
+                    <a:pt x="5766" y="0"/>
+                  </a:cubicBezTo>
+                  <a:close/>
+                </a:path>
+              </a:pathLst>
+            </a:custGeom>
+            <a:solidFill>
+              <a:srgbClr val="3676F7"/>
+            </a:solidFill>
+            <a:ln>
+              <a:noFill/>
+            </a:ln>
+          </p:spPr>
+          <p:txBody>
+            <a:bodyPr spcFirstLastPara="1" wrap="square" lIns="91425" tIns="91425" rIns="91425" bIns="91425" anchor="ctr" anchorCtr="0">
+              <a:noAutofit/>
+            </a:bodyPr>
+            <a:lstStyle/>
+            <a:p>
+              <a:pPr marL="0" lvl="0" indent="0" algn="l" rtl="0">
+                <a:spcBef>
+                  <a:spcPts val="0"/>
+                </a:spcBef>
+                <a:spcAft>
+                  <a:spcPts val="0"/>
+                </a:spcAft>
+                <a:buNone/>
+              </a:pPr>
+              <a:endParaRPr/>
+            </a:p>
+          </p:txBody>
+        </p:sp>
+        <p:sp>
+          <p:nvSpPr>
+            <p:cNvPr id="133" name="Google Shape;133;p17"/>
+            <p:cNvSpPr/>
+            <p:nvPr/>
+          </p:nvSpPr>
+          <p:spPr>
+            <a:xfrm>
+              <a:off x="1488250" y="1650750"/>
+              <a:ext cx="178850" cy="178850"/>
+            </a:xfrm>
+            <a:custGeom>
+              <a:avLst/>
+              <a:gdLst/>
+              <a:ahLst/>
+              <a:cxnLst/>
+              <a:rect l="l" t="t" r="r" b="b"/>
+              <a:pathLst>
+                <a:path w="7154" h="7154" extrusionOk="0">
+                  <a:moveTo>
+                    <a:pt x="103" y="0"/>
+                  </a:moveTo>
+                  <a:cubicBezTo>
+                    <a:pt x="46" y="0"/>
+                    <a:pt x="1" y="46"/>
+                    <a:pt x="1" y="102"/>
+                  </a:cubicBezTo>
+                  <a:lnTo>
+                    <a:pt x="1" y="7050"/>
+                  </a:lnTo>
+                  <a:cubicBezTo>
+                    <a:pt x="1" y="7106"/>
+                    <a:pt x="46" y="7153"/>
+                    <a:pt x="103" y="7153"/>
+                  </a:cubicBezTo>
+                  <a:lnTo>
+                    <a:pt x="7052" y="7153"/>
+                  </a:lnTo>
+                  <a:cubicBezTo>
+                    <a:pt x="7108" y="7153"/>
+                    <a:pt x="7153" y="7106"/>
+                    <a:pt x="7153" y="7050"/>
+                  </a:cubicBezTo>
+                  <a:lnTo>
+                    <a:pt x="7153" y="102"/>
+                  </a:lnTo>
+                  <a:cubicBezTo>
+                    <a:pt x="7153" y="46"/>
+                    <a:pt x="7108" y="0"/>
+                    <a:pt x="7052" y="0"/>
+                  </a:cubicBezTo>
+                  <a:close/>
+                </a:path>
+              </a:pathLst>
+            </a:custGeom>
+            <a:gradFill>
+              <a:gsLst>
+                <a:gs pos="0">
+                  <a:srgbClr val="A3C8FF"/>
+                </a:gs>
+                <a:gs pos="100000">
+                  <a:srgbClr val="628EFF"/>
+                </a:gs>
+              </a:gsLst>
+              <a:lin ang="5400012" scaled="0"/>
+            </a:gradFill>
+            <a:ln>
+              <a:noFill/>
+            </a:ln>
+          </p:spPr>
+          <p:txBody>
+            <a:bodyPr spcFirstLastPara="1" wrap="square" lIns="91425" tIns="91425" rIns="91425" bIns="91425" anchor="ctr" anchorCtr="0">
+              <a:noAutofit/>
+            </a:bodyPr>
+            <a:lstStyle/>
+            <a:p>
+              <a:pPr marL="0" lvl="0" indent="0" algn="l" rtl="0">
+                <a:spcBef>
+                  <a:spcPts val="0"/>
+                </a:spcBef>
+                <a:spcAft>
+                  <a:spcPts val="0"/>
+                </a:spcAft>
+                <a:buNone/>
+              </a:pPr>
+              <a:endParaRPr/>
+            </a:p>
+          </p:txBody>
+        </p:sp>
+        <p:sp>
+          <p:nvSpPr>
+            <p:cNvPr id="134" name="Google Shape;134;p17"/>
+            <p:cNvSpPr/>
+            <p:nvPr/>
+          </p:nvSpPr>
+          <p:spPr>
+            <a:xfrm>
+              <a:off x="1549425" y="1705750"/>
+              <a:ext cx="61650" cy="68825"/>
+            </a:xfrm>
+            <a:custGeom>
+              <a:avLst/>
+              <a:gdLst/>
+              <a:ahLst/>
+              <a:cxnLst/>
+              <a:rect l="l" t="t" r="r" b="b"/>
+              <a:pathLst>
+                <a:path w="2466" h="2753" extrusionOk="0">
+                  <a:moveTo>
+                    <a:pt x="191" y="1"/>
+                  </a:moveTo>
+                  <a:cubicBezTo>
+                    <a:pt x="91" y="1"/>
+                    <a:pt x="0" y="80"/>
+                    <a:pt x="0" y="192"/>
+                  </a:cubicBezTo>
+                  <a:lnTo>
+                    <a:pt x="0" y="2562"/>
+                  </a:lnTo>
+                  <a:cubicBezTo>
+                    <a:pt x="0" y="2673"/>
+                    <a:pt x="92" y="2752"/>
+                    <a:pt x="191" y="2752"/>
+                  </a:cubicBezTo>
+                  <a:cubicBezTo>
+                    <a:pt x="223" y="2752"/>
+                    <a:pt x="255" y="2744"/>
+                    <a:pt x="286" y="2727"/>
+                  </a:cubicBezTo>
+                  <a:lnTo>
+                    <a:pt x="2338" y="1541"/>
+                  </a:lnTo>
+                  <a:cubicBezTo>
+                    <a:pt x="2465" y="1468"/>
+                    <a:pt x="2465" y="1285"/>
+                    <a:pt x="2338" y="1212"/>
+                  </a:cubicBezTo>
+                  <a:lnTo>
+                    <a:pt x="286" y="27"/>
+                  </a:lnTo>
+                  <a:cubicBezTo>
+                    <a:pt x="255" y="9"/>
+                    <a:pt x="223" y="1"/>
+                    <a:pt x="191" y="1"/>
+                  </a:cubicBezTo>
+                  <a:close/>
+                </a:path>
+              </a:pathLst>
+            </a:custGeom>
+            <a:solidFill>
+              <a:srgbClr val="FFFFFF"/>
+            </a:solidFill>
+            <a:ln>
+              <a:noFill/>
+            </a:ln>
+          </p:spPr>
+          <p:txBody>
+            <a:bodyPr spcFirstLastPara="1" wrap="square" lIns="91425" tIns="91425" rIns="91425" bIns="91425" anchor="ctr" anchorCtr="0">
+              <a:noAutofit/>
+            </a:bodyPr>
+            <a:lstStyle/>
+            <a:p>
+              <a:pPr marL="0" lvl="0" indent="0" algn="l" rtl="0">
+                <a:spcBef>
+                  <a:spcPts val="0"/>
+                </a:spcBef>
+                <a:spcAft>
+                  <a:spcPts val="0"/>
+                </a:spcAft>
+                <a:buNone/>
+              </a:pPr>
+              <a:endParaRPr/>
+            </a:p>
+          </p:txBody>
+        </p:sp>
+      </p:grpSp>
+      <p:sp>
+        <p:nvSpPr>
+          <p:cNvPr id="3" name="TextBox 2"/>
+          <p:cNvSpPr txBox="1"/>
+          <p:nvPr/>
+        </p:nvSpPr>
+        <p:spPr>
+          <a:xfrm>
+            <a:off x="1751610" y="1270982"/>
+            <a:ext cx="6186145" cy="348109"/>
+          </a:xfrm>
+          <a:prstGeom prst="rect">
+            <a:avLst/>
+          </a:prstGeom>
+          <a:noFill/>
+        </p:spPr>
+        <p:txBody>
+          <a:bodyPr wrap="square" rtlCol="0">
+            <a:spAutoFit/>
+          </a:bodyPr>
+          <a:lstStyle/>
+          <a:p>
+            <a:pPr lvl="0">
+              <a:lnSpc>
+                <a:spcPct val="133000"/>
+              </a:lnSpc>
+              <a:spcBef>
+                <a:spcPct val="0"/>
+              </a:spcBef>
+              <a:spcAft>
+                <a:spcPct val="0"/>
+              </a:spcAft>
+              <a:tabLst>
+                <a:tab pos="723900" algn="l"/>
+                <a:tab pos="1447800" algn="l"/>
+                <a:tab pos="2171700" algn="l"/>
+                <a:tab pos="2895600" algn="l"/>
+                <a:tab pos="3619500" algn="l"/>
+                <a:tab pos="4343400" algn="l"/>
+                <a:tab pos="5067300" algn="l"/>
+                <a:tab pos="5791200" algn="l"/>
+                <a:tab pos="6515100" algn="l"/>
+              </a:tabLst>
+            </a:pPr>
+            <a:r>
+              <a:rPr lang="id-ID" altLang="en-US" b="1" dirty="0" smtClean="0">
+                <a:solidFill>
+                  <a:schemeClr val="tx1"/>
+                </a:solidFill>
+                <a:latin typeface="Rubik" charset="0"/>
+                <a:ea typeface="Rubik" charset="0"/>
+              </a:rPr>
+              <a:t>Melakukan request data </a:t>
+            </a:r>
             <a:endParaRPr lang="en-AU" altLang="en-US" b="1" dirty="0">
               <a:solidFill>
                 <a:schemeClr val="tx1"/>
@@ -27668,29 +29160,6 @@
           </a:p>
         </p:txBody>
       </p:sp>
-      <p:pic>
-        <p:nvPicPr>
-          <p:cNvPr id="2" name="Picture 1"/>
-          <p:cNvPicPr>
-            <a:picLocks noChangeAspect="1"/>
-          </p:cNvPicPr>
-          <p:nvPr/>
-        </p:nvPicPr>
-        <p:blipFill rotWithShape="1">
-          <a:blip r:embed="rId4"/>
-          <a:srcRect l="3590" t="-684" r="8620" b="2203"/>
-          <a:stretch/>
-        </p:blipFill>
-        <p:spPr>
-          <a:xfrm>
-            <a:off x="2143417" y="1710639"/>
-            <a:ext cx="4788088" cy="3021273"/>
-          </a:xfrm>
-          <a:prstGeom prst="rect">
-            <a:avLst/>
-          </a:prstGeom>
-        </p:spPr>
-      </p:pic>
     </p:spTree>
     <p:extLst>
       <p:ext uri="{BB962C8B-B14F-4D97-AF65-F5344CB8AC3E}">
@@ -27704,7 +29173,7 @@
 </p:sld>
 </file>
 
-<file path=ppt/slides/slide8.xml><?xml version="1.0" encoding="utf-8"?>
+<file path=ppt/slides/slide9.xml><?xml version="1.0" encoding="utf-8"?>
 <p:sld xmlns:a="http://schemas.openxmlformats.org/drawingml/2006/main" xmlns:r="http://schemas.openxmlformats.org/officeDocument/2006/relationships" xmlns:p="http://schemas.openxmlformats.org/presentationml/2006/main">
   <p:cSld>
     <p:spTree>

--- a/VOLLEY_KELOMPOK 2.pptx
+++ b/VOLLEY_KELOMPOK 2.pptx
@@ -5,7 +5,7 @@
     <p:sldMasterId id="2147483661" r:id="rId1"/>
   </p:sldMasterIdLst>
   <p:notesMasterIdLst>
-    <p:notesMasterId r:id="rId11"/>
+    <p:notesMasterId r:id="rId12"/>
   </p:notesMasterIdLst>
   <p:sldIdLst>
     <p:sldId id="256" r:id="rId2"/>
@@ -16,49 +16,50 @@
     <p:sldId id="295" r:id="rId7"/>
     <p:sldId id="296" r:id="rId8"/>
     <p:sldId id="294" r:id="rId9"/>
-    <p:sldId id="278" r:id="rId10"/>
+    <p:sldId id="297" r:id="rId10"/>
+    <p:sldId id="278" r:id="rId11"/>
   </p:sldIdLst>
   <p:sldSz cx="9144000" cy="5143500" type="screen16x9"/>
   <p:notesSz cx="6858000" cy="9144000"/>
   <p:embeddedFontLst>
     <p:embeddedFont>
-      <p:font typeface="Lexend" charset="0"/>
-      <p:regular r:id="rId12"/>
-      <p:bold r:id="rId13"/>
-    </p:embeddedFont>
-    <p:embeddedFont>
       <p:font typeface="Monotype Corsiva" pitchFamily="66" charset="0"/>
-      <p:italic r:id="rId14"/>
+      <p:italic r:id="rId13"/>
     </p:embeddedFont>
     <p:embeddedFont>
       <p:font typeface="Footlight MT Light" pitchFamily="18" charset="0"/>
+      <p:regular r:id="rId14"/>
+    </p:embeddedFont>
+    <p:embeddedFont>
+      <p:font typeface="Mukta" charset="0"/>
       <p:regular r:id="rId15"/>
+      <p:bold r:id="rId16"/>
     </p:embeddedFont>
     <p:embeddedFont>
       <p:font typeface="Arial Narrow" pitchFamily="34" charset="0"/>
-      <p:regular r:id="rId16"/>
-      <p:bold r:id="rId17"/>
-      <p:italic r:id="rId18"/>
-      <p:boldItalic r:id="rId19"/>
+      <p:regular r:id="rId17"/>
+      <p:bold r:id="rId18"/>
+      <p:italic r:id="rId19"/>
+      <p:boldItalic r:id="rId20"/>
+    </p:embeddedFont>
+    <p:embeddedFont>
+      <p:font typeface="Fira Sans Condensed" charset="0"/>
+      <p:regular r:id="rId21"/>
+      <p:bold r:id="rId22"/>
+      <p:italic r:id="rId23"/>
+      <p:boldItalic r:id="rId24"/>
+    </p:embeddedFont>
+    <p:embeddedFont>
+      <p:font typeface="Lexend" charset="0"/>
+      <p:regular r:id="rId25"/>
+      <p:bold r:id="rId26"/>
     </p:embeddedFont>
     <p:embeddedFont>
       <p:font typeface="Fira Sans Extra Condensed" charset="0"/>
-      <p:regular r:id="rId20"/>
-      <p:bold r:id="rId21"/>
-      <p:italic r:id="rId22"/>
-      <p:boldItalic r:id="rId23"/>
-    </p:embeddedFont>
-    <p:embeddedFont>
-      <p:font typeface="Fira Sans Condensed" charset="0"/>
-      <p:regular r:id="rId24"/>
-      <p:bold r:id="rId25"/>
-      <p:italic r:id="rId26"/>
-      <p:boldItalic r:id="rId27"/>
-    </p:embeddedFont>
-    <p:embeddedFont>
-      <p:font typeface="Mukta" charset="0"/>
-      <p:regular r:id="rId28"/>
-      <p:bold r:id="rId29"/>
+      <p:regular r:id="rId27"/>
+      <p:bold r:id="rId28"/>
+      <p:italic r:id="rId29"/>
+      <p:boldItalic r:id="rId30"/>
     </p:embeddedFont>
   </p:embeddedFontLst>
   <p:defaultTextStyle>
@@ -10146,7 +10147,7 @@
   </p:txStyles>
   <p:extLst>
     <p:ext uri="{27BBF7A9-308A-43DC-89C8-2F10F3537804}">
-      <p15:sldGuideLst xmlns:p15="http://schemas.microsoft.com/office/powerpoint/2012/main" xmlns="">
+      <p15:sldGuideLst xmlns="" xmlns:p15="http://schemas.microsoft.com/office/powerpoint/2012/main">
         <p15:guide id="1" orient="horz" pos="336">
           <p15:clr>
             <a:srgbClr val="EA4335"/>
@@ -11071,6 +11072,3886 @@
           </p:txBody>
         </p:sp>
       </p:grpSp>
+    </p:spTree>
+  </p:cSld>
+  <p:clrMapOvr>
+    <a:masterClrMapping/>
+  </p:clrMapOvr>
+</p:sld>
+</file>
+
+<file path=ppt/slides/slide10.xml><?xml version="1.0" encoding="utf-8"?>
+<p:sld xmlns:a="http://schemas.openxmlformats.org/drawingml/2006/main" xmlns:r="http://schemas.openxmlformats.org/officeDocument/2006/relationships" xmlns:p="http://schemas.openxmlformats.org/presentationml/2006/main">
+  <p:cSld>
+    <p:spTree>
+      <p:nvGrpSpPr>
+        <p:cNvPr id="1" name="Shape 1463"/>
+        <p:cNvGrpSpPr/>
+        <p:nvPr/>
+      </p:nvGrpSpPr>
+      <p:grpSpPr>
+        <a:xfrm>
+          <a:off x="0" y="0"/>
+          <a:ext cx="0" cy="0"/>
+          <a:chOff x="0" y="0"/>
+          <a:chExt cx="0" cy="0"/>
+        </a:xfrm>
+      </p:grpSpPr>
+      <p:grpSp>
+        <p:nvGrpSpPr>
+          <p:cNvPr id="1484" name="Google Shape;1484;p38"/>
+          <p:cNvGrpSpPr/>
+          <p:nvPr/>
+        </p:nvGrpSpPr>
+        <p:grpSpPr>
+          <a:xfrm flipH="1">
+            <a:off x="5207130" y="1670464"/>
+            <a:ext cx="3212970" cy="3473030"/>
+            <a:chOff x="2257625" y="439800"/>
+            <a:chExt cx="1337400" cy="1445650"/>
+          </a:xfrm>
+        </p:grpSpPr>
+        <p:sp>
+          <p:nvSpPr>
+            <p:cNvPr id="1485" name="Google Shape;1485;p38"/>
+            <p:cNvSpPr/>
+            <p:nvPr/>
+          </p:nvSpPr>
+          <p:spPr>
+            <a:xfrm>
+              <a:off x="2332975" y="439800"/>
+              <a:ext cx="442675" cy="442700"/>
+            </a:xfrm>
+            <a:custGeom>
+              <a:avLst/>
+              <a:gdLst/>
+              <a:ahLst/>
+              <a:cxnLst/>
+              <a:rect l="l" t="t" r="r" b="b"/>
+              <a:pathLst>
+                <a:path w="17707" h="17708" extrusionOk="0">
+                  <a:moveTo>
+                    <a:pt x="8854" y="1"/>
+                  </a:moveTo>
+                  <a:cubicBezTo>
+                    <a:pt x="6506" y="1"/>
+                    <a:pt x="4254" y="934"/>
+                    <a:pt x="2594" y="2594"/>
+                  </a:cubicBezTo>
+                  <a:cubicBezTo>
+                    <a:pt x="934" y="4254"/>
+                    <a:pt x="1" y="6506"/>
+                    <a:pt x="1" y="8854"/>
+                  </a:cubicBezTo>
+                  <a:cubicBezTo>
+                    <a:pt x="1" y="11202"/>
+                    <a:pt x="934" y="13454"/>
+                    <a:pt x="2594" y="15115"/>
+                  </a:cubicBezTo>
+                  <a:cubicBezTo>
+                    <a:pt x="4254" y="16775"/>
+                    <a:pt x="6506" y="17707"/>
+                    <a:pt x="8854" y="17707"/>
+                  </a:cubicBezTo>
+                  <a:cubicBezTo>
+                    <a:pt x="11202" y="17707"/>
+                    <a:pt x="13453" y="16775"/>
+                    <a:pt x="15115" y="15115"/>
+                  </a:cubicBezTo>
+                  <a:cubicBezTo>
+                    <a:pt x="16775" y="13454"/>
+                    <a:pt x="17707" y="11202"/>
+                    <a:pt x="17707" y="8854"/>
+                  </a:cubicBezTo>
+                  <a:cubicBezTo>
+                    <a:pt x="17707" y="6506"/>
+                    <a:pt x="16775" y="4254"/>
+                    <a:pt x="15115" y="2594"/>
+                  </a:cubicBezTo>
+                  <a:cubicBezTo>
+                    <a:pt x="13453" y="934"/>
+                    <a:pt x="11202" y="1"/>
+                    <a:pt x="8854" y="1"/>
+                  </a:cubicBezTo>
+                  <a:close/>
+                </a:path>
+              </a:pathLst>
+            </a:custGeom>
+            <a:gradFill>
+              <a:gsLst>
+                <a:gs pos="0">
+                  <a:srgbClr val="A3C8FF"/>
+                </a:gs>
+                <a:gs pos="100000">
+                  <a:srgbClr val="3676F7"/>
+                </a:gs>
+              </a:gsLst>
+              <a:lin ang="5400012" scaled="0"/>
+            </a:gradFill>
+            <a:ln>
+              <a:noFill/>
+            </a:ln>
+          </p:spPr>
+          <p:txBody>
+            <a:bodyPr spcFirstLastPara="1" wrap="square" lIns="91425" tIns="91425" rIns="91425" bIns="91425" anchor="ctr" anchorCtr="0">
+              <a:noAutofit/>
+            </a:bodyPr>
+            <a:lstStyle/>
+            <a:p>
+              <a:pPr marL="0" lvl="0" indent="0" algn="l" rtl="0">
+                <a:spcBef>
+                  <a:spcPts val="0"/>
+                </a:spcBef>
+                <a:spcAft>
+                  <a:spcPts val="0"/>
+                </a:spcAft>
+                <a:buNone/>
+              </a:pPr>
+              <a:endParaRPr/>
+            </a:p>
+          </p:txBody>
+        </p:sp>
+        <p:sp>
+          <p:nvSpPr>
+            <p:cNvPr id="1486" name="Google Shape;1486;p38"/>
+            <p:cNvSpPr/>
+            <p:nvPr/>
+          </p:nvSpPr>
+          <p:spPr>
+            <a:xfrm>
+              <a:off x="3246875" y="1697750"/>
+              <a:ext cx="104450" cy="86475"/>
+            </a:xfrm>
+            <a:custGeom>
+              <a:avLst/>
+              <a:gdLst/>
+              <a:ahLst/>
+              <a:cxnLst/>
+              <a:rect l="l" t="t" r="r" b="b"/>
+              <a:pathLst>
+                <a:path w="4178" h="3459" extrusionOk="0">
+                  <a:moveTo>
+                    <a:pt x="3190" y="1"/>
+                  </a:moveTo>
+                  <a:cubicBezTo>
+                    <a:pt x="3190" y="2"/>
+                    <a:pt x="1" y="1793"/>
+                    <a:pt x="548" y="3281"/>
+                  </a:cubicBezTo>
+                  <a:cubicBezTo>
+                    <a:pt x="594" y="3406"/>
+                    <a:pt x="721" y="3459"/>
+                    <a:pt x="902" y="3459"/>
+                  </a:cubicBezTo>
+                  <a:cubicBezTo>
+                    <a:pt x="1831" y="3459"/>
+                    <a:pt x="4177" y="2066"/>
+                    <a:pt x="4177" y="2066"/>
+                  </a:cubicBezTo>
+                  <a:lnTo>
+                    <a:pt x="3190" y="1"/>
+                  </a:lnTo>
+                  <a:close/>
+                </a:path>
+              </a:pathLst>
+            </a:custGeom>
+            <a:solidFill>
+              <a:srgbClr val="4A67B4"/>
+            </a:solidFill>
+            <a:ln>
+              <a:noFill/>
+            </a:ln>
+          </p:spPr>
+          <p:txBody>
+            <a:bodyPr spcFirstLastPara="1" wrap="square" lIns="91425" tIns="91425" rIns="91425" bIns="91425" anchor="ctr" anchorCtr="0">
+              <a:noAutofit/>
+            </a:bodyPr>
+            <a:lstStyle/>
+            <a:p>
+              <a:pPr marL="0" lvl="0" indent="0" algn="l" rtl="0">
+                <a:spcBef>
+                  <a:spcPts val="0"/>
+                </a:spcBef>
+                <a:spcAft>
+                  <a:spcPts val="0"/>
+                </a:spcAft>
+                <a:buNone/>
+              </a:pPr>
+              <a:endParaRPr/>
+            </a:p>
+          </p:txBody>
+        </p:sp>
+        <p:sp>
+          <p:nvSpPr>
+            <p:cNvPr id="1487" name="Google Shape;1487;p38"/>
+            <p:cNvSpPr/>
+            <p:nvPr/>
+          </p:nvSpPr>
+          <p:spPr>
+            <a:xfrm>
+              <a:off x="3283725" y="1685625"/>
+              <a:ext cx="311300" cy="199825"/>
+            </a:xfrm>
+            <a:custGeom>
+              <a:avLst/>
+              <a:gdLst/>
+              <a:ahLst/>
+              <a:cxnLst/>
+              <a:rect l="l" t="t" r="r" b="b"/>
+              <a:pathLst>
+                <a:path w="12452" h="7993" extrusionOk="0">
+                  <a:moveTo>
+                    <a:pt x="3155" y="0"/>
+                  </a:moveTo>
+                  <a:cubicBezTo>
+                    <a:pt x="2363" y="0"/>
+                    <a:pt x="1" y="1592"/>
+                    <a:pt x="1" y="1592"/>
+                  </a:cubicBezTo>
+                  <a:cubicBezTo>
+                    <a:pt x="1" y="1592"/>
+                    <a:pt x="2646" y="4074"/>
+                    <a:pt x="3017" y="4418"/>
+                  </a:cubicBezTo>
+                  <a:cubicBezTo>
+                    <a:pt x="3390" y="4763"/>
+                    <a:pt x="3466" y="6747"/>
+                    <a:pt x="4332" y="7659"/>
+                  </a:cubicBezTo>
+                  <a:cubicBezTo>
+                    <a:pt x="4559" y="7899"/>
+                    <a:pt x="4753" y="7992"/>
+                    <a:pt x="4929" y="7992"/>
+                  </a:cubicBezTo>
+                  <a:cubicBezTo>
+                    <a:pt x="5422" y="7992"/>
+                    <a:pt x="5768" y="7254"/>
+                    <a:pt x="6284" y="6942"/>
+                  </a:cubicBezTo>
+                  <a:cubicBezTo>
+                    <a:pt x="6982" y="6519"/>
+                    <a:pt x="7708" y="5929"/>
+                    <a:pt x="8426" y="5446"/>
+                  </a:cubicBezTo>
+                  <a:cubicBezTo>
+                    <a:pt x="9145" y="4962"/>
+                    <a:pt x="12451" y="2922"/>
+                    <a:pt x="12069" y="2277"/>
+                  </a:cubicBezTo>
+                  <a:cubicBezTo>
+                    <a:pt x="11954" y="2082"/>
+                    <a:pt x="11695" y="2009"/>
+                    <a:pt x="11365" y="2009"/>
+                  </a:cubicBezTo>
+                  <a:cubicBezTo>
+                    <a:pt x="10603" y="2009"/>
+                    <a:pt x="9461" y="2397"/>
+                    <a:pt x="8822" y="2566"/>
+                  </a:cubicBezTo>
+                  <a:cubicBezTo>
+                    <a:pt x="8425" y="2671"/>
+                    <a:pt x="7772" y="2741"/>
+                    <a:pt x="7112" y="2741"/>
+                  </a:cubicBezTo>
+                  <a:cubicBezTo>
+                    <a:pt x="6252" y="2741"/>
+                    <a:pt x="5382" y="2622"/>
+                    <a:pt x="5051" y="2307"/>
+                  </a:cubicBezTo>
+                  <a:cubicBezTo>
+                    <a:pt x="4465" y="1748"/>
+                    <a:pt x="3200" y="2"/>
+                    <a:pt x="3200" y="2"/>
+                  </a:cubicBezTo>
+                  <a:cubicBezTo>
+                    <a:pt x="3186" y="1"/>
+                    <a:pt x="3171" y="0"/>
+                    <a:pt x="3155" y="0"/>
+                  </a:cubicBezTo>
+                  <a:close/>
+                </a:path>
+              </a:pathLst>
+            </a:custGeom>
+            <a:solidFill>
+              <a:srgbClr val="ECA200"/>
+            </a:solidFill>
+            <a:ln>
+              <a:noFill/>
+            </a:ln>
+          </p:spPr>
+          <p:txBody>
+            <a:bodyPr spcFirstLastPara="1" wrap="square" lIns="91425" tIns="91425" rIns="91425" bIns="91425" anchor="ctr" anchorCtr="0">
+              <a:noAutofit/>
+            </a:bodyPr>
+            <a:lstStyle/>
+            <a:p>
+              <a:pPr marL="0" lvl="0" indent="0" algn="l" rtl="0">
+                <a:spcBef>
+                  <a:spcPts val="0"/>
+                </a:spcBef>
+                <a:spcAft>
+                  <a:spcPts val="0"/>
+                </a:spcAft>
+                <a:buNone/>
+              </a:pPr>
+              <a:endParaRPr/>
+            </a:p>
+          </p:txBody>
+        </p:sp>
+        <p:sp>
+          <p:nvSpPr>
+            <p:cNvPr id="1488" name="Google Shape;1488;p38"/>
+            <p:cNvSpPr/>
+            <p:nvPr/>
+          </p:nvSpPr>
+          <p:spPr>
+            <a:xfrm>
+              <a:off x="3370900" y="1735825"/>
+              <a:ext cx="224125" cy="149625"/>
+            </a:xfrm>
+            <a:custGeom>
+              <a:avLst/>
+              <a:gdLst/>
+              <a:ahLst/>
+              <a:cxnLst/>
+              <a:rect l="l" t="t" r="r" b="b"/>
+              <a:pathLst>
+                <a:path w="8965" h="5985" extrusionOk="0">
+                  <a:moveTo>
+                    <a:pt x="7878" y="1"/>
+                  </a:moveTo>
+                  <a:cubicBezTo>
+                    <a:pt x="7116" y="1"/>
+                    <a:pt x="5974" y="389"/>
+                    <a:pt x="5335" y="558"/>
+                  </a:cubicBezTo>
+                  <a:cubicBezTo>
+                    <a:pt x="4938" y="663"/>
+                    <a:pt x="4286" y="732"/>
+                    <a:pt x="3627" y="732"/>
+                  </a:cubicBezTo>
+                  <a:cubicBezTo>
+                    <a:pt x="3081" y="732"/>
+                    <a:pt x="2530" y="684"/>
+                    <a:pt x="2115" y="568"/>
+                  </a:cubicBezTo>
+                  <a:cubicBezTo>
+                    <a:pt x="1718" y="1248"/>
+                    <a:pt x="1465" y="2785"/>
+                    <a:pt x="850" y="3141"/>
+                  </a:cubicBezTo>
+                  <a:cubicBezTo>
+                    <a:pt x="525" y="3329"/>
+                    <a:pt x="229" y="3585"/>
+                    <a:pt x="0" y="3811"/>
+                  </a:cubicBezTo>
+                  <a:cubicBezTo>
+                    <a:pt x="174" y="4466"/>
+                    <a:pt x="410" y="5194"/>
+                    <a:pt x="845" y="5652"/>
+                  </a:cubicBezTo>
+                  <a:cubicBezTo>
+                    <a:pt x="1072" y="5892"/>
+                    <a:pt x="1266" y="5985"/>
+                    <a:pt x="1441" y="5985"/>
+                  </a:cubicBezTo>
+                  <a:cubicBezTo>
+                    <a:pt x="1935" y="5985"/>
+                    <a:pt x="2281" y="5247"/>
+                    <a:pt x="2797" y="4934"/>
+                  </a:cubicBezTo>
+                  <a:cubicBezTo>
+                    <a:pt x="3495" y="4511"/>
+                    <a:pt x="4221" y="3921"/>
+                    <a:pt x="4939" y="3438"/>
+                  </a:cubicBezTo>
+                  <a:cubicBezTo>
+                    <a:pt x="5658" y="2954"/>
+                    <a:pt x="8964" y="914"/>
+                    <a:pt x="8582" y="269"/>
+                  </a:cubicBezTo>
+                  <a:cubicBezTo>
+                    <a:pt x="8467" y="74"/>
+                    <a:pt x="8208" y="1"/>
+                    <a:pt x="7878" y="1"/>
+                  </a:cubicBezTo>
+                  <a:close/>
+                </a:path>
+              </a:pathLst>
+            </a:custGeom>
+            <a:solidFill>
+              <a:schemeClr val="dk1"/>
+            </a:solidFill>
+            <a:ln>
+              <a:noFill/>
+            </a:ln>
+          </p:spPr>
+          <p:txBody>
+            <a:bodyPr spcFirstLastPara="1" wrap="square" lIns="91425" tIns="91425" rIns="91425" bIns="91425" anchor="ctr" anchorCtr="0">
+              <a:noAutofit/>
+            </a:bodyPr>
+            <a:lstStyle/>
+            <a:p>
+              <a:pPr marL="0" lvl="0" indent="0" algn="l" rtl="0">
+                <a:spcBef>
+                  <a:spcPts val="0"/>
+                </a:spcBef>
+                <a:spcAft>
+                  <a:spcPts val="0"/>
+                </a:spcAft>
+                <a:buNone/>
+              </a:pPr>
+              <a:endParaRPr/>
+            </a:p>
+          </p:txBody>
+        </p:sp>
+        <p:sp>
+          <p:nvSpPr>
+            <p:cNvPr id="1489" name="Google Shape;1489;p38"/>
+            <p:cNvSpPr/>
+            <p:nvPr/>
+          </p:nvSpPr>
+          <p:spPr>
+            <a:xfrm>
+              <a:off x="3019100" y="1515650"/>
+              <a:ext cx="158350" cy="297375"/>
+            </a:xfrm>
+            <a:custGeom>
+              <a:avLst/>
+              <a:gdLst/>
+              <a:ahLst/>
+              <a:cxnLst/>
+              <a:rect l="l" t="t" r="r" b="b"/>
+              <a:pathLst>
+                <a:path w="6334" h="11895" extrusionOk="0">
+                  <a:moveTo>
+                    <a:pt x="3789" y="1"/>
+                  </a:moveTo>
+                  <a:cubicBezTo>
+                    <a:pt x="3789" y="1"/>
+                    <a:pt x="2530" y="3601"/>
+                    <a:pt x="1869" y="3784"/>
+                  </a:cubicBezTo>
+                  <a:cubicBezTo>
+                    <a:pt x="1208" y="3966"/>
+                    <a:pt x="1" y="4399"/>
+                    <a:pt x="92" y="5196"/>
+                  </a:cubicBezTo>
+                  <a:cubicBezTo>
+                    <a:pt x="184" y="5994"/>
+                    <a:pt x="730" y="6745"/>
+                    <a:pt x="821" y="8362"/>
+                  </a:cubicBezTo>
+                  <a:cubicBezTo>
+                    <a:pt x="907" y="9894"/>
+                    <a:pt x="1423" y="11895"/>
+                    <a:pt x="2134" y="11895"/>
+                  </a:cubicBezTo>
+                  <a:cubicBezTo>
+                    <a:pt x="2174" y="11895"/>
+                    <a:pt x="2215" y="11889"/>
+                    <a:pt x="2255" y="11876"/>
+                  </a:cubicBezTo>
+                  <a:cubicBezTo>
+                    <a:pt x="3030" y="11631"/>
+                    <a:pt x="2552" y="10025"/>
+                    <a:pt x="2757" y="9023"/>
+                  </a:cubicBezTo>
+                  <a:cubicBezTo>
+                    <a:pt x="2962" y="8020"/>
+                    <a:pt x="3873" y="5561"/>
+                    <a:pt x="4283" y="4786"/>
+                  </a:cubicBezTo>
+                  <a:cubicBezTo>
+                    <a:pt x="4693" y="4012"/>
+                    <a:pt x="6333" y="1301"/>
+                    <a:pt x="6333" y="1301"/>
+                  </a:cubicBezTo>
+                  <a:lnTo>
+                    <a:pt x="3789" y="1"/>
+                  </a:lnTo>
+                  <a:close/>
+                </a:path>
+              </a:pathLst>
+            </a:custGeom>
+            <a:solidFill>
+              <a:srgbClr val="ECA200"/>
+            </a:solidFill>
+            <a:ln>
+              <a:noFill/>
+            </a:ln>
+          </p:spPr>
+          <p:txBody>
+            <a:bodyPr spcFirstLastPara="1" wrap="square" lIns="91425" tIns="91425" rIns="91425" bIns="91425" anchor="ctr" anchorCtr="0">
+              <a:noAutofit/>
+            </a:bodyPr>
+            <a:lstStyle/>
+            <a:p>
+              <a:pPr marL="0" lvl="0" indent="0" algn="l" rtl="0">
+                <a:spcBef>
+                  <a:spcPts val="0"/>
+                </a:spcBef>
+                <a:spcAft>
+                  <a:spcPts val="0"/>
+                </a:spcAft>
+                <a:buNone/>
+              </a:pPr>
+              <a:endParaRPr/>
+            </a:p>
+          </p:txBody>
+        </p:sp>
+        <p:sp>
+          <p:nvSpPr>
+            <p:cNvPr id="1490" name="Google Shape;1490;p38"/>
+            <p:cNvSpPr/>
+            <p:nvPr/>
+          </p:nvSpPr>
+          <p:spPr>
+            <a:xfrm>
+              <a:off x="3018050" y="1609225"/>
+              <a:ext cx="93600" cy="206700"/>
+            </a:xfrm>
+            <a:custGeom>
+              <a:avLst/>
+              <a:gdLst/>
+              <a:ahLst/>
+              <a:cxnLst/>
+              <a:rect l="l" t="t" r="r" b="b"/>
+              <a:pathLst>
+                <a:path w="3744" h="8268" extrusionOk="0">
+                  <a:moveTo>
+                    <a:pt x="1651" y="0"/>
+                  </a:moveTo>
+                  <a:cubicBezTo>
+                    <a:pt x="958" y="220"/>
+                    <a:pt x="0" y="652"/>
+                    <a:pt x="83" y="1376"/>
+                  </a:cubicBezTo>
+                  <a:cubicBezTo>
+                    <a:pt x="177" y="2196"/>
+                    <a:pt x="739" y="2969"/>
+                    <a:pt x="833" y="4634"/>
+                  </a:cubicBezTo>
+                  <a:cubicBezTo>
+                    <a:pt x="921" y="6209"/>
+                    <a:pt x="1452" y="8268"/>
+                    <a:pt x="2184" y="8268"/>
+                  </a:cubicBezTo>
+                  <a:cubicBezTo>
+                    <a:pt x="2225" y="8268"/>
+                    <a:pt x="2267" y="8261"/>
+                    <a:pt x="2309" y="8248"/>
+                  </a:cubicBezTo>
+                  <a:cubicBezTo>
+                    <a:pt x="3106" y="7996"/>
+                    <a:pt x="2614" y="6343"/>
+                    <a:pt x="2824" y="5313"/>
+                  </a:cubicBezTo>
+                  <a:cubicBezTo>
+                    <a:pt x="2953" y="4681"/>
+                    <a:pt x="3355" y="3489"/>
+                    <a:pt x="3744" y="2476"/>
+                  </a:cubicBezTo>
+                  <a:cubicBezTo>
+                    <a:pt x="3083" y="1880"/>
+                    <a:pt x="2240" y="2007"/>
+                    <a:pt x="1840" y="1727"/>
+                  </a:cubicBezTo>
+                  <a:cubicBezTo>
+                    <a:pt x="1487" y="1480"/>
+                    <a:pt x="1498" y="646"/>
+                    <a:pt x="1651" y="0"/>
+                  </a:cubicBezTo>
+                  <a:close/>
+                </a:path>
+              </a:pathLst>
+            </a:custGeom>
+            <a:solidFill>
+              <a:schemeClr val="dk1"/>
+            </a:solidFill>
+            <a:ln>
+              <a:noFill/>
+            </a:ln>
+          </p:spPr>
+          <p:txBody>
+            <a:bodyPr spcFirstLastPara="1" wrap="square" lIns="91425" tIns="91425" rIns="91425" bIns="91425" anchor="ctr" anchorCtr="0">
+              <a:noAutofit/>
+            </a:bodyPr>
+            <a:lstStyle/>
+            <a:p>
+              <a:pPr marL="0" lvl="0" indent="0" algn="l" rtl="0">
+                <a:spcBef>
+                  <a:spcPts val="0"/>
+                </a:spcBef>
+                <a:spcAft>
+                  <a:spcPts val="0"/>
+                </a:spcAft>
+                <a:buNone/>
+              </a:pPr>
+              <a:endParaRPr/>
+            </a:p>
+          </p:txBody>
+        </p:sp>
+        <p:sp>
+          <p:nvSpPr>
+            <p:cNvPr id="1491" name="Google Shape;1491;p38"/>
+            <p:cNvSpPr/>
+            <p:nvPr/>
+          </p:nvSpPr>
+          <p:spPr>
+            <a:xfrm>
+              <a:off x="2676725" y="1043325"/>
+              <a:ext cx="697750" cy="546650"/>
+            </a:xfrm>
+            <a:custGeom>
+              <a:avLst/>
+              <a:gdLst/>
+              <a:ahLst/>
+              <a:cxnLst/>
+              <a:rect l="l" t="t" r="r" b="b"/>
+              <a:pathLst>
+                <a:path w="27910" h="21866" extrusionOk="0">
+                  <a:moveTo>
+                    <a:pt x="7046" y="0"/>
+                  </a:moveTo>
+                  <a:lnTo>
+                    <a:pt x="1" y="3477"/>
+                  </a:lnTo>
+                  <a:lnTo>
+                    <a:pt x="8260" y="9749"/>
+                  </a:lnTo>
+                  <a:lnTo>
+                    <a:pt x="19983" y="9080"/>
+                  </a:lnTo>
+                  <a:lnTo>
+                    <a:pt x="19983" y="9080"/>
+                  </a:lnTo>
+                  <a:cubicBezTo>
+                    <a:pt x="19830" y="10478"/>
+                    <a:pt x="19710" y="12087"/>
+                    <a:pt x="19132" y="13120"/>
+                  </a:cubicBezTo>
+                  <a:cubicBezTo>
+                    <a:pt x="18555" y="14152"/>
+                    <a:pt x="18343" y="15185"/>
+                    <a:pt x="18221" y="16429"/>
+                  </a:cubicBezTo>
+                  <a:cubicBezTo>
+                    <a:pt x="18099" y="17675"/>
+                    <a:pt x="17219" y="19133"/>
+                    <a:pt x="17219" y="19133"/>
+                  </a:cubicBezTo>
+                  <a:lnTo>
+                    <a:pt x="21410" y="21866"/>
+                  </a:lnTo>
+                  <a:cubicBezTo>
+                    <a:pt x="21410" y="21866"/>
+                    <a:pt x="25662" y="13605"/>
+                    <a:pt x="26785" y="8929"/>
+                  </a:cubicBezTo>
+                  <a:cubicBezTo>
+                    <a:pt x="27909" y="4252"/>
+                    <a:pt x="23992" y="3188"/>
+                    <a:pt x="20105" y="2878"/>
+                  </a:cubicBezTo>
+                  <a:cubicBezTo>
+                    <a:pt x="16217" y="2567"/>
+                    <a:pt x="8533" y="1579"/>
+                    <a:pt x="8533" y="1579"/>
+                  </a:cubicBezTo>
+                  <a:cubicBezTo>
+                    <a:pt x="8139" y="395"/>
+                    <a:pt x="7046" y="0"/>
+                    <a:pt x="7046" y="0"/>
+                  </a:cubicBezTo>
+                  <a:close/>
+                </a:path>
+              </a:pathLst>
+            </a:custGeom>
+            <a:solidFill>
+              <a:srgbClr val="3676F7"/>
+            </a:solidFill>
+            <a:ln>
+              <a:noFill/>
+            </a:ln>
+          </p:spPr>
+          <p:txBody>
+            <a:bodyPr spcFirstLastPara="1" wrap="square" lIns="91425" tIns="91425" rIns="91425" bIns="91425" anchor="ctr" anchorCtr="0">
+              <a:noAutofit/>
+            </a:bodyPr>
+            <a:lstStyle/>
+            <a:p>
+              <a:pPr marL="0" lvl="0" indent="0" algn="l" rtl="0">
+                <a:spcBef>
+                  <a:spcPts val="0"/>
+                </a:spcBef>
+                <a:spcAft>
+                  <a:spcPts val="0"/>
+                </a:spcAft>
+                <a:buNone/>
+              </a:pPr>
+              <a:endParaRPr/>
+            </a:p>
+          </p:txBody>
+        </p:sp>
+        <p:sp>
+          <p:nvSpPr>
+            <p:cNvPr id="1492" name="Google Shape;1492;p38"/>
+            <p:cNvSpPr/>
+            <p:nvPr/>
+          </p:nvSpPr>
+          <p:spPr>
+            <a:xfrm>
+              <a:off x="3176275" y="1265575"/>
+              <a:ext cx="99500" cy="4750"/>
+            </a:xfrm>
+            <a:custGeom>
+              <a:avLst/>
+              <a:gdLst/>
+              <a:ahLst/>
+              <a:cxnLst/>
+              <a:rect l="l" t="t" r="r" b="b"/>
+              <a:pathLst>
+                <a:path w="3980" h="190" fill="none" extrusionOk="0">
+                  <a:moveTo>
+                    <a:pt x="1" y="190"/>
+                  </a:moveTo>
+                  <a:lnTo>
+                    <a:pt x="3979" y="0"/>
+                  </a:lnTo>
+                </a:path>
+              </a:pathLst>
+            </a:custGeom>
+            <a:noFill/>
+            <a:ln w="375" cap="flat" cmpd="sng">
+              <a:solidFill>
+                <a:srgbClr val="233C81"/>
+              </a:solidFill>
+              <a:prstDash val="solid"/>
+              <a:miter lim="1058"/>
+              <a:headEnd type="none" w="sm" len="sm"/>
+              <a:tailEnd type="none" w="sm" len="sm"/>
+            </a:ln>
+          </p:spPr>
+          <p:txBody>
+            <a:bodyPr spcFirstLastPara="1" wrap="square" lIns="91425" tIns="91425" rIns="91425" bIns="91425" anchor="ctr" anchorCtr="0">
+              <a:noAutofit/>
+            </a:bodyPr>
+            <a:lstStyle/>
+            <a:p>
+              <a:pPr marL="0" lvl="0" indent="0" algn="l" rtl="0">
+                <a:spcBef>
+                  <a:spcPts val="0"/>
+                </a:spcBef>
+                <a:spcAft>
+                  <a:spcPts val="0"/>
+                </a:spcAft>
+                <a:buNone/>
+              </a:pPr>
+              <a:endParaRPr/>
+            </a:p>
+          </p:txBody>
+        </p:sp>
+        <p:sp>
+          <p:nvSpPr>
+            <p:cNvPr id="1493" name="Google Shape;1493;p38"/>
+            <p:cNvSpPr/>
+            <p:nvPr/>
+          </p:nvSpPr>
+          <p:spPr>
+            <a:xfrm>
+              <a:off x="3201150" y="1287200"/>
+              <a:ext cx="57525" cy="23400"/>
+            </a:xfrm>
+            <a:custGeom>
+              <a:avLst/>
+              <a:gdLst/>
+              <a:ahLst/>
+              <a:cxnLst/>
+              <a:rect l="l" t="t" r="r" b="b"/>
+              <a:pathLst>
+                <a:path w="2301" h="936" fill="none" extrusionOk="0">
+                  <a:moveTo>
+                    <a:pt x="0" y="1"/>
+                  </a:moveTo>
+                  <a:lnTo>
+                    <a:pt x="2301" y="935"/>
+                  </a:lnTo>
+                </a:path>
+              </a:pathLst>
+            </a:custGeom>
+            <a:noFill/>
+            <a:ln w="375" cap="flat" cmpd="sng">
+              <a:solidFill>
+                <a:srgbClr val="233C81"/>
+              </a:solidFill>
+              <a:prstDash val="solid"/>
+              <a:miter lim="1058"/>
+              <a:headEnd type="none" w="sm" len="sm"/>
+              <a:tailEnd type="none" w="sm" len="sm"/>
+            </a:ln>
+          </p:spPr>
+          <p:txBody>
+            <a:bodyPr spcFirstLastPara="1" wrap="square" lIns="91425" tIns="91425" rIns="91425" bIns="91425" anchor="ctr" anchorCtr="0">
+              <a:noAutofit/>
+            </a:bodyPr>
+            <a:lstStyle/>
+            <a:p>
+              <a:pPr marL="0" lvl="0" indent="0" algn="l" rtl="0">
+                <a:spcBef>
+                  <a:spcPts val="0"/>
+                </a:spcBef>
+                <a:spcAft>
+                  <a:spcPts val="0"/>
+                </a:spcAft>
+                <a:buNone/>
+              </a:pPr>
+              <a:endParaRPr/>
+            </a:p>
+          </p:txBody>
+        </p:sp>
+        <p:sp>
+          <p:nvSpPr>
+            <p:cNvPr id="1494" name="Google Shape;1494;p38"/>
+            <p:cNvSpPr/>
+            <p:nvPr/>
+          </p:nvSpPr>
+          <p:spPr>
+            <a:xfrm>
+              <a:off x="3107200" y="1287200"/>
+              <a:ext cx="161000" cy="302775"/>
+            </a:xfrm>
+            <a:custGeom>
+              <a:avLst/>
+              <a:gdLst/>
+              <a:ahLst/>
+              <a:cxnLst/>
+              <a:rect l="l" t="t" r="r" b="b"/>
+              <a:pathLst>
+                <a:path w="6440" h="12111" extrusionOk="0">
+                  <a:moveTo>
+                    <a:pt x="2692" y="1"/>
+                  </a:moveTo>
+                  <a:cubicBezTo>
+                    <a:pt x="2562" y="1217"/>
+                    <a:pt x="2399" y="2495"/>
+                    <a:pt x="1913" y="3365"/>
+                  </a:cubicBezTo>
+                  <a:cubicBezTo>
+                    <a:pt x="1336" y="4397"/>
+                    <a:pt x="1124" y="5430"/>
+                    <a:pt x="1002" y="6674"/>
+                  </a:cubicBezTo>
+                  <a:cubicBezTo>
+                    <a:pt x="882" y="7920"/>
+                    <a:pt x="0" y="9378"/>
+                    <a:pt x="0" y="9378"/>
+                  </a:cubicBezTo>
+                  <a:lnTo>
+                    <a:pt x="4191" y="12111"/>
+                  </a:lnTo>
+                  <a:cubicBezTo>
+                    <a:pt x="4191" y="12111"/>
+                    <a:pt x="5244" y="10066"/>
+                    <a:pt x="6440" y="7434"/>
+                  </a:cubicBezTo>
+                  <a:cubicBezTo>
+                    <a:pt x="5835" y="6360"/>
+                    <a:pt x="5511" y="4902"/>
+                    <a:pt x="4753" y="3699"/>
+                  </a:cubicBezTo>
+                  <a:cubicBezTo>
+                    <a:pt x="3644" y="1937"/>
+                    <a:pt x="2824" y="1512"/>
+                    <a:pt x="2692" y="1"/>
+                  </a:cubicBezTo>
+                  <a:close/>
+                </a:path>
+              </a:pathLst>
+            </a:custGeom>
+            <a:solidFill>
+              <a:srgbClr val="0A0A0A">
+                <a:alpha val="24580"/>
+              </a:srgbClr>
+            </a:solidFill>
+            <a:ln>
+              <a:noFill/>
+            </a:ln>
+          </p:spPr>
+          <p:txBody>
+            <a:bodyPr spcFirstLastPara="1" wrap="square" lIns="91425" tIns="91425" rIns="91425" bIns="91425" anchor="ctr" anchorCtr="0">
+              <a:noAutofit/>
+            </a:bodyPr>
+            <a:lstStyle/>
+            <a:p>
+              <a:pPr marL="0" lvl="0" indent="0" algn="l" rtl="0">
+                <a:spcBef>
+                  <a:spcPts val="0"/>
+                </a:spcBef>
+                <a:spcAft>
+                  <a:spcPts val="0"/>
+                </a:spcAft>
+                <a:buNone/>
+              </a:pPr>
+              <a:endParaRPr/>
+            </a:p>
+          </p:txBody>
+        </p:sp>
+        <p:sp>
+          <p:nvSpPr>
+            <p:cNvPr id="1495" name="Google Shape;1495;p38"/>
+            <p:cNvSpPr/>
+            <p:nvPr/>
+          </p:nvSpPr>
+          <p:spPr>
+            <a:xfrm>
+              <a:off x="2783000" y="1141325"/>
+              <a:ext cx="306500" cy="145725"/>
+            </a:xfrm>
+            <a:custGeom>
+              <a:avLst/>
+              <a:gdLst/>
+              <a:ahLst/>
+              <a:cxnLst/>
+              <a:rect l="l" t="t" r="r" b="b"/>
+              <a:pathLst>
+                <a:path w="12260" h="5829" extrusionOk="0">
+                  <a:moveTo>
+                    <a:pt x="272" y="1"/>
+                  </a:moveTo>
+                  <a:cubicBezTo>
+                    <a:pt x="92" y="1"/>
+                    <a:pt x="0" y="23"/>
+                    <a:pt x="0" y="23"/>
+                  </a:cubicBezTo>
+                  <a:lnTo>
+                    <a:pt x="467" y="3139"/>
+                  </a:lnTo>
+                  <a:lnTo>
+                    <a:pt x="4009" y="5829"/>
+                  </a:lnTo>
+                  <a:lnTo>
+                    <a:pt x="12259" y="5359"/>
+                  </a:lnTo>
+                  <a:cubicBezTo>
+                    <a:pt x="11541" y="4985"/>
+                    <a:pt x="10551" y="4591"/>
+                    <a:pt x="9962" y="4310"/>
+                  </a:cubicBezTo>
+                  <a:cubicBezTo>
+                    <a:pt x="9051" y="3877"/>
+                    <a:pt x="8368" y="3057"/>
+                    <a:pt x="6955" y="2625"/>
+                  </a:cubicBezTo>
+                  <a:cubicBezTo>
+                    <a:pt x="4694" y="1932"/>
+                    <a:pt x="4404" y="1759"/>
+                    <a:pt x="2673" y="779"/>
+                  </a:cubicBezTo>
+                  <a:cubicBezTo>
+                    <a:pt x="1484" y="106"/>
+                    <a:pt x="667" y="1"/>
+                    <a:pt x="272" y="1"/>
+                  </a:cubicBezTo>
+                  <a:close/>
+                </a:path>
+              </a:pathLst>
+            </a:custGeom>
+            <a:solidFill>
+              <a:srgbClr val="0A0A0A">
+                <a:alpha val="24580"/>
+              </a:srgbClr>
+            </a:solidFill>
+            <a:ln>
+              <a:noFill/>
+            </a:ln>
+          </p:spPr>
+          <p:txBody>
+            <a:bodyPr spcFirstLastPara="1" wrap="square" lIns="91425" tIns="91425" rIns="91425" bIns="91425" anchor="ctr" anchorCtr="0">
+              <a:noAutofit/>
+            </a:bodyPr>
+            <a:lstStyle/>
+            <a:p>
+              <a:pPr marL="0" lvl="0" indent="0" algn="l" rtl="0">
+                <a:spcBef>
+                  <a:spcPts val="0"/>
+                </a:spcBef>
+                <a:spcAft>
+                  <a:spcPts val="0"/>
+                </a:spcAft>
+                <a:buNone/>
+              </a:pPr>
+              <a:endParaRPr/>
+            </a:p>
+          </p:txBody>
+        </p:sp>
+        <p:sp>
+          <p:nvSpPr>
+            <p:cNvPr id="1496" name="Google Shape;1496;p38"/>
+            <p:cNvSpPr/>
+            <p:nvPr/>
+          </p:nvSpPr>
+          <p:spPr>
+            <a:xfrm>
+              <a:off x="2576050" y="1095700"/>
+              <a:ext cx="796900" cy="684075"/>
+            </a:xfrm>
+            <a:custGeom>
+              <a:avLst/>
+              <a:gdLst/>
+              <a:ahLst/>
+              <a:cxnLst/>
+              <a:rect l="l" t="t" r="r" b="b"/>
+              <a:pathLst>
+                <a:path w="31876" h="27363" extrusionOk="0">
+                  <a:moveTo>
+                    <a:pt x="7276" y="0"/>
+                  </a:moveTo>
+                  <a:lnTo>
+                    <a:pt x="565" y="2855"/>
+                  </a:lnTo>
+                  <a:cubicBezTo>
+                    <a:pt x="565" y="2855"/>
+                    <a:pt x="1" y="7354"/>
+                    <a:pt x="4072" y="9339"/>
+                  </a:cubicBezTo>
+                  <a:cubicBezTo>
+                    <a:pt x="9502" y="11985"/>
+                    <a:pt x="16539" y="14278"/>
+                    <a:pt x="16539" y="14278"/>
+                  </a:cubicBezTo>
+                  <a:cubicBezTo>
+                    <a:pt x="16539" y="14278"/>
+                    <a:pt x="17116" y="16339"/>
+                    <a:pt x="18786" y="17676"/>
+                  </a:cubicBezTo>
+                  <a:cubicBezTo>
+                    <a:pt x="20457" y="19012"/>
+                    <a:pt x="20791" y="19285"/>
+                    <a:pt x="21489" y="20409"/>
+                  </a:cubicBezTo>
+                  <a:cubicBezTo>
+                    <a:pt x="22188" y="21533"/>
+                    <a:pt x="22248" y="22018"/>
+                    <a:pt x="23737" y="22808"/>
+                  </a:cubicBezTo>
+                  <a:cubicBezTo>
+                    <a:pt x="25225" y="23597"/>
+                    <a:pt x="25590" y="24509"/>
+                    <a:pt x="27381" y="27363"/>
+                  </a:cubicBezTo>
+                  <a:cubicBezTo>
+                    <a:pt x="27381" y="27363"/>
+                    <a:pt x="27321" y="26088"/>
+                    <a:pt x="31876" y="23962"/>
+                  </a:cubicBezTo>
+                  <a:cubicBezTo>
+                    <a:pt x="31876" y="23962"/>
+                    <a:pt x="24830" y="13879"/>
+                    <a:pt x="22735" y="11510"/>
+                  </a:cubicBezTo>
+                  <a:cubicBezTo>
+                    <a:pt x="20639" y="9141"/>
+                    <a:pt x="18665" y="7746"/>
+                    <a:pt x="15202" y="5847"/>
+                  </a:cubicBezTo>
+                  <a:cubicBezTo>
+                    <a:pt x="11740" y="3948"/>
+                    <a:pt x="8278" y="1848"/>
+                    <a:pt x="8278" y="1848"/>
+                  </a:cubicBezTo>
+                  <a:lnTo>
+                    <a:pt x="7276" y="0"/>
+                  </a:lnTo>
+                  <a:close/>
+                </a:path>
+              </a:pathLst>
+            </a:custGeom>
+            <a:solidFill>
+              <a:srgbClr val="3676F7"/>
+            </a:solidFill>
+            <a:ln>
+              <a:noFill/>
+            </a:ln>
+          </p:spPr>
+          <p:txBody>
+            <a:bodyPr spcFirstLastPara="1" wrap="square" lIns="91425" tIns="91425" rIns="91425" bIns="91425" anchor="ctr" anchorCtr="0">
+              <a:noAutofit/>
+            </a:bodyPr>
+            <a:lstStyle/>
+            <a:p>
+              <a:pPr marL="0" lvl="0" indent="0" algn="l" rtl="0">
+                <a:spcBef>
+                  <a:spcPts val="0"/>
+                </a:spcBef>
+                <a:spcAft>
+                  <a:spcPts val="0"/>
+                </a:spcAft>
+                <a:buNone/>
+              </a:pPr>
+              <a:endParaRPr/>
+            </a:p>
+          </p:txBody>
+        </p:sp>
+        <p:sp>
+          <p:nvSpPr>
+            <p:cNvPr id="1497" name="Google Shape;1497;p38"/>
+            <p:cNvSpPr/>
+            <p:nvPr/>
+          </p:nvSpPr>
+          <p:spPr>
+            <a:xfrm>
+              <a:off x="2646350" y="1223250"/>
+              <a:ext cx="658600" cy="508800"/>
+            </a:xfrm>
+            <a:custGeom>
+              <a:avLst/>
+              <a:gdLst/>
+              <a:ahLst/>
+              <a:cxnLst/>
+              <a:rect l="l" t="t" r="r" b="b"/>
+              <a:pathLst>
+                <a:path w="26344" h="20352" fill="none" extrusionOk="0">
+                  <a:moveTo>
+                    <a:pt x="0" y="0"/>
+                  </a:moveTo>
+                  <a:cubicBezTo>
+                    <a:pt x="0" y="0"/>
+                    <a:pt x="972" y="1732"/>
+                    <a:pt x="5284" y="3614"/>
+                  </a:cubicBezTo>
+                  <a:cubicBezTo>
+                    <a:pt x="9597" y="5497"/>
+                    <a:pt x="14850" y="7410"/>
+                    <a:pt x="14850" y="7410"/>
+                  </a:cubicBezTo>
+                  <a:cubicBezTo>
+                    <a:pt x="14850" y="7410"/>
+                    <a:pt x="16545" y="9779"/>
+                    <a:pt x="17979" y="11176"/>
+                  </a:cubicBezTo>
+                  <a:cubicBezTo>
+                    <a:pt x="19412" y="12573"/>
+                    <a:pt x="20196" y="14334"/>
+                    <a:pt x="22382" y="16187"/>
+                  </a:cubicBezTo>
+                  <a:cubicBezTo>
+                    <a:pt x="24569" y="18040"/>
+                    <a:pt x="26174" y="19719"/>
+                    <a:pt x="26343" y="20352"/>
+                  </a:cubicBezTo>
+                </a:path>
+              </a:pathLst>
+            </a:custGeom>
+            <a:noFill/>
+            <a:ln w="375" cap="flat" cmpd="sng">
+              <a:solidFill>
+                <a:srgbClr val="FFFFFF"/>
+              </a:solidFill>
+              <a:prstDash val="solid"/>
+              <a:miter lim="1058"/>
+              <a:headEnd type="none" w="sm" len="sm"/>
+              <a:tailEnd type="none" w="sm" len="sm"/>
+            </a:ln>
+          </p:spPr>
+          <p:txBody>
+            <a:bodyPr spcFirstLastPara="1" wrap="square" lIns="91425" tIns="91425" rIns="91425" bIns="91425" anchor="ctr" anchorCtr="0">
+              <a:noAutofit/>
+            </a:bodyPr>
+            <a:lstStyle/>
+            <a:p>
+              <a:pPr marL="0" lvl="0" indent="0" algn="l" rtl="0">
+                <a:spcBef>
+                  <a:spcPts val="0"/>
+                </a:spcBef>
+                <a:spcAft>
+                  <a:spcPts val="0"/>
+                </a:spcAft>
+                <a:buNone/>
+              </a:pPr>
+              <a:endParaRPr/>
+            </a:p>
+          </p:txBody>
+        </p:sp>
+        <p:sp>
+          <p:nvSpPr>
+            <p:cNvPr id="1498" name="Google Shape;1498;p38"/>
+            <p:cNvSpPr/>
+            <p:nvPr/>
+          </p:nvSpPr>
+          <p:spPr>
+            <a:xfrm>
+              <a:off x="2589475" y="1043325"/>
+              <a:ext cx="371700" cy="149075"/>
+            </a:xfrm>
+            <a:custGeom>
+              <a:avLst/>
+              <a:gdLst/>
+              <a:ahLst/>
+              <a:cxnLst/>
+              <a:rect l="l" t="t" r="r" b="b"/>
+              <a:pathLst>
+                <a:path w="14868" h="5963" extrusionOk="0">
+                  <a:moveTo>
+                    <a:pt x="10536" y="0"/>
+                  </a:moveTo>
+                  <a:lnTo>
+                    <a:pt x="3491" y="3477"/>
+                  </a:lnTo>
+                  <a:lnTo>
+                    <a:pt x="28" y="4950"/>
+                  </a:lnTo>
+                  <a:cubicBezTo>
+                    <a:pt x="28" y="4950"/>
+                    <a:pt x="0" y="5168"/>
+                    <a:pt x="1" y="5528"/>
+                  </a:cubicBezTo>
+                  <a:lnTo>
+                    <a:pt x="272" y="5963"/>
+                  </a:lnTo>
+                  <a:cubicBezTo>
+                    <a:pt x="272" y="5963"/>
+                    <a:pt x="1804" y="5914"/>
+                    <a:pt x="3764" y="5299"/>
+                  </a:cubicBezTo>
+                  <a:cubicBezTo>
+                    <a:pt x="5722" y="4685"/>
+                    <a:pt x="6536" y="3487"/>
+                    <a:pt x="9094" y="3358"/>
+                  </a:cubicBezTo>
+                  <a:cubicBezTo>
+                    <a:pt x="10467" y="3288"/>
+                    <a:pt x="12003" y="3424"/>
+                    <a:pt x="12768" y="2786"/>
+                  </a:cubicBezTo>
+                  <a:cubicBezTo>
+                    <a:pt x="13249" y="2386"/>
+                    <a:pt x="13963" y="2086"/>
+                    <a:pt x="14867" y="1933"/>
+                  </a:cubicBezTo>
+                  <a:cubicBezTo>
+                    <a:pt x="13201" y="1730"/>
+                    <a:pt x="12023" y="1579"/>
+                    <a:pt x="12023" y="1579"/>
+                  </a:cubicBezTo>
+                  <a:cubicBezTo>
+                    <a:pt x="11629" y="395"/>
+                    <a:pt x="10536" y="0"/>
+                    <a:pt x="10536" y="0"/>
+                  </a:cubicBezTo>
+                  <a:close/>
+                </a:path>
+              </a:pathLst>
+            </a:custGeom>
+            <a:solidFill>
+              <a:srgbClr val="0A0A0A">
+                <a:alpha val="24580"/>
+              </a:srgbClr>
+            </a:solidFill>
+            <a:ln>
+              <a:noFill/>
+            </a:ln>
+          </p:spPr>
+          <p:txBody>
+            <a:bodyPr spcFirstLastPara="1" wrap="square" lIns="91425" tIns="91425" rIns="91425" bIns="91425" anchor="ctr" anchorCtr="0">
+              <a:noAutofit/>
+            </a:bodyPr>
+            <a:lstStyle/>
+            <a:p>
+              <a:pPr marL="0" lvl="0" indent="0" algn="l" rtl="0">
+                <a:spcBef>
+                  <a:spcPts val="0"/>
+                </a:spcBef>
+                <a:spcAft>
+                  <a:spcPts val="0"/>
+                </a:spcAft>
+                <a:buNone/>
+              </a:pPr>
+              <a:endParaRPr/>
+            </a:p>
+          </p:txBody>
+        </p:sp>
+        <p:sp>
+          <p:nvSpPr>
+            <p:cNvPr id="1499" name="Google Shape;1499;p38"/>
+            <p:cNvSpPr/>
+            <p:nvPr/>
+          </p:nvSpPr>
+          <p:spPr>
+            <a:xfrm>
+              <a:off x="2796375" y="820400"/>
+              <a:ext cx="113425" cy="118000"/>
+            </a:xfrm>
+            <a:custGeom>
+              <a:avLst/>
+              <a:gdLst/>
+              <a:ahLst/>
+              <a:cxnLst/>
+              <a:rect l="l" t="t" r="r" b="b"/>
+              <a:pathLst>
+                <a:path w="4537" h="4720" extrusionOk="0">
+                  <a:moveTo>
+                    <a:pt x="3757" y="0"/>
+                  </a:moveTo>
+                  <a:cubicBezTo>
+                    <a:pt x="2709" y="0"/>
+                    <a:pt x="908" y="634"/>
+                    <a:pt x="908" y="634"/>
+                  </a:cubicBezTo>
+                  <a:cubicBezTo>
+                    <a:pt x="908" y="634"/>
+                    <a:pt x="1" y="4427"/>
+                    <a:pt x="1288" y="4696"/>
+                  </a:cubicBezTo>
+                  <a:cubicBezTo>
+                    <a:pt x="1367" y="4712"/>
+                    <a:pt x="1447" y="4720"/>
+                    <a:pt x="1527" y="4720"/>
+                  </a:cubicBezTo>
+                  <a:cubicBezTo>
+                    <a:pt x="2934" y="4720"/>
+                    <a:pt x="4536" y="2290"/>
+                    <a:pt x="4492" y="399"/>
+                  </a:cubicBezTo>
+                  <a:cubicBezTo>
+                    <a:pt x="4485" y="105"/>
+                    <a:pt x="4183" y="0"/>
+                    <a:pt x="3757" y="0"/>
+                  </a:cubicBezTo>
+                  <a:close/>
+                </a:path>
+              </a:pathLst>
+            </a:custGeom>
+            <a:solidFill>
+              <a:srgbClr val="889BC3"/>
+            </a:solidFill>
+            <a:ln>
+              <a:noFill/>
+            </a:ln>
+          </p:spPr>
+          <p:txBody>
+            <a:bodyPr spcFirstLastPara="1" wrap="square" lIns="91425" tIns="91425" rIns="91425" bIns="91425" anchor="ctr" anchorCtr="0">
+              <a:noAutofit/>
+            </a:bodyPr>
+            <a:lstStyle/>
+            <a:p>
+              <a:pPr marL="0" lvl="0" indent="0" algn="l" rtl="0">
+                <a:spcBef>
+                  <a:spcPts val="0"/>
+                </a:spcBef>
+                <a:spcAft>
+                  <a:spcPts val="0"/>
+                </a:spcAft>
+                <a:buNone/>
+              </a:pPr>
+              <a:endParaRPr/>
+            </a:p>
+          </p:txBody>
+        </p:sp>
+        <p:sp>
+          <p:nvSpPr>
+            <p:cNvPr id="1500" name="Google Shape;1500;p38"/>
+            <p:cNvSpPr/>
+            <p:nvPr/>
+          </p:nvSpPr>
+          <p:spPr>
+            <a:xfrm>
+              <a:off x="2795525" y="527875"/>
+              <a:ext cx="493900" cy="354950"/>
+            </a:xfrm>
+            <a:custGeom>
+              <a:avLst/>
+              <a:gdLst/>
+              <a:ahLst/>
+              <a:cxnLst/>
+              <a:rect l="l" t="t" r="r" b="b"/>
+              <a:pathLst>
+                <a:path w="19756" h="14198" extrusionOk="0">
+                  <a:moveTo>
+                    <a:pt x="19570" y="1"/>
+                  </a:moveTo>
+                  <a:cubicBezTo>
+                    <a:pt x="19541" y="1"/>
+                    <a:pt x="19497" y="9"/>
+                    <a:pt x="19437" y="28"/>
+                  </a:cubicBezTo>
+                  <a:cubicBezTo>
+                    <a:pt x="18997" y="164"/>
+                    <a:pt x="17144" y="619"/>
+                    <a:pt x="16598" y="878"/>
+                  </a:cubicBezTo>
+                  <a:cubicBezTo>
+                    <a:pt x="16051" y="1136"/>
+                    <a:pt x="15080" y="2138"/>
+                    <a:pt x="14593" y="2639"/>
+                  </a:cubicBezTo>
+                  <a:cubicBezTo>
+                    <a:pt x="14107" y="3140"/>
+                    <a:pt x="7290" y="8925"/>
+                    <a:pt x="7290" y="8925"/>
+                  </a:cubicBezTo>
+                  <a:lnTo>
+                    <a:pt x="5148" y="8561"/>
+                  </a:lnTo>
+                  <a:cubicBezTo>
+                    <a:pt x="5126" y="8560"/>
+                    <a:pt x="5104" y="8559"/>
+                    <a:pt x="5082" y="8559"/>
+                  </a:cubicBezTo>
+                  <a:cubicBezTo>
+                    <a:pt x="3161" y="8559"/>
+                    <a:pt x="1" y="13656"/>
+                    <a:pt x="1" y="13656"/>
+                  </a:cubicBezTo>
+                  <a:cubicBezTo>
+                    <a:pt x="1" y="13656"/>
+                    <a:pt x="1337" y="13884"/>
+                    <a:pt x="4663" y="14164"/>
+                  </a:cubicBezTo>
+                  <a:cubicBezTo>
+                    <a:pt x="4930" y="14187"/>
+                    <a:pt x="5187" y="14198"/>
+                    <a:pt x="5434" y="14198"/>
+                  </a:cubicBezTo>
+                  <a:cubicBezTo>
+                    <a:pt x="8262" y="14198"/>
+                    <a:pt x="9812" y="12765"/>
+                    <a:pt x="11040" y="10991"/>
+                  </a:cubicBezTo>
+                  <a:cubicBezTo>
+                    <a:pt x="12376" y="9062"/>
+                    <a:pt x="16537" y="3065"/>
+                    <a:pt x="16537" y="3065"/>
+                  </a:cubicBezTo>
+                  <a:cubicBezTo>
+                    <a:pt x="16632" y="3106"/>
+                    <a:pt x="16742" y="3124"/>
+                    <a:pt x="16857" y="3124"/>
+                  </a:cubicBezTo>
+                  <a:cubicBezTo>
+                    <a:pt x="17289" y="3124"/>
+                    <a:pt x="17805" y="2870"/>
+                    <a:pt x="18009" y="2654"/>
+                  </a:cubicBezTo>
+                  <a:cubicBezTo>
+                    <a:pt x="18268" y="2381"/>
+                    <a:pt x="18180" y="2108"/>
+                    <a:pt x="18180" y="2108"/>
+                  </a:cubicBezTo>
+                  <a:cubicBezTo>
+                    <a:pt x="18180" y="2108"/>
+                    <a:pt x="18283" y="1819"/>
+                    <a:pt x="18180" y="1439"/>
+                  </a:cubicBezTo>
+                  <a:cubicBezTo>
+                    <a:pt x="18259" y="1150"/>
+                    <a:pt x="18071" y="863"/>
+                    <a:pt x="18071" y="863"/>
+                  </a:cubicBezTo>
+                  <a:cubicBezTo>
+                    <a:pt x="18071" y="863"/>
+                    <a:pt x="18784" y="528"/>
+                    <a:pt x="19103" y="423"/>
+                  </a:cubicBezTo>
+                  <a:cubicBezTo>
+                    <a:pt x="19378" y="330"/>
+                    <a:pt x="19756" y="1"/>
+                    <a:pt x="19570" y="1"/>
+                  </a:cubicBezTo>
+                  <a:close/>
+                </a:path>
+              </a:pathLst>
+            </a:custGeom>
+            <a:solidFill>
+              <a:srgbClr val="DF6363"/>
+            </a:solidFill>
+            <a:ln>
+              <a:noFill/>
+            </a:ln>
+          </p:spPr>
+          <p:txBody>
+            <a:bodyPr spcFirstLastPara="1" wrap="square" lIns="91425" tIns="91425" rIns="91425" bIns="91425" anchor="ctr" anchorCtr="0">
+              <a:noAutofit/>
+            </a:bodyPr>
+            <a:lstStyle/>
+            <a:p>
+              <a:pPr marL="0" lvl="0" indent="0" algn="l" rtl="0">
+                <a:spcBef>
+                  <a:spcPts val="0"/>
+                </a:spcBef>
+                <a:spcAft>
+                  <a:spcPts val="0"/>
+                </a:spcAft>
+                <a:buNone/>
+              </a:pPr>
+              <a:endParaRPr/>
+            </a:p>
+          </p:txBody>
+        </p:sp>
+        <p:sp>
+          <p:nvSpPr>
+            <p:cNvPr id="1501" name="Google Shape;1501;p38"/>
+            <p:cNvSpPr/>
+            <p:nvPr/>
+          </p:nvSpPr>
+          <p:spPr>
+            <a:xfrm>
+              <a:off x="2793850" y="753225"/>
+              <a:ext cx="113675" cy="126575"/>
+            </a:xfrm>
+            <a:custGeom>
+              <a:avLst/>
+              <a:gdLst/>
+              <a:ahLst/>
+              <a:cxnLst/>
+              <a:rect l="l" t="t" r="r" b="b"/>
+              <a:pathLst>
+                <a:path w="4547" h="5063" extrusionOk="0">
+                  <a:moveTo>
+                    <a:pt x="26" y="4619"/>
+                  </a:moveTo>
+                  <a:cubicBezTo>
+                    <a:pt x="1" y="4619"/>
+                    <a:pt x="13" y="4626"/>
+                    <a:pt x="68" y="4642"/>
+                  </a:cubicBezTo>
+                  <a:cubicBezTo>
+                    <a:pt x="68" y="4642"/>
+                    <a:pt x="72" y="4636"/>
+                    <a:pt x="80" y="4623"/>
+                  </a:cubicBezTo>
+                  <a:lnTo>
+                    <a:pt x="80" y="4623"/>
+                  </a:lnTo>
+                  <a:cubicBezTo>
+                    <a:pt x="55" y="4620"/>
+                    <a:pt x="37" y="4619"/>
+                    <a:pt x="26" y="4619"/>
+                  </a:cubicBezTo>
+                  <a:close/>
+                  <a:moveTo>
+                    <a:pt x="3991" y="0"/>
+                  </a:moveTo>
+                  <a:cubicBezTo>
+                    <a:pt x="2252" y="1193"/>
+                    <a:pt x="251" y="4349"/>
+                    <a:pt x="80" y="4623"/>
+                  </a:cubicBezTo>
+                  <a:lnTo>
+                    <a:pt x="80" y="4623"/>
+                  </a:lnTo>
+                  <a:cubicBezTo>
+                    <a:pt x="403" y="4657"/>
+                    <a:pt x="1865" y="4904"/>
+                    <a:pt x="3445" y="5059"/>
+                  </a:cubicBezTo>
+                  <a:cubicBezTo>
+                    <a:pt x="3469" y="5061"/>
+                    <a:pt x="3493" y="5063"/>
+                    <a:pt x="3517" y="5063"/>
+                  </a:cubicBezTo>
+                  <a:cubicBezTo>
+                    <a:pt x="4025" y="5063"/>
+                    <a:pt x="4375" y="4519"/>
+                    <a:pt x="4136" y="4053"/>
+                  </a:cubicBezTo>
+                  <a:cubicBezTo>
+                    <a:pt x="3430" y="2673"/>
+                    <a:pt x="3764" y="653"/>
+                    <a:pt x="4547" y="17"/>
+                  </a:cubicBezTo>
+                  <a:lnTo>
+                    <a:pt x="3991" y="0"/>
+                  </a:lnTo>
+                  <a:close/>
+                </a:path>
+              </a:pathLst>
+            </a:custGeom>
+            <a:solidFill>
+              <a:srgbClr val="AF3A3A"/>
+            </a:solidFill>
+            <a:ln>
+              <a:noFill/>
+            </a:ln>
+          </p:spPr>
+          <p:txBody>
+            <a:bodyPr spcFirstLastPara="1" wrap="square" lIns="91425" tIns="91425" rIns="91425" bIns="91425" anchor="ctr" anchorCtr="0">
+              <a:noAutofit/>
+            </a:bodyPr>
+            <a:lstStyle/>
+            <a:p>
+              <a:pPr marL="0" lvl="0" indent="0" algn="l" rtl="0">
+                <a:spcBef>
+                  <a:spcPts val="0"/>
+                </a:spcBef>
+                <a:spcAft>
+                  <a:spcPts val="0"/>
+                </a:spcAft>
+                <a:buNone/>
+              </a:pPr>
+              <a:endParaRPr/>
+            </a:p>
+          </p:txBody>
+        </p:sp>
+        <p:sp>
+          <p:nvSpPr>
+            <p:cNvPr id="1502" name="Google Shape;1502;p38"/>
+            <p:cNvSpPr/>
+            <p:nvPr/>
+          </p:nvSpPr>
+          <p:spPr>
+            <a:xfrm>
+              <a:off x="3207975" y="553500"/>
+              <a:ext cx="35925" cy="33925"/>
+            </a:xfrm>
+            <a:custGeom>
+              <a:avLst/>
+              <a:gdLst/>
+              <a:ahLst/>
+              <a:cxnLst/>
+              <a:rect l="l" t="t" r="r" b="b"/>
+              <a:pathLst>
+                <a:path w="1437" h="1357" fill="none" extrusionOk="0">
+                  <a:moveTo>
+                    <a:pt x="365" y="69"/>
+                  </a:moveTo>
+                  <a:cubicBezTo>
+                    <a:pt x="729" y="1"/>
+                    <a:pt x="1243" y="81"/>
+                    <a:pt x="1334" y="285"/>
+                  </a:cubicBezTo>
+                  <a:cubicBezTo>
+                    <a:pt x="1425" y="491"/>
+                    <a:pt x="1436" y="1265"/>
+                    <a:pt x="1334" y="1311"/>
+                  </a:cubicBezTo>
+                  <a:cubicBezTo>
+                    <a:pt x="1231" y="1356"/>
+                    <a:pt x="969" y="1003"/>
+                    <a:pt x="969" y="582"/>
+                  </a:cubicBezTo>
+                  <a:cubicBezTo>
+                    <a:pt x="969" y="582"/>
+                    <a:pt x="753" y="1277"/>
+                    <a:pt x="0" y="1174"/>
+                  </a:cubicBezTo>
+                </a:path>
+              </a:pathLst>
+            </a:custGeom>
+            <a:noFill/>
+            <a:ln w="375" cap="rnd" cmpd="sng">
+              <a:solidFill>
+                <a:srgbClr val="AF3A3A"/>
+              </a:solidFill>
+              <a:prstDash val="solid"/>
+              <a:round/>
+              <a:headEnd type="none" w="sm" len="sm"/>
+              <a:tailEnd type="none" w="sm" len="sm"/>
+            </a:ln>
+          </p:spPr>
+          <p:txBody>
+            <a:bodyPr spcFirstLastPara="1" wrap="square" lIns="91425" tIns="91425" rIns="91425" bIns="91425" anchor="ctr" anchorCtr="0">
+              <a:noAutofit/>
+            </a:bodyPr>
+            <a:lstStyle/>
+            <a:p>
+              <a:pPr marL="0" lvl="0" indent="0" algn="l" rtl="0">
+                <a:spcBef>
+                  <a:spcPts val="0"/>
+                </a:spcBef>
+                <a:spcAft>
+                  <a:spcPts val="0"/>
+                </a:spcAft>
+                <a:buNone/>
+              </a:pPr>
+              <a:endParaRPr/>
+            </a:p>
+          </p:txBody>
+        </p:sp>
+        <p:sp>
+          <p:nvSpPr>
+            <p:cNvPr id="1503" name="Google Shape;1503;p38"/>
+            <p:cNvSpPr/>
+            <p:nvPr/>
+          </p:nvSpPr>
+          <p:spPr>
+            <a:xfrm>
+              <a:off x="2279325" y="717300"/>
+              <a:ext cx="644925" cy="478450"/>
+            </a:xfrm>
+            <a:custGeom>
+              <a:avLst/>
+              <a:gdLst/>
+              <a:ahLst/>
+              <a:cxnLst/>
+              <a:rect l="l" t="t" r="r" b="b"/>
+              <a:pathLst>
+                <a:path w="25797" h="19138" extrusionOk="0">
+                  <a:moveTo>
+                    <a:pt x="17594" y="0"/>
+                  </a:moveTo>
+                  <a:cubicBezTo>
+                    <a:pt x="16744" y="0"/>
+                    <a:pt x="15792" y="129"/>
+                    <a:pt x="14803" y="451"/>
+                  </a:cubicBezTo>
+                  <a:cubicBezTo>
+                    <a:pt x="12616" y="1163"/>
+                    <a:pt x="6330" y="2928"/>
+                    <a:pt x="6330" y="2928"/>
+                  </a:cubicBezTo>
+                  <a:cubicBezTo>
+                    <a:pt x="4264" y="3687"/>
+                    <a:pt x="3444" y="5479"/>
+                    <a:pt x="3080" y="6632"/>
+                  </a:cubicBezTo>
+                  <a:cubicBezTo>
+                    <a:pt x="2716" y="7787"/>
+                    <a:pt x="2229" y="8364"/>
+                    <a:pt x="1683" y="9032"/>
+                  </a:cubicBezTo>
+                  <a:cubicBezTo>
+                    <a:pt x="1136" y="9700"/>
+                    <a:pt x="1167" y="10004"/>
+                    <a:pt x="1045" y="10824"/>
+                  </a:cubicBezTo>
+                  <a:cubicBezTo>
+                    <a:pt x="924" y="11644"/>
+                    <a:pt x="0" y="11599"/>
+                    <a:pt x="195" y="12129"/>
+                  </a:cubicBezTo>
+                  <a:cubicBezTo>
+                    <a:pt x="407" y="12707"/>
+                    <a:pt x="893" y="13496"/>
+                    <a:pt x="2867" y="14377"/>
+                  </a:cubicBezTo>
+                  <a:cubicBezTo>
+                    <a:pt x="3487" y="14653"/>
+                    <a:pt x="4125" y="14748"/>
+                    <a:pt x="4709" y="14748"/>
+                  </a:cubicBezTo>
+                  <a:cubicBezTo>
+                    <a:pt x="5413" y="14748"/>
+                    <a:pt x="6038" y="14610"/>
+                    <a:pt x="6458" y="14487"/>
+                  </a:cubicBezTo>
+                  <a:cubicBezTo>
+                    <a:pt x="6796" y="14387"/>
+                    <a:pt x="7069" y="14139"/>
+                    <a:pt x="7204" y="13812"/>
+                  </a:cubicBezTo>
+                  <a:lnTo>
+                    <a:pt x="7782" y="12403"/>
+                  </a:lnTo>
+                  <a:cubicBezTo>
+                    <a:pt x="7782" y="12403"/>
+                    <a:pt x="9883" y="15895"/>
+                    <a:pt x="10490" y="16983"/>
+                  </a:cubicBezTo>
+                  <a:cubicBezTo>
+                    <a:pt x="11097" y="18072"/>
+                    <a:pt x="10915" y="18477"/>
+                    <a:pt x="11462" y="18993"/>
+                  </a:cubicBezTo>
+                  <a:cubicBezTo>
+                    <a:pt x="11566" y="19091"/>
+                    <a:pt x="11721" y="19138"/>
+                    <a:pt x="11926" y="19138"/>
+                  </a:cubicBezTo>
+                  <a:cubicBezTo>
+                    <a:pt x="12796" y="19138"/>
+                    <a:pt x="14554" y="18291"/>
+                    <a:pt x="16989" y="16983"/>
+                  </a:cubicBezTo>
+                  <a:cubicBezTo>
+                    <a:pt x="19996" y="15368"/>
+                    <a:pt x="24126" y="13466"/>
+                    <a:pt x="24429" y="12920"/>
+                  </a:cubicBezTo>
+                  <a:cubicBezTo>
+                    <a:pt x="24733" y="12373"/>
+                    <a:pt x="23640" y="12038"/>
+                    <a:pt x="22790" y="11705"/>
+                  </a:cubicBezTo>
+                  <a:cubicBezTo>
+                    <a:pt x="21940" y="11371"/>
+                    <a:pt x="22031" y="10824"/>
+                    <a:pt x="21575" y="9913"/>
+                  </a:cubicBezTo>
+                  <a:cubicBezTo>
+                    <a:pt x="21120" y="9002"/>
+                    <a:pt x="20118" y="8607"/>
+                    <a:pt x="20118" y="8607"/>
+                  </a:cubicBezTo>
+                  <a:lnTo>
+                    <a:pt x="20118" y="8607"/>
+                  </a:lnTo>
+                  <a:lnTo>
+                    <a:pt x="21970" y="8820"/>
+                  </a:lnTo>
+                  <a:cubicBezTo>
+                    <a:pt x="21970" y="8820"/>
+                    <a:pt x="21059" y="8152"/>
+                    <a:pt x="22487" y="5054"/>
+                  </a:cubicBezTo>
+                  <a:cubicBezTo>
+                    <a:pt x="23914" y="1956"/>
+                    <a:pt x="25796" y="984"/>
+                    <a:pt x="25796" y="984"/>
+                  </a:cubicBezTo>
+                  <a:cubicBezTo>
+                    <a:pt x="25420" y="774"/>
+                    <a:pt x="24995" y="721"/>
+                    <a:pt x="24545" y="721"/>
+                  </a:cubicBezTo>
+                  <a:cubicBezTo>
+                    <a:pt x="24090" y="721"/>
+                    <a:pt x="23609" y="776"/>
+                    <a:pt x="23127" y="776"/>
+                  </a:cubicBezTo>
+                  <a:cubicBezTo>
+                    <a:pt x="22779" y="776"/>
+                    <a:pt x="22431" y="747"/>
+                    <a:pt x="22091" y="650"/>
+                  </a:cubicBezTo>
+                  <a:cubicBezTo>
+                    <a:pt x="21588" y="506"/>
+                    <a:pt x="21236" y="471"/>
+                    <a:pt x="20970" y="471"/>
+                  </a:cubicBezTo>
+                  <a:cubicBezTo>
+                    <a:pt x="20719" y="471"/>
+                    <a:pt x="20544" y="503"/>
+                    <a:pt x="20392" y="503"/>
+                  </a:cubicBezTo>
+                  <a:cubicBezTo>
+                    <a:pt x="20296" y="503"/>
+                    <a:pt x="20209" y="490"/>
+                    <a:pt x="20118" y="451"/>
+                  </a:cubicBezTo>
+                  <a:cubicBezTo>
+                    <a:pt x="19502" y="189"/>
+                    <a:pt x="18622" y="0"/>
+                    <a:pt x="17594" y="0"/>
+                  </a:cubicBezTo>
+                  <a:close/>
+                </a:path>
+              </a:pathLst>
+            </a:custGeom>
+            <a:solidFill>
+              <a:schemeClr val="dk2"/>
+            </a:solidFill>
+            <a:ln>
+              <a:noFill/>
+            </a:ln>
+          </p:spPr>
+          <p:txBody>
+            <a:bodyPr spcFirstLastPara="1" wrap="square" lIns="91425" tIns="91425" rIns="91425" bIns="91425" anchor="ctr" anchorCtr="0">
+              <a:noAutofit/>
+            </a:bodyPr>
+            <a:lstStyle/>
+            <a:p>
+              <a:pPr marL="0" lvl="0" indent="0" algn="l" rtl="0">
+                <a:spcBef>
+                  <a:spcPts val="0"/>
+                </a:spcBef>
+                <a:spcAft>
+                  <a:spcPts val="0"/>
+                </a:spcAft>
+                <a:buNone/>
+              </a:pPr>
+              <a:endParaRPr/>
+            </a:p>
+          </p:txBody>
+        </p:sp>
+        <p:sp>
+          <p:nvSpPr>
+            <p:cNvPr id="1504" name="Google Shape;1504;p38"/>
+            <p:cNvSpPr/>
+            <p:nvPr/>
+          </p:nvSpPr>
+          <p:spPr>
+            <a:xfrm>
+              <a:off x="2473250" y="1130250"/>
+              <a:ext cx="261200" cy="261175"/>
+            </a:xfrm>
+            <a:custGeom>
+              <a:avLst/>
+              <a:gdLst/>
+              <a:ahLst/>
+              <a:cxnLst/>
+              <a:rect l="l" t="t" r="r" b="b"/>
+              <a:pathLst>
+                <a:path w="10448" h="10447" extrusionOk="0">
+                  <a:moveTo>
+                    <a:pt x="5225" y="0"/>
+                  </a:moveTo>
+                  <a:cubicBezTo>
+                    <a:pt x="3839" y="0"/>
+                    <a:pt x="2511" y="550"/>
+                    <a:pt x="1531" y="1530"/>
+                  </a:cubicBezTo>
+                  <a:cubicBezTo>
+                    <a:pt x="551" y="2510"/>
+                    <a:pt x="1" y="3838"/>
+                    <a:pt x="1" y="5224"/>
+                  </a:cubicBezTo>
+                  <a:cubicBezTo>
+                    <a:pt x="1" y="6609"/>
+                    <a:pt x="551" y="7937"/>
+                    <a:pt x="1531" y="8917"/>
+                  </a:cubicBezTo>
+                  <a:cubicBezTo>
+                    <a:pt x="2511" y="9897"/>
+                    <a:pt x="3839" y="10447"/>
+                    <a:pt x="5225" y="10447"/>
+                  </a:cubicBezTo>
+                  <a:cubicBezTo>
+                    <a:pt x="6610" y="10447"/>
+                    <a:pt x="7939" y="9897"/>
+                    <a:pt x="8917" y="8917"/>
+                  </a:cubicBezTo>
+                  <a:cubicBezTo>
+                    <a:pt x="9897" y="7937"/>
+                    <a:pt x="10447" y="6609"/>
+                    <a:pt x="10447" y="5224"/>
+                  </a:cubicBezTo>
+                  <a:cubicBezTo>
+                    <a:pt x="10447" y="3838"/>
+                    <a:pt x="9897" y="2510"/>
+                    <a:pt x="8917" y="1530"/>
+                  </a:cubicBezTo>
+                  <a:cubicBezTo>
+                    <a:pt x="7939" y="550"/>
+                    <a:pt x="6610" y="0"/>
+                    <a:pt x="5225" y="0"/>
+                  </a:cubicBezTo>
+                  <a:close/>
+                </a:path>
+              </a:pathLst>
+            </a:custGeom>
+            <a:gradFill>
+              <a:gsLst>
+                <a:gs pos="0">
+                  <a:srgbClr val="A3C8FF"/>
+                </a:gs>
+                <a:gs pos="100000">
+                  <a:srgbClr val="628EFF"/>
+                </a:gs>
+              </a:gsLst>
+              <a:lin ang="10800025" scaled="0"/>
+            </a:gradFill>
+            <a:ln>
+              <a:noFill/>
+            </a:ln>
+          </p:spPr>
+          <p:txBody>
+            <a:bodyPr spcFirstLastPara="1" wrap="square" lIns="91425" tIns="91425" rIns="91425" bIns="91425" anchor="ctr" anchorCtr="0">
+              <a:noAutofit/>
+            </a:bodyPr>
+            <a:lstStyle/>
+            <a:p>
+              <a:pPr marL="0" lvl="0" indent="0" algn="l" rtl="0">
+                <a:spcBef>
+                  <a:spcPts val="0"/>
+                </a:spcBef>
+                <a:spcAft>
+                  <a:spcPts val="0"/>
+                </a:spcAft>
+                <a:buNone/>
+              </a:pPr>
+              <a:endParaRPr/>
+            </a:p>
+          </p:txBody>
+        </p:sp>
+        <p:sp>
+          <p:nvSpPr>
+            <p:cNvPr id="1505" name="Google Shape;1505;p38"/>
+            <p:cNvSpPr/>
+            <p:nvPr/>
+          </p:nvSpPr>
+          <p:spPr>
+            <a:xfrm>
+              <a:off x="2473875" y="902150"/>
+              <a:ext cx="77650" cy="213150"/>
+            </a:xfrm>
+            <a:custGeom>
+              <a:avLst/>
+              <a:gdLst/>
+              <a:ahLst/>
+              <a:cxnLst/>
+              <a:rect l="l" t="t" r="r" b="b"/>
+              <a:pathLst>
+                <a:path w="3106" h="8526" extrusionOk="0">
+                  <a:moveTo>
+                    <a:pt x="2309" y="0"/>
+                  </a:moveTo>
+                  <a:cubicBezTo>
+                    <a:pt x="2009" y="0"/>
+                    <a:pt x="1687" y="228"/>
+                    <a:pt x="1555" y="598"/>
+                  </a:cubicBezTo>
+                  <a:cubicBezTo>
+                    <a:pt x="1235" y="1486"/>
+                    <a:pt x="0" y="5009"/>
+                    <a:pt x="0" y="5009"/>
+                  </a:cubicBezTo>
+                  <a:cubicBezTo>
+                    <a:pt x="0" y="5009"/>
+                    <a:pt x="1244" y="7076"/>
+                    <a:pt x="2093" y="8525"/>
+                  </a:cubicBezTo>
+                  <a:cubicBezTo>
+                    <a:pt x="1430" y="5917"/>
+                    <a:pt x="2459" y="3334"/>
+                    <a:pt x="2853" y="1578"/>
+                  </a:cubicBezTo>
+                  <a:cubicBezTo>
+                    <a:pt x="3105" y="448"/>
+                    <a:pt x="2729" y="0"/>
+                    <a:pt x="2309" y="0"/>
+                  </a:cubicBezTo>
+                  <a:close/>
+                </a:path>
+              </a:pathLst>
+            </a:custGeom>
+            <a:solidFill>
+              <a:srgbClr val="A3C8FF"/>
+            </a:solidFill>
+            <a:ln>
+              <a:noFill/>
+            </a:ln>
+          </p:spPr>
+          <p:txBody>
+            <a:bodyPr spcFirstLastPara="1" wrap="square" lIns="91425" tIns="91425" rIns="91425" bIns="91425" anchor="ctr" anchorCtr="0">
+              <a:noAutofit/>
+            </a:bodyPr>
+            <a:lstStyle/>
+            <a:p>
+              <a:pPr marL="0" lvl="0" indent="0" algn="l" rtl="0">
+                <a:spcBef>
+                  <a:spcPts val="0"/>
+                </a:spcBef>
+                <a:spcAft>
+                  <a:spcPts val="0"/>
+                </a:spcAft>
+                <a:buNone/>
+              </a:pPr>
+              <a:endParaRPr/>
+            </a:p>
+          </p:txBody>
+        </p:sp>
+        <p:sp>
+          <p:nvSpPr>
+            <p:cNvPr id="1506" name="Google Shape;1506;p38"/>
+            <p:cNvSpPr/>
+            <p:nvPr/>
+          </p:nvSpPr>
+          <p:spPr>
+            <a:xfrm>
+              <a:off x="2717150" y="806050"/>
+              <a:ext cx="65550" cy="121775"/>
+            </a:xfrm>
+            <a:custGeom>
+              <a:avLst/>
+              <a:gdLst/>
+              <a:ahLst/>
+              <a:cxnLst/>
+              <a:rect l="l" t="t" r="r" b="b"/>
+              <a:pathLst>
+                <a:path w="2622" h="4871" fill="none" extrusionOk="0">
+                  <a:moveTo>
+                    <a:pt x="1" y="0"/>
+                  </a:moveTo>
+                  <a:cubicBezTo>
+                    <a:pt x="1161" y="980"/>
+                    <a:pt x="943" y="3778"/>
+                    <a:pt x="2621" y="4871"/>
+                  </a:cubicBezTo>
+                </a:path>
+              </a:pathLst>
+            </a:custGeom>
+            <a:noFill/>
+            <a:ln w="375" cap="flat" cmpd="sng">
+              <a:solidFill>
+                <a:srgbClr val="E9E9E9"/>
+              </a:solidFill>
+              <a:prstDash val="solid"/>
+              <a:miter lim="1058"/>
+              <a:headEnd type="none" w="sm" len="sm"/>
+              <a:tailEnd type="none" w="sm" len="sm"/>
+            </a:ln>
+          </p:spPr>
+          <p:txBody>
+            <a:bodyPr spcFirstLastPara="1" wrap="square" lIns="91425" tIns="91425" rIns="91425" bIns="91425" anchor="ctr" anchorCtr="0">
+              <a:noAutofit/>
+            </a:bodyPr>
+            <a:lstStyle/>
+            <a:p>
+              <a:pPr marL="0" lvl="0" indent="0" algn="l" rtl="0">
+                <a:spcBef>
+                  <a:spcPts val="0"/>
+                </a:spcBef>
+                <a:spcAft>
+                  <a:spcPts val="0"/>
+                </a:spcAft>
+                <a:buNone/>
+              </a:pPr>
+              <a:endParaRPr/>
+            </a:p>
+          </p:txBody>
+        </p:sp>
+        <p:sp>
+          <p:nvSpPr>
+            <p:cNvPr id="1507" name="Google Shape;1507;p38"/>
+            <p:cNvSpPr/>
+            <p:nvPr/>
+          </p:nvSpPr>
+          <p:spPr>
+            <a:xfrm>
+              <a:off x="2782250" y="932450"/>
+              <a:ext cx="900" cy="400"/>
+            </a:xfrm>
+            <a:custGeom>
+              <a:avLst/>
+              <a:gdLst/>
+              <a:ahLst/>
+              <a:cxnLst/>
+              <a:rect l="l" t="t" r="r" b="b"/>
+              <a:pathLst>
+                <a:path w="36" h="16" extrusionOk="0">
+                  <a:moveTo>
+                    <a:pt x="1" y="1"/>
+                  </a:moveTo>
+                  <a:lnTo>
+                    <a:pt x="35" y="16"/>
+                  </a:lnTo>
+                  <a:cubicBezTo>
+                    <a:pt x="14" y="6"/>
+                    <a:pt x="1" y="1"/>
+                    <a:pt x="1" y="1"/>
+                  </a:cubicBezTo>
+                  <a:close/>
+                </a:path>
+              </a:pathLst>
+            </a:custGeom>
+            <a:solidFill>
+              <a:srgbClr val="F3D487"/>
+            </a:solidFill>
+            <a:ln>
+              <a:noFill/>
+            </a:ln>
+          </p:spPr>
+          <p:txBody>
+            <a:bodyPr spcFirstLastPara="1" wrap="square" lIns="91425" tIns="91425" rIns="91425" bIns="91425" anchor="ctr" anchorCtr="0">
+              <a:noAutofit/>
+            </a:bodyPr>
+            <a:lstStyle/>
+            <a:p>
+              <a:pPr marL="0" lvl="0" indent="0" algn="l" rtl="0">
+                <a:spcBef>
+                  <a:spcPts val="0"/>
+                </a:spcBef>
+                <a:spcAft>
+                  <a:spcPts val="0"/>
+                </a:spcAft>
+                <a:buNone/>
+              </a:pPr>
+              <a:endParaRPr/>
+            </a:p>
+          </p:txBody>
+        </p:sp>
+        <p:sp>
+          <p:nvSpPr>
+            <p:cNvPr id="1508" name="Google Shape;1508;p38"/>
+            <p:cNvSpPr/>
+            <p:nvPr/>
+          </p:nvSpPr>
+          <p:spPr>
+            <a:xfrm>
+              <a:off x="2740150" y="839300"/>
+              <a:ext cx="88450" cy="98500"/>
+            </a:xfrm>
+            <a:custGeom>
+              <a:avLst/>
+              <a:gdLst/>
+              <a:ahLst/>
+              <a:cxnLst/>
+              <a:rect l="l" t="t" r="r" b="b"/>
+              <a:pathLst>
+                <a:path w="3538" h="3940" extrusionOk="0">
+                  <a:moveTo>
+                    <a:pt x="1048" y="0"/>
+                  </a:moveTo>
+                  <a:cubicBezTo>
+                    <a:pt x="503" y="0"/>
+                    <a:pt x="1" y="519"/>
+                    <a:pt x="186" y="1147"/>
+                  </a:cubicBezTo>
+                  <a:cubicBezTo>
+                    <a:pt x="483" y="2156"/>
+                    <a:pt x="842" y="3179"/>
+                    <a:pt x="1685" y="3727"/>
+                  </a:cubicBezTo>
+                  <a:lnTo>
+                    <a:pt x="3537" y="3940"/>
+                  </a:lnTo>
+                  <a:cubicBezTo>
+                    <a:pt x="3537" y="3940"/>
+                    <a:pt x="3140" y="3649"/>
+                    <a:pt x="3281" y="2561"/>
+                  </a:cubicBezTo>
+                  <a:cubicBezTo>
+                    <a:pt x="2681" y="1812"/>
+                    <a:pt x="2281" y="828"/>
+                    <a:pt x="1685" y="274"/>
+                  </a:cubicBezTo>
+                  <a:cubicBezTo>
+                    <a:pt x="1667" y="257"/>
+                    <a:pt x="1649" y="242"/>
+                    <a:pt x="1631" y="226"/>
+                  </a:cubicBezTo>
+                  <a:cubicBezTo>
+                    <a:pt x="1451" y="69"/>
+                    <a:pt x="1247" y="0"/>
+                    <a:pt x="1048" y="0"/>
+                  </a:cubicBezTo>
+                  <a:close/>
+                </a:path>
+              </a:pathLst>
+            </a:custGeom>
+            <a:solidFill>
+              <a:srgbClr val="A3C8FF"/>
+            </a:solidFill>
+            <a:ln>
+              <a:noFill/>
+            </a:ln>
+          </p:spPr>
+          <p:txBody>
+            <a:bodyPr spcFirstLastPara="1" wrap="square" lIns="91425" tIns="91425" rIns="91425" bIns="91425" anchor="ctr" anchorCtr="0">
+              <a:noAutofit/>
+            </a:bodyPr>
+            <a:lstStyle/>
+            <a:p>
+              <a:pPr marL="0" lvl="0" indent="0" algn="l" rtl="0">
+                <a:spcBef>
+                  <a:spcPts val="0"/>
+                </a:spcBef>
+                <a:spcAft>
+                  <a:spcPts val="0"/>
+                </a:spcAft>
+                <a:buNone/>
+              </a:pPr>
+              <a:endParaRPr/>
+            </a:p>
+          </p:txBody>
+        </p:sp>
+        <p:sp>
+          <p:nvSpPr>
+            <p:cNvPr id="1509" name="Google Shape;1509;p38"/>
+            <p:cNvSpPr/>
+            <p:nvPr/>
+          </p:nvSpPr>
+          <p:spPr>
+            <a:xfrm>
+              <a:off x="2257625" y="1017325"/>
+              <a:ext cx="416825" cy="281550"/>
+            </a:xfrm>
+            <a:custGeom>
+              <a:avLst/>
+              <a:gdLst/>
+              <a:ahLst/>
+              <a:cxnLst/>
+              <a:rect l="l" t="t" r="r" b="b"/>
+              <a:pathLst>
+                <a:path w="16673" h="11262" extrusionOk="0">
+                  <a:moveTo>
+                    <a:pt x="1731" y="0"/>
+                  </a:moveTo>
+                  <a:cubicBezTo>
+                    <a:pt x="1731" y="0"/>
+                    <a:pt x="1184" y="1822"/>
+                    <a:pt x="637" y="3667"/>
+                  </a:cubicBezTo>
+                  <a:cubicBezTo>
+                    <a:pt x="91" y="5512"/>
+                    <a:pt x="0" y="7812"/>
+                    <a:pt x="3371" y="8883"/>
+                  </a:cubicBezTo>
+                  <a:cubicBezTo>
+                    <a:pt x="6743" y="9954"/>
+                    <a:pt x="12094" y="10728"/>
+                    <a:pt x="12094" y="10728"/>
+                  </a:cubicBezTo>
+                  <a:cubicBezTo>
+                    <a:pt x="12173" y="11123"/>
+                    <a:pt x="12545" y="11261"/>
+                    <a:pt x="12954" y="11261"/>
+                  </a:cubicBezTo>
+                  <a:cubicBezTo>
+                    <a:pt x="13016" y="11261"/>
+                    <a:pt x="13080" y="11258"/>
+                    <a:pt x="13143" y="11252"/>
+                  </a:cubicBezTo>
+                  <a:cubicBezTo>
+                    <a:pt x="13269" y="11240"/>
+                    <a:pt x="13382" y="11236"/>
+                    <a:pt x="13489" y="11236"/>
+                  </a:cubicBezTo>
+                  <a:cubicBezTo>
+                    <a:pt x="13727" y="11236"/>
+                    <a:pt x="13934" y="11257"/>
+                    <a:pt x="14179" y="11257"/>
+                  </a:cubicBezTo>
+                  <a:cubicBezTo>
+                    <a:pt x="14241" y="11257"/>
+                    <a:pt x="14305" y="11255"/>
+                    <a:pt x="14372" y="11252"/>
+                  </a:cubicBezTo>
+                  <a:cubicBezTo>
+                    <a:pt x="14827" y="11229"/>
+                    <a:pt x="15671" y="10386"/>
+                    <a:pt x="15762" y="9976"/>
+                  </a:cubicBezTo>
+                  <a:cubicBezTo>
+                    <a:pt x="15853" y="9566"/>
+                    <a:pt x="15192" y="9521"/>
+                    <a:pt x="15192" y="9521"/>
+                  </a:cubicBezTo>
+                  <a:cubicBezTo>
+                    <a:pt x="15227" y="9516"/>
+                    <a:pt x="15285" y="9514"/>
+                    <a:pt x="15359" y="9514"/>
+                  </a:cubicBezTo>
+                  <a:cubicBezTo>
+                    <a:pt x="15558" y="9514"/>
+                    <a:pt x="15867" y="9527"/>
+                    <a:pt x="16116" y="9527"/>
+                  </a:cubicBezTo>
+                  <a:cubicBezTo>
+                    <a:pt x="16206" y="9527"/>
+                    <a:pt x="16288" y="9526"/>
+                    <a:pt x="16354" y="9521"/>
+                  </a:cubicBezTo>
+                  <a:cubicBezTo>
+                    <a:pt x="16673" y="9498"/>
+                    <a:pt x="16605" y="8997"/>
+                    <a:pt x="15489" y="8928"/>
+                  </a:cubicBezTo>
+                  <a:cubicBezTo>
+                    <a:pt x="15425" y="8925"/>
+                    <a:pt x="15362" y="8923"/>
+                    <a:pt x="15299" y="8923"/>
+                  </a:cubicBezTo>
+                  <a:cubicBezTo>
+                    <a:pt x="14304" y="8923"/>
+                    <a:pt x="13426" y="9386"/>
+                    <a:pt x="12750" y="9386"/>
+                  </a:cubicBezTo>
+                  <a:cubicBezTo>
+                    <a:pt x="12721" y="9386"/>
+                    <a:pt x="12693" y="9385"/>
+                    <a:pt x="12665" y="9383"/>
+                  </a:cubicBezTo>
+                  <a:cubicBezTo>
+                    <a:pt x="11936" y="9338"/>
+                    <a:pt x="5808" y="5284"/>
+                    <a:pt x="5808" y="5284"/>
+                  </a:cubicBezTo>
+                  <a:lnTo>
+                    <a:pt x="7243" y="1844"/>
+                  </a:lnTo>
+                  <a:lnTo>
+                    <a:pt x="1731" y="0"/>
+                  </a:lnTo>
+                  <a:close/>
+                </a:path>
+              </a:pathLst>
+            </a:custGeom>
+            <a:solidFill>
+              <a:srgbClr val="DF6363"/>
+            </a:solidFill>
+            <a:ln>
+              <a:noFill/>
+            </a:ln>
+          </p:spPr>
+          <p:txBody>
+            <a:bodyPr spcFirstLastPara="1" wrap="square" lIns="91425" tIns="91425" rIns="91425" bIns="91425" anchor="ctr" anchorCtr="0">
+              <a:noAutofit/>
+            </a:bodyPr>
+            <a:lstStyle/>
+            <a:p>
+              <a:pPr marL="0" lvl="0" indent="0" algn="l" rtl="0">
+                <a:spcBef>
+                  <a:spcPts val="0"/>
+                </a:spcBef>
+                <a:spcAft>
+                  <a:spcPts val="0"/>
+                </a:spcAft>
+                <a:buNone/>
+              </a:pPr>
+              <a:endParaRPr/>
+            </a:p>
+          </p:txBody>
+        </p:sp>
+        <p:sp>
+          <p:nvSpPr>
+            <p:cNvPr id="1510" name="Google Shape;1510;p38"/>
+            <p:cNvSpPr/>
+            <p:nvPr/>
+          </p:nvSpPr>
+          <p:spPr>
+            <a:xfrm>
+              <a:off x="2272150" y="1017325"/>
+              <a:ext cx="166575" cy="105525"/>
+            </a:xfrm>
+            <a:custGeom>
+              <a:avLst/>
+              <a:gdLst/>
+              <a:ahLst/>
+              <a:cxnLst/>
+              <a:rect l="l" t="t" r="r" b="b"/>
+              <a:pathLst>
+                <a:path w="6663" h="4221" extrusionOk="0">
+                  <a:moveTo>
+                    <a:pt x="1150" y="0"/>
+                  </a:moveTo>
+                  <a:cubicBezTo>
+                    <a:pt x="1150" y="0"/>
+                    <a:pt x="603" y="1822"/>
+                    <a:pt x="57" y="3667"/>
+                  </a:cubicBezTo>
+                  <a:cubicBezTo>
+                    <a:pt x="37" y="3733"/>
+                    <a:pt x="18" y="3800"/>
+                    <a:pt x="0" y="3868"/>
+                  </a:cubicBezTo>
+                  <a:cubicBezTo>
+                    <a:pt x="389" y="4128"/>
+                    <a:pt x="795" y="4220"/>
+                    <a:pt x="1201" y="4220"/>
+                  </a:cubicBezTo>
+                  <a:cubicBezTo>
+                    <a:pt x="1968" y="4220"/>
+                    <a:pt x="2734" y="3893"/>
+                    <a:pt x="3382" y="3758"/>
+                  </a:cubicBezTo>
+                  <a:cubicBezTo>
+                    <a:pt x="4298" y="3567"/>
+                    <a:pt x="5192" y="3546"/>
+                    <a:pt x="6083" y="3232"/>
+                  </a:cubicBezTo>
+                  <a:lnTo>
+                    <a:pt x="6662" y="1844"/>
+                  </a:lnTo>
+                  <a:lnTo>
+                    <a:pt x="1150" y="0"/>
+                  </a:lnTo>
+                  <a:close/>
+                </a:path>
+              </a:pathLst>
+            </a:custGeom>
+            <a:solidFill>
+              <a:srgbClr val="AF3A3A"/>
+            </a:solidFill>
+            <a:ln>
+              <a:noFill/>
+            </a:ln>
+          </p:spPr>
+          <p:txBody>
+            <a:bodyPr spcFirstLastPara="1" wrap="square" lIns="91425" tIns="91425" rIns="91425" bIns="91425" anchor="ctr" anchorCtr="0">
+              <a:noAutofit/>
+            </a:bodyPr>
+            <a:lstStyle/>
+            <a:p>
+              <a:pPr marL="0" lvl="0" indent="0" algn="l" rtl="0">
+                <a:spcBef>
+                  <a:spcPts val="0"/>
+                </a:spcBef>
+                <a:spcAft>
+                  <a:spcPts val="0"/>
+                </a:spcAft>
+                <a:buNone/>
+              </a:pPr>
+              <a:endParaRPr/>
+            </a:p>
+          </p:txBody>
+        </p:sp>
+        <p:sp>
+          <p:nvSpPr>
+            <p:cNvPr id="1511" name="Google Shape;1511;p38"/>
+            <p:cNvSpPr/>
+            <p:nvPr/>
+          </p:nvSpPr>
+          <p:spPr>
+            <a:xfrm>
+              <a:off x="2369600" y="1130250"/>
+              <a:ext cx="33250" cy="19200"/>
+            </a:xfrm>
+            <a:custGeom>
+              <a:avLst/>
+              <a:gdLst/>
+              <a:ahLst/>
+              <a:cxnLst/>
+              <a:rect l="l" t="t" r="r" b="b"/>
+              <a:pathLst>
+                <a:path w="1330" h="768" fill="none" extrusionOk="0">
+                  <a:moveTo>
+                    <a:pt x="1329" y="767"/>
+                  </a:moveTo>
+                  <a:lnTo>
+                    <a:pt x="0" y="0"/>
+                  </a:lnTo>
+                </a:path>
+              </a:pathLst>
+            </a:custGeom>
+            <a:noFill/>
+            <a:ln w="375" cap="flat" cmpd="sng">
+              <a:solidFill>
+                <a:srgbClr val="AF3A3A"/>
+              </a:solidFill>
+              <a:prstDash val="solid"/>
+              <a:miter lim="1058"/>
+              <a:headEnd type="none" w="sm" len="sm"/>
+              <a:tailEnd type="none" w="sm" len="sm"/>
+            </a:ln>
+          </p:spPr>
+          <p:txBody>
+            <a:bodyPr spcFirstLastPara="1" wrap="square" lIns="91425" tIns="91425" rIns="91425" bIns="91425" anchor="ctr" anchorCtr="0">
+              <a:noAutofit/>
+            </a:bodyPr>
+            <a:lstStyle/>
+            <a:p>
+              <a:pPr marL="0" lvl="0" indent="0" algn="l" rtl="0">
+                <a:spcBef>
+                  <a:spcPts val="0"/>
+                </a:spcBef>
+                <a:spcAft>
+                  <a:spcPts val="0"/>
+                </a:spcAft>
+                <a:buNone/>
+              </a:pPr>
+              <a:endParaRPr/>
+            </a:p>
+          </p:txBody>
+        </p:sp>
+        <p:sp>
+          <p:nvSpPr>
+            <p:cNvPr id="1512" name="Google Shape;1512;p38"/>
+            <p:cNvSpPr/>
+            <p:nvPr/>
+          </p:nvSpPr>
+          <p:spPr>
+            <a:xfrm>
+              <a:off x="2279325" y="978375"/>
+              <a:ext cx="181950" cy="107650"/>
+            </a:xfrm>
+            <a:custGeom>
+              <a:avLst/>
+              <a:gdLst/>
+              <a:ahLst/>
+              <a:cxnLst/>
+              <a:rect l="l" t="t" r="r" b="b"/>
+              <a:pathLst>
+                <a:path w="7278" h="4306" extrusionOk="0">
+                  <a:moveTo>
+                    <a:pt x="1098" y="1"/>
+                  </a:moveTo>
+                  <a:cubicBezTo>
+                    <a:pt x="1082" y="115"/>
+                    <a:pt x="1067" y="240"/>
+                    <a:pt x="1045" y="381"/>
+                  </a:cubicBezTo>
+                  <a:cubicBezTo>
+                    <a:pt x="924" y="1201"/>
+                    <a:pt x="0" y="1156"/>
+                    <a:pt x="195" y="1686"/>
+                  </a:cubicBezTo>
+                  <a:cubicBezTo>
+                    <a:pt x="407" y="2264"/>
+                    <a:pt x="894" y="3053"/>
+                    <a:pt x="2867" y="3934"/>
+                  </a:cubicBezTo>
+                  <a:cubicBezTo>
+                    <a:pt x="3487" y="4210"/>
+                    <a:pt x="4125" y="4305"/>
+                    <a:pt x="4709" y="4305"/>
+                  </a:cubicBezTo>
+                  <a:cubicBezTo>
+                    <a:pt x="5413" y="4305"/>
+                    <a:pt x="6038" y="4167"/>
+                    <a:pt x="6458" y="4044"/>
+                  </a:cubicBezTo>
+                  <a:cubicBezTo>
+                    <a:pt x="6796" y="3944"/>
+                    <a:pt x="7069" y="3696"/>
+                    <a:pt x="7204" y="3369"/>
+                  </a:cubicBezTo>
+                  <a:lnTo>
+                    <a:pt x="7278" y="3188"/>
+                  </a:lnTo>
+                  <a:lnTo>
+                    <a:pt x="1098" y="1"/>
+                  </a:lnTo>
+                  <a:close/>
+                </a:path>
+              </a:pathLst>
+            </a:custGeom>
+            <a:solidFill>
+              <a:schemeClr val="dk2"/>
+            </a:solidFill>
+            <a:ln>
+              <a:noFill/>
+            </a:ln>
+          </p:spPr>
+          <p:txBody>
+            <a:bodyPr spcFirstLastPara="1" wrap="square" lIns="91425" tIns="91425" rIns="91425" bIns="91425" anchor="ctr" anchorCtr="0">
+              <a:noAutofit/>
+            </a:bodyPr>
+            <a:lstStyle/>
+            <a:p>
+              <a:pPr marL="0" lvl="0" indent="0" algn="l" rtl="0">
+                <a:spcBef>
+                  <a:spcPts val="0"/>
+                </a:spcBef>
+                <a:spcAft>
+                  <a:spcPts val="0"/>
+                </a:spcAft>
+                <a:buNone/>
+              </a:pPr>
+              <a:endParaRPr/>
+            </a:p>
+          </p:txBody>
+        </p:sp>
+        <p:sp>
+          <p:nvSpPr>
+            <p:cNvPr id="1513" name="Google Shape;1513;p38"/>
+            <p:cNvSpPr/>
+            <p:nvPr/>
+          </p:nvSpPr>
+          <p:spPr>
+            <a:xfrm>
+              <a:off x="2474900" y="545850"/>
+              <a:ext cx="171650" cy="154875"/>
+            </a:xfrm>
+            <a:custGeom>
+              <a:avLst/>
+              <a:gdLst/>
+              <a:ahLst/>
+              <a:cxnLst/>
+              <a:rect l="l" t="t" r="r" b="b"/>
+              <a:pathLst>
+                <a:path w="6866" h="6195" extrusionOk="0">
+                  <a:moveTo>
+                    <a:pt x="5626" y="0"/>
+                  </a:moveTo>
+                  <a:cubicBezTo>
+                    <a:pt x="5468" y="0"/>
+                    <a:pt x="5302" y="30"/>
+                    <a:pt x="5134" y="91"/>
+                  </a:cubicBezTo>
+                  <a:cubicBezTo>
+                    <a:pt x="4966" y="152"/>
+                    <a:pt x="4811" y="173"/>
+                    <a:pt x="4664" y="173"/>
+                  </a:cubicBezTo>
+                  <a:cubicBezTo>
+                    <a:pt x="4340" y="173"/>
+                    <a:pt x="4056" y="70"/>
+                    <a:pt x="3755" y="70"/>
+                  </a:cubicBezTo>
+                  <a:cubicBezTo>
+                    <a:pt x="3586" y="70"/>
+                    <a:pt x="3412" y="103"/>
+                    <a:pt x="3221" y="204"/>
+                  </a:cubicBezTo>
+                  <a:cubicBezTo>
+                    <a:pt x="2780" y="440"/>
+                    <a:pt x="2574" y="662"/>
+                    <a:pt x="2305" y="852"/>
+                  </a:cubicBezTo>
+                  <a:cubicBezTo>
+                    <a:pt x="2086" y="1005"/>
+                    <a:pt x="1825" y="1068"/>
+                    <a:pt x="1559" y="1068"/>
+                  </a:cubicBezTo>
+                  <a:cubicBezTo>
+                    <a:pt x="1526" y="1068"/>
+                    <a:pt x="1494" y="1067"/>
+                    <a:pt x="1461" y="1065"/>
+                  </a:cubicBezTo>
+                  <a:cubicBezTo>
+                    <a:pt x="1443" y="1064"/>
+                    <a:pt x="1426" y="1064"/>
+                    <a:pt x="1408" y="1064"/>
+                  </a:cubicBezTo>
+                  <a:cubicBezTo>
+                    <a:pt x="626" y="1064"/>
+                    <a:pt x="0" y="2071"/>
+                    <a:pt x="41" y="2847"/>
+                  </a:cubicBezTo>
+                  <a:cubicBezTo>
+                    <a:pt x="86" y="3735"/>
+                    <a:pt x="283" y="4077"/>
+                    <a:pt x="625" y="4737"/>
+                  </a:cubicBezTo>
+                  <a:cubicBezTo>
+                    <a:pt x="967" y="5398"/>
+                    <a:pt x="1149" y="6195"/>
+                    <a:pt x="1149" y="6195"/>
+                  </a:cubicBezTo>
+                  <a:cubicBezTo>
+                    <a:pt x="2037" y="5739"/>
+                    <a:pt x="1992" y="2847"/>
+                    <a:pt x="1992" y="2847"/>
+                  </a:cubicBezTo>
+                  <a:cubicBezTo>
+                    <a:pt x="2058" y="2814"/>
+                    <a:pt x="2140" y="2802"/>
+                    <a:pt x="2238" y="2802"/>
+                  </a:cubicBezTo>
+                  <a:cubicBezTo>
+                    <a:pt x="2473" y="2802"/>
+                    <a:pt x="2806" y="2869"/>
+                    <a:pt x="3268" y="2869"/>
+                  </a:cubicBezTo>
+                  <a:cubicBezTo>
+                    <a:pt x="3408" y="2869"/>
+                    <a:pt x="3559" y="2863"/>
+                    <a:pt x="3723" y="2847"/>
+                  </a:cubicBezTo>
+                  <a:cubicBezTo>
+                    <a:pt x="4656" y="2755"/>
+                    <a:pt x="4611" y="2322"/>
+                    <a:pt x="5294" y="2255"/>
+                  </a:cubicBezTo>
+                  <a:cubicBezTo>
+                    <a:pt x="5978" y="2186"/>
+                    <a:pt x="6865" y="1731"/>
+                    <a:pt x="6729" y="956"/>
+                  </a:cubicBezTo>
+                  <a:cubicBezTo>
+                    <a:pt x="6623" y="355"/>
+                    <a:pt x="6174" y="0"/>
+                    <a:pt x="5626" y="0"/>
+                  </a:cubicBezTo>
+                  <a:close/>
+                </a:path>
+              </a:pathLst>
+            </a:custGeom>
+            <a:solidFill>
+              <a:srgbClr val="0A0A0A"/>
+            </a:solidFill>
+            <a:ln>
+              <a:noFill/>
+            </a:ln>
+          </p:spPr>
+          <p:txBody>
+            <a:bodyPr spcFirstLastPara="1" wrap="square" lIns="91425" tIns="91425" rIns="91425" bIns="91425" anchor="ctr" anchorCtr="0">
+              <a:noAutofit/>
+            </a:bodyPr>
+            <a:lstStyle/>
+            <a:p>
+              <a:pPr marL="0" lvl="0" indent="0" algn="l" rtl="0">
+                <a:spcBef>
+                  <a:spcPts val="0"/>
+                </a:spcBef>
+                <a:spcAft>
+                  <a:spcPts val="0"/>
+                </a:spcAft>
+                <a:buNone/>
+              </a:pPr>
+              <a:endParaRPr/>
+            </a:p>
+          </p:txBody>
+        </p:sp>
+        <p:sp>
+          <p:nvSpPr>
+            <p:cNvPr id="1514" name="Google Shape;1514;p38"/>
+            <p:cNvSpPr/>
+            <p:nvPr/>
+          </p:nvSpPr>
+          <p:spPr>
+            <a:xfrm>
+              <a:off x="2472725" y="600675"/>
+              <a:ext cx="171725" cy="216475"/>
+            </a:xfrm>
+            <a:custGeom>
+              <a:avLst/>
+              <a:gdLst/>
+              <a:ahLst/>
+              <a:cxnLst/>
+              <a:rect l="l" t="t" r="r" b="b"/>
+              <a:pathLst>
+                <a:path w="6869" h="8659" extrusionOk="0">
+                  <a:moveTo>
+                    <a:pt x="4819" y="0"/>
+                  </a:moveTo>
+                  <a:cubicBezTo>
+                    <a:pt x="4572" y="259"/>
+                    <a:pt x="4014" y="446"/>
+                    <a:pt x="3472" y="446"/>
+                  </a:cubicBezTo>
+                  <a:cubicBezTo>
+                    <a:pt x="3315" y="446"/>
+                    <a:pt x="3159" y="430"/>
+                    <a:pt x="3012" y="396"/>
+                  </a:cubicBezTo>
+                  <a:cubicBezTo>
+                    <a:pt x="2856" y="360"/>
+                    <a:pt x="2698" y="346"/>
+                    <a:pt x="2548" y="346"/>
+                  </a:cubicBezTo>
+                  <a:cubicBezTo>
+                    <a:pt x="2066" y="346"/>
+                    <a:pt x="1661" y="487"/>
+                    <a:pt x="1661" y="487"/>
+                  </a:cubicBezTo>
+                  <a:cubicBezTo>
+                    <a:pt x="1661" y="487"/>
+                    <a:pt x="1706" y="2005"/>
+                    <a:pt x="1479" y="2916"/>
+                  </a:cubicBezTo>
+                  <a:cubicBezTo>
+                    <a:pt x="1284" y="2728"/>
+                    <a:pt x="1013" y="2624"/>
+                    <a:pt x="760" y="2624"/>
+                  </a:cubicBezTo>
+                  <a:cubicBezTo>
+                    <a:pt x="359" y="2624"/>
+                    <a:pt x="0" y="2883"/>
+                    <a:pt x="52" y="3478"/>
+                  </a:cubicBezTo>
+                  <a:cubicBezTo>
+                    <a:pt x="93" y="3961"/>
+                    <a:pt x="461" y="4066"/>
+                    <a:pt x="776" y="4066"/>
+                  </a:cubicBezTo>
+                  <a:cubicBezTo>
+                    <a:pt x="1022" y="4066"/>
+                    <a:pt x="1236" y="4002"/>
+                    <a:pt x="1236" y="4002"/>
+                  </a:cubicBezTo>
+                  <a:lnTo>
+                    <a:pt x="1767" y="6728"/>
+                  </a:lnTo>
+                  <a:cubicBezTo>
+                    <a:pt x="3698" y="6939"/>
+                    <a:pt x="5467" y="8659"/>
+                    <a:pt x="6183" y="8659"/>
+                  </a:cubicBezTo>
+                  <a:cubicBezTo>
+                    <a:pt x="6289" y="8659"/>
+                    <a:pt x="6372" y="8621"/>
+                    <a:pt x="6429" y="8535"/>
+                  </a:cubicBezTo>
+                  <a:cubicBezTo>
+                    <a:pt x="6869" y="7866"/>
+                    <a:pt x="4482" y="5927"/>
+                    <a:pt x="4482" y="5927"/>
+                  </a:cubicBezTo>
+                  <a:lnTo>
+                    <a:pt x="4277" y="5049"/>
+                  </a:lnTo>
+                  <a:cubicBezTo>
+                    <a:pt x="5643" y="4989"/>
+                    <a:pt x="5229" y="2977"/>
+                    <a:pt x="4987" y="2051"/>
+                  </a:cubicBezTo>
+                  <a:cubicBezTo>
+                    <a:pt x="4743" y="1124"/>
+                    <a:pt x="4819" y="0"/>
+                    <a:pt x="4819" y="0"/>
+                  </a:cubicBezTo>
+                  <a:close/>
+                </a:path>
+              </a:pathLst>
+            </a:custGeom>
+            <a:solidFill>
+              <a:srgbClr val="DF6363"/>
+            </a:solidFill>
+            <a:ln>
+              <a:noFill/>
+            </a:ln>
+          </p:spPr>
+          <p:txBody>
+            <a:bodyPr spcFirstLastPara="1" wrap="square" lIns="91425" tIns="91425" rIns="91425" bIns="91425" anchor="ctr" anchorCtr="0">
+              <a:noAutofit/>
+            </a:bodyPr>
+            <a:lstStyle/>
+            <a:p>
+              <a:pPr marL="0" lvl="0" indent="0" algn="l" rtl="0">
+                <a:spcBef>
+                  <a:spcPts val="0"/>
+                </a:spcBef>
+                <a:spcAft>
+                  <a:spcPts val="0"/>
+                </a:spcAft>
+                <a:buNone/>
+              </a:pPr>
+              <a:endParaRPr/>
+            </a:p>
+          </p:txBody>
+        </p:sp>
+        <p:sp>
+          <p:nvSpPr>
+            <p:cNvPr id="1515" name="Google Shape;1515;p38"/>
+            <p:cNvSpPr/>
+            <p:nvPr/>
+          </p:nvSpPr>
+          <p:spPr>
+            <a:xfrm>
+              <a:off x="2522175" y="708175"/>
+              <a:ext cx="62600" cy="40825"/>
+            </a:xfrm>
+            <a:custGeom>
+              <a:avLst/>
+              <a:gdLst/>
+              <a:ahLst/>
+              <a:cxnLst/>
+              <a:rect l="l" t="t" r="r" b="b"/>
+              <a:pathLst>
+                <a:path w="2504" h="1633" extrusionOk="0">
+                  <a:moveTo>
+                    <a:pt x="103" y="0"/>
+                  </a:moveTo>
+                  <a:cubicBezTo>
+                    <a:pt x="50" y="0"/>
+                    <a:pt x="0" y="50"/>
+                    <a:pt x="19" y="114"/>
+                  </a:cubicBezTo>
+                  <a:cubicBezTo>
+                    <a:pt x="267" y="955"/>
+                    <a:pt x="756" y="1633"/>
+                    <a:pt x="2251" y="1633"/>
+                  </a:cubicBezTo>
+                  <a:cubicBezTo>
+                    <a:pt x="2332" y="1633"/>
+                    <a:pt x="2416" y="1631"/>
+                    <a:pt x="2504" y="1627"/>
+                  </a:cubicBezTo>
+                  <a:lnTo>
+                    <a:pt x="2299" y="749"/>
+                  </a:lnTo>
+                  <a:cubicBezTo>
+                    <a:pt x="2206" y="759"/>
+                    <a:pt x="2104" y="764"/>
+                    <a:pt x="1996" y="764"/>
+                  </a:cubicBezTo>
+                  <a:cubicBezTo>
+                    <a:pt x="1421" y="764"/>
+                    <a:pt x="663" y="609"/>
+                    <a:pt x="170" y="32"/>
+                  </a:cubicBezTo>
+                  <a:cubicBezTo>
+                    <a:pt x="151" y="10"/>
+                    <a:pt x="126" y="0"/>
+                    <a:pt x="103" y="0"/>
+                  </a:cubicBezTo>
+                  <a:close/>
+                </a:path>
+              </a:pathLst>
+            </a:custGeom>
+            <a:solidFill>
+              <a:srgbClr val="AF3A3A"/>
+            </a:solidFill>
+            <a:ln>
+              <a:noFill/>
+            </a:ln>
+          </p:spPr>
+          <p:txBody>
+            <a:bodyPr spcFirstLastPara="1" wrap="square" lIns="91425" tIns="91425" rIns="91425" bIns="91425" anchor="ctr" anchorCtr="0">
+              <a:noAutofit/>
+            </a:bodyPr>
+            <a:lstStyle/>
+            <a:p>
+              <a:pPr marL="0" lvl="0" indent="0" algn="l" rtl="0">
+                <a:spcBef>
+                  <a:spcPts val="0"/>
+                </a:spcBef>
+                <a:spcAft>
+                  <a:spcPts val="0"/>
+                </a:spcAft>
+                <a:buNone/>
+              </a:pPr>
+              <a:endParaRPr/>
+            </a:p>
+          </p:txBody>
+        </p:sp>
+        <p:sp>
+          <p:nvSpPr>
+            <p:cNvPr id="1516" name="Google Shape;1516;p38"/>
+            <p:cNvSpPr/>
+            <p:nvPr/>
+          </p:nvSpPr>
+          <p:spPr>
+            <a:xfrm>
+              <a:off x="2494300" y="639700"/>
+              <a:ext cx="36325" cy="36825"/>
+            </a:xfrm>
+            <a:custGeom>
+              <a:avLst/>
+              <a:gdLst/>
+              <a:ahLst/>
+              <a:cxnLst/>
+              <a:rect l="l" t="t" r="r" b="b"/>
+              <a:pathLst>
+                <a:path w="1453" h="1473" extrusionOk="0">
+                  <a:moveTo>
+                    <a:pt x="1066" y="1"/>
+                  </a:moveTo>
+                  <a:lnTo>
+                    <a:pt x="0" y="786"/>
+                  </a:lnTo>
+                  <a:lnTo>
+                    <a:pt x="342" y="1428"/>
+                  </a:lnTo>
+                  <a:cubicBezTo>
+                    <a:pt x="342" y="1428"/>
+                    <a:pt x="540" y="1303"/>
+                    <a:pt x="844" y="1303"/>
+                  </a:cubicBezTo>
+                  <a:cubicBezTo>
+                    <a:pt x="1018" y="1303"/>
+                    <a:pt x="1227" y="1344"/>
+                    <a:pt x="1453" y="1473"/>
+                  </a:cubicBezTo>
+                  <a:lnTo>
+                    <a:pt x="1066" y="1"/>
+                  </a:lnTo>
+                  <a:close/>
+                </a:path>
+              </a:pathLst>
+            </a:custGeom>
+            <a:solidFill>
+              <a:srgbClr val="3676F7"/>
+            </a:solidFill>
+            <a:ln>
+              <a:noFill/>
+            </a:ln>
+          </p:spPr>
+          <p:txBody>
+            <a:bodyPr spcFirstLastPara="1" wrap="square" lIns="91425" tIns="91425" rIns="91425" bIns="91425" anchor="ctr" anchorCtr="0">
+              <a:noAutofit/>
+            </a:bodyPr>
+            <a:lstStyle/>
+            <a:p>
+              <a:pPr marL="0" lvl="0" indent="0" algn="l" rtl="0">
+                <a:spcBef>
+                  <a:spcPts val="0"/>
+                </a:spcBef>
+                <a:spcAft>
+                  <a:spcPts val="0"/>
+                </a:spcAft>
+                <a:buNone/>
+              </a:pPr>
+              <a:endParaRPr/>
+            </a:p>
+          </p:txBody>
+        </p:sp>
+        <p:sp>
+          <p:nvSpPr>
+            <p:cNvPr id="1517" name="Google Shape;1517;p38"/>
+            <p:cNvSpPr/>
+            <p:nvPr/>
+          </p:nvSpPr>
+          <p:spPr>
+            <a:xfrm>
+              <a:off x="2518325" y="623375"/>
+              <a:ext cx="109325" cy="53650"/>
+            </a:xfrm>
+            <a:custGeom>
+              <a:avLst/>
+              <a:gdLst/>
+              <a:ahLst/>
+              <a:cxnLst/>
+              <a:rect l="l" t="t" r="r" b="b"/>
+              <a:pathLst>
+                <a:path w="4373" h="2146" extrusionOk="0">
+                  <a:moveTo>
+                    <a:pt x="3448" y="1"/>
+                  </a:moveTo>
+                  <a:cubicBezTo>
+                    <a:pt x="3406" y="1"/>
+                    <a:pt x="3364" y="3"/>
+                    <a:pt x="3322" y="10"/>
+                  </a:cubicBezTo>
+                  <a:lnTo>
+                    <a:pt x="449" y="425"/>
+                  </a:lnTo>
+                  <a:cubicBezTo>
+                    <a:pt x="185" y="464"/>
+                    <a:pt x="1" y="708"/>
+                    <a:pt x="40" y="972"/>
+                  </a:cubicBezTo>
+                  <a:lnTo>
+                    <a:pt x="149" y="1732"/>
+                  </a:lnTo>
+                  <a:cubicBezTo>
+                    <a:pt x="185" y="1972"/>
+                    <a:pt x="390" y="2146"/>
+                    <a:pt x="626" y="2146"/>
+                  </a:cubicBezTo>
+                  <a:cubicBezTo>
+                    <a:pt x="650" y="2146"/>
+                    <a:pt x="673" y="2144"/>
+                    <a:pt x="697" y="2141"/>
+                  </a:cubicBezTo>
+                  <a:lnTo>
+                    <a:pt x="3571" y="1726"/>
+                  </a:lnTo>
+                  <a:cubicBezTo>
+                    <a:pt x="4044" y="1657"/>
+                    <a:pt x="4373" y="1217"/>
+                    <a:pt x="4304" y="744"/>
+                  </a:cubicBezTo>
+                  <a:cubicBezTo>
+                    <a:pt x="4243" y="312"/>
+                    <a:pt x="3872" y="1"/>
+                    <a:pt x="3448" y="1"/>
+                  </a:cubicBezTo>
+                  <a:close/>
+                </a:path>
+              </a:pathLst>
+            </a:custGeom>
+            <a:solidFill>
+              <a:srgbClr val="4A67B4"/>
+            </a:solidFill>
+            <a:ln>
+              <a:noFill/>
+            </a:ln>
+          </p:spPr>
+          <p:txBody>
+            <a:bodyPr spcFirstLastPara="1" wrap="square" lIns="91425" tIns="91425" rIns="91425" bIns="91425" anchor="ctr" anchorCtr="0">
+              <a:noAutofit/>
+            </a:bodyPr>
+            <a:lstStyle/>
+            <a:p>
+              <a:pPr marL="0" lvl="0" indent="0" algn="l" rtl="0">
+                <a:spcBef>
+                  <a:spcPts val="0"/>
+                </a:spcBef>
+                <a:spcAft>
+                  <a:spcPts val="0"/>
+                </a:spcAft>
+                <a:buNone/>
+              </a:pPr>
+              <a:endParaRPr/>
+            </a:p>
+          </p:txBody>
+        </p:sp>
+        <p:sp>
+          <p:nvSpPr>
+            <p:cNvPr id="1518" name="Google Shape;1518;p38"/>
+            <p:cNvSpPr/>
+            <p:nvPr/>
+          </p:nvSpPr>
+          <p:spPr>
+            <a:xfrm>
+              <a:off x="2536075" y="620700"/>
+              <a:ext cx="92875" cy="55050"/>
+            </a:xfrm>
+            <a:custGeom>
+              <a:avLst/>
+              <a:gdLst/>
+              <a:ahLst/>
+              <a:cxnLst/>
+              <a:rect l="l" t="t" r="r" b="b"/>
+              <a:pathLst>
+                <a:path w="3715" h="2202" extrusionOk="0">
+                  <a:moveTo>
+                    <a:pt x="3417" y="1"/>
+                  </a:moveTo>
+                  <a:cubicBezTo>
+                    <a:pt x="3414" y="1"/>
+                    <a:pt x="3411" y="1"/>
+                    <a:pt x="3408" y="1"/>
+                  </a:cubicBezTo>
+                  <a:lnTo>
+                    <a:pt x="60" y="485"/>
+                  </a:lnTo>
+                  <a:cubicBezTo>
+                    <a:pt x="25" y="490"/>
+                    <a:pt x="1" y="523"/>
+                    <a:pt x="6" y="557"/>
+                  </a:cubicBezTo>
+                  <a:lnTo>
+                    <a:pt x="237" y="2148"/>
+                  </a:lnTo>
+                  <a:cubicBezTo>
+                    <a:pt x="241" y="2179"/>
+                    <a:pt x="268" y="2202"/>
+                    <a:pt x="298" y="2202"/>
+                  </a:cubicBezTo>
+                  <a:cubicBezTo>
+                    <a:pt x="302" y="2202"/>
+                    <a:pt x="305" y="2202"/>
+                    <a:pt x="308" y="2201"/>
+                  </a:cubicBezTo>
+                  <a:lnTo>
+                    <a:pt x="3656" y="1717"/>
+                  </a:lnTo>
+                  <a:cubicBezTo>
+                    <a:pt x="3690" y="1712"/>
+                    <a:pt x="3715" y="1680"/>
+                    <a:pt x="3710" y="1646"/>
+                  </a:cubicBezTo>
+                  <a:lnTo>
+                    <a:pt x="3480" y="55"/>
+                  </a:lnTo>
+                  <a:cubicBezTo>
+                    <a:pt x="3475" y="24"/>
+                    <a:pt x="3448" y="1"/>
+                    <a:pt x="3417" y="1"/>
+                  </a:cubicBezTo>
+                  <a:close/>
+                </a:path>
+              </a:pathLst>
+            </a:custGeom>
+            <a:solidFill>
+              <a:srgbClr val="3676F7"/>
+            </a:solidFill>
+            <a:ln>
+              <a:noFill/>
+            </a:ln>
+          </p:spPr>
+          <p:txBody>
+            <a:bodyPr spcFirstLastPara="1" wrap="square" lIns="91425" tIns="91425" rIns="91425" bIns="91425" anchor="ctr" anchorCtr="0">
+              <a:noAutofit/>
+            </a:bodyPr>
+            <a:lstStyle/>
+            <a:p>
+              <a:pPr marL="0" lvl="0" indent="0" algn="l" rtl="0">
+                <a:spcBef>
+                  <a:spcPts val="0"/>
+                </a:spcBef>
+                <a:spcAft>
+                  <a:spcPts val="0"/>
+                </a:spcAft>
+                <a:buNone/>
+              </a:pPr>
+              <a:endParaRPr/>
+            </a:p>
+          </p:txBody>
+        </p:sp>
+        <p:sp>
+          <p:nvSpPr>
+            <p:cNvPr id="1519" name="Google Shape;1519;p38"/>
+            <p:cNvSpPr/>
+            <p:nvPr/>
+          </p:nvSpPr>
+          <p:spPr>
+            <a:xfrm>
+              <a:off x="2562975" y="641425"/>
+              <a:ext cx="45075" cy="11375"/>
+            </a:xfrm>
+            <a:custGeom>
+              <a:avLst/>
+              <a:gdLst/>
+              <a:ahLst/>
+              <a:cxnLst/>
+              <a:rect l="l" t="t" r="r" b="b"/>
+              <a:pathLst>
+                <a:path w="1803" h="455" extrusionOk="0">
+                  <a:moveTo>
+                    <a:pt x="1680" y="0"/>
+                  </a:moveTo>
+                  <a:cubicBezTo>
+                    <a:pt x="1675" y="0"/>
+                    <a:pt x="1669" y="1"/>
+                    <a:pt x="1663" y="2"/>
+                  </a:cubicBezTo>
+                  <a:lnTo>
+                    <a:pt x="107" y="226"/>
+                  </a:lnTo>
+                  <a:cubicBezTo>
+                    <a:pt x="44" y="236"/>
+                    <a:pt x="1" y="294"/>
+                    <a:pt x="9" y="356"/>
+                  </a:cubicBezTo>
+                  <a:cubicBezTo>
+                    <a:pt x="18" y="414"/>
+                    <a:pt x="67" y="455"/>
+                    <a:pt x="122" y="455"/>
+                  </a:cubicBezTo>
+                  <a:cubicBezTo>
+                    <a:pt x="128" y="455"/>
+                    <a:pt x="134" y="454"/>
+                    <a:pt x="140" y="454"/>
+                  </a:cubicBezTo>
+                  <a:lnTo>
+                    <a:pt x="1696" y="229"/>
+                  </a:lnTo>
+                  <a:cubicBezTo>
+                    <a:pt x="1760" y="220"/>
+                    <a:pt x="1803" y="162"/>
+                    <a:pt x="1793" y="99"/>
+                  </a:cubicBezTo>
+                  <a:cubicBezTo>
+                    <a:pt x="1786" y="42"/>
+                    <a:pt x="1736" y="0"/>
+                    <a:pt x="1680" y="0"/>
+                  </a:cubicBezTo>
+                  <a:close/>
+                </a:path>
+              </a:pathLst>
+            </a:custGeom>
+            <a:solidFill>
+              <a:srgbClr val="ECA200"/>
+            </a:solidFill>
+            <a:ln>
+              <a:noFill/>
+            </a:ln>
+          </p:spPr>
+          <p:txBody>
+            <a:bodyPr spcFirstLastPara="1" wrap="square" lIns="91425" tIns="91425" rIns="91425" bIns="91425" anchor="ctr" anchorCtr="0">
+              <a:noAutofit/>
+            </a:bodyPr>
+            <a:lstStyle/>
+            <a:p>
+              <a:pPr marL="0" lvl="0" indent="0" algn="l" rtl="0">
+                <a:spcBef>
+                  <a:spcPts val="0"/>
+                </a:spcBef>
+                <a:spcAft>
+                  <a:spcPts val="0"/>
+                </a:spcAft>
+                <a:buNone/>
+              </a:pPr>
+              <a:endParaRPr/>
+            </a:p>
+          </p:txBody>
+        </p:sp>
+        <p:sp>
+          <p:nvSpPr>
+            <p:cNvPr id="1520" name="Google Shape;1520;p38"/>
+            <p:cNvSpPr/>
+            <p:nvPr/>
+          </p:nvSpPr>
+          <p:spPr>
+            <a:xfrm>
+              <a:off x="2478225" y="571725"/>
+              <a:ext cx="43475" cy="89450"/>
+            </a:xfrm>
+            <a:custGeom>
+              <a:avLst/>
+              <a:gdLst/>
+              <a:ahLst/>
+              <a:cxnLst/>
+              <a:rect l="l" t="t" r="r" b="b"/>
+              <a:pathLst>
+                <a:path w="1739" h="3578" extrusionOk="0">
+                  <a:moveTo>
+                    <a:pt x="1738" y="1"/>
+                  </a:moveTo>
+                  <a:lnTo>
+                    <a:pt x="1738" y="1"/>
+                  </a:lnTo>
+                  <a:cubicBezTo>
+                    <a:pt x="1635" y="23"/>
+                    <a:pt x="1529" y="33"/>
+                    <a:pt x="1422" y="33"/>
+                  </a:cubicBezTo>
+                  <a:cubicBezTo>
+                    <a:pt x="1391" y="33"/>
+                    <a:pt x="1359" y="32"/>
+                    <a:pt x="1328" y="30"/>
+                  </a:cubicBezTo>
+                  <a:cubicBezTo>
+                    <a:pt x="1312" y="29"/>
+                    <a:pt x="1296" y="29"/>
+                    <a:pt x="1280" y="29"/>
+                  </a:cubicBezTo>
+                  <a:cubicBezTo>
+                    <a:pt x="1236" y="29"/>
+                    <a:pt x="1194" y="33"/>
+                    <a:pt x="1152" y="39"/>
+                  </a:cubicBezTo>
+                  <a:cubicBezTo>
+                    <a:pt x="422" y="724"/>
+                    <a:pt x="1" y="1995"/>
+                    <a:pt x="448" y="3577"/>
+                  </a:cubicBezTo>
+                  <a:lnTo>
+                    <a:pt x="760" y="3489"/>
+                  </a:lnTo>
+                  <a:cubicBezTo>
+                    <a:pt x="388" y="2172"/>
+                    <a:pt x="666" y="578"/>
+                    <a:pt x="1738" y="1"/>
+                  </a:cubicBezTo>
+                  <a:close/>
+                </a:path>
+              </a:pathLst>
+            </a:custGeom>
+            <a:solidFill>
+              <a:srgbClr val="4A67B4"/>
+            </a:solidFill>
+            <a:ln>
+              <a:noFill/>
+            </a:ln>
+          </p:spPr>
+          <p:txBody>
+            <a:bodyPr spcFirstLastPara="1" wrap="square" lIns="91425" tIns="91425" rIns="91425" bIns="91425" anchor="ctr" anchorCtr="0">
+              <a:noAutofit/>
+            </a:bodyPr>
+            <a:lstStyle/>
+            <a:p>
+              <a:pPr marL="0" lvl="0" indent="0" algn="l" rtl="0">
+                <a:spcBef>
+                  <a:spcPts val="0"/>
+                </a:spcBef>
+                <a:spcAft>
+                  <a:spcPts val="0"/>
+                </a:spcAft>
+                <a:buNone/>
+              </a:pPr>
+              <a:endParaRPr/>
+            </a:p>
+          </p:txBody>
+        </p:sp>
+        <p:sp>
+          <p:nvSpPr>
+            <p:cNvPr id="1521" name="Google Shape;1521;p38"/>
+            <p:cNvSpPr/>
+            <p:nvPr/>
+          </p:nvSpPr>
+          <p:spPr>
+            <a:xfrm>
+              <a:off x="2477825" y="646850"/>
+              <a:ext cx="44975" cy="67675"/>
+            </a:xfrm>
+            <a:custGeom>
+              <a:avLst/>
+              <a:gdLst/>
+              <a:ahLst/>
+              <a:cxnLst/>
+              <a:rect l="l" t="t" r="r" b="b"/>
+              <a:pathLst>
+                <a:path w="1799" h="2707" extrusionOk="0">
+                  <a:moveTo>
+                    <a:pt x="723" y="0"/>
+                  </a:moveTo>
+                  <a:cubicBezTo>
+                    <a:pt x="695" y="0"/>
+                    <a:pt x="668" y="2"/>
+                    <a:pt x="640" y="7"/>
+                  </a:cubicBezTo>
+                  <a:cubicBezTo>
+                    <a:pt x="388" y="49"/>
+                    <a:pt x="113" y="291"/>
+                    <a:pt x="113" y="291"/>
+                  </a:cubicBezTo>
+                  <a:lnTo>
+                    <a:pt x="140" y="496"/>
+                  </a:lnTo>
+                  <a:cubicBezTo>
+                    <a:pt x="34" y="765"/>
+                    <a:pt x="1" y="1118"/>
+                    <a:pt x="64" y="1493"/>
+                  </a:cubicBezTo>
+                  <a:cubicBezTo>
+                    <a:pt x="116" y="1803"/>
+                    <a:pt x="227" y="2076"/>
+                    <a:pt x="370" y="2286"/>
+                  </a:cubicBezTo>
+                  <a:lnTo>
+                    <a:pt x="413" y="2619"/>
+                  </a:lnTo>
+                  <a:cubicBezTo>
+                    <a:pt x="413" y="2619"/>
+                    <a:pt x="1008" y="2707"/>
+                    <a:pt x="1089" y="2707"/>
+                  </a:cubicBezTo>
+                  <a:cubicBezTo>
+                    <a:pt x="1092" y="2707"/>
+                    <a:pt x="1095" y="2706"/>
+                    <a:pt x="1096" y="2706"/>
+                  </a:cubicBezTo>
+                  <a:cubicBezTo>
+                    <a:pt x="1541" y="2631"/>
+                    <a:pt x="1799" y="1967"/>
+                    <a:pt x="1672" y="1221"/>
+                  </a:cubicBezTo>
+                  <a:cubicBezTo>
+                    <a:pt x="1554" y="521"/>
+                    <a:pt x="1140" y="0"/>
+                    <a:pt x="723" y="0"/>
+                  </a:cubicBezTo>
+                  <a:close/>
+                </a:path>
+              </a:pathLst>
+            </a:custGeom>
+            <a:solidFill>
+              <a:srgbClr val="4A67B4"/>
+            </a:solidFill>
+            <a:ln>
+              <a:noFill/>
+            </a:ln>
+          </p:spPr>
+          <p:txBody>
+            <a:bodyPr spcFirstLastPara="1" wrap="square" lIns="91425" tIns="91425" rIns="91425" bIns="91425" anchor="ctr" anchorCtr="0">
+              <a:noAutofit/>
+            </a:bodyPr>
+            <a:lstStyle/>
+            <a:p>
+              <a:pPr marL="0" lvl="0" indent="0" algn="l" rtl="0">
+                <a:spcBef>
+                  <a:spcPts val="0"/>
+                </a:spcBef>
+                <a:spcAft>
+                  <a:spcPts val="0"/>
+                </a:spcAft>
+                <a:buNone/>
+              </a:pPr>
+              <a:endParaRPr/>
+            </a:p>
+          </p:txBody>
+        </p:sp>
+        <p:sp>
+          <p:nvSpPr>
+            <p:cNvPr id="1522" name="Google Shape;1522;p38"/>
+            <p:cNvSpPr/>
+            <p:nvPr/>
+          </p:nvSpPr>
+          <p:spPr>
+            <a:xfrm>
+              <a:off x="2462725" y="653900"/>
+              <a:ext cx="45675" cy="58475"/>
+            </a:xfrm>
+            <a:custGeom>
+              <a:avLst/>
+              <a:gdLst/>
+              <a:ahLst/>
+              <a:cxnLst/>
+              <a:rect l="l" t="t" r="r" b="b"/>
+              <a:pathLst>
+                <a:path w="1827" h="2339" extrusionOk="0">
+                  <a:moveTo>
+                    <a:pt x="813" y="1"/>
+                  </a:moveTo>
+                  <a:cubicBezTo>
+                    <a:pt x="781" y="1"/>
+                    <a:pt x="749" y="3"/>
+                    <a:pt x="717" y="9"/>
+                  </a:cubicBezTo>
+                  <a:cubicBezTo>
+                    <a:pt x="273" y="84"/>
+                    <a:pt x="1" y="665"/>
+                    <a:pt x="110" y="1306"/>
+                  </a:cubicBezTo>
+                  <a:cubicBezTo>
+                    <a:pt x="210" y="1900"/>
+                    <a:pt x="603" y="2338"/>
+                    <a:pt x="1014" y="2338"/>
+                  </a:cubicBezTo>
+                  <a:cubicBezTo>
+                    <a:pt x="1046" y="2338"/>
+                    <a:pt x="1078" y="2335"/>
+                    <a:pt x="1110" y="2330"/>
+                  </a:cubicBezTo>
+                  <a:cubicBezTo>
+                    <a:pt x="1554" y="2254"/>
+                    <a:pt x="1826" y="1674"/>
+                    <a:pt x="1717" y="1033"/>
+                  </a:cubicBezTo>
+                  <a:cubicBezTo>
+                    <a:pt x="1617" y="439"/>
+                    <a:pt x="1224" y="1"/>
+                    <a:pt x="813" y="1"/>
+                  </a:cubicBezTo>
+                  <a:close/>
+                </a:path>
+              </a:pathLst>
+            </a:custGeom>
+            <a:solidFill>
+              <a:srgbClr val="3676F7"/>
+            </a:solidFill>
+            <a:ln>
+              <a:noFill/>
+            </a:ln>
+          </p:spPr>
+          <p:txBody>
+            <a:bodyPr spcFirstLastPara="1" wrap="square" lIns="91425" tIns="91425" rIns="91425" bIns="91425" anchor="ctr" anchorCtr="0">
+              <a:noAutofit/>
+            </a:bodyPr>
+            <a:lstStyle/>
+            <a:p>
+              <a:pPr marL="0" lvl="0" indent="0" algn="l" rtl="0">
+                <a:spcBef>
+                  <a:spcPts val="0"/>
+                </a:spcBef>
+                <a:spcAft>
+                  <a:spcPts val="0"/>
+                </a:spcAft>
+                <a:buNone/>
+              </a:pPr>
+              <a:endParaRPr/>
+            </a:p>
+          </p:txBody>
+        </p:sp>
+        <p:sp>
+          <p:nvSpPr>
+            <p:cNvPr id="1523" name="Google Shape;1523;p38"/>
+            <p:cNvSpPr/>
+            <p:nvPr/>
+          </p:nvSpPr>
+          <p:spPr>
+            <a:xfrm>
+              <a:off x="2472950" y="679425"/>
+              <a:ext cx="21150" cy="9400"/>
+            </a:xfrm>
+            <a:custGeom>
+              <a:avLst/>
+              <a:gdLst/>
+              <a:ahLst/>
+              <a:cxnLst/>
+              <a:rect l="l" t="t" r="r" b="b"/>
+              <a:pathLst>
+                <a:path w="846" h="376" extrusionOk="0">
+                  <a:moveTo>
+                    <a:pt x="694" y="0"/>
+                  </a:moveTo>
+                  <a:cubicBezTo>
+                    <a:pt x="685" y="0"/>
+                    <a:pt x="677" y="1"/>
+                    <a:pt x="669" y="2"/>
+                  </a:cubicBezTo>
+                  <a:lnTo>
+                    <a:pt x="129" y="93"/>
+                  </a:lnTo>
+                  <a:cubicBezTo>
+                    <a:pt x="52" y="106"/>
+                    <a:pt x="0" y="180"/>
+                    <a:pt x="13" y="257"/>
+                  </a:cubicBezTo>
+                  <a:cubicBezTo>
+                    <a:pt x="24" y="326"/>
+                    <a:pt x="85" y="376"/>
+                    <a:pt x="152" y="376"/>
+                  </a:cubicBezTo>
+                  <a:cubicBezTo>
+                    <a:pt x="160" y="376"/>
+                    <a:pt x="169" y="375"/>
+                    <a:pt x="177" y="374"/>
+                  </a:cubicBezTo>
+                  <a:lnTo>
+                    <a:pt x="716" y="283"/>
+                  </a:lnTo>
+                  <a:cubicBezTo>
+                    <a:pt x="794" y="270"/>
+                    <a:pt x="846" y="196"/>
+                    <a:pt x="833" y="119"/>
+                  </a:cubicBezTo>
+                  <a:cubicBezTo>
+                    <a:pt x="821" y="50"/>
+                    <a:pt x="761" y="0"/>
+                    <a:pt x="694" y="0"/>
+                  </a:cubicBezTo>
+                  <a:close/>
+                </a:path>
+              </a:pathLst>
+            </a:custGeom>
+            <a:solidFill>
+              <a:srgbClr val="ECA200"/>
+            </a:solidFill>
+            <a:ln>
+              <a:noFill/>
+            </a:ln>
+          </p:spPr>
+          <p:txBody>
+            <a:bodyPr spcFirstLastPara="1" wrap="square" lIns="91425" tIns="91425" rIns="91425" bIns="91425" anchor="ctr" anchorCtr="0">
+              <a:noAutofit/>
+            </a:bodyPr>
+            <a:lstStyle/>
+            <a:p>
+              <a:pPr marL="0" lvl="0" indent="0" algn="l" rtl="0">
+                <a:spcBef>
+                  <a:spcPts val="0"/>
+                </a:spcBef>
+                <a:spcAft>
+                  <a:spcPts val="0"/>
+                </a:spcAft>
+                <a:buNone/>
+              </a:pPr>
+              <a:endParaRPr/>
+            </a:p>
+          </p:txBody>
+        </p:sp>
+        <p:sp>
+          <p:nvSpPr>
+            <p:cNvPr id="1524" name="Google Shape;1524;p38"/>
+            <p:cNvSpPr/>
+            <p:nvPr/>
+          </p:nvSpPr>
+          <p:spPr>
+            <a:xfrm>
+              <a:off x="2699800" y="945625"/>
+              <a:ext cx="197850" cy="198525"/>
+            </a:xfrm>
+            <a:custGeom>
+              <a:avLst/>
+              <a:gdLst/>
+              <a:ahLst/>
+              <a:cxnLst/>
+              <a:rect l="l" t="t" r="r" b="b"/>
+              <a:pathLst>
+                <a:path w="7914" h="7941" extrusionOk="0">
+                  <a:moveTo>
+                    <a:pt x="4133" y="1"/>
+                  </a:moveTo>
+                  <a:lnTo>
+                    <a:pt x="4133" y="1"/>
+                  </a:lnTo>
+                  <a:cubicBezTo>
+                    <a:pt x="4756" y="780"/>
+                    <a:pt x="4038" y="2920"/>
+                    <a:pt x="2467" y="4638"/>
+                  </a:cubicBezTo>
+                  <a:cubicBezTo>
+                    <a:pt x="1183" y="6040"/>
+                    <a:pt x="341" y="7186"/>
+                    <a:pt x="0" y="7941"/>
+                  </a:cubicBezTo>
+                  <a:cubicBezTo>
+                    <a:pt x="58" y="7910"/>
+                    <a:pt x="113" y="7881"/>
+                    <a:pt x="170" y="7851"/>
+                  </a:cubicBezTo>
+                  <a:cubicBezTo>
+                    <a:pt x="3177" y="6235"/>
+                    <a:pt x="7307" y="4333"/>
+                    <a:pt x="7610" y="3787"/>
+                  </a:cubicBezTo>
+                  <a:cubicBezTo>
+                    <a:pt x="7914" y="3240"/>
+                    <a:pt x="6821" y="2905"/>
+                    <a:pt x="5971" y="2572"/>
+                  </a:cubicBezTo>
+                  <a:cubicBezTo>
+                    <a:pt x="5121" y="2238"/>
+                    <a:pt x="5212" y="1691"/>
+                    <a:pt x="4756" y="780"/>
+                  </a:cubicBezTo>
+                  <a:cubicBezTo>
+                    <a:pt x="4595" y="457"/>
+                    <a:pt x="4363" y="199"/>
+                    <a:pt x="4133" y="1"/>
+                  </a:cubicBezTo>
+                  <a:close/>
+                </a:path>
+              </a:pathLst>
+            </a:custGeom>
+            <a:solidFill>
+              <a:srgbClr val="A3C8FF"/>
+            </a:solidFill>
+            <a:ln>
+              <a:noFill/>
+            </a:ln>
+          </p:spPr>
+          <p:txBody>
+            <a:bodyPr spcFirstLastPara="1" wrap="square" lIns="91425" tIns="91425" rIns="91425" bIns="91425" anchor="ctr" anchorCtr="0">
+              <a:noAutofit/>
+            </a:bodyPr>
+            <a:lstStyle/>
+            <a:p>
+              <a:pPr marL="0" lvl="0" indent="0" algn="l" rtl="0">
+                <a:spcBef>
+                  <a:spcPts val="0"/>
+                </a:spcBef>
+                <a:spcAft>
+                  <a:spcPts val="0"/>
+                </a:spcAft>
+                <a:buNone/>
+              </a:pPr>
+              <a:endParaRPr/>
+            </a:p>
+          </p:txBody>
+        </p:sp>
+      </p:grpSp>
+      <p:sp>
+        <p:nvSpPr>
+          <p:cNvPr id="3" name="Rectangle 2"/>
+          <p:cNvSpPr/>
+          <p:nvPr/>
+        </p:nvSpPr>
+        <p:spPr>
+          <a:xfrm>
+            <a:off x="2286000" y="2239031"/>
+            <a:ext cx="4572000" cy="750077"/>
+          </a:xfrm>
+          <a:prstGeom prst="rect">
+            <a:avLst/>
+          </a:prstGeom>
+        </p:spPr>
+        <p:txBody>
+          <a:bodyPr>
+            <a:spAutoFit/>
+          </a:bodyPr>
+          <a:lstStyle/>
+          <a:p>
+            <a:pPr lvl="0">
+              <a:lnSpc>
+                <a:spcPct val="133000"/>
+              </a:lnSpc>
+              <a:spcBef>
+                <a:spcPct val="0"/>
+              </a:spcBef>
+              <a:spcAft>
+                <a:spcPct val="0"/>
+              </a:spcAft>
+              <a:tabLst>
+                <a:tab pos="723900" algn="l"/>
+                <a:tab pos="1447800" algn="l"/>
+                <a:tab pos="2171700" algn="l"/>
+                <a:tab pos="2895600" algn="l"/>
+                <a:tab pos="3619500" algn="l"/>
+                <a:tab pos="4343400" algn="l"/>
+                <a:tab pos="5067300" algn="l"/>
+                <a:tab pos="5791200" algn="l"/>
+                <a:tab pos="6515100" algn="l"/>
+              </a:tabLst>
+            </a:pPr>
+            <a:r>
+              <a:rPr lang="en-AU" altLang="en-US" sz="3600" b="1" dirty="0" err="1" smtClean="0">
+                <a:solidFill>
+                  <a:schemeClr val="tx1"/>
+                </a:solidFill>
+                <a:latin typeface="Rubik" charset="0"/>
+                <a:ea typeface="Rubik" charset="0"/>
+              </a:rPr>
+              <a:t>Terima</a:t>
+            </a:r>
+            <a:r>
+              <a:rPr lang="en-AU" altLang="en-US" sz="3600" b="1" dirty="0" smtClean="0">
+                <a:solidFill>
+                  <a:schemeClr val="tx1"/>
+                </a:solidFill>
+                <a:latin typeface="Rubik" charset="0"/>
+                <a:ea typeface="Rubik" charset="0"/>
+              </a:rPr>
+              <a:t> </a:t>
+            </a:r>
+            <a:r>
+              <a:rPr lang="en-AU" altLang="en-US" sz="3600" b="1" dirty="0" err="1" smtClean="0">
+                <a:solidFill>
+                  <a:schemeClr val="tx1"/>
+                </a:solidFill>
+                <a:latin typeface="Rubik" charset="0"/>
+                <a:ea typeface="Rubik" charset="0"/>
+              </a:rPr>
+              <a:t>Kasih</a:t>
+            </a:r>
+            <a:endParaRPr lang="en-AU" altLang="en-US" sz="3600" b="1" dirty="0">
+              <a:solidFill>
+                <a:schemeClr val="tx1"/>
+              </a:solidFill>
+              <a:latin typeface="Rubik" charset="0"/>
+              <a:ea typeface="Rubik" charset="0"/>
+            </a:endParaRPr>
+          </a:p>
+        </p:txBody>
+      </p:sp>
     </p:spTree>
   </p:cSld>
   <p:clrMapOvr>
@@ -29178,7 +33059,7 @@
   <p:cSld>
     <p:spTree>
       <p:nvGrpSpPr>
-        <p:cNvPr id="1" name="Shape 1463"/>
+        <p:cNvPr id="1" name=""/>
         <p:cNvGrpSpPr/>
         <p:nvPr/>
       </p:nvGrpSpPr>
@@ -29190,3862 +33071,111 @@
           <a:chExt cx="0" cy="0"/>
         </a:xfrm>
       </p:grpSpPr>
-      <p:grpSp>
-        <p:nvGrpSpPr>
-          <p:cNvPr id="1484" name="Google Shape;1484;p38"/>
-          <p:cNvGrpSpPr/>
+      <p:pic>
+        <p:nvPicPr>
+          <p:cNvPr id="1026" name="Picture 2"/>
+          <p:cNvPicPr>
+            <a:picLocks noChangeAspect="1" noChangeArrowheads="1"/>
+          </p:cNvPicPr>
           <p:nvPr/>
-        </p:nvGrpSpPr>
-        <p:grpSpPr>
-          <a:xfrm flipH="1">
-            <a:off x="5207130" y="1670464"/>
-            <a:ext cx="3212970" cy="3473030"/>
-            <a:chOff x="2257625" y="439800"/>
-            <a:chExt cx="1337400" cy="1445650"/>
-          </a:xfrm>
-        </p:grpSpPr>
-        <p:sp>
-          <p:nvSpPr>
-            <p:cNvPr id="1485" name="Google Shape;1485;p38"/>
-            <p:cNvSpPr/>
-            <p:nvPr/>
-          </p:nvSpPr>
-          <p:spPr>
-            <a:xfrm>
-              <a:off x="2332975" y="439800"/>
-              <a:ext cx="442675" cy="442700"/>
-            </a:xfrm>
-            <a:custGeom>
-              <a:avLst/>
-              <a:gdLst/>
-              <a:ahLst/>
-              <a:cxnLst/>
-              <a:rect l="l" t="t" r="r" b="b"/>
-              <a:pathLst>
-                <a:path w="17707" h="17708" extrusionOk="0">
-                  <a:moveTo>
-                    <a:pt x="8854" y="1"/>
-                  </a:moveTo>
-                  <a:cubicBezTo>
-                    <a:pt x="6506" y="1"/>
-                    <a:pt x="4254" y="934"/>
-                    <a:pt x="2594" y="2594"/>
-                  </a:cubicBezTo>
-                  <a:cubicBezTo>
-                    <a:pt x="934" y="4254"/>
-                    <a:pt x="1" y="6506"/>
-                    <a:pt x="1" y="8854"/>
-                  </a:cubicBezTo>
-                  <a:cubicBezTo>
-                    <a:pt x="1" y="11202"/>
-                    <a:pt x="934" y="13454"/>
-                    <a:pt x="2594" y="15115"/>
-                  </a:cubicBezTo>
-                  <a:cubicBezTo>
-                    <a:pt x="4254" y="16775"/>
-                    <a:pt x="6506" y="17707"/>
-                    <a:pt x="8854" y="17707"/>
-                  </a:cubicBezTo>
-                  <a:cubicBezTo>
-                    <a:pt x="11202" y="17707"/>
-                    <a:pt x="13453" y="16775"/>
-                    <a:pt x="15115" y="15115"/>
-                  </a:cubicBezTo>
-                  <a:cubicBezTo>
-                    <a:pt x="16775" y="13454"/>
-                    <a:pt x="17707" y="11202"/>
-                    <a:pt x="17707" y="8854"/>
-                  </a:cubicBezTo>
-                  <a:cubicBezTo>
-                    <a:pt x="17707" y="6506"/>
-                    <a:pt x="16775" y="4254"/>
-                    <a:pt x="15115" y="2594"/>
-                  </a:cubicBezTo>
-                  <a:cubicBezTo>
-                    <a:pt x="13453" y="934"/>
-                    <a:pt x="11202" y="1"/>
-                    <a:pt x="8854" y="1"/>
-                  </a:cubicBezTo>
-                  <a:close/>
-                </a:path>
-              </a:pathLst>
-            </a:custGeom>
-            <a:gradFill>
-              <a:gsLst>
-                <a:gs pos="0">
-                  <a:srgbClr val="A3C8FF"/>
-                </a:gs>
-                <a:gs pos="100000">
-                  <a:srgbClr val="3676F7"/>
-                </a:gs>
-              </a:gsLst>
-              <a:lin ang="5400012" scaled="0"/>
-            </a:gradFill>
-            <a:ln>
-              <a:noFill/>
-            </a:ln>
-          </p:spPr>
-          <p:txBody>
-            <a:bodyPr spcFirstLastPara="1" wrap="square" lIns="91425" tIns="91425" rIns="91425" bIns="91425" anchor="ctr" anchorCtr="0">
-              <a:noAutofit/>
-            </a:bodyPr>
-            <a:lstStyle/>
-            <a:p>
-              <a:pPr marL="0" lvl="0" indent="0" algn="l" rtl="0">
-                <a:spcBef>
-                  <a:spcPts val="0"/>
-                </a:spcBef>
-                <a:spcAft>
-                  <a:spcPts val="0"/>
-                </a:spcAft>
-                <a:buNone/>
-              </a:pPr>
-              <a:endParaRPr/>
-            </a:p>
-          </p:txBody>
-        </p:sp>
-        <p:sp>
-          <p:nvSpPr>
-            <p:cNvPr id="1486" name="Google Shape;1486;p38"/>
-            <p:cNvSpPr/>
-            <p:nvPr/>
-          </p:nvSpPr>
-          <p:spPr>
-            <a:xfrm>
-              <a:off x="3246875" y="1697750"/>
-              <a:ext cx="104450" cy="86475"/>
-            </a:xfrm>
-            <a:custGeom>
-              <a:avLst/>
-              <a:gdLst/>
-              <a:ahLst/>
-              <a:cxnLst/>
-              <a:rect l="l" t="t" r="r" b="b"/>
-              <a:pathLst>
-                <a:path w="4178" h="3459" extrusionOk="0">
-                  <a:moveTo>
-                    <a:pt x="3190" y="1"/>
-                  </a:moveTo>
-                  <a:cubicBezTo>
-                    <a:pt x="3190" y="2"/>
-                    <a:pt x="1" y="1793"/>
-                    <a:pt x="548" y="3281"/>
-                  </a:cubicBezTo>
-                  <a:cubicBezTo>
-                    <a:pt x="594" y="3406"/>
-                    <a:pt x="721" y="3459"/>
-                    <a:pt x="902" y="3459"/>
-                  </a:cubicBezTo>
-                  <a:cubicBezTo>
-                    <a:pt x="1831" y="3459"/>
-                    <a:pt x="4177" y="2066"/>
-                    <a:pt x="4177" y="2066"/>
-                  </a:cubicBezTo>
-                  <a:lnTo>
-                    <a:pt x="3190" y="1"/>
-                  </a:lnTo>
-                  <a:close/>
-                </a:path>
-              </a:pathLst>
-            </a:custGeom>
-            <a:solidFill>
-              <a:srgbClr val="4A67B4"/>
-            </a:solidFill>
-            <a:ln>
-              <a:noFill/>
-            </a:ln>
-          </p:spPr>
-          <p:txBody>
-            <a:bodyPr spcFirstLastPara="1" wrap="square" lIns="91425" tIns="91425" rIns="91425" bIns="91425" anchor="ctr" anchorCtr="0">
-              <a:noAutofit/>
-            </a:bodyPr>
-            <a:lstStyle/>
-            <a:p>
-              <a:pPr marL="0" lvl="0" indent="0" algn="l" rtl="0">
-                <a:spcBef>
-                  <a:spcPts val="0"/>
-                </a:spcBef>
-                <a:spcAft>
-                  <a:spcPts val="0"/>
-                </a:spcAft>
-                <a:buNone/>
-              </a:pPr>
-              <a:endParaRPr/>
-            </a:p>
-          </p:txBody>
-        </p:sp>
-        <p:sp>
-          <p:nvSpPr>
-            <p:cNvPr id="1487" name="Google Shape;1487;p38"/>
-            <p:cNvSpPr/>
-            <p:nvPr/>
-          </p:nvSpPr>
-          <p:spPr>
-            <a:xfrm>
-              <a:off x="3283725" y="1685625"/>
-              <a:ext cx="311300" cy="199825"/>
-            </a:xfrm>
-            <a:custGeom>
-              <a:avLst/>
-              <a:gdLst/>
-              <a:ahLst/>
-              <a:cxnLst/>
-              <a:rect l="l" t="t" r="r" b="b"/>
-              <a:pathLst>
-                <a:path w="12452" h="7993" extrusionOk="0">
-                  <a:moveTo>
-                    <a:pt x="3155" y="0"/>
-                  </a:moveTo>
-                  <a:cubicBezTo>
-                    <a:pt x="2363" y="0"/>
-                    <a:pt x="1" y="1592"/>
-                    <a:pt x="1" y="1592"/>
-                  </a:cubicBezTo>
-                  <a:cubicBezTo>
-                    <a:pt x="1" y="1592"/>
-                    <a:pt x="2646" y="4074"/>
-                    <a:pt x="3017" y="4418"/>
-                  </a:cubicBezTo>
-                  <a:cubicBezTo>
-                    <a:pt x="3390" y="4763"/>
-                    <a:pt x="3466" y="6747"/>
-                    <a:pt x="4332" y="7659"/>
-                  </a:cubicBezTo>
-                  <a:cubicBezTo>
-                    <a:pt x="4559" y="7899"/>
-                    <a:pt x="4753" y="7992"/>
-                    <a:pt x="4929" y="7992"/>
-                  </a:cubicBezTo>
-                  <a:cubicBezTo>
-                    <a:pt x="5422" y="7992"/>
-                    <a:pt x="5768" y="7254"/>
-                    <a:pt x="6284" y="6942"/>
-                  </a:cubicBezTo>
-                  <a:cubicBezTo>
-                    <a:pt x="6982" y="6519"/>
-                    <a:pt x="7708" y="5929"/>
-                    <a:pt x="8426" y="5446"/>
-                  </a:cubicBezTo>
-                  <a:cubicBezTo>
-                    <a:pt x="9145" y="4962"/>
-                    <a:pt x="12451" y="2922"/>
-                    <a:pt x="12069" y="2277"/>
-                  </a:cubicBezTo>
-                  <a:cubicBezTo>
-                    <a:pt x="11954" y="2082"/>
-                    <a:pt x="11695" y="2009"/>
-                    <a:pt x="11365" y="2009"/>
-                  </a:cubicBezTo>
-                  <a:cubicBezTo>
-                    <a:pt x="10603" y="2009"/>
-                    <a:pt x="9461" y="2397"/>
-                    <a:pt x="8822" y="2566"/>
-                  </a:cubicBezTo>
-                  <a:cubicBezTo>
-                    <a:pt x="8425" y="2671"/>
-                    <a:pt x="7772" y="2741"/>
-                    <a:pt x="7112" y="2741"/>
-                  </a:cubicBezTo>
-                  <a:cubicBezTo>
-                    <a:pt x="6252" y="2741"/>
-                    <a:pt x="5382" y="2622"/>
-                    <a:pt x="5051" y="2307"/>
-                  </a:cubicBezTo>
-                  <a:cubicBezTo>
-                    <a:pt x="4465" y="1748"/>
-                    <a:pt x="3200" y="2"/>
-                    <a:pt x="3200" y="2"/>
-                  </a:cubicBezTo>
-                  <a:cubicBezTo>
-                    <a:pt x="3186" y="1"/>
-                    <a:pt x="3171" y="0"/>
-                    <a:pt x="3155" y="0"/>
-                  </a:cubicBezTo>
-                  <a:close/>
-                </a:path>
-              </a:pathLst>
-            </a:custGeom>
-            <a:solidFill>
-              <a:srgbClr val="ECA200"/>
-            </a:solidFill>
-            <a:ln>
-              <a:noFill/>
-            </a:ln>
-          </p:spPr>
-          <p:txBody>
-            <a:bodyPr spcFirstLastPara="1" wrap="square" lIns="91425" tIns="91425" rIns="91425" bIns="91425" anchor="ctr" anchorCtr="0">
-              <a:noAutofit/>
-            </a:bodyPr>
-            <a:lstStyle/>
-            <a:p>
-              <a:pPr marL="0" lvl="0" indent="0" algn="l" rtl="0">
-                <a:spcBef>
-                  <a:spcPts val="0"/>
-                </a:spcBef>
-                <a:spcAft>
-                  <a:spcPts val="0"/>
-                </a:spcAft>
-                <a:buNone/>
-              </a:pPr>
-              <a:endParaRPr/>
-            </a:p>
-          </p:txBody>
-        </p:sp>
-        <p:sp>
-          <p:nvSpPr>
-            <p:cNvPr id="1488" name="Google Shape;1488;p38"/>
-            <p:cNvSpPr/>
-            <p:nvPr/>
-          </p:nvSpPr>
-          <p:spPr>
-            <a:xfrm>
-              <a:off x="3370900" y="1735825"/>
-              <a:ext cx="224125" cy="149625"/>
-            </a:xfrm>
-            <a:custGeom>
-              <a:avLst/>
-              <a:gdLst/>
-              <a:ahLst/>
-              <a:cxnLst/>
-              <a:rect l="l" t="t" r="r" b="b"/>
-              <a:pathLst>
-                <a:path w="8965" h="5985" extrusionOk="0">
-                  <a:moveTo>
-                    <a:pt x="7878" y="1"/>
-                  </a:moveTo>
-                  <a:cubicBezTo>
-                    <a:pt x="7116" y="1"/>
-                    <a:pt x="5974" y="389"/>
-                    <a:pt x="5335" y="558"/>
-                  </a:cubicBezTo>
-                  <a:cubicBezTo>
-                    <a:pt x="4938" y="663"/>
-                    <a:pt x="4286" y="732"/>
-                    <a:pt x="3627" y="732"/>
-                  </a:cubicBezTo>
-                  <a:cubicBezTo>
-                    <a:pt x="3081" y="732"/>
-                    <a:pt x="2530" y="684"/>
-                    <a:pt x="2115" y="568"/>
-                  </a:cubicBezTo>
-                  <a:cubicBezTo>
-                    <a:pt x="1718" y="1248"/>
-                    <a:pt x="1465" y="2785"/>
-                    <a:pt x="850" y="3141"/>
-                  </a:cubicBezTo>
-                  <a:cubicBezTo>
-                    <a:pt x="525" y="3329"/>
-                    <a:pt x="229" y="3585"/>
-                    <a:pt x="0" y="3811"/>
-                  </a:cubicBezTo>
-                  <a:cubicBezTo>
-                    <a:pt x="174" y="4466"/>
-                    <a:pt x="410" y="5194"/>
-                    <a:pt x="845" y="5652"/>
-                  </a:cubicBezTo>
-                  <a:cubicBezTo>
-                    <a:pt x="1072" y="5892"/>
-                    <a:pt x="1266" y="5985"/>
-                    <a:pt x="1441" y="5985"/>
-                  </a:cubicBezTo>
-                  <a:cubicBezTo>
-                    <a:pt x="1935" y="5985"/>
-                    <a:pt x="2281" y="5247"/>
-                    <a:pt x="2797" y="4934"/>
-                  </a:cubicBezTo>
-                  <a:cubicBezTo>
-                    <a:pt x="3495" y="4511"/>
-                    <a:pt x="4221" y="3921"/>
-                    <a:pt x="4939" y="3438"/>
-                  </a:cubicBezTo>
-                  <a:cubicBezTo>
-                    <a:pt x="5658" y="2954"/>
-                    <a:pt x="8964" y="914"/>
-                    <a:pt x="8582" y="269"/>
-                  </a:cubicBezTo>
-                  <a:cubicBezTo>
-                    <a:pt x="8467" y="74"/>
-                    <a:pt x="8208" y="1"/>
-                    <a:pt x="7878" y="1"/>
-                  </a:cubicBezTo>
-                  <a:close/>
-                </a:path>
-              </a:pathLst>
-            </a:custGeom>
-            <a:solidFill>
-              <a:schemeClr val="dk1"/>
-            </a:solidFill>
-            <a:ln>
-              <a:noFill/>
-            </a:ln>
-          </p:spPr>
-          <p:txBody>
-            <a:bodyPr spcFirstLastPara="1" wrap="square" lIns="91425" tIns="91425" rIns="91425" bIns="91425" anchor="ctr" anchorCtr="0">
-              <a:noAutofit/>
-            </a:bodyPr>
-            <a:lstStyle/>
-            <a:p>
-              <a:pPr marL="0" lvl="0" indent="0" algn="l" rtl="0">
-                <a:spcBef>
-                  <a:spcPts val="0"/>
-                </a:spcBef>
-                <a:spcAft>
-                  <a:spcPts val="0"/>
-                </a:spcAft>
-                <a:buNone/>
-              </a:pPr>
-              <a:endParaRPr/>
-            </a:p>
-          </p:txBody>
-        </p:sp>
-        <p:sp>
-          <p:nvSpPr>
-            <p:cNvPr id="1489" name="Google Shape;1489;p38"/>
-            <p:cNvSpPr/>
-            <p:nvPr/>
-          </p:nvSpPr>
-          <p:spPr>
-            <a:xfrm>
-              <a:off x="3019100" y="1515650"/>
-              <a:ext cx="158350" cy="297375"/>
-            </a:xfrm>
-            <a:custGeom>
-              <a:avLst/>
-              <a:gdLst/>
-              <a:ahLst/>
-              <a:cxnLst/>
-              <a:rect l="l" t="t" r="r" b="b"/>
-              <a:pathLst>
-                <a:path w="6334" h="11895" extrusionOk="0">
-                  <a:moveTo>
-                    <a:pt x="3789" y="1"/>
-                  </a:moveTo>
-                  <a:cubicBezTo>
-                    <a:pt x="3789" y="1"/>
-                    <a:pt x="2530" y="3601"/>
-                    <a:pt x="1869" y="3784"/>
-                  </a:cubicBezTo>
-                  <a:cubicBezTo>
-                    <a:pt x="1208" y="3966"/>
-                    <a:pt x="1" y="4399"/>
-                    <a:pt x="92" y="5196"/>
-                  </a:cubicBezTo>
-                  <a:cubicBezTo>
-                    <a:pt x="184" y="5994"/>
-                    <a:pt x="730" y="6745"/>
-                    <a:pt x="821" y="8362"/>
-                  </a:cubicBezTo>
-                  <a:cubicBezTo>
-                    <a:pt x="907" y="9894"/>
-                    <a:pt x="1423" y="11895"/>
-                    <a:pt x="2134" y="11895"/>
-                  </a:cubicBezTo>
-                  <a:cubicBezTo>
-                    <a:pt x="2174" y="11895"/>
-                    <a:pt x="2215" y="11889"/>
-                    <a:pt x="2255" y="11876"/>
-                  </a:cubicBezTo>
-                  <a:cubicBezTo>
-                    <a:pt x="3030" y="11631"/>
-                    <a:pt x="2552" y="10025"/>
-                    <a:pt x="2757" y="9023"/>
-                  </a:cubicBezTo>
-                  <a:cubicBezTo>
-                    <a:pt x="2962" y="8020"/>
-                    <a:pt x="3873" y="5561"/>
-                    <a:pt x="4283" y="4786"/>
-                  </a:cubicBezTo>
-                  <a:cubicBezTo>
-                    <a:pt x="4693" y="4012"/>
-                    <a:pt x="6333" y="1301"/>
-                    <a:pt x="6333" y="1301"/>
-                  </a:cubicBezTo>
-                  <a:lnTo>
-                    <a:pt x="3789" y="1"/>
-                  </a:lnTo>
-                  <a:close/>
-                </a:path>
-              </a:pathLst>
-            </a:custGeom>
-            <a:solidFill>
-              <a:srgbClr val="ECA200"/>
-            </a:solidFill>
-            <a:ln>
-              <a:noFill/>
-            </a:ln>
-          </p:spPr>
-          <p:txBody>
-            <a:bodyPr spcFirstLastPara="1" wrap="square" lIns="91425" tIns="91425" rIns="91425" bIns="91425" anchor="ctr" anchorCtr="0">
-              <a:noAutofit/>
-            </a:bodyPr>
-            <a:lstStyle/>
-            <a:p>
-              <a:pPr marL="0" lvl="0" indent="0" algn="l" rtl="0">
-                <a:spcBef>
-                  <a:spcPts val="0"/>
-                </a:spcBef>
-                <a:spcAft>
-                  <a:spcPts val="0"/>
-                </a:spcAft>
-                <a:buNone/>
-              </a:pPr>
-              <a:endParaRPr/>
-            </a:p>
-          </p:txBody>
-        </p:sp>
-        <p:sp>
-          <p:nvSpPr>
-            <p:cNvPr id="1490" name="Google Shape;1490;p38"/>
-            <p:cNvSpPr/>
-            <p:nvPr/>
-          </p:nvSpPr>
-          <p:spPr>
-            <a:xfrm>
-              <a:off x="3018050" y="1609225"/>
-              <a:ext cx="93600" cy="206700"/>
-            </a:xfrm>
-            <a:custGeom>
-              <a:avLst/>
-              <a:gdLst/>
-              <a:ahLst/>
-              <a:cxnLst/>
-              <a:rect l="l" t="t" r="r" b="b"/>
-              <a:pathLst>
-                <a:path w="3744" h="8268" extrusionOk="0">
-                  <a:moveTo>
-                    <a:pt x="1651" y="0"/>
-                  </a:moveTo>
-                  <a:cubicBezTo>
-                    <a:pt x="958" y="220"/>
-                    <a:pt x="0" y="652"/>
-                    <a:pt x="83" y="1376"/>
-                  </a:cubicBezTo>
-                  <a:cubicBezTo>
-                    <a:pt x="177" y="2196"/>
-                    <a:pt x="739" y="2969"/>
-                    <a:pt x="833" y="4634"/>
-                  </a:cubicBezTo>
-                  <a:cubicBezTo>
-                    <a:pt x="921" y="6209"/>
-                    <a:pt x="1452" y="8268"/>
-                    <a:pt x="2184" y="8268"/>
-                  </a:cubicBezTo>
-                  <a:cubicBezTo>
-                    <a:pt x="2225" y="8268"/>
-                    <a:pt x="2267" y="8261"/>
-                    <a:pt x="2309" y="8248"/>
-                  </a:cubicBezTo>
-                  <a:cubicBezTo>
-                    <a:pt x="3106" y="7996"/>
-                    <a:pt x="2614" y="6343"/>
-                    <a:pt x="2824" y="5313"/>
-                  </a:cubicBezTo>
-                  <a:cubicBezTo>
-                    <a:pt x="2953" y="4681"/>
-                    <a:pt x="3355" y="3489"/>
-                    <a:pt x="3744" y="2476"/>
-                  </a:cubicBezTo>
-                  <a:cubicBezTo>
-                    <a:pt x="3083" y="1880"/>
-                    <a:pt x="2240" y="2007"/>
-                    <a:pt x="1840" y="1727"/>
-                  </a:cubicBezTo>
-                  <a:cubicBezTo>
-                    <a:pt x="1487" y="1480"/>
-                    <a:pt x="1498" y="646"/>
-                    <a:pt x="1651" y="0"/>
-                  </a:cubicBezTo>
-                  <a:close/>
-                </a:path>
-              </a:pathLst>
-            </a:custGeom>
-            <a:solidFill>
-              <a:schemeClr val="dk1"/>
-            </a:solidFill>
-            <a:ln>
-              <a:noFill/>
-            </a:ln>
-          </p:spPr>
-          <p:txBody>
-            <a:bodyPr spcFirstLastPara="1" wrap="square" lIns="91425" tIns="91425" rIns="91425" bIns="91425" anchor="ctr" anchorCtr="0">
-              <a:noAutofit/>
-            </a:bodyPr>
-            <a:lstStyle/>
-            <a:p>
-              <a:pPr marL="0" lvl="0" indent="0" algn="l" rtl="0">
-                <a:spcBef>
-                  <a:spcPts val="0"/>
-                </a:spcBef>
-                <a:spcAft>
-                  <a:spcPts val="0"/>
-                </a:spcAft>
-                <a:buNone/>
-              </a:pPr>
-              <a:endParaRPr/>
-            </a:p>
-          </p:txBody>
-        </p:sp>
-        <p:sp>
-          <p:nvSpPr>
-            <p:cNvPr id="1491" name="Google Shape;1491;p38"/>
-            <p:cNvSpPr/>
-            <p:nvPr/>
-          </p:nvSpPr>
-          <p:spPr>
-            <a:xfrm>
-              <a:off x="2676725" y="1043325"/>
-              <a:ext cx="697750" cy="546650"/>
-            </a:xfrm>
-            <a:custGeom>
-              <a:avLst/>
-              <a:gdLst/>
-              <a:ahLst/>
-              <a:cxnLst/>
-              <a:rect l="l" t="t" r="r" b="b"/>
-              <a:pathLst>
-                <a:path w="27910" h="21866" extrusionOk="0">
-                  <a:moveTo>
-                    <a:pt x="7046" y="0"/>
-                  </a:moveTo>
-                  <a:lnTo>
-                    <a:pt x="1" y="3477"/>
-                  </a:lnTo>
-                  <a:lnTo>
-                    <a:pt x="8260" y="9749"/>
-                  </a:lnTo>
-                  <a:lnTo>
-                    <a:pt x="19983" y="9080"/>
-                  </a:lnTo>
-                  <a:lnTo>
-                    <a:pt x="19983" y="9080"/>
-                  </a:lnTo>
-                  <a:cubicBezTo>
-                    <a:pt x="19830" y="10478"/>
-                    <a:pt x="19710" y="12087"/>
-                    <a:pt x="19132" y="13120"/>
-                  </a:cubicBezTo>
-                  <a:cubicBezTo>
-                    <a:pt x="18555" y="14152"/>
-                    <a:pt x="18343" y="15185"/>
-                    <a:pt x="18221" y="16429"/>
-                  </a:cubicBezTo>
-                  <a:cubicBezTo>
-                    <a:pt x="18099" y="17675"/>
-                    <a:pt x="17219" y="19133"/>
-                    <a:pt x="17219" y="19133"/>
-                  </a:cubicBezTo>
-                  <a:lnTo>
-                    <a:pt x="21410" y="21866"/>
-                  </a:lnTo>
-                  <a:cubicBezTo>
-                    <a:pt x="21410" y="21866"/>
-                    <a:pt x="25662" y="13605"/>
-                    <a:pt x="26785" y="8929"/>
-                  </a:cubicBezTo>
-                  <a:cubicBezTo>
-                    <a:pt x="27909" y="4252"/>
-                    <a:pt x="23992" y="3188"/>
-                    <a:pt x="20105" y="2878"/>
-                  </a:cubicBezTo>
-                  <a:cubicBezTo>
-                    <a:pt x="16217" y="2567"/>
-                    <a:pt x="8533" y="1579"/>
-                    <a:pt x="8533" y="1579"/>
-                  </a:cubicBezTo>
-                  <a:cubicBezTo>
-                    <a:pt x="8139" y="395"/>
-                    <a:pt x="7046" y="0"/>
-                    <a:pt x="7046" y="0"/>
-                  </a:cubicBezTo>
-                  <a:close/>
-                </a:path>
-              </a:pathLst>
-            </a:custGeom>
-            <a:solidFill>
-              <a:srgbClr val="3676F7"/>
-            </a:solidFill>
-            <a:ln>
-              <a:noFill/>
-            </a:ln>
-          </p:spPr>
-          <p:txBody>
-            <a:bodyPr spcFirstLastPara="1" wrap="square" lIns="91425" tIns="91425" rIns="91425" bIns="91425" anchor="ctr" anchorCtr="0">
-              <a:noAutofit/>
-            </a:bodyPr>
-            <a:lstStyle/>
-            <a:p>
-              <a:pPr marL="0" lvl="0" indent="0" algn="l" rtl="0">
-                <a:spcBef>
-                  <a:spcPts val="0"/>
-                </a:spcBef>
-                <a:spcAft>
-                  <a:spcPts val="0"/>
-                </a:spcAft>
-                <a:buNone/>
-              </a:pPr>
-              <a:endParaRPr/>
-            </a:p>
-          </p:txBody>
-        </p:sp>
-        <p:sp>
-          <p:nvSpPr>
-            <p:cNvPr id="1492" name="Google Shape;1492;p38"/>
-            <p:cNvSpPr/>
-            <p:nvPr/>
-          </p:nvSpPr>
-          <p:spPr>
-            <a:xfrm>
-              <a:off x="3176275" y="1265575"/>
-              <a:ext cx="99500" cy="4750"/>
-            </a:xfrm>
-            <a:custGeom>
-              <a:avLst/>
-              <a:gdLst/>
-              <a:ahLst/>
-              <a:cxnLst/>
-              <a:rect l="l" t="t" r="r" b="b"/>
-              <a:pathLst>
-                <a:path w="3980" h="190" fill="none" extrusionOk="0">
-                  <a:moveTo>
-                    <a:pt x="1" y="190"/>
-                  </a:moveTo>
-                  <a:lnTo>
-                    <a:pt x="3979" y="0"/>
-                  </a:lnTo>
-                </a:path>
-              </a:pathLst>
-            </a:custGeom>
-            <a:noFill/>
-            <a:ln w="375" cap="flat" cmpd="sng">
-              <a:solidFill>
-                <a:srgbClr val="233C81"/>
-              </a:solidFill>
-              <a:prstDash val="solid"/>
-              <a:miter lim="1058"/>
-              <a:headEnd type="none" w="sm" len="sm"/>
-              <a:tailEnd type="none" w="sm" len="sm"/>
-            </a:ln>
-          </p:spPr>
-          <p:txBody>
-            <a:bodyPr spcFirstLastPara="1" wrap="square" lIns="91425" tIns="91425" rIns="91425" bIns="91425" anchor="ctr" anchorCtr="0">
-              <a:noAutofit/>
-            </a:bodyPr>
-            <a:lstStyle/>
-            <a:p>
-              <a:pPr marL="0" lvl="0" indent="0" algn="l" rtl="0">
-                <a:spcBef>
-                  <a:spcPts val="0"/>
-                </a:spcBef>
-                <a:spcAft>
-                  <a:spcPts val="0"/>
-                </a:spcAft>
-                <a:buNone/>
-              </a:pPr>
-              <a:endParaRPr/>
-            </a:p>
-          </p:txBody>
-        </p:sp>
-        <p:sp>
-          <p:nvSpPr>
-            <p:cNvPr id="1493" name="Google Shape;1493;p38"/>
-            <p:cNvSpPr/>
-            <p:nvPr/>
-          </p:nvSpPr>
-          <p:spPr>
-            <a:xfrm>
-              <a:off x="3201150" y="1287200"/>
-              <a:ext cx="57525" cy="23400"/>
-            </a:xfrm>
-            <a:custGeom>
-              <a:avLst/>
-              <a:gdLst/>
-              <a:ahLst/>
-              <a:cxnLst/>
-              <a:rect l="l" t="t" r="r" b="b"/>
-              <a:pathLst>
-                <a:path w="2301" h="936" fill="none" extrusionOk="0">
-                  <a:moveTo>
-                    <a:pt x="0" y="1"/>
-                  </a:moveTo>
-                  <a:lnTo>
-                    <a:pt x="2301" y="935"/>
-                  </a:lnTo>
-                </a:path>
-              </a:pathLst>
-            </a:custGeom>
-            <a:noFill/>
-            <a:ln w="375" cap="flat" cmpd="sng">
-              <a:solidFill>
-                <a:srgbClr val="233C81"/>
-              </a:solidFill>
-              <a:prstDash val="solid"/>
-              <a:miter lim="1058"/>
-              <a:headEnd type="none" w="sm" len="sm"/>
-              <a:tailEnd type="none" w="sm" len="sm"/>
-            </a:ln>
-          </p:spPr>
-          <p:txBody>
-            <a:bodyPr spcFirstLastPara="1" wrap="square" lIns="91425" tIns="91425" rIns="91425" bIns="91425" anchor="ctr" anchorCtr="0">
-              <a:noAutofit/>
-            </a:bodyPr>
-            <a:lstStyle/>
-            <a:p>
-              <a:pPr marL="0" lvl="0" indent="0" algn="l" rtl="0">
-                <a:spcBef>
-                  <a:spcPts val="0"/>
-                </a:spcBef>
-                <a:spcAft>
-                  <a:spcPts val="0"/>
-                </a:spcAft>
-                <a:buNone/>
-              </a:pPr>
-              <a:endParaRPr/>
-            </a:p>
-          </p:txBody>
-        </p:sp>
-        <p:sp>
-          <p:nvSpPr>
-            <p:cNvPr id="1494" name="Google Shape;1494;p38"/>
-            <p:cNvSpPr/>
-            <p:nvPr/>
-          </p:nvSpPr>
-          <p:spPr>
-            <a:xfrm>
-              <a:off x="3107200" y="1287200"/>
-              <a:ext cx="161000" cy="302775"/>
-            </a:xfrm>
-            <a:custGeom>
-              <a:avLst/>
-              <a:gdLst/>
-              <a:ahLst/>
-              <a:cxnLst/>
-              <a:rect l="l" t="t" r="r" b="b"/>
-              <a:pathLst>
-                <a:path w="6440" h="12111" extrusionOk="0">
-                  <a:moveTo>
-                    <a:pt x="2692" y="1"/>
-                  </a:moveTo>
-                  <a:cubicBezTo>
-                    <a:pt x="2562" y="1217"/>
-                    <a:pt x="2399" y="2495"/>
-                    <a:pt x="1913" y="3365"/>
-                  </a:cubicBezTo>
-                  <a:cubicBezTo>
-                    <a:pt x="1336" y="4397"/>
-                    <a:pt x="1124" y="5430"/>
-                    <a:pt x="1002" y="6674"/>
-                  </a:cubicBezTo>
-                  <a:cubicBezTo>
-                    <a:pt x="882" y="7920"/>
-                    <a:pt x="0" y="9378"/>
-                    <a:pt x="0" y="9378"/>
-                  </a:cubicBezTo>
-                  <a:lnTo>
-                    <a:pt x="4191" y="12111"/>
-                  </a:lnTo>
-                  <a:cubicBezTo>
-                    <a:pt x="4191" y="12111"/>
-                    <a:pt x="5244" y="10066"/>
-                    <a:pt x="6440" y="7434"/>
-                  </a:cubicBezTo>
-                  <a:cubicBezTo>
-                    <a:pt x="5835" y="6360"/>
-                    <a:pt x="5511" y="4902"/>
-                    <a:pt x="4753" y="3699"/>
-                  </a:cubicBezTo>
-                  <a:cubicBezTo>
-                    <a:pt x="3644" y="1937"/>
-                    <a:pt x="2824" y="1512"/>
-                    <a:pt x="2692" y="1"/>
-                  </a:cubicBezTo>
-                  <a:close/>
-                </a:path>
-              </a:pathLst>
-            </a:custGeom>
-            <a:solidFill>
-              <a:srgbClr val="0A0A0A">
-                <a:alpha val="24580"/>
-              </a:srgbClr>
-            </a:solidFill>
-            <a:ln>
-              <a:noFill/>
-            </a:ln>
-          </p:spPr>
-          <p:txBody>
-            <a:bodyPr spcFirstLastPara="1" wrap="square" lIns="91425" tIns="91425" rIns="91425" bIns="91425" anchor="ctr" anchorCtr="0">
-              <a:noAutofit/>
-            </a:bodyPr>
-            <a:lstStyle/>
-            <a:p>
-              <a:pPr marL="0" lvl="0" indent="0" algn="l" rtl="0">
-                <a:spcBef>
-                  <a:spcPts val="0"/>
-                </a:spcBef>
-                <a:spcAft>
-                  <a:spcPts val="0"/>
-                </a:spcAft>
-                <a:buNone/>
-              </a:pPr>
-              <a:endParaRPr/>
-            </a:p>
-          </p:txBody>
-        </p:sp>
-        <p:sp>
-          <p:nvSpPr>
-            <p:cNvPr id="1495" name="Google Shape;1495;p38"/>
-            <p:cNvSpPr/>
-            <p:nvPr/>
-          </p:nvSpPr>
-          <p:spPr>
-            <a:xfrm>
-              <a:off x="2783000" y="1141325"/>
-              <a:ext cx="306500" cy="145725"/>
-            </a:xfrm>
-            <a:custGeom>
-              <a:avLst/>
-              <a:gdLst/>
-              <a:ahLst/>
-              <a:cxnLst/>
-              <a:rect l="l" t="t" r="r" b="b"/>
-              <a:pathLst>
-                <a:path w="12260" h="5829" extrusionOk="0">
-                  <a:moveTo>
-                    <a:pt x="272" y="1"/>
-                  </a:moveTo>
-                  <a:cubicBezTo>
-                    <a:pt x="92" y="1"/>
-                    <a:pt x="0" y="23"/>
-                    <a:pt x="0" y="23"/>
-                  </a:cubicBezTo>
-                  <a:lnTo>
-                    <a:pt x="467" y="3139"/>
-                  </a:lnTo>
-                  <a:lnTo>
-                    <a:pt x="4009" y="5829"/>
-                  </a:lnTo>
-                  <a:lnTo>
-                    <a:pt x="12259" y="5359"/>
-                  </a:lnTo>
-                  <a:cubicBezTo>
-                    <a:pt x="11541" y="4985"/>
-                    <a:pt x="10551" y="4591"/>
-                    <a:pt x="9962" y="4310"/>
-                  </a:cubicBezTo>
-                  <a:cubicBezTo>
-                    <a:pt x="9051" y="3877"/>
-                    <a:pt x="8368" y="3057"/>
-                    <a:pt x="6955" y="2625"/>
-                  </a:cubicBezTo>
-                  <a:cubicBezTo>
-                    <a:pt x="4694" y="1932"/>
-                    <a:pt x="4404" y="1759"/>
-                    <a:pt x="2673" y="779"/>
-                  </a:cubicBezTo>
-                  <a:cubicBezTo>
-                    <a:pt x="1484" y="106"/>
-                    <a:pt x="667" y="1"/>
-                    <a:pt x="272" y="1"/>
-                  </a:cubicBezTo>
-                  <a:close/>
-                </a:path>
-              </a:pathLst>
-            </a:custGeom>
-            <a:solidFill>
-              <a:srgbClr val="0A0A0A">
-                <a:alpha val="24580"/>
-              </a:srgbClr>
-            </a:solidFill>
-            <a:ln>
-              <a:noFill/>
-            </a:ln>
-          </p:spPr>
-          <p:txBody>
-            <a:bodyPr spcFirstLastPara="1" wrap="square" lIns="91425" tIns="91425" rIns="91425" bIns="91425" anchor="ctr" anchorCtr="0">
-              <a:noAutofit/>
-            </a:bodyPr>
-            <a:lstStyle/>
-            <a:p>
-              <a:pPr marL="0" lvl="0" indent="0" algn="l" rtl="0">
-                <a:spcBef>
-                  <a:spcPts val="0"/>
-                </a:spcBef>
-                <a:spcAft>
-                  <a:spcPts val="0"/>
-                </a:spcAft>
-                <a:buNone/>
-              </a:pPr>
-              <a:endParaRPr/>
-            </a:p>
-          </p:txBody>
-        </p:sp>
-        <p:sp>
-          <p:nvSpPr>
-            <p:cNvPr id="1496" name="Google Shape;1496;p38"/>
-            <p:cNvSpPr/>
-            <p:nvPr/>
-          </p:nvSpPr>
-          <p:spPr>
-            <a:xfrm>
-              <a:off x="2576050" y="1095700"/>
-              <a:ext cx="796900" cy="684075"/>
-            </a:xfrm>
-            <a:custGeom>
-              <a:avLst/>
-              <a:gdLst/>
-              <a:ahLst/>
-              <a:cxnLst/>
-              <a:rect l="l" t="t" r="r" b="b"/>
-              <a:pathLst>
-                <a:path w="31876" h="27363" extrusionOk="0">
-                  <a:moveTo>
-                    <a:pt x="7276" y="0"/>
-                  </a:moveTo>
-                  <a:lnTo>
-                    <a:pt x="565" y="2855"/>
-                  </a:lnTo>
-                  <a:cubicBezTo>
-                    <a:pt x="565" y="2855"/>
-                    <a:pt x="1" y="7354"/>
-                    <a:pt x="4072" y="9339"/>
-                  </a:cubicBezTo>
-                  <a:cubicBezTo>
-                    <a:pt x="9502" y="11985"/>
-                    <a:pt x="16539" y="14278"/>
-                    <a:pt x="16539" y="14278"/>
-                  </a:cubicBezTo>
-                  <a:cubicBezTo>
-                    <a:pt x="16539" y="14278"/>
-                    <a:pt x="17116" y="16339"/>
-                    <a:pt x="18786" y="17676"/>
-                  </a:cubicBezTo>
-                  <a:cubicBezTo>
-                    <a:pt x="20457" y="19012"/>
-                    <a:pt x="20791" y="19285"/>
-                    <a:pt x="21489" y="20409"/>
-                  </a:cubicBezTo>
-                  <a:cubicBezTo>
-                    <a:pt x="22188" y="21533"/>
-                    <a:pt x="22248" y="22018"/>
-                    <a:pt x="23737" y="22808"/>
-                  </a:cubicBezTo>
-                  <a:cubicBezTo>
-                    <a:pt x="25225" y="23597"/>
-                    <a:pt x="25590" y="24509"/>
-                    <a:pt x="27381" y="27363"/>
-                  </a:cubicBezTo>
-                  <a:cubicBezTo>
-                    <a:pt x="27381" y="27363"/>
-                    <a:pt x="27321" y="26088"/>
-                    <a:pt x="31876" y="23962"/>
-                  </a:cubicBezTo>
-                  <a:cubicBezTo>
-                    <a:pt x="31876" y="23962"/>
-                    <a:pt x="24830" y="13879"/>
-                    <a:pt x="22735" y="11510"/>
-                  </a:cubicBezTo>
-                  <a:cubicBezTo>
-                    <a:pt x="20639" y="9141"/>
-                    <a:pt x="18665" y="7746"/>
-                    <a:pt x="15202" y="5847"/>
-                  </a:cubicBezTo>
-                  <a:cubicBezTo>
-                    <a:pt x="11740" y="3948"/>
-                    <a:pt x="8278" y="1848"/>
-                    <a:pt x="8278" y="1848"/>
-                  </a:cubicBezTo>
-                  <a:lnTo>
-                    <a:pt x="7276" y="0"/>
-                  </a:lnTo>
-                  <a:close/>
-                </a:path>
-              </a:pathLst>
-            </a:custGeom>
-            <a:solidFill>
-              <a:srgbClr val="3676F7"/>
-            </a:solidFill>
-            <a:ln>
-              <a:noFill/>
-            </a:ln>
-          </p:spPr>
-          <p:txBody>
-            <a:bodyPr spcFirstLastPara="1" wrap="square" lIns="91425" tIns="91425" rIns="91425" bIns="91425" anchor="ctr" anchorCtr="0">
-              <a:noAutofit/>
-            </a:bodyPr>
-            <a:lstStyle/>
-            <a:p>
-              <a:pPr marL="0" lvl="0" indent="0" algn="l" rtl="0">
-                <a:spcBef>
-                  <a:spcPts val="0"/>
-                </a:spcBef>
-                <a:spcAft>
-                  <a:spcPts val="0"/>
-                </a:spcAft>
-                <a:buNone/>
-              </a:pPr>
-              <a:endParaRPr/>
-            </a:p>
-          </p:txBody>
-        </p:sp>
-        <p:sp>
-          <p:nvSpPr>
-            <p:cNvPr id="1497" name="Google Shape;1497;p38"/>
-            <p:cNvSpPr/>
-            <p:nvPr/>
-          </p:nvSpPr>
-          <p:spPr>
-            <a:xfrm>
-              <a:off x="2646350" y="1223250"/>
-              <a:ext cx="658600" cy="508800"/>
-            </a:xfrm>
-            <a:custGeom>
-              <a:avLst/>
-              <a:gdLst/>
-              <a:ahLst/>
-              <a:cxnLst/>
-              <a:rect l="l" t="t" r="r" b="b"/>
-              <a:pathLst>
-                <a:path w="26344" h="20352" fill="none" extrusionOk="0">
-                  <a:moveTo>
-                    <a:pt x="0" y="0"/>
-                  </a:moveTo>
-                  <a:cubicBezTo>
-                    <a:pt x="0" y="0"/>
-                    <a:pt x="972" y="1732"/>
-                    <a:pt x="5284" y="3614"/>
-                  </a:cubicBezTo>
-                  <a:cubicBezTo>
-                    <a:pt x="9597" y="5497"/>
-                    <a:pt x="14850" y="7410"/>
-                    <a:pt x="14850" y="7410"/>
-                  </a:cubicBezTo>
-                  <a:cubicBezTo>
-                    <a:pt x="14850" y="7410"/>
-                    <a:pt x="16545" y="9779"/>
-                    <a:pt x="17979" y="11176"/>
-                  </a:cubicBezTo>
-                  <a:cubicBezTo>
-                    <a:pt x="19412" y="12573"/>
-                    <a:pt x="20196" y="14334"/>
-                    <a:pt x="22382" y="16187"/>
-                  </a:cubicBezTo>
-                  <a:cubicBezTo>
-                    <a:pt x="24569" y="18040"/>
-                    <a:pt x="26174" y="19719"/>
-                    <a:pt x="26343" y="20352"/>
-                  </a:cubicBezTo>
-                </a:path>
-              </a:pathLst>
-            </a:custGeom>
-            <a:noFill/>
-            <a:ln w="375" cap="flat" cmpd="sng">
-              <a:solidFill>
-                <a:srgbClr val="FFFFFF"/>
-              </a:solidFill>
-              <a:prstDash val="solid"/>
-              <a:miter lim="1058"/>
-              <a:headEnd type="none" w="sm" len="sm"/>
-              <a:tailEnd type="none" w="sm" len="sm"/>
-            </a:ln>
-          </p:spPr>
-          <p:txBody>
-            <a:bodyPr spcFirstLastPara="1" wrap="square" lIns="91425" tIns="91425" rIns="91425" bIns="91425" anchor="ctr" anchorCtr="0">
-              <a:noAutofit/>
-            </a:bodyPr>
-            <a:lstStyle/>
-            <a:p>
-              <a:pPr marL="0" lvl="0" indent="0" algn="l" rtl="0">
-                <a:spcBef>
-                  <a:spcPts val="0"/>
-                </a:spcBef>
-                <a:spcAft>
-                  <a:spcPts val="0"/>
-                </a:spcAft>
-                <a:buNone/>
-              </a:pPr>
-              <a:endParaRPr/>
-            </a:p>
-          </p:txBody>
-        </p:sp>
-        <p:sp>
-          <p:nvSpPr>
-            <p:cNvPr id="1498" name="Google Shape;1498;p38"/>
-            <p:cNvSpPr/>
-            <p:nvPr/>
-          </p:nvSpPr>
-          <p:spPr>
-            <a:xfrm>
-              <a:off x="2589475" y="1043325"/>
-              <a:ext cx="371700" cy="149075"/>
-            </a:xfrm>
-            <a:custGeom>
-              <a:avLst/>
-              <a:gdLst/>
-              <a:ahLst/>
-              <a:cxnLst/>
-              <a:rect l="l" t="t" r="r" b="b"/>
-              <a:pathLst>
-                <a:path w="14868" h="5963" extrusionOk="0">
-                  <a:moveTo>
-                    <a:pt x="10536" y="0"/>
-                  </a:moveTo>
-                  <a:lnTo>
-                    <a:pt x="3491" y="3477"/>
-                  </a:lnTo>
-                  <a:lnTo>
-                    <a:pt x="28" y="4950"/>
-                  </a:lnTo>
-                  <a:cubicBezTo>
-                    <a:pt x="28" y="4950"/>
-                    <a:pt x="0" y="5168"/>
-                    <a:pt x="1" y="5528"/>
-                  </a:cubicBezTo>
-                  <a:lnTo>
-                    <a:pt x="272" y="5963"/>
-                  </a:lnTo>
-                  <a:cubicBezTo>
-                    <a:pt x="272" y="5963"/>
-                    <a:pt x="1804" y="5914"/>
-                    <a:pt x="3764" y="5299"/>
-                  </a:cubicBezTo>
-                  <a:cubicBezTo>
-                    <a:pt x="5722" y="4685"/>
-                    <a:pt x="6536" y="3487"/>
-                    <a:pt x="9094" y="3358"/>
-                  </a:cubicBezTo>
-                  <a:cubicBezTo>
-                    <a:pt x="10467" y="3288"/>
-                    <a:pt x="12003" y="3424"/>
-                    <a:pt x="12768" y="2786"/>
-                  </a:cubicBezTo>
-                  <a:cubicBezTo>
-                    <a:pt x="13249" y="2386"/>
-                    <a:pt x="13963" y="2086"/>
-                    <a:pt x="14867" y="1933"/>
-                  </a:cubicBezTo>
-                  <a:cubicBezTo>
-                    <a:pt x="13201" y="1730"/>
-                    <a:pt x="12023" y="1579"/>
-                    <a:pt x="12023" y="1579"/>
-                  </a:cubicBezTo>
-                  <a:cubicBezTo>
-                    <a:pt x="11629" y="395"/>
-                    <a:pt x="10536" y="0"/>
-                    <a:pt x="10536" y="0"/>
-                  </a:cubicBezTo>
-                  <a:close/>
-                </a:path>
-              </a:pathLst>
-            </a:custGeom>
-            <a:solidFill>
-              <a:srgbClr val="0A0A0A">
-                <a:alpha val="24580"/>
-              </a:srgbClr>
-            </a:solidFill>
-            <a:ln>
-              <a:noFill/>
-            </a:ln>
-          </p:spPr>
-          <p:txBody>
-            <a:bodyPr spcFirstLastPara="1" wrap="square" lIns="91425" tIns="91425" rIns="91425" bIns="91425" anchor="ctr" anchorCtr="0">
-              <a:noAutofit/>
-            </a:bodyPr>
-            <a:lstStyle/>
-            <a:p>
-              <a:pPr marL="0" lvl="0" indent="0" algn="l" rtl="0">
-                <a:spcBef>
-                  <a:spcPts val="0"/>
-                </a:spcBef>
-                <a:spcAft>
-                  <a:spcPts val="0"/>
-                </a:spcAft>
-                <a:buNone/>
-              </a:pPr>
-              <a:endParaRPr/>
-            </a:p>
-          </p:txBody>
-        </p:sp>
-        <p:sp>
-          <p:nvSpPr>
-            <p:cNvPr id="1499" name="Google Shape;1499;p38"/>
-            <p:cNvSpPr/>
-            <p:nvPr/>
-          </p:nvSpPr>
-          <p:spPr>
-            <a:xfrm>
-              <a:off x="2796375" y="820400"/>
-              <a:ext cx="113425" cy="118000"/>
-            </a:xfrm>
-            <a:custGeom>
-              <a:avLst/>
-              <a:gdLst/>
-              <a:ahLst/>
-              <a:cxnLst/>
-              <a:rect l="l" t="t" r="r" b="b"/>
-              <a:pathLst>
-                <a:path w="4537" h="4720" extrusionOk="0">
-                  <a:moveTo>
-                    <a:pt x="3757" y="0"/>
-                  </a:moveTo>
-                  <a:cubicBezTo>
-                    <a:pt x="2709" y="0"/>
-                    <a:pt x="908" y="634"/>
-                    <a:pt x="908" y="634"/>
-                  </a:cubicBezTo>
-                  <a:cubicBezTo>
-                    <a:pt x="908" y="634"/>
-                    <a:pt x="1" y="4427"/>
-                    <a:pt x="1288" y="4696"/>
-                  </a:cubicBezTo>
-                  <a:cubicBezTo>
-                    <a:pt x="1367" y="4712"/>
-                    <a:pt x="1447" y="4720"/>
-                    <a:pt x="1527" y="4720"/>
-                  </a:cubicBezTo>
-                  <a:cubicBezTo>
-                    <a:pt x="2934" y="4720"/>
-                    <a:pt x="4536" y="2290"/>
-                    <a:pt x="4492" y="399"/>
-                  </a:cubicBezTo>
-                  <a:cubicBezTo>
-                    <a:pt x="4485" y="105"/>
-                    <a:pt x="4183" y="0"/>
-                    <a:pt x="3757" y="0"/>
-                  </a:cubicBezTo>
-                  <a:close/>
-                </a:path>
-              </a:pathLst>
-            </a:custGeom>
-            <a:solidFill>
-              <a:srgbClr val="889BC3"/>
-            </a:solidFill>
-            <a:ln>
-              <a:noFill/>
-            </a:ln>
-          </p:spPr>
-          <p:txBody>
-            <a:bodyPr spcFirstLastPara="1" wrap="square" lIns="91425" tIns="91425" rIns="91425" bIns="91425" anchor="ctr" anchorCtr="0">
-              <a:noAutofit/>
-            </a:bodyPr>
-            <a:lstStyle/>
-            <a:p>
-              <a:pPr marL="0" lvl="0" indent="0" algn="l" rtl="0">
-                <a:spcBef>
-                  <a:spcPts val="0"/>
-                </a:spcBef>
-                <a:spcAft>
-                  <a:spcPts val="0"/>
-                </a:spcAft>
-                <a:buNone/>
-              </a:pPr>
-              <a:endParaRPr/>
-            </a:p>
-          </p:txBody>
-        </p:sp>
-        <p:sp>
-          <p:nvSpPr>
-            <p:cNvPr id="1500" name="Google Shape;1500;p38"/>
-            <p:cNvSpPr/>
-            <p:nvPr/>
-          </p:nvSpPr>
-          <p:spPr>
-            <a:xfrm>
-              <a:off x="2795525" y="527875"/>
-              <a:ext cx="493900" cy="354950"/>
-            </a:xfrm>
-            <a:custGeom>
-              <a:avLst/>
-              <a:gdLst/>
-              <a:ahLst/>
-              <a:cxnLst/>
-              <a:rect l="l" t="t" r="r" b="b"/>
-              <a:pathLst>
-                <a:path w="19756" h="14198" extrusionOk="0">
-                  <a:moveTo>
-                    <a:pt x="19570" y="1"/>
-                  </a:moveTo>
-                  <a:cubicBezTo>
-                    <a:pt x="19541" y="1"/>
-                    <a:pt x="19497" y="9"/>
-                    <a:pt x="19437" y="28"/>
-                  </a:cubicBezTo>
-                  <a:cubicBezTo>
-                    <a:pt x="18997" y="164"/>
-                    <a:pt x="17144" y="619"/>
-                    <a:pt x="16598" y="878"/>
-                  </a:cubicBezTo>
-                  <a:cubicBezTo>
-                    <a:pt x="16051" y="1136"/>
-                    <a:pt x="15080" y="2138"/>
-                    <a:pt x="14593" y="2639"/>
-                  </a:cubicBezTo>
-                  <a:cubicBezTo>
-                    <a:pt x="14107" y="3140"/>
-                    <a:pt x="7290" y="8925"/>
-                    <a:pt x="7290" y="8925"/>
-                  </a:cubicBezTo>
-                  <a:lnTo>
-                    <a:pt x="5148" y="8561"/>
-                  </a:lnTo>
-                  <a:cubicBezTo>
-                    <a:pt x="5126" y="8560"/>
-                    <a:pt x="5104" y="8559"/>
-                    <a:pt x="5082" y="8559"/>
-                  </a:cubicBezTo>
-                  <a:cubicBezTo>
-                    <a:pt x="3161" y="8559"/>
-                    <a:pt x="1" y="13656"/>
-                    <a:pt x="1" y="13656"/>
-                  </a:cubicBezTo>
-                  <a:cubicBezTo>
-                    <a:pt x="1" y="13656"/>
-                    <a:pt x="1337" y="13884"/>
-                    <a:pt x="4663" y="14164"/>
-                  </a:cubicBezTo>
-                  <a:cubicBezTo>
-                    <a:pt x="4930" y="14187"/>
-                    <a:pt x="5187" y="14198"/>
-                    <a:pt x="5434" y="14198"/>
-                  </a:cubicBezTo>
-                  <a:cubicBezTo>
-                    <a:pt x="8262" y="14198"/>
-                    <a:pt x="9812" y="12765"/>
-                    <a:pt x="11040" y="10991"/>
-                  </a:cubicBezTo>
-                  <a:cubicBezTo>
-                    <a:pt x="12376" y="9062"/>
-                    <a:pt x="16537" y="3065"/>
-                    <a:pt x="16537" y="3065"/>
-                  </a:cubicBezTo>
-                  <a:cubicBezTo>
-                    <a:pt x="16632" y="3106"/>
-                    <a:pt x="16742" y="3124"/>
-                    <a:pt x="16857" y="3124"/>
-                  </a:cubicBezTo>
-                  <a:cubicBezTo>
-                    <a:pt x="17289" y="3124"/>
-                    <a:pt x="17805" y="2870"/>
-                    <a:pt x="18009" y="2654"/>
-                  </a:cubicBezTo>
-                  <a:cubicBezTo>
-                    <a:pt x="18268" y="2381"/>
-                    <a:pt x="18180" y="2108"/>
-                    <a:pt x="18180" y="2108"/>
-                  </a:cubicBezTo>
-                  <a:cubicBezTo>
-                    <a:pt x="18180" y="2108"/>
-                    <a:pt x="18283" y="1819"/>
-                    <a:pt x="18180" y="1439"/>
-                  </a:cubicBezTo>
-                  <a:cubicBezTo>
-                    <a:pt x="18259" y="1150"/>
-                    <a:pt x="18071" y="863"/>
-                    <a:pt x="18071" y="863"/>
-                  </a:cubicBezTo>
-                  <a:cubicBezTo>
-                    <a:pt x="18071" y="863"/>
-                    <a:pt x="18784" y="528"/>
-                    <a:pt x="19103" y="423"/>
-                  </a:cubicBezTo>
-                  <a:cubicBezTo>
-                    <a:pt x="19378" y="330"/>
-                    <a:pt x="19756" y="1"/>
-                    <a:pt x="19570" y="1"/>
-                  </a:cubicBezTo>
-                  <a:close/>
-                </a:path>
-              </a:pathLst>
-            </a:custGeom>
-            <a:solidFill>
-              <a:srgbClr val="DF6363"/>
-            </a:solidFill>
-            <a:ln>
-              <a:noFill/>
-            </a:ln>
-          </p:spPr>
-          <p:txBody>
-            <a:bodyPr spcFirstLastPara="1" wrap="square" lIns="91425" tIns="91425" rIns="91425" bIns="91425" anchor="ctr" anchorCtr="0">
-              <a:noAutofit/>
-            </a:bodyPr>
-            <a:lstStyle/>
-            <a:p>
-              <a:pPr marL="0" lvl="0" indent="0" algn="l" rtl="0">
-                <a:spcBef>
-                  <a:spcPts val="0"/>
-                </a:spcBef>
-                <a:spcAft>
-                  <a:spcPts val="0"/>
-                </a:spcAft>
-                <a:buNone/>
-              </a:pPr>
-              <a:endParaRPr/>
-            </a:p>
-          </p:txBody>
-        </p:sp>
-        <p:sp>
-          <p:nvSpPr>
-            <p:cNvPr id="1501" name="Google Shape;1501;p38"/>
-            <p:cNvSpPr/>
-            <p:nvPr/>
-          </p:nvSpPr>
-          <p:spPr>
-            <a:xfrm>
-              <a:off x="2793850" y="753225"/>
-              <a:ext cx="113675" cy="126575"/>
-            </a:xfrm>
-            <a:custGeom>
-              <a:avLst/>
-              <a:gdLst/>
-              <a:ahLst/>
-              <a:cxnLst/>
-              <a:rect l="l" t="t" r="r" b="b"/>
-              <a:pathLst>
-                <a:path w="4547" h="5063" extrusionOk="0">
-                  <a:moveTo>
-                    <a:pt x="26" y="4619"/>
-                  </a:moveTo>
-                  <a:cubicBezTo>
-                    <a:pt x="1" y="4619"/>
-                    <a:pt x="13" y="4626"/>
-                    <a:pt x="68" y="4642"/>
-                  </a:cubicBezTo>
-                  <a:cubicBezTo>
-                    <a:pt x="68" y="4642"/>
-                    <a:pt x="72" y="4636"/>
-                    <a:pt x="80" y="4623"/>
-                  </a:cubicBezTo>
-                  <a:lnTo>
-                    <a:pt x="80" y="4623"/>
-                  </a:lnTo>
-                  <a:cubicBezTo>
-                    <a:pt x="55" y="4620"/>
-                    <a:pt x="37" y="4619"/>
-                    <a:pt x="26" y="4619"/>
-                  </a:cubicBezTo>
-                  <a:close/>
-                  <a:moveTo>
-                    <a:pt x="3991" y="0"/>
-                  </a:moveTo>
-                  <a:cubicBezTo>
-                    <a:pt x="2252" y="1193"/>
-                    <a:pt x="251" y="4349"/>
-                    <a:pt x="80" y="4623"/>
-                  </a:cubicBezTo>
-                  <a:lnTo>
-                    <a:pt x="80" y="4623"/>
-                  </a:lnTo>
-                  <a:cubicBezTo>
-                    <a:pt x="403" y="4657"/>
-                    <a:pt x="1865" y="4904"/>
-                    <a:pt x="3445" y="5059"/>
-                  </a:cubicBezTo>
-                  <a:cubicBezTo>
-                    <a:pt x="3469" y="5061"/>
-                    <a:pt x="3493" y="5063"/>
-                    <a:pt x="3517" y="5063"/>
-                  </a:cubicBezTo>
-                  <a:cubicBezTo>
-                    <a:pt x="4025" y="5063"/>
-                    <a:pt x="4375" y="4519"/>
-                    <a:pt x="4136" y="4053"/>
-                  </a:cubicBezTo>
-                  <a:cubicBezTo>
-                    <a:pt x="3430" y="2673"/>
-                    <a:pt x="3764" y="653"/>
-                    <a:pt x="4547" y="17"/>
-                  </a:cubicBezTo>
-                  <a:lnTo>
-                    <a:pt x="3991" y="0"/>
-                  </a:lnTo>
-                  <a:close/>
-                </a:path>
-              </a:pathLst>
-            </a:custGeom>
-            <a:solidFill>
-              <a:srgbClr val="AF3A3A"/>
-            </a:solidFill>
-            <a:ln>
-              <a:noFill/>
-            </a:ln>
-          </p:spPr>
-          <p:txBody>
-            <a:bodyPr spcFirstLastPara="1" wrap="square" lIns="91425" tIns="91425" rIns="91425" bIns="91425" anchor="ctr" anchorCtr="0">
-              <a:noAutofit/>
-            </a:bodyPr>
-            <a:lstStyle/>
-            <a:p>
-              <a:pPr marL="0" lvl="0" indent="0" algn="l" rtl="0">
-                <a:spcBef>
-                  <a:spcPts val="0"/>
-                </a:spcBef>
-                <a:spcAft>
-                  <a:spcPts val="0"/>
-                </a:spcAft>
-                <a:buNone/>
-              </a:pPr>
-              <a:endParaRPr/>
-            </a:p>
-          </p:txBody>
-        </p:sp>
-        <p:sp>
-          <p:nvSpPr>
-            <p:cNvPr id="1502" name="Google Shape;1502;p38"/>
-            <p:cNvSpPr/>
-            <p:nvPr/>
-          </p:nvSpPr>
-          <p:spPr>
-            <a:xfrm>
-              <a:off x="3207975" y="553500"/>
-              <a:ext cx="35925" cy="33925"/>
-            </a:xfrm>
-            <a:custGeom>
-              <a:avLst/>
-              <a:gdLst/>
-              <a:ahLst/>
-              <a:cxnLst/>
-              <a:rect l="l" t="t" r="r" b="b"/>
-              <a:pathLst>
-                <a:path w="1437" h="1357" fill="none" extrusionOk="0">
-                  <a:moveTo>
-                    <a:pt x="365" y="69"/>
-                  </a:moveTo>
-                  <a:cubicBezTo>
-                    <a:pt x="729" y="1"/>
-                    <a:pt x="1243" y="81"/>
-                    <a:pt x="1334" y="285"/>
-                  </a:cubicBezTo>
-                  <a:cubicBezTo>
-                    <a:pt x="1425" y="491"/>
-                    <a:pt x="1436" y="1265"/>
-                    <a:pt x="1334" y="1311"/>
-                  </a:cubicBezTo>
-                  <a:cubicBezTo>
-                    <a:pt x="1231" y="1356"/>
-                    <a:pt x="969" y="1003"/>
-                    <a:pt x="969" y="582"/>
-                  </a:cubicBezTo>
-                  <a:cubicBezTo>
-                    <a:pt x="969" y="582"/>
-                    <a:pt x="753" y="1277"/>
-                    <a:pt x="0" y="1174"/>
-                  </a:cubicBezTo>
-                </a:path>
-              </a:pathLst>
-            </a:custGeom>
-            <a:noFill/>
-            <a:ln w="375" cap="rnd" cmpd="sng">
-              <a:solidFill>
-                <a:srgbClr val="AF3A3A"/>
-              </a:solidFill>
-              <a:prstDash val="solid"/>
-              <a:round/>
-              <a:headEnd type="none" w="sm" len="sm"/>
-              <a:tailEnd type="none" w="sm" len="sm"/>
-            </a:ln>
-          </p:spPr>
-          <p:txBody>
-            <a:bodyPr spcFirstLastPara="1" wrap="square" lIns="91425" tIns="91425" rIns="91425" bIns="91425" anchor="ctr" anchorCtr="0">
-              <a:noAutofit/>
-            </a:bodyPr>
-            <a:lstStyle/>
-            <a:p>
-              <a:pPr marL="0" lvl="0" indent="0" algn="l" rtl="0">
-                <a:spcBef>
-                  <a:spcPts val="0"/>
-                </a:spcBef>
-                <a:spcAft>
-                  <a:spcPts val="0"/>
-                </a:spcAft>
-                <a:buNone/>
-              </a:pPr>
-              <a:endParaRPr/>
-            </a:p>
-          </p:txBody>
-        </p:sp>
-        <p:sp>
-          <p:nvSpPr>
-            <p:cNvPr id="1503" name="Google Shape;1503;p38"/>
-            <p:cNvSpPr/>
-            <p:nvPr/>
-          </p:nvSpPr>
-          <p:spPr>
-            <a:xfrm>
-              <a:off x="2279325" y="717300"/>
-              <a:ext cx="644925" cy="478450"/>
-            </a:xfrm>
-            <a:custGeom>
-              <a:avLst/>
-              <a:gdLst/>
-              <a:ahLst/>
-              <a:cxnLst/>
-              <a:rect l="l" t="t" r="r" b="b"/>
-              <a:pathLst>
-                <a:path w="25797" h="19138" extrusionOk="0">
-                  <a:moveTo>
-                    <a:pt x="17594" y="0"/>
-                  </a:moveTo>
-                  <a:cubicBezTo>
-                    <a:pt x="16744" y="0"/>
-                    <a:pt x="15792" y="129"/>
-                    <a:pt x="14803" y="451"/>
-                  </a:cubicBezTo>
-                  <a:cubicBezTo>
-                    <a:pt x="12616" y="1163"/>
-                    <a:pt x="6330" y="2928"/>
-                    <a:pt x="6330" y="2928"/>
-                  </a:cubicBezTo>
-                  <a:cubicBezTo>
-                    <a:pt x="4264" y="3687"/>
-                    <a:pt x="3444" y="5479"/>
-                    <a:pt x="3080" y="6632"/>
-                  </a:cubicBezTo>
-                  <a:cubicBezTo>
-                    <a:pt x="2716" y="7787"/>
-                    <a:pt x="2229" y="8364"/>
-                    <a:pt x="1683" y="9032"/>
-                  </a:cubicBezTo>
-                  <a:cubicBezTo>
-                    <a:pt x="1136" y="9700"/>
-                    <a:pt x="1167" y="10004"/>
-                    <a:pt x="1045" y="10824"/>
-                  </a:cubicBezTo>
-                  <a:cubicBezTo>
-                    <a:pt x="924" y="11644"/>
-                    <a:pt x="0" y="11599"/>
-                    <a:pt x="195" y="12129"/>
-                  </a:cubicBezTo>
-                  <a:cubicBezTo>
-                    <a:pt x="407" y="12707"/>
-                    <a:pt x="893" y="13496"/>
-                    <a:pt x="2867" y="14377"/>
-                  </a:cubicBezTo>
-                  <a:cubicBezTo>
-                    <a:pt x="3487" y="14653"/>
-                    <a:pt x="4125" y="14748"/>
-                    <a:pt x="4709" y="14748"/>
-                  </a:cubicBezTo>
-                  <a:cubicBezTo>
-                    <a:pt x="5413" y="14748"/>
-                    <a:pt x="6038" y="14610"/>
-                    <a:pt x="6458" y="14487"/>
-                  </a:cubicBezTo>
-                  <a:cubicBezTo>
-                    <a:pt x="6796" y="14387"/>
-                    <a:pt x="7069" y="14139"/>
-                    <a:pt x="7204" y="13812"/>
-                  </a:cubicBezTo>
-                  <a:lnTo>
-                    <a:pt x="7782" y="12403"/>
-                  </a:lnTo>
-                  <a:cubicBezTo>
-                    <a:pt x="7782" y="12403"/>
-                    <a:pt x="9883" y="15895"/>
-                    <a:pt x="10490" y="16983"/>
-                  </a:cubicBezTo>
-                  <a:cubicBezTo>
-                    <a:pt x="11097" y="18072"/>
-                    <a:pt x="10915" y="18477"/>
-                    <a:pt x="11462" y="18993"/>
-                  </a:cubicBezTo>
-                  <a:cubicBezTo>
-                    <a:pt x="11566" y="19091"/>
-                    <a:pt x="11721" y="19138"/>
-                    <a:pt x="11926" y="19138"/>
-                  </a:cubicBezTo>
-                  <a:cubicBezTo>
-                    <a:pt x="12796" y="19138"/>
-                    <a:pt x="14554" y="18291"/>
-                    <a:pt x="16989" y="16983"/>
-                  </a:cubicBezTo>
-                  <a:cubicBezTo>
-                    <a:pt x="19996" y="15368"/>
-                    <a:pt x="24126" y="13466"/>
-                    <a:pt x="24429" y="12920"/>
-                  </a:cubicBezTo>
-                  <a:cubicBezTo>
-                    <a:pt x="24733" y="12373"/>
-                    <a:pt x="23640" y="12038"/>
-                    <a:pt x="22790" y="11705"/>
-                  </a:cubicBezTo>
-                  <a:cubicBezTo>
-                    <a:pt x="21940" y="11371"/>
-                    <a:pt x="22031" y="10824"/>
-                    <a:pt x="21575" y="9913"/>
-                  </a:cubicBezTo>
-                  <a:cubicBezTo>
-                    <a:pt x="21120" y="9002"/>
-                    <a:pt x="20118" y="8607"/>
-                    <a:pt x="20118" y="8607"/>
-                  </a:cubicBezTo>
-                  <a:lnTo>
-                    <a:pt x="20118" y="8607"/>
-                  </a:lnTo>
-                  <a:lnTo>
-                    <a:pt x="21970" y="8820"/>
-                  </a:lnTo>
-                  <a:cubicBezTo>
-                    <a:pt x="21970" y="8820"/>
-                    <a:pt x="21059" y="8152"/>
-                    <a:pt x="22487" y="5054"/>
-                  </a:cubicBezTo>
-                  <a:cubicBezTo>
-                    <a:pt x="23914" y="1956"/>
-                    <a:pt x="25796" y="984"/>
-                    <a:pt x="25796" y="984"/>
-                  </a:cubicBezTo>
-                  <a:cubicBezTo>
-                    <a:pt x="25420" y="774"/>
-                    <a:pt x="24995" y="721"/>
-                    <a:pt x="24545" y="721"/>
-                  </a:cubicBezTo>
-                  <a:cubicBezTo>
-                    <a:pt x="24090" y="721"/>
-                    <a:pt x="23609" y="776"/>
-                    <a:pt x="23127" y="776"/>
-                  </a:cubicBezTo>
-                  <a:cubicBezTo>
-                    <a:pt x="22779" y="776"/>
-                    <a:pt x="22431" y="747"/>
-                    <a:pt x="22091" y="650"/>
-                  </a:cubicBezTo>
-                  <a:cubicBezTo>
-                    <a:pt x="21588" y="506"/>
-                    <a:pt x="21236" y="471"/>
-                    <a:pt x="20970" y="471"/>
-                  </a:cubicBezTo>
-                  <a:cubicBezTo>
-                    <a:pt x="20719" y="471"/>
-                    <a:pt x="20544" y="503"/>
-                    <a:pt x="20392" y="503"/>
-                  </a:cubicBezTo>
-                  <a:cubicBezTo>
-                    <a:pt x="20296" y="503"/>
-                    <a:pt x="20209" y="490"/>
-                    <a:pt x="20118" y="451"/>
-                  </a:cubicBezTo>
-                  <a:cubicBezTo>
-                    <a:pt x="19502" y="189"/>
-                    <a:pt x="18622" y="0"/>
-                    <a:pt x="17594" y="0"/>
-                  </a:cubicBezTo>
-                  <a:close/>
-                </a:path>
-              </a:pathLst>
-            </a:custGeom>
-            <a:solidFill>
-              <a:schemeClr val="dk2"/>
-            </a:solidFill>
-            <a:ln>
-              <a:noFill/>
-            </a:ln>
-          </p:spPr>
-          <p:txBody>
-            <a:bodyPr spcFirstLastPara="1" wrap="square" lIns="91425" tIns="91425" rIns="91425" bIns="91425" anchor="ctr" anchorCtr="0">
-              <a:noAutofit/>
-            </a:bodyPr>
-            <a:lstStyle/>
-            <a:p>
-              <a:pPr marL="0" lvl="0" indent="0" algn="l" rtl="0">
-                <a:spcBef>
-                  <a:spcPts val="0"/>
-                </a:spcBef>
-                <a:spcAft>
-                  <a:spcPts val="0"/>
-                </a:spcAft>
-                <a:buNone/>
-              </a:pPr>
-              <a:endParaRPr/>
-            </a:p>
-          </p:txBody>
-        </p:sp>
-        <p:sp>
-          <p:nvSpPr>
-            <p:cNvPr id="1504" name="Google Shape;1504;p38"/>
-            <p:cNvSpPr/>
-            <p:nvPr/>
-          </p:nvSpPr>
-          <p:spPr>
-            <a:xfrm>
-              <a:off x="2473250" y="1130250"/>
-              <a:ext cx="261200" cy="261175"/>
-            </a:xfrm>
-            <a:custGeom>
-              <a:avLst/>
-              <a:gdLst/>
-              <a:ahLst/>
-              <a:cxnLst/>
-              <a:rect l="l" t="t" r="r" b="b"/>
-              <a:pathLst>
-                <a:path w="10448" h="10447" extrusionOk="0">
-                  <a:moveTo>
-                    <a:pt x="5225" y="0"/>
-                  </a:moveTo>
-                  <a:cubicBezTo>
-                    <a:pt x="3839" y="0"/>
-                    <a:pt x="2511" y="550"/>
-                    <a:pt x="1531" y="1530"/>
-                  </a:cubicBezTo>
-                  <a:cubicBezTo>
-                    <a:pt x="551" y="2510"/>
-                    <a:pt x="1" y="3838"/>
-                    <a:pt x="1" y="5224"/>
-                  </a:cubicBezTo>
-                  <a:cubicBezTo>
-                    <a:pt x="1" y="6609"/>
-                    <a:pt x="551" y="7937"/>
-                    <a:pt x="1531" y="8917"/>
-                  </a:cubicBezTo>
-                  <a:cubicBezTo>
-                    <a:pt x="2511" y="9897"/>
-                    <a:pt x="3839" y="10447"/>
-                    <a:pt x="5225" y="10447"/>
-                  </a:cubicBezTo>
-                  <a:cubicBezTo>
-                    <a:pt x="6610" y="10447"/>
-                    <a:pt x="7939" y="9897"/>
-                    <a:pt x="8917" y="8917"/>
-                  </a:cubicBezTo>
-                  <a:cubicBezTo>
-                    <a:pt x="9897" y="7937"/>
-                    <a:pt x="10447" y="6609"/>
-                    <a:pt x="10447" y="5224"/>
-                  </a:cubicBezTo>
-                  <a:cubicBezTo>
-                    <a:pt x="10447" y="3838"/>
-                    <a:pt x="9897" y="2510"/>
-                    <a:pt x="8917" y="1530"/>
-                  </a:cubicBezTo>
-                  <a:cubicBezTo>
-                    <a:pt x="7939" y="550"/>
-                    <a:pt x="6610" y="0"/>
-                    <a:pt x="5225" y="0"/>
-                  </a:cubicBezTo>
-                  <a:close/>
-                </a:path>
-              </a:pathLst>
-            </a:custGeom>
-            <a:gradFill>
-              <a:gsLst>
-                <a:gs pos="0">
-                  <a:srgbClr val="A3C8FF"/>
-                </a:gs>
-                <a:gs pos="100000">
-                  <a:srgbClr val="628EFF"/>
-                </a:gs>
-              </a:gsLst>
-              <a:lin ang="10800025" scaled="0"/>
-            </a:gradFill>
-            <a:ln>
-              <a:noFill/>
-            </a:ln>
-          </p:spPr>
-          <p:txBody>
-            <a:bodyPr spcFirstLastPara="1" wrap="square" lIns="91425" tIns="91425" rIns="91425" bIns="91425" anchor="ctr" anchorCtr="0">
-              <a:noAutofit/>
-            </a:bodyPr>
-            <a:lstStyle/>
-            <a:p>
-              <a:pPr marL="0" lvl="0" indent="0" algn="l" rtl="0">
-                <a:spcBef>
-                  <a:spcPts val="0"/>
-                </a:spcBef>
-                <a:spcAft>
-                  <a:spcPts val="0"/>
-                </a:spcAft>
-                <a:buNone/>
-              </a:pPr>
-              <a:endParaRPr/>
-            </a:p>
-          </p:txBody>
-        </p:sp>
-        <p:sp>
-          <p:nvSpPr>
-            <p:cNvPr id="1505" name="Google Shape;1505;p38"/>
-            <p:cNvSpPr/>
-            <p:nvPr/>
-          </p:nvSpPr>
-          <p:spPr>
-            <a:xfrm>
-              <a:off x="2473875" y="902150"/>
-              <a:ext cx="77650" cy="213150"/>
-            </a:xfrm>
-            <a:custGeom>
-              <a:avLst/>
-              <a:gdLst/>
-              <a:ahLst/>
-              <a:cxnLst/>
-              <a:rect l="l" t="t" r="r" b="b"/>
-              <a:pathLst>
-                <a:path w="3106" h="8526" extrusionOk="0">
-                  <a:moveTo>
-                    <a:pt x="2309" y="0"/>
-                  </a:moveTo>
-                  <a:cubicBezTo>
-                    <a:pt x="2009" y="0"/>
-                    <a:pt x="1687" y="228"/>
-                    <a:pt x="1555" y="598"/>
-                  </a:cubicBezTo>
-                  <a:cubicBezTo>
-                    <a:pt x="1235" y="1486"/>
-                    <a:pt x="0" y="5009"/>
-                    <a:pt x="0" y="5009"/>
-                  </a:cubicBezTo>
-                  <a:cubicBezTo>
-                    <a:pt x="0" y="5009"/>
-                    <a:pt x="1244" y="7076"/>
-                    <a:pt x="2093" y="8525"/>
-                  </a:cubicBezTo>
-                  <a:cubicBezTo>
-                    <a:pt x="1430" y="5917"/>
-                    <a:pt x="2459" y="3334"/>
-                    <a:pt x="2853" y="1578"/>
-                  </a:cubicBezTo>
-                  <a:cubicBezTo>
-                    <a:pt x="3105" y="448"/>
-                    <a:pt x="2729" y="0"/>
-                    <a:pt x="2309" y="0"/>
-                  </a:cubicBezTo>
-                  <a:close/>
-                </a:path>
-              </a:pathLst>
-            </a:custGeom>
-            <a:solidFill>
-              <a:srgbClr val="A3C8FF"/>
-            </a:solidFill>
-            <a:ln>
-              <a:noFill/>
-            </a:ln>
-          </p:spPr>
-          <p:txBody>
-            <a:bodyPr spcFirstLastPara="1" wrap="square" lIns="91425" tIns="91425" rIns="91425" bIns="91425" anchor="ctr" anchorCtr="0">
-              <a:noAutofit/>
-            </a:bodyPr>
-            <a:lstStyle/>
-            <a:p>
-              <a:pPr marL="0" lvl="0" indent="0" algn="l" rtl="0">
-                <a:spcBef>
-                  <a:spcPts val="0"/>
-                </a:spcBef>
-                <a:spcAft>
-                  <a:spcPts val="0"/>
-                </a:spcAft>
-                <a:buNone/>
-              </a:pPr>
-              <a:endParaRPr/>
-            </a:p>
-          </p:txBody>
-        </p:sp>
-        <p:sp>
-          <p:nvSpPr>
-            <p:cNvPr id="1506" name="Google Shape;1506;p38"/>
-            <p:cNvSpPr/>
-            <p:nvPr/>
-          </p:nvSpPr>
-          <p:spPr>
-            <a:xfrm>
-              <a:off x="2717150" y="806050"/>
-              <a:ext cx="65550" cy="121775"/>
-            </a:xfrm>
-            <a:custGeom>
-              <a:avLst/>
-              <a:gdLst/>
-              <a:ahLst/>
-              <a:cxnLst/>
-              <a:rect l="l" t="t" r="r" b="b"/>
-              <a:pathLst>
-                <a:path w="2622" h="4871" fill="none" extrusionOk="0">
-                  <a:moveTo>
-                    <a:pt x="1" y="0"/>
-                  </a:moveTo>
-                  <a:cubicBezTo>
-                    <a:pt x="1161" y="980"/>
-                    <a:pt x="943" y="3778"/>
-                    <a:pt x="2621" y="4871"/>
-                  </a:cubicBezTo>
-                </a:path>
-              </a:pathLst>
-            </a:custGeom>
-            <a:noFill/>
-            <a:ln w="375" cap="flat" cmpd="sng">
-              <a:solidFill>
-                <a:srgbClr val="E9E9E9"/>
-              </a:solidFill>
-              <a:prstDash val="solid"/>
-              <a:miter lim="1058"/>
-              <a:headEnd type="none" w="sm" len="sm"/>
-              <a:tailEnd type="none" w="sm" len="sm"/>
-            </a:ln>
-          </p:spPr>
-          <p:txBody>
-            <a:bodyPr spcFirstLastPara="1" wrap="square" lIns="91425" tIns="91425" rIns="91425" bIns="91425" anchor="ctr" anchorCtr="0">
-              <a:noAutofit/>
-            </a:bodyPr>
-            <a:lstStyle/>
-            <a:p>
-              <a:pPr marL="0" lvl="0" indent="0" algn="l" rtl="0">
-                <a:spcBef>
-                  <a:spcPts val="0"/>
-                </a:spcBef>
-                <a:spcAft>
-                  <a:spcPts val="0"/>
-                </a:spcAft>
-                <a:buNone/>
-              </a:pPr>
-              <a:endParaRPr/>
-            </a:p>
-          </p:txBody>
-        </p:sp>
-        <p:sp>
-          <p:nvSpPr>
-            <p:cNvPr id="1507" name="Google Shape;1507;p38"/>
-            <p:cNvSpPr/>
-            <p:nvPr/>
-          </p:nvSpPr>
-          <p:spPr>
-            <a:xfrm>
-              <a:off x="2782250" y="932450"/>
-              <a:ext cx="900" cy="400"/>
-            </a:xfrm>
-            <a:custGeom>
-              <a:avLst/>
-              <a:gdLst/>
-              <a:ahLst/>
-              <a:cxnLst/>
-              <a:rect l="l" t="t" r="r" b="b"/>
-              <a:pathLst>
-                <a:path w="36" h="16" extrusionOk="0">
-                  <a:moveTo>
-                    <a:pt x="1" y="1"/>
-                  </a:moveTo>
-                  <a:lnTo>
-                    <a:pt x="35" y="16"/>
-                  </a:lnTo>
-                  <a:cubicBezTo>
-                    <a:pt x="14" y="6"/>
-                    <a:pt x="1" y="1"/>
-                    <a:pt x="1" y="1"/>
-                  </a:cubicBezTo>
-                  <a:close/>
-                </a:path>
-              </a:pathLst>
-            </a:custGeom>
-            <a:solidFill>
-              <a:srgbClr val="F3D487"/>
-            </a:solidFill>
-            <a:ln>
-              <a:noFill/>
-            </a:ln>
-          </p:spPr>
-          <p:txBody>
-            <a:bodyPr spcFirstLastPara="1" wrap="square" lIns="91425" tIns="91425" rIns="91425" bIns="91425" anchor="ctr" anchorCtr="0">
-              <a:noAutofit/>
-            </a:bodyPr>
-            <a:lstStyle/>
-            <a:p>
-              <a:pPr marL="0" lvl="0" indent="0" algn="l" rtl="0">
-                <a:spcBef>
-                  <a:spcPts val="0"/>
-                </a:spcBef>
-                <a:spcAft>
-                  <a:spcPts val="0"/>
-                </a:spcAft>
-                <a:buNone/>
-              </a:pPr>
-              <a:endParaRPr/>
-            </a:p>
-          </p:txBody>
-        </p:sp>
-        <p:sp>
-          <p:nvSpPr>
-            <p:cNvPr id="1508" name="Google Shape;1508;p38"/>
-            <p:cNvSpPr/>
-            <p:nvPr/>
-          </p:nvSpPr>
-          <p:spPr>
-            <a:xfrm>
-              <a:off x="2740150" y="839300"/>
-              <a:ext cx="88450" cy="98500"/>
-            </a:xfrm>
-            <a:custGeom>
-              <a:avLst/>
-              <a:gdLst/>
-              <a:ahLst/>
-              <a:cxnLst/>
-              <a:rect l="l" t="t" r="r" b="b"/>
-              <a:pathLst>
-                <a:path w="3538" h="3940" extrusionOk="0">
-                  <a:moveTo>
-                    <a:pt x="1048" y="0"/>
-                  </a:moveTo>
-                  <a:cubicBezTo>
-                    <a:pt x="503" y="0"/>
-                    <a:pt x="1" y="519"/>
-                    <a:pt x="186" y="1147"/>
-                  </a:cubicBezTo>
-                  <a:cubicBezTo>
-                    <a:pt x="483" y="2156"/>
-                    <a:pt x="842" y="3179"/>
-                    <a:pt x="1685" y="3727"/>
-                  </a:cubicBezTo>
-                  <a:lnTo>
-                    <a:pt x="3537" y="3940"/>
-                  </a:lnTo>
-                  <a:cubicBezTo>
-                    <a:pt x="3537" y="3940"/>
-                    <a:pt x="3140" y="3649"/>
-                    <a:pt x="3281" y="2561"/>
-                  </a:cubicBezTo>
-                  <a:cubicBezTo>
-                    <a:pt x="2681" y="1812"/>
-                    <a:pt x="2281" y="828"/>
-                    <a:pt x="1685" y="274"/>
-                  </a:cubicBezTo>
-                  <a:cubicBezTo>
-                    <a:pt x="1667" y="257"/>
-                    <a:pt x="1649" y="242"/>
-                    <a:pt x="1631" y="226"/>
-                  </a:cubicBezTo>
-                  <a:cubicBezTo>
-                    <a:pt x="1451" y="69"/>
-                    <a:pt x="1247" y="0"/>
-                    <a:pt x="1048" y="0"/>
-                  </a:cubicBezTo>
-                  <a:close/>
-                </a:path>
-              </a:pathLst>
-            </a:custGeom>
-            <a:solidFill>
-              <a:srgbClr val="A3C8FF"/>
-            </a:solidFill>
-            <a:ln>
-              <a:noFill/>
-            </a:ln>
-          </p:spPr>
-          <p:txBody>
-            <a:bodyPr spcFirstLastPara="1" wrap="square" lIns="91425" tIns="91425" rIns="91425" bIns="91425" anchor="ctr" anchorCtr="0">
-              <a:noAutofit/>
-            </a:bodyPr>
-            <a:lstStyle/>
-            <a:p>
-              <a:pPr marL="0" lvl="0" indent="0" algn="l" rtl="0">
-                <a:spcBef>
-                  <a:spcPts val="0"/>
-                </a:spcBef>
-                <a:spcAft>
-                  <a:spcPts val="0"/>
-                </a:spcAft>
-                <a:buNone/>
-              </a:pPr>
-              <a:endParaRPr/>
-            </a:p>
-          </p:txBody>
-        </p:sp>
-        <p:sp>
-          <p:nvSpPr>
-            <p:cNvPr id="1509" name="Google Shape;1509;p38"/>
-            <p:cNvSpPr/>
-            <p:nvPr/>
-          </p:nvSpPr>
-          <p:spPr>
-            <a:xfrm>
-              <a:off x="2257625" y="1017325"/>
-              <a:ext cx="416825" cy="281550"/>
-            </a:xfrm>
-            <a:custGeom>
-              <a:avLst/>
-              <a:gdLst/>
-              <a:ahLst/>
-              <a:cxnLst/>
-              <a:rect l="l" t="t" r="r" b="b"/>
-              <a:pathLst>
-                <a:path w="16673" h="11262" extrusionOk="0">
-                  <a:moveTo>
-                    <a:pt x="1731" y="0"/>
-                  </a:moveTo>
-                  <a:cubicBezTo>
-                    <a:pt x="1731" y="0"/>
-                    <a:pt x="1184" y="1822"/>
-                    <a:pt x="637" y="3667"/>
-                  </a:cubicBezTo>
-                  <a:cubicBezTo>
-                    <a:pt x="91" y="5512"/>
-                    <a:pt x="0" y="7812"/>
-                    <a:pt x="3371" y="8883"/>
-                  </a:cubicBezTo>
-                  <a:cubicBezTo>
-                    <a:pt x="6743" y="9954"/>
-                    <a:pt x="12094" y="10728"/>
-                    <a:pt x="12094" y="10728"/>
-                  </a:cubicBezTo>
-                  <a:cubicBezTo>
-                    <a:pt x="12173" y="11123"/>
-                    <a:pt x="12545" y="11261"/>
-                    <a:pt x="12954" y="11261"/>
-                  </a:cubicBezTo>
-                  <a:cubicBezTo>
-                    <a:pt x="13016" y="11261"/>
-                    <a:pt x="13080" y="11258"/>
-                    <a:pt x="13143" y="11252"/>
-                  </a:cubicBezTo>
-                  <a:cubicBezTo>
-                    <a:pt x="13269" y="11240"/>
-                    <a:pt x="13382" y="11236"/>
-                    <a:pt x="13489" y="11236"/>
-                  </a:cubicBezTo>
-                  <a:cubicBezTo>
-                    <a:pt x="13727" y="11236"/>
-                    <a:pt x="13934" y="11257"/>
-                    <a:pt x="14179" y="11257"/>
-                  </a:cubicBezTo>
-                  <a:cubicBezTo>
-                    <a:pt x="14241" y="11257"/>
-                    <a:pt x="14305" y="11255"/>
-                    <a:pt x="14372" y="11252"/>
-                  </a:cubicBezTo>
-                  <a:cubicBezTo>
-                    <a:pt x="14827" y="11229"/>
-                    <a:pt x="15671" y="10386"/>
-                    <a:pt x="15762" y="9976"/>
-                  </a:cubicBezTo>
-                  <a:cubicBezTo>
-                    <a:pt x="15853" y="9566"/>
-                    <a:pt x="15192" y="9521"/>
-                    <a:pt x="15192" y="9521"/>
-                  </a:cubicBezTo>
-                  <a:cubicBezTo>
-                    <a:pt x="15227" y="9516"/>
-                    <a:pt x="15285" y="9514"/>
-                    <a:pt x="15359" y="9514"/>
-                  </a:cubicBezTo>
-                  <a:cubicBezTo>
-                    <a:pt x="15558" y="9514"/>
-                    <a:pt x="15867" y="9527"/>
-                    <a:pt x="16116" y="9527"/>
-                  </a:cubicBezTo>
-                  <a:cubicBezTo>
-                    <a:pt x="16206" y="9527"/>
-                    <a:pt x="16288" y="9526"/>
-                    <a:pt x="16354" y="9521"/>
-                  </a:cubicBezTo>
-                  <a:cubicBezTo>
-                    <a:pt x="16673" y="9498"/>
-                    <a:pt x="16605" y="8997"/>
-                    <a:pt x="15489" y="8928"/>
-                  </a:cubicBezTo>
-                  <a:cubicBezTo>
-                    <a:pt x="15425" y="8925"/>
-                    <a:pt x="15362" y="8923"/>
-                    <a:pt x="15299" y="8923"/>
-                  </a:cubicBezTo>
-                  <a:cubicBezTo>
-                    <a:pt x="14304" y="8923"/>
-                    <a:pt x="13426" y="9386"/>
-                    <a:pt x="12750" y="9386"/>
-                  </a:cubicBezTo>
-                  <a:cubicBezTo>
-                    <a:pt x="12721" y="9386"/>
-                    <a:pt x="12693" y="9385"/>
-                    <a:pt x="12665" y="9383"/>
-                  </a:cubicBezTo>
-                  <a:cubicBezTo>
-                    <a:pt x="11936" y="9338"/>
-                    <a:pt x="5808" y="5284"/>
-                    <a:pt x="5808" y="5284"/>
-                  </a:cubicBezTo>
-                  <a:lnTo>
-                    <a:pt x="7243" y="1844"/>
-                  </a:lnTo>
-                  <a:lnTo>
-                    <a:pt x="1731" y="0"/>
-                  </a:lnTo>
-                  <a:close/>
-                </a:path>
-              </a:pathLst>
-            </a:custGeom>
-            <a:solidFill>
-              <a:srgbClr val="DF6363"/>
-            </a:solidFill>
-            <a:ln>
-              <a:noFill/>
-            </a:ln>
-          </p:spPr>
-          <p:txBody>
-            <a:bodyPr spcFirstLastPara="1" wrap="square" lIns="91425" tIns="91425" rIns="91425" bIns="91425" anchor="ctr" anchorCtr="0">
-              <a:noAutofit/>
-            </a:bodyPr>
-            <a:lstStyle/>
-            <a:p>
-              <a:pPr marL="0" lvl="0" indent="0" algn="l" rtl="0">
-                <a:spcBef>
-                  <a:spcPts val="0"/>
-                </a:spcBef>
-                <a:spcAft>
-                  <a:spcPts val="0"/>
-                </a:spcAft>
-                <a:buNone/>
-              </a:pPr>
-              <a:endParaRPr/>
-            </a:p>
-          </p:txBody>
-        </p:sp>
-        <p:sp>
-          <p:nvSpPr>
-            <p:cNvPr id="1510" name="Google Shape;1510;p38"/>
-            <p:cNvSpPr/>
-            <p:nvPr/>
-          </p:nvSpPr>
-          <p:spPr>
-            <a:xfrm>
-              <a:off x="2272150" y="1017325"/>
-              <a:ext cx="166575" cy="105525"/>
-            </a:xfrm>
-            <a:custGeom>
-              <a:avLst/>
-              <a:gdLst/>
-              <a:ahLst/>
-              <a:cxnLst/>
-              <a:rect l="l" t="t" r="r" b="b"/>
-              <a:pathLst>
-                <a:path w="6663" h="4221" extrusionOk="0">
-                  <a:moveTo>
-                    <a:pt x="1150" y="0"/>
-                  </a:moveTo>
-                  <a:cubicBezTo>
-                    <a:pt x="1150" y="0"/>
-                    <a:pt x="603" y="1822"/>
-                    <a:pt x="57" y="3667"/>
-                  </a:cubicBezTo>
-                  <a:cubicBezTo>
-                    <a:pt x="37" y="3733"/>
-                    <a:pt x="18" y="3800"/>
-                    <a:pt x="0" y="3868"/>
-                  </a:cubicBezTo>
-                  <a:cubicBezTo>
-                    <a:pt x="389" y="4128"/>
-                    <a:pt x="795" y="4220"/>
-                    <a:pt x="1201" y="4220"/>
-                  </a:cubicBezTo>
-                  <a:cubicBezTo>
-                    <a:pt x="1968" y="4220"/>
-                    <a:pt x="2734" y="3893"/>
-                    <a:pt x="3382" y="3758"/>
-                  </a:cubicBezTo>
-                  <a:cubicBezTo>
-                    <a:pt x="4298" y="3567"/>
-                    <a:pt x="5192" y="3546"/>
-                    <a:pt x="6083" y="3232"/>
-                  </a:cubicBezTo>
-                  <a:lnTo>
-                    <a:pt x="6662" y="1844"/>
-                  </a:lnTo>
-                  <a:lnTo>
-                    <a:pt x="1150" y="0"/>
-                  </a:lnTo>
-                  <a:close/>
-                </a:path>
-              </a:pathLst>
-            </a:custGeom>
-            <a:solidFill>
-              <a:srgbClr val="AF3A3A"/>
-            </a:solidFill>
-            <a:ln>
-              <a:noFill/>
-            </a:ln>
-          </p:spPr>
-          <p:txBody>
-            <a:bodyPr spcFirstLastPara="1" wrap="square" lIns="91425" tIns="91425" rIns="91425" bIns="91425" anchor="ctr" anchorCtr="0">
-              <a:noAutofit/>
-            </a:bodyPr>
-            <a:lstStyle/>
-            <a:p>
-              <a:pPr marL="0" lvl="0" indent="0" algn="l" rtl="0">
-                <a:spcBef>
-                  <a:spcPts val="0"/>
-                </a:spcBef>
-                <a:spcAft>
-                  <a:spcPts val="0"/>
-                </a:spcAft>
-                <a:buNone/>
-              </a:pPr>
-              <a:endParaRPr/>
-            </a:p>
-          </p:txBody>
-        </p:sp>
-        <p:sp>
-          <p:nvSpPr>
-            <p:cNvPr id="1511" name="Google Shape;1511;p38"/>
-            <p:cNvSpPr/>
-            <p:nvPr/>
-          </p:nvSpPr>
-          <p:spPr>
-            <a:xfrm>
-              <a:off x="2369600" y="1130250"/>
-              <a:ext cx="33250" cy="19200"/>
-            </a:xfrm>
-            <a:custGeom>
-              <a:avLst/>
-              <a:gdLst/>
-              <a:ahLst/>
-              <a:cxnLst/>
-              <a:rect l="l" t="t" r="r" b="b"/>
-              <a:pathLst>
-                <a:path w="1330" h="768" fill="none" extrusionOk="0">
-                  <a:moveTo>
-                    <a:pt x="1329" y="767"/>
-                  </a:moveTo>
-                  <a:lnTo>
-                    <a:pt x="0" y="0"/>
-                  </a:lnTo>
-                </a:path>
-              </a:pathLst>
-            </a:custGeom>
-            <a:noFill/>
-            <a:ln w="375" cap="flat" cmpd="sng">
-              <a:solidFill>
-                <a:srgbClr val="AF3A3A"/>
-              </a:solidFill>
-              <a:prstDash val="solid"/>
-              <a:miter lim="1058"/>
-              <a:headEnd type="none" w="sm" len="sm"/>
-              <a:tailEnd type="none" w="sm" len="sm"/>
-            </a:ln>
-          </p:spPr>
-          <p:txBody>
-            <a:bodyPr spcFirstLastPara="1" wrap="square" lIns="91425" tIns="91425" rIns="91425" bIns="91425" anchor="ctr" anchorCtr="0">
-              <a:noAutofit/>
-            </a:bodyPr>
-            <a:lstStyle/>
-            <a:p>
-              <a:pPr marL="0" lvl="0" indent="0" algn="l" rtl="0">
-                <a:spcBef>
-                  <a:spcPts val="0"/>
-                </a:spcBef>
-                <a:spcAft>
-                  <a:spcPts val="0"/>
-                </a:spcAft>
-                <a:buNone/>
-              </a:pPr>
-              <a:endParaRPr/>
-            </a:p>
-          </p:txBody>
-        </p:sp>
-        <p:sp>
-          <p:nvSpPr>
-            <p:cNvPr id="1512" name="Google Shape;1512;p38"/>
-            <p:cNvSpPr/>
-            <p:nvPr/>
-          </p:nvSpPr>
-          <p:spPr>
-            <a:xfrm>
-              <a:off x="2279325" y="978375"/>
-              <a:ext cx="181950" cy="107650"/>
-            </a:xfrm>
-            <a:custGeom>
-              <a:avLst/>
-              <a:gdLst/>
-              <a:ahLst/>
-              <a:cxnLst/>
-              <a:rect l="l" t="t" r="r" b="b"/>
-              <a:pathLst>
-                <a:path w="7278" h="4306" extrusionOk="0">
-                  <a:moveTo>
-                    <a:pt x="1098" y="1"/>
-                  </a:moveTo>
-                  <a:cubicBezTo>
-                    <a:pt x="1082" y="115"/>
-                    <a:pt x="1067" y="240"/>
-                    <a:pt x="1045" y="381"/>
-                  </a:cubicBezTo>
-                  <a:cubicBezTo>
-                    <a:pt x="924" y="1201"/>
-                    <a:pt x="0" y="1156"/>
-                    <a:pt x="195" y="1686"/>
-                  </a:cubicBezTo>
-                  <a:cubicBezTo>
-                    <a:pt x="407" y="2264"/>
-                    <a:pt x="894" y="3053"/>
-                    <a:pt x="2867" y="3934"/>
-                  </a:cubicBezTo>
-                  <a:cubicBezTo>
-                    <a:pt x="3487" y="4210"/>
-                    <a:pt x="4125" y="4305"/>
-                    <a:pt x="4709" y="4305"/>
-                  </a:cubicBezTo>
-                  <a:cubicBezTo>
-                    <a:pt x="5413" y="4305"/>
-                    <a:pt x="6038" y="4167"/>
-                    <a:pt x="6458" y="4044"/>
-                  </a:cubicBezTo>
-                  <a:cubicBezTo>
-                    <a:pt x="6796" y="3944"/>
-                    <a:pt x="7069" y="3696"/>
-                    <a:pt x="7204" y="3369"/>
-                  </a:cubicBezTo>
-                  <a:lnTo>
-                    <a:pt x="7278" y="3188"/>
-                  </a:lnTo>
-                  <a:lnTo>
-                    <a:pt x="1098" y="1"/>
-                  </a:lnTo>
-                  <a:close/>
-                </a:path>
-              </a:pathLst>
-            </a:custGeom>
-            <a:solidFill>
-              <a:schemeClr val="dk2"/>
-            </a:solidFill>
-            <a:ln>
-              <a:noFill/>
-            </a:ln>
-          </p:spPr>
-          <p:txBody>
-            <a:bodyPr spcFirstLastPara="1" wrap="square" lIns="91425" tIns="91425" rIns="91425" bIns="91425" anchor="ctr" anchorCtr="0">
-              <a:noAutofit/>
-            </a:bodyPr>
-            <a:lstStyle/>
-            <a:p>
-              <a:pPr marL="0" lvl="0" indent="0" algn="l" rtl="0">
-                <a:spcBef>
-                  <a:spcPts val="0"/>
-                </a:spcBef>
-                <a:spcAft>
-                  <a:spcPts val="0"/>
-                </a:spcAft>
-                <a:buNone/>
-              </a:pPr>
-              <a:endParaRPr/>
-            </a:p>
-          </p:txBody>
-        </p:sp>
-        <p:sp>
-          <p:nvSpPr>
-            <p:cNvPr id="1513" name="Google Shape;1513;p38"/>
-            <p:cNvSpPr/>
-            <p:nvPr/>
-          </p:nvSpPr>
-          <p:spPr>
-            <a:xfrm>
-              <a:off x="2474900" y="545850"/>
-              <a:ext cx="171650" cy="154875"/>
-            </a:xfrm>
-            <a:custGeom>
-              <a:avLst/>
-              <a:gdLst/>
-              <a:ahLst/>
-              <a:cxnLst/>
-              <a:rect l="l" t="t" r="r" b="b"/>
-              <a:pathLst>
-                <a:path w="6866" h="6195" extrusionOk="0">
-                  <a:moveTo>
-                    <a:pt x="5626" y="0"/>
-                  </a:moveTo>
-                  <a:cubicBezTo>
-                    <a:pt x="5468" y="0"/>
-                    <a:pt x="5302" y="30"/>
-                    <a:pt x="5134" y="91"/>
-                  </a:cubicBezTo>
-                  <a:cubicBezTo>
-                    <a:pt x="4966" y="152"/>
-                    <a:pt x="4811" y="173"/>
-                    <a:pt x="4664" y="173"/>
-                  </a:cubicBezTo>
-                  <a:cubicBezTo>
-                    <a:pt x="4340" y="173"/>
-                    <a:pt x="4056" y="70"/>
-                    <a:pt x="3755" y="70"/>
-                  </a:cubicBezTo>
-                  <a:cubicBezTo>
-                    <a:pt x="3586" y="70"/>
-                    <a:pt x="3412" y="103"/>
-                    <a:pt x="3221" y="204"/>
-                  </a:cubicBezTo>
-                  <a:cubicBezTo>
-                    <a:pt x="2780" y="440"/>
-                    <a:pt x="2574" y="662"/>
-                    <a:pt x="2305" y="852"/>
-                  </a:cubicBezTo>
-                  <a:cubicBezTo>
-                    <a:pt x="2086" y="1005"/>
-                    <a:pt x="1825" y="1068"/>
-                    <a:pt x="1559" y="1068"/>
-                  </a:cubicBezTo>
-                  <a:cubicBezTo>
-                    <a:pt x="1526" y="1068"/>
-                    <a:pt x="1494" y="1067"/>
-                    <a:pt x="1461" y="1065"/>
-                  </a:cubicBezTo>
-                  <a:cubicBezTo>
-                    <a:pt x="1443" y="1064"/>
-                    <a:pt x="1426" y="1064"/>
-                    <a:pt x="1408" y="1064"/>
-                  </a:cubicBezTo>
-                  <a:cubicBezTo>
-                    <a:pt x="626" y="1064"/>
-                    <a:pt x="0" y="2071"/>
-                    <a:pt x="41" y="2847"/>
-                  </a:cubicBezTo>
-                  <a:cubicBezTo>
-                    <a:pt x="86" y="3735"/>
-                    <a:pt x="283" y="4077"/>
-                    <a:pt x="625" y="4737"/>
-                  </a:cubicBezTo>
-                  <a:cubicBezTo>
-                    <a:pt x="967" y="5398"/>
-                    <a:pt x="1149" y="6195"/>
-                    <a:pt x="1149" y="6195"/>
-                  </a:cubicBezTo>
-                  <a:cubicBezTo>
-                    <a:pt x="2037" y="5739"/>
-                    <a:pt x="1992" y="2847"/>
-                    <a:pt x="1992" y="2847"/>
-                  </a:cubicBezTo>
-                  <a:cubicBezTo>
-                    <a:pt x="2058" y="2814"/>
-                    <a:pt x="2140" y="2802"/>
-                    <a:pt x="2238" y="2802"/>
-                  </a:cubicBezTo>
-                  <a:cubicBezTo>
-                    <a:pt x="2473" y="2802"/>
-                    <a:pt x="2806" y="2869"/>
-                    <a:pt x="3268" y="2869"/>
-                  </a:cubicBezTo>
-                  <a:cubicBezTo>
-                    <a:pt x="3408" y="2869"/>
-                    <a:pt x="3559" y="2863"/>
-                    <a:pt x="3723" y="2847"/>
-                  </a:cubicBezTo>
-                  <a:cubicBezTo>
-                    <a:pt x="4656" y="2755"/>
-                    <a:pt x="4611" y="2322"/>
-                    <a:pt x="5294" y="2255"/>
-                  </a:cubicBezTo>
-                  <a:cubicBezTo>
-                    <a:pt x="5978" y="2186"/>
-                    <a:pt x="6865" y="1731"/>
-                    <a:pt x="6729" y="956"/>
-                  </a:cubicBezTo>
-                  <a:cubicBezTo>
-                    <a:pt x="6623" y="355"/>
-                    <a:pt x="6174" y="0"/>
-                    <a:pt x="5626" y="0"/>
-                  </a:cubicBezTo>
-                  <a:close/>
-                </a:path>
-              </a:pathLst>
-            </a:custGeom>
-            <a:solidFill>
-              <a:srgbClr val="0A0A0A"/>
-            </a:solidFill>
-            <a:ln>
-              <a:noFill/>
-            </a:ln>
-          </p:spPr>
-          <p:txBody>
-            <a:bodyPr spcFirstLastPara="1" wrap="square" lIns="91425" tIns="91425" rIns="91425" bIns="91425" anchor="ctr" anchorCtr="0">
-              <a:noAutofit/>
-            </a:bodyPr>
-            <a:lstStyle/>
-            <a:p>
-              <a:pPr marL="0" lvl="0" indent="0" algn="l" rtl="0">
-                <a:spcBef>
-                  <a:spcPts val="0"/>
-                </a:spcBef>
-                <a:spcAft>
-                  <a:spcPts val="0"/>
-                </a:spcAft>
-                <a:buNone/>
-              </a:pPr>
-              <a:endParaRPr/>
-            </a:p>
-          </p:txBody>
-        </p:sp>
-        <p:sp>
-          <p:nvSpPr>
-            <p:cNvPr id="1514" name="Google Shape;1514;p38"/>
-            <p:cNvSpPr/>
-            <p:nvPr/>
-          </p:nvSpPr>
-          <p:spPr>
-            <a:xfrm>
-              <a:off x="2472725" y="600675"/>
-              <a:ext cx="171725" cy="216475"/>
-            </a:xfrm>
-            <a:custGeom>
-              <a:avLst/>
-              <a:gdLst/>
-              <a:ahLst/>
-              <a:cxnLst/>
-              <a:rect l="l" t="t" r="r" b="b"/>
-              <a:pathLst>
-                <a:path w="6869" h="8659" extrusionOk="0">
-                  <a:moveTo>
-                    <a:pt x="4819" y="0"/>
-                  </a:moveTo>
-                  <a:cubicBezTo>
-                    <a:pt x="4572" y="259"/>
-                    <a:pt x="4014" y="446"/>
-                    <a:pt x="3472" y="446"/>
-                  </a:cubicBezTo>
-                  <a:cubicBezTo>
-                    <a:pt x="3315" y="446"/>
-                    <a:pt x="3159" y="430"/>
-                    <a:pt x="3012" y="396"/>
-                  </a:cubicBezTo>
-                  <a:cubicBezTo>
-                    <a:pt x="2856" y="360"/>
-                    <a:pt x="2698" y="346"/>
-                    <a:pt x="2548" y="346"/>
-                  </a:cubicBezTo>
-                  <a:cubicBezTo>
-                    <a:pt x="2066" y="346"/>
-                    <a:pt x="1661" y="487"/>
-                    <a:pt x="1661" y="487"/>
-                  </a:cubicBezTo>
-                  <a:cubicBezTo>
-                    <a:pt x="1661" y="487"/>
-                    <a:pt x="1706" y="2005"/>
-                    <a:pt x="1479" y="2916"/>
-                  </a:cubicBezTo>
-                  <a:cubicBezTo>
-                    <a:pt x="1284" y="2728"/>
-                    <a:pt x="1013" y="2624"/>
-                    <a:pt x="760" y="2624"/>
-                  </a:cubicBezTo>
-                  <a:cubicBezTo>
-                    <a:pt x="359" y="2624"/>
-                    <a:pt x="0" y="2883"/>
-                    <a:pt x="52" y="3478"/>
-                  </a:cubicBezTo>
-                  <a:cubicBezTo>
-                    <a:pt x="93" y="3961"/>
-                    <a:pt x="461" y="4066"/>
-                    <a:pt x="776" y="4066"/>
-                  </a:cubicBezTo>
-                  <a:cubicBezTo>
-                    <a:pt x="1022" y="4066"/>
-                    <a:pt x="1236" y="4002"/>
-                    <a:pt x="1236" y="4002"/>
-                  </a:cubicBezTo>
-                  <a:lnTo>
-                    <a:pt x="1767" y="6728"/>
-                  </a:lnTo>
-                  <a:cubicBezTo>
-                    <a:pt x="3698" y="6939"/>
-                    <a:pt x="5467" y="8659"/>
-                    <a:pt x="6183" y="8659"/>
-                  </a:cubicBezTo>
-                  <a:cubicBezTo>
-                    <a:pt x="6289" y="8659"/>
-                    <a:pt x="6372" y="8621"/>
-                    <a:pt x="6429" y="8535"/>
-                  </a:cubicBezTo>
-                  <a:cubicBezTo>
-                    <a:pt x="6869" y="7866"/>
-                    <a:pt x="4482" y="5927"/>
-                    <a:pt x="4482" y="5927"/>
-                  </a:cubicBezTo>
-                  <a:lnTo>
-                    <a:pt x="4277" y="5049"/>
-                  </a:lnTo>
-                  <a:cubicBezTo>
-                    <a:pt x="5643" y="4989"/>
-                    <a:pt x="5229" y="2977"/>
-                    <a:pt x="4987" y="2051"/>
-                  </a:cubicBezTo>
-                  <a:cubicBezTo>
-                    <a:pt x="4743" y="1124"/>
-                    <a:pt x="4819" y="0"/>
-                    <a:pt x="4819" y="0"/>
-                  </a:cubicBezTo>
-                  <a:close/>
-                </a:path>
-              </a:pathLst>
-            </a:custGeom>
-            <a:solidFill>
-              <a:srgbClr val="DF6363"/>
-            </a:solidFill>
-            <a:ln>
-              <a:noFill/>
-            </a:ln>
-          </p:spPr>
-          <p:txBody>
-            <a:bodyPr spcFirstLastPara="1" wrap="square" lIns="91425" tIns="91425" rIns="91425" bIns="91425" anchor="ctr" anchorCtr="0">
-              <a:noAutofit/>
-            </a:bodyPr>
-            <a:lstStyle/>
-            <a:p>
-              <a:pPr marL="0" lvl="0" indent="0" algn="l" rtl="0">
-                <a:spcBef>
-                  <a:spcPts val="0"/>
-                </a:spcBef>
-                <a:spcAft>
-                  <a:spcPts val="0"/>
-                </a:spcAft>
-                <a:buNone/>
-              </a:pPr>
-              <a:endParaRPr/>
-            </a:p>
-          </p:txBody>
-        </p:sp>
-        <p:sp>
-          <p:nvSpPr>
-            <p:cNvPr id="1515" name="Google Shape;1515;p38"/>
-            <p:cNvSpPr/>
-            <p:nvPr/>
-          </p:nvSpPr>
-          <p:spPr>
-            <a:xfrm>
-              <a:off x="2522175" y="708175"/>
-              <a:ext cx="62600" cy="40825"/>
-            </a:xfrm>
-            <a:custGeom>
-              <a:avLst/>
-              <a:gdLst/>
-              <a:ahLst/>
-              <a:cxnLst/>
-              <a:rect l="l" t="t" r="r" b="b"/>
-              <a:pathLst>
-                <a:path w="2504" h="1633" extrusionOk="0">
-                  <a:moveTo>
-                    <a:pt x="103" y="0"/>
-                  </a:moveTo>
-                  <a:cubicBezTo>
-                    <a:pt x="50" y="0"/>
-                    <a:pt x="0" y="50"/>
-                    <a:pt x="19" y="114"/>
-                  </a:cubicBezTo>
-                  <a:cubicBezTo>
-                    <a:pt x="267" y="955"/>
-                    <a:pt x="756" y="1633"/>
-                    <a:pt x="2251" y="1633"/>
-                  </a:cubicBezTo>
-                  <a:cubicBezTo>
-                    <a:pt x="2332" y="1633"/>
-                    <a:pt x="2416" y="1631"/>
-                    <a:pt x="2504" y="1627"/>
-                  </a:cubicBezTo>
-                  <a:lnTo>
-                    <a:pt x="2299" y="749"/>
-                  </a:lnTo>
-                  <a:cubicBezTo>
-                    <a:pt x="2206" y="759"/>
-                    <a:pt x="2104" y="764"/>
-                    <a:pt x="1996" y="764"/>
-                  </a:cubicBezTo>
-                  <a:cubicBezTo>
-                    <a:pt x="1421" y="764"/>
-                    <a:pt x="663" y="609"/>
-                    <a:pt x="170" y="32"/>
-                  </a:cubicBezTo>
-                  <a:cubicBezTo>
-                    <a:pt x="151" y="10"/>
-                    <a:pt x="126" y="0"/>
-                    <a:pt x="103" y="0"/>
-                  </a:cubicBezTo>
-                  <a:close/>
-                </a:path>
-              </a:pathLst>
-            </a:custGeom>
-            <a:solidFill>
-              <a:srgbClr val="AF3A3A"/>
-            </a:solidFill>
-            <a:ln>
-              <a:noFill/>
-            </a:ln>
-          </p:spPr>
-          <p:txBody>
-            <a:bodyPr spcFirstLastPara="1" wrap="square" lIns="91425" tIns="91425" rIns="91425" bIns="91425" anchor="ctr" anchorCtr="0">
-              <a:noAutofit/>
-            </a:bodyPr>
-            <a:lstStyle/>
-            <a:p>
-              <a:pPr marL="0" lvl="0" indent="0" algn="l" rtl="0">
-                <a:spcBef>
-                  <a:spcPts val="0"/>
-                </a:spcBef>
-                <a:spcAft>
-                  <a:spcPts val="0"/>
-                </a:spcAft>
-                <a:buNone/>
-              </a:pPr>
-              <a:endParaRPr/>
-            </a:p>
-          </p:txBody>
-        </p:sp>
-        <p:sp>
-          <p:nvSpPr>
-            <p:cNvPr id="1516" name="Google Shape;1516;p38"/>
-            <p:cNvSpPr/>
-            <p:nvPr/>
-          </p:nvSpPr>
-          <p:spPr>
-            <a:xfrm>
-              <a:off x="2494300" y="639700"/>
-              <a:ext cx="36325" cy="36825"/>
-            </a:xfrm>
-            <a:custGeom>
-              <a:avLst/>
-              <a:gdLst/>
-              <a:ahLst/>
-              <a:cxnLst/>
-              <a:rect l="l" t="t" r="r" b="b"/>
-              <a:pathLst>
-                <a:path w="1453" h="1473" extrusionOk="0">
-                  <a:moveTo>
-                    <a:pt x="1066" y="1"/>
-                  </a:moveTo>
-                  <a:lnTo>
-                    <a:pt x="0" y="786"/>
-                  </a:lnTo>
-                  <a:lnTo>
-                    <a:pt x="342" y="1428"/>
-                  </a:lnTo>
-                  <a:cubicBezTo>
-                    <a:pt x="342" y="1428"/>
-                    <a:pt x="540" y="1303"/>
-                    <a:pt x="844" y="1303"/>
-                  </a:cubicBezTo>
-                  <a:cubicBezTo>
-                    <a:pt x="1018" y="1303"/>
-                    <a:pt x="1227" y="1344"/>
-                    <a:pt x="1453" y="1473"/>
-                  </a:cubicBezTo>
-                  <a:lnTo>
-                    <a:pt x="1066" y="1"/>
-                  </a:lnTo>
-                  <a:close/>
-                </a:path>
-              </a:pathLst>
-            </a:custGeom>
-            <a:solidFill>
-              <a:srgbClr val="3676F7"/>
-            </a:solidFill>
-            <a:ln>
-              <a:noFill/>
-            </a:ln>
-          </p:spPr>
-          <p:txBody>
-            <a:bodyPr spcFirstLastPara="1" wrap="square" lIns="91425" tIns="91425" rIns="91425" bIns="91425" anchor="ctr" anchorCtr="0">
-              <a:noAutofit/>
-            </a:bodyPr>
-            <a:lstStyle/>
-            <a:p>
-              <a:pPr marL="0" lvl="0" indent="0" algn="l" rtl="0">
-                <a:spcBef>
-                  <a:spcPts val="0"/>
-                </a:spcBef>
-                <a:spcAft>
-                  <a:spcPts val="0"/>
-                </a:spcAft>
-                <a:buNone/>
-              </a:pPr>
-              <a:endParaRPr/>
-            </a:p>
-          </p:txBody>
-        </p:sp>
-        <p:sp>
-          <p:nvSpPr>
-            <p:cNvPr id="1517" name="Google Shape;1517;p38"/>
-            <p:cNvSpPr/>
-            <p:nvPr/>
-          </p:nvSpPr>
-          <p:spPr>
-            <a:xfrm>
-              <a:off x="2518325" y="623375"/>
-              <a:ext cx="109325" cy="53650"/>
-            </a:xfrm>
-            <a:custGeom>
-              <a:avLst/>
-              <a:gdLst/>
-              <a:ahLst/>
-              <a:cxnLst/>
-              <a:rect l="l" t="t" r="r" b="b"/>
-              <a:pathLst>
-                <a:path w="4373" h="2146" extrusionOk="0">
-                  <a:moveTo>
-                    <a:pt x="3448" y="1"/>
-                  </a:moveTo>
-                  <a:cubicBezTo>
-                    <a:pt x="3406" y="1"/>
-                    <a:pt x="3364" y="3"/>
-                    <a:pt x="3322" y="10"/>
-                  </a:cubicBezTo>
-                  <a:lnTo>
-                    <a:pt x="449" y="425"/>
-                  </a:lnTo>
-                  <a:cubicBezTo>
-                    <a:pt x="185" y="464"/>
-                    <a:pt x="1" y="708"/>
-                    <a:pt x="40" y="972"/>
-                  </a:cubicBezTo>
-                  <a:lnTo>
-                    <a:pt x="149" y="1732"/>
-                  </a:lnTo>
-                  <a:cubicBezTo>
-                    <a:pt x="185" y="1972"/>
-                    <a:pt x="390" y="2146"/>
-                    <a:pt x="626" y="2146"/>
-                  </a:cubicBezTo>
-                  <a:cubicBezTo>
-                    <a:pt x="650" y="2146"/>
-                    <a:pt x="673" y="2144"/>
-                    <a:pt x="697" y="2141"/>
-                  </a:cubicBezTo>
-                  <a:lnTo>
-                    <a:pt x="3571" y="1726"/>
-                  </a:lnTo>
-                  <a:cubicBezTo>
-                    <a:pt x="4044" y="1657"/>
-                    <a:pt x="4373" y="1217"/>
-                    <a:pt x="4304" y="744"/>
-                  </a:cubicBezTo>
-                  <a:cubicBezTo>
-                    <a:pt x="4243" y="312"/>
-                    <a:pt x="3872" y="1"/>
-                    <a:pt x="3448" y="1"/>
-                  </a:cubicBezTo>
-                  <a:close/>
-                </a:path>
-              </a:pathLst>
-            </a:custGeom>
-            <a:solidFill>
-              <a:srgbClr val="4A67B4"/>
-            </a:solidFill>
-            <a:ln>
-              <a:noFill/>
-            </a:ln>
-          </p:spPr>
-          <p:txBody>
-            <a:bodyPr spcFirstLastPara="1" wrap="square" lIns="91425" tIns="91425" rIns="91425" bIns="91425" anchor="ctr" anchorCtr="0">
-              <a:noAutofit/>
-            </a:bodyPr>
-            <a:lstStyle/>
-            <a:p>
-              <a:pPr marL="0" lvl="0" indent="0" algn="l" rtl="0">
-                <a:spcBef>
-                  <a:spcPts val="0"/>
-                </a:spcBef>
-                <a:spcAft>
-                  <a:spcPts val="0"/>
-                </a:spcAft>
-                <a:buNone/>
-              </a:pPr>
-              <a:endParaRPr/>
-            </a:p>
-          </p:txBody>
-        </p:sp>
-        <p:sp>
-          <p:nvSpPr>
-            <p:cNvPr id="1518" name="Google Shape;1518;p38"/>
-            <p:cNvSpPr/>
-            <p:nvPr/>
-          </p:nvSpPr>
-          <p:spPr>
-            <a:xfrm>
-              <a:off x="2536075" y="620700"/>
-              <a:ext cx="92875" cy="55050"/>
-            </a:xfrm>
-            <a:custGeom>
-              <a:avLst/>
-              <a:gdLst/>
-              <a:ahLst/>
-              <a:cxnLst/>
-              <a:rect l="l" t="t" r="r" b="b"/>
-              <a:pathLst>
-                <a:path w="3715" h="2202" extrusionOk="0">
-                  <a:moveTo>
-                    <a:pt x="3417" y="1"/>
-                  </a:moveTo>
-                  <a:cubicBezTo>
-                    <a:pt x="3414" y="1"/>
-                    <a:pt x="3411" y="1"/>
-                    <a:pt x="3408" y="1"/>
-                  </a:cubicBezTo>
-                  <a:lnTo>
-                    <a:pt x="60" y="485"/>
-                  </a:lnTo>
-                  <a:cubicBezTo>
-                    <a:pt x="25" y="490"/>
-                    <a:pt x="1" y="523"/>
-                    <a:pt x="6" y="557"/>
-                  </a:cubicBezTo>
-                  <a:lnTo>
-                    <a:pt x="237" y="2148"/>
-                  </a:lnTo>
-                  <a:cubicBezTo>
-                    <a:pt x="241" y="2179"/>
-                    <a:pt x="268" y="2202"/>
-                    <a:pt x="298" y="2202"/>
-                  </a:cubicBezTo>
-                  <a:cubicBezTo>
-                    <a:pt x="302" y="2202"/>
-                    <a:pt x="305" y="2202"/>
-                    <a:pt x="308" y="2201"/>
-                  </a:cubicBezTo>
-                  <a:lnTo>
-                    <a:pt x="3656" y="1717"/>
-                  </a:lnTo>
-                  <a:cubicBezTo>
-                    <a:pt x="3690" y="1712"/>
-                    <a:pt x="3715" y="1680"/>
-                    <a:pt x="3710" y="1646"/>
-                  </a:cubicBezTo>
-                  <a:lnTo>
-                    <a:pt x="3480" y="55"/>
-                  </a:lnTo>
-                  <a:cubicBezTo>
-                    <a:pt x="3475" y="24"/>
-                    <a:pt x="3448" y="1"/>
-                    <a:pt x="3417" y="1"/>
-                  </a:cubicBezTo>
-                  <a:close/>
-                </a:path>
-              </a:pathLst>
-            </a:custGeom>
-            <a:solidFill>
-              <a:srgbClr val="3676F7"/>
-            </a:solidFill>
-            <a:ln>
-              <a:noFill/>
-            </a:ln>
-          </p:spPr>
-          <p:txBody>
-            <a:bodyPr spcFirstLastPara="1" wrap="square" lIns="91425" tIns="91425" rIns="91425" bIns="91425" anchor="ctr" anchorCtr="0">
-              <a:noAutofit/>
-            </a:bodyPr>
-            <a:lstStyle/>
-            <a:p>
-              <a:pPr marL="0" lvl="0" indent="0" algn="l" rtl="0">
-                <a:spcBef>
-                  <a:spcPts val="0"/>
-                </a:spcBef>
-                <a:spcAft>
-                  <a:spcPts val="0"/>
-                </a:spcAft>
-                <a:buNone/>
-              </a:pPr>
-              <a:endParaRPr/>
-            </a:p>
-          </p:txBody>
-        </p:sp>
-        <p:sp>
-          <p:nvSpPr>
-            <p:cNvPr id="1519" name="Google Shape;1519;p38"/>
-            <p:cNvSpPr/>
-            <p:nvPr/>
-          </p:nvSpPr>
-          <p:spPr>
-            <a:xfrm>
-              <a:off x="2562975" y="641425"/>
-              <a:ext cx="45075" cy="11375"/>
-            </a:xfrm>
-            <a:custGeom>
-              <a:avLst/>
-              <a:gdLst/>
-              <a:ahLst/>
-              <a:cxnLst/>
-              <a:rect l="l" t="t" r="r" b="b"/>
-              <a:pathLst>
-                <a:path w="1803" h="455" extrusionOk="0">
-                  <a:moveTo>
-                    <a:pt x="1680" y="0"/>
-                  </a:moveTo>
-                  <a:cubicBezTo>
-                    <a:pt x="1675" y="0"/>
-                    <a:pt x="1669" y="1"/>
-                    <a:pt x="1663" y="2"/>
-                  </a:cubicBezTo>
-                  <a:lnTo>
-                    <a:pt x="107" y="226"/>
-                  </a:lnTo>
-                  <a:cubicBezTo>
-                    <a:pt x="44" y="236"/>
-                    <a:pt x="1" y="294"/>
-                    <a:pt x="9" y="356"/>
-                  </a:cubicBezTo>
-                  <a:cubicBezTo>
-                    <a:pt x="18" y="414"/>
-                    <a:pt x="67" y="455"/>
-                    <a:pt x="122" y="455"/>
-                  </a:cubicBezTo>
-                  <a:cubicBezTo>
-                    <a:pt x="128" y="455"/>
-                    <a:pt x="134" y="454"/>
-                    <a:pt x="140" y="454"/>
-                  </a:cubicBezTo>
-                  <a:lnTo>
-                    <a:pt x="1696" y="229"/>
-                  </a:lnTo>
-                  <a:cubicBezTo>
-                    <a:pt x="1760" y="220"/>
-                    <a:pt x="1803" y="162"/>
-                    <a:pt x="1793" y="99"/>
-                  </a:cubicBezTo>
-                  <a:cubicBezTo>
-                    <a:pt x="1786" y="42"/>
-                    <a:pt x="1736" y="0"/>
-                    <a:pt x="1680" y="0"/>
-                  </a:cubicBezTo>
-                  <a:close/>
-                </a:path>
-              </a:pathLst>
-            </a:custGeom>
-            <a:solidFill>
-              <a:srgbClr val="ECA200"/>
-            </a:solidFill>
-            <a:ln>
-              <a:noFill/>
-            </a:ln>
-          </p:spPr>
-          <p:txBody>
-            <a:bodyPr spcFirstLastPara="1" wrap="square" lIns="91425" tIns="91425" rIns="91425" bIns="91425" anchor="ctr" anchorCtr="0">
-              <a:noAutofit/>
-            </a:bodyPr>
-            <a:lstStyle/>
-            <a:p>
-              <a:pPr marL="0" lvl="0" indent="0" algn="l" rtl="0">
-                <a:spcBef>
-                  <a:spcPts val="0"/>
-                </a:spcBef>
-                <a:spcAft>
-                  <a:spcPts val="0"/>
-                </a:spcAft>
-                <a:buNone/>
-              </a:pPr>
-              <a:endParaRPr/>
-            </a:p>
-          </p:txBody>
-        </p:sp>
-        <p:sp>
-          <p:nvSpPr>
-            <p:cNvPr id="1520" name="Google Shape;1520;p38"/>
-            <p:cNvSpPr/>
-            <p:nvPr/>
-          </p:nvSpPr>
-          <p:spPr>
-            <a:xfrm>
-              <a:off x="2478225" y="571725"/>
-              <a:ext cx="43475" cy="89450"/>
-            </a:xfrm>
-            <a:custGeom>
-              <a:avLst/>
-              <a:gdLst/>
-              <a:ahLst/>
-              <a:cxnLst/>
-              <a:rect l="l" t="t" r="r" b="b"/>
-              <a:pathLst>
-                <a:path w="1739" h="3578" extrusionOk="0">
-                  <a:moveTo>
-                    <a:pt x="1738" y="1"/>
-                  </a:moveTo>
-                  <a:lnTo>
-                    <a:pt x="1738" y="1"/>
-                  </a:lnTo>
-                  <a:cubicBezTo>
-                    <a:pt x="1635" y="23"/>
-                    <a:pt x="1529" y="33"/>
-                    <a:pt x="1422" y="33"/>
-                  </a:cubicBezTo>
-                  <a:cubicBezTo>
-                    <a:pt x="1391" y="33"/>
-                    <a:pt x="1359" y="32"/>
-                    <a:pt x="1328" y="30"/>
-                  </a:cubicBezTo>
-                  <a:cubicBezTo>
-                    <a:pt x="1312" y="29"/>
-                    <a:pt x="1296" y="29"/>
-                    <a:pt x="1280" y="29"/>
-                  </a:cubicBezTo>
-                  <a:cubicBezTo>
-                    <a:pt x="1236" y="29"/>
-                    <a:pt x="1194" y="33"/>
-                    <a:pt x="1152" y="39"/>
-                  </a:cubicBezTo>
-                  <a:cubicBezTo>
-                    <a:pt x="422" y="724"/>
-                    <a:pt x="1" y="1995"/>
-                    <a:pt x="448" y="3577"/>
-                  </a:cubicBezTo>
-                  <a:lnTo>
-                    <a:pt x="760" y="3489"/>
-                  </a:lnTo>
-                  <a:cubicBezTo>
-                    <a:pt x="388" y="2172"/>
-                    <a:pt x="666" y="578"/>
-                    <a:pt x="1738" y="1"/>
-                  </a:cubicBezTo>
-                  <a:close/>
-                </a:path>
-              </a:pathLst>
-            </a:custGeom>
-            <a:solidFill>
-              <a:srgbClr val="4A67B4"/>
-            </a:solidFill>
-            <a:ln>
-              <a:noFill/>
-            </a:ln>
-          </p:spPr>
-          <p:txBody>
-            <a:bodyPr spcFirstLastPara="1" wrap="square" lIns="91425" tIns="91425" rIns="91425" bIns="91425" anchor="ctr" anchorCtr="0">
-              <a:noAutofit/>
-            </a:bodyPr>
-            <a:lstStyle/>
-            <a:p>
-              <a:pPr marL="0" lvl="0" indent="0" algn="l" rtl="0">
-                <a:spcBef>
-                  <a:spcPts val="0"/>
-                </a:spcBef>
-                <a:spcAft>
-                  <a:spcPts val="0"/>
-                </a:spcAft>
-                <a:buNone/>
-              </a:pPr>
-              <a:endParaRPr/>
-            </a:p>
-          </p:txBody>
-        </p:sp>
-        <p:sp>
-          <p:nvSpPr>
-            <p:cNvPr id="1521" name="Google Shape;1521;p38"/>
-            <p:cNvSpPr/>
-            <p:nvPr/>
-          </p:nvSpPr>
-          <p:spPr>
-            <a:xfrm>
-              <a:off x="2477825" y="646850"/>
-              <a:ext cx="44975" cy="67675"/>
-            </a:xfrm>
-            <a:custGeom>
-              <a:avLst/>
-              <a:gdLst/>
-              <a:ahLst/>
-              <a:cxnLst/>
-              <a:rect l="l" t="t" r="r" b="b"/>
-              <a:pathLst>
-                <a:path w="1799" h="2707" extrusionOk="0">
-                  <a:moveTo>
-                    <a:pt x="723" y="0"/>
-                  </a:moveTo>
-                  <a:cubicBezTo>
-                    <a:pt x="695" y="0"/>
-                    <a:pt x="668" y="2"/>
-                    <a:pt x="640" y="7"/>
-                  </a:cubicBezTo>
-                  <a:cubicBezTo>
-                    <a:pt x="388" y="49"/>
-                    <a:pt x="113" y="291"/>
-                    <a:pt x="113" y="291"/>
-                  </a:cubicBezTo>
-                  <a:lnTo>
-                    <a:pt x="140" y="496"/>
-                  </a:lnTo>
-                  <a:cubicBezTo>
-                    <a:pt x="34" y="765"/>
-                    <a:pt x="1" y="1118"/>
-                    <a:pt x="64" y="1493"/>
-                  </a:cubicBezTo>
-                  <a:cubicBezTo>
-                    <a:pt x="116" y="1803"/>
-                    <a:pt x="227" y="2076"/>
-                    <a:pt x="370" y="2286"/>
-                  </a:cubicBezTo>
-                  <a:lnTo>
-                    <a:pt x="413" y="2619"/>
-                  </a:lnTo>
-                  <a:cubicBezTo>
-                    <a:pt x="413" y="2619"/>
-                    <a:pt x="1008" y="2707"/>
-                    <a:pt x="1089" y="2707"/>
-                  </a:cubicBezTo>
-                  <a:cubicBezTo>
-                    <a:pt x="1092" y="2707"/>
-                    <a:pt x="1095" y="2706"/>
-                    <a:pt x="1096" y="2706"/>
-                  </a:cubicBezTo>
-                  <a:cubicBezTo>
-                    <a:pt x="1541" y="2631"/>
-                    <a:pt x="1799" y="1967"/>
-                    <a:pt x="1672" y="1221"/>
-                  </a:cubicBezTo>
-                  <a:cubicBezTo>
-                    <a:pt x="1554" y="521"/>
-                    <a:pt x="1140" y="0"/>
-                    <a:pt x="723" y="0"/>
-                  </a:cubicBezTo>
-                  <a:close/>
-                </a:path>
-              </a:pathLst>
-            </a:custGeom>
-            <a:solidFill>
-              <a:srgbClr val="4A67B4"/>
-            </a:solidFill>
-            <a:ln>
-              <a:noFill/>
-            </a:ln>
-          </p:spPr>
-          <p:txBody>
-            <a:bodyPr spcFirstLastPara="1" wrap="square" lIns="91425" tIns="91425" rIns="91425" bIns="91425" anchor="ctr" anchorCtr="0">
-              <a:noAutofit/>
-            </a:bodyPr>
-            <a:lstStyle/>
-            <a:p>
-              <a:pPr marL="0" lvl="0" indent="0" algn="l" rtl="0">
-                <a:spcBef>
-                  <a:spcPts val="0"/>
-                </a:spcBef>
-                <a:spcAft>
-                  <a:spcPts val="0"/>
-                </a:spcAft>
-                <a:buNone/>
-              </a:pPr>
-              <a:endParaRPr/>
-            </a:p>
-          </p:txBody>
-        </p:sp>
-        <p:sp>
-          <p:nvSpPr>
-            <p:cNvPr id="1522" name="Google Shape;1522;p38"/>
-            <p:cNvSpPr/>
-            <p:nvPr/>
-          </p:nvSpPr>
-          <p:spPr>
-            <a:xfrm>
-              <a:off x="2462725" y="653900"/>
-              <a:ext cx="45675" cy="58475"/>
-            </a:xfrm>
-            <a:custGeom>
-              <a:avLst/>
-              <a:gdLst/>
-              <a:ahLst/>
-              <a:cxnLst/>
-              <a:rect l="l" t="t" r="r" b="b"/>
-              <a:pathLst>
-                <a:path w="1827" h="2339" extrusionOk="0">
-                  <a:moveTo>
-                    <a:pt x="813" y="1"/>
-                  </a:moveTo>
-                  <a:cubicBezTo>
-                    <a:pt x="781" y="1"/>
-                    <a:pt x="749" y="3"/>
-                    <a:pt x="717" y="9"/>
-                  </a:cubicBezTo>
-                  <a:cubicBezTo>
-                    <a:pt x="273" y="84"/>
-                    <a:pt x="1" y="665"/>
-                    <a:pt x="110" y="1306"/>
-                  </a:cubicBezTo>
-                  <a:cubicBezTo>
-                    <a:pt x="210" y="1900"/>
-                    <a:pt x="603" y="2338"/>
-                    <a:pt x="1014" y="2338"/>
-                  </a:cubicBezTo>
-                  <a:cubicBezTo>
-                    <a:pt x="1046" y="2338"/>
-                    <a:pt x="1078" y="2335"/>
-                    <a:pt x="1110" y="2330"/>
-                  </a:cubicBezTo>
-                  <a:cubicBezTo>
-                    <a:pt x="1554" y="2254"/>
-                    <a:pt x="1826" y="1674"/>
-                    <a:pt x="1717" y="1033"/>
-                  </a:cubicBezTo>
-                  <a:cubicBezTo>
-                    <a:pt x="1617" y="439"/>
-                    <a:pt x="1224" y="1"/>
-                    <a:pt x="813" y="1"/>
-                  </a:cubicBezTo>
-                  <a:close/>
-                </a:path>
-              </a:pathLst>
-            </a:custGeom>
-            <a:solidFill>
-              <a:srgbClr val="3676F7"/>
-            </a:solidFill>
-            <a:ln>
-              <a:noFill/>
-            </a:ln>
-          </p:spPr>
-          <p:txBody>
-            <a:bodyPr spcFirstLastPara="1" wrap="square" lIns="91425" tIns="91425" rIns="91425" bIns="91425" anchor="ctr" anchorCtr="0">
-              <a:noAutofit/>
-            </a:bodyPr>
-            <a:lstStyle/>
-            <a:p>
-              <a:pPr marL="0" lvl="0" indent="0" algn="l" rtl="0">
-                <a:spcBef>
-                  <a:spcPts val="0"/>
-                </a:spcBef>
-                <a:spcAft>
-                  <a:spcPts val="0"/>
-                </a:spcAft>
-                <a:buNone/>
-              </a:pPr>
-              <a:endParaRPr/>
-            </a:p>
-          </p:txBody>
-        </p:sp>
-        <p:sp>
-          <p:nvSpPr>
-            <p:cNvPr id="1523" name="Google Shape;1523;p38"/>
-            <p:cNvSpPr/>
-            <p:nvPr/>
-          </p:nvSpPr>
-          <p:spPr>
-            <a:xfrm>
-              <a:off x="2472950" y="679425"/>
-              <a:ext cx="21150" cy="9400"/>
-            </a:xfrm>
-            <a:custGeom>
-              <a:avLst/>
-              <a:gdLst/>
-              <a:ahLst/>
-              <a:cxnLst/>
-              <a:rect l="l" t="t" r="r" b="b"/>
-              <a:pathLst>
-                <a:path w="846" h="376" extrusionOk="0">
-                  <a:moveTo>
-                    <a:pt x="694" y="0"/>
-                  </a:moveTo>
-                  <a:cubicBezTo>
-                    <a:pt x="685" y="0"/>
-                    <a:pt x="677" y="1"/>
-                    <a:pt x="669" y="2"/>
-                  </a:cubicBezTo>
-                  <a:lnTo>
-                    <a:pt x="129" y="93"/>
-                  </a:lnTo>
-                  <a:cubicBezTo>
-                    <a:pt x="52" y="106"/>
-                    <a:pt x="0" y="180"/>
-                    <a:pt x="13" y="257"/>
-                  </a:cubicBezTo>
-                  <a:cubicBezTo>
-                    <a:pt x="24" y="326"/>
-                    <a:pt x="85" y="376"/>
-                    <a:pt x="152" y="376"/>
-                  </a:cubicBezTo>
-                  <a:cubicBezTo>
-                    <a:pt x="160" y="376"/>
-                    <a:pt x="169" y="375"/>
-                    <a:pt x="177" y="374"/>
-                  </a:cubicBezTo>
-                  <a:lnTo>
-                    <a:pt x="716" y="283"/>
-                  </a:lnTo>
-                  <a:cubicBezTo>
-                    <a:pt x="794" y="270"/>
-                    <a:pt x="846" y="196"/>
-                    <a:pt x="833" y="119"/>
-                  </a:cubicBezTo>
-                  <a:cubicBezTo>
-                    <a:pt x="821" y="50"/>
-                    <a:pt x="761" y="0"/>
-                    <a:pt x="694" y="0"/>
-                  </a:cubicBezTo>
-                  <a:close/>
-                </a:path>
-              </a:pathLst>
-            </a:custGeom>
-            <a:solidFill>
-              <a:srgbClr val="ECA200"/>
-            </a:solidFill>
-            <a:ln>
-              <a:noFill/>
-            </a:ln>
-          </p:spPr>
-          <p:txBody>
-            <a:bodyPr spcFirstLastPara="1" wrap="square" lIns="91425" tIns="91425" rIns="91425" bIns="91425" anchor="ctr" anchorCtr="0">
-              <a:noAutofit/>
-            </a:bodyPr>
-            <a:lstStyle/>
-            <a:p>
-              <a:pPr marL="0" lvl="0" indent="0" algn="l" rtl="0">
-                <a:spcBef>
-                  <a:spcPts val="0"/>
-                </a:spcBef>
-                <a:spcAft>
-                  <a:spcPts val="0"/>
-                </a:spcAft>
-                <a:buNone/>
-              </a:pPr>
-              <a:endParaRPr/>
-            </a:p>
-          </p:txBody>
-        </p:sp>
-        <p:sp>
-          <p:nvSpPr>
-            <p:cNvPr id="1524" name="Google Shape;1524;p38"/>
-            <p:cNvSpPr/>
-            <p:nvPr/>
-          </p:nvSpPr>
-          <p:spPr>
-            <a:xfrm>
-              <a:off x="2699800" y="945625"/>
-              <a:ext cx="197850" cy="198525"/>
-            </a:xfrm>
-            <a:custGeom>
-              <a:avLst/>
-              <a:gdLst/>
-              <a:ahLst/>
-              <a:cxnLst/>
-              <a:rect l="l" t="t" r="r" b="b"/>
-              <a:pathLst>
-                <a:path w="7914" h="7941" extrusionOk="0">
-                  <a:moveTo>
-                    <a:pt x="4133" y="1"/>
-                  </a:moveTo>
-                  <a:lnTo>
-                    <a:pt x="4133" y="1"/>
-                  </a:lnTo>
-                  <a:cubicBezTo>
-                    <a:pt x="4756" y="780"/>
-                    <a:pt x="4038" y="2920"/>
-                    <a:pt x="2467" y="4638"/>
-                  </a:cubicBezTo>
-                  <a:cubicBezTo>
-                    <a:pt x="1183" y="6040"/>
-                    <a:pt x="341" y="7186"/>
-                    <a:pt x="0" y="7941"/>
-                  </a:cubicBezTo>
-                  <a:cubicBezTo>
-                    <a:pt x="58" y="7910"/>
-                    <a:pt x="113" y="7881"/>
-                    <a:pt x="170" y="7851"/>
-                  </a:cubicBezTo>
-                  <a:cubicBezTo>
-                    <a:pt x="3177" y="6235"/>
-                    <a:pt x="7307" y="4333"/>
-                    <a:pt x="7610" y="3787"/>
-                  </a:cubicBezTo>
-                  <a:cubicBezTo>
-                    <a:pt x="7914" y="3240"/>
-                    <a:pt x="6821" y="2905"/>
-                    <a:pt x="5971" y="2572"/>
-                  </a:cubicBezTo>
-                  <a:cubicBezTo>
-                    <a:pt x="5121" y="2238"/>
-                    <a:pt x="5212" y="1691"/>
-                    <a:pt x="4756" y="780"/>
-                  </a:cubicBezTo>
-                  <a:cubicBezTo>
-                    <a:pt x="4595" y="457"/>
-                    <a:pt x="4363" y="199"/>
-                    <a:pt x="4133" y="1"/>
-                  </a:cubicBezTo>
-                  <a:close/>
-                </a:path>
-              </a:pathLst>
-            </a:custGeom>
-            <a:solidFill>
-              <a:srgbClr val="A3C8FF"/>
-            </a:solidFill>
-            <a:ln>
-              <a:noFill/>
-            </a:ln>
-          </p:spPr>
-          <p:txBody>
-            <a:bodyPr spcFirstLastPara="1" wrap="square" lIns="91425" tIns="91425" rIns="91425" bIns="91425" anchor="ctr" anchorCtr="0">
-              <a:noAutofit/>
-            </a:bodyPr>
-            <a:lstStyle/>
-            <a:p>
-              <a:pPr marL="0" lvl="0" indent="0" algn="l" rtl="0">
-                <a:spcBef>
-                  <a:spcPts val="0"/>
-                </a:spcBef>
-                <a:spcAft>
-                  <a:spcPts val="0"/>
-                </a:spcAft>
-                <a:buNone/>
-              </a:pPr>
-              <a:endParaRPr/>
-            </a:p>
-          </p:txBody>
-        </p:sp>
-      </p:grpSp>
-      <p:sp>
-        <p:nvSpPr>
-          <p:cNvPr id="3" name="Rectangle 2"/>
-          <p:cNvSpPr/>
-          <p:nvPr/>
-        </p:nvSpPr>
-        <p:spPr>
+        </p:nvPicPr>
+        <p:blipFill>
+          <a:blip r:embed="rId2">
+            <a:extLst>
+              <a:ext uri="{28A0092B-C50C-407E-A947-70E740481C1C}">
+                <a14:useLocalDpi xmlns:a14="http://schemas.microsoft.com/office/drawing/2010/main" val="0"/>
+              </a:ext>
+            </a:extLst>
+          </a:blip>
+          <a:srcRect/>
+          <a:stretch>
+            <a:fillRect/>
+          </a:stretch>
+        </p:blipFill>
+        <p:spPr bwMode="auto">
           <a:xfrm>
-            <a:off x="2286000" y="2239031"/>
-            <a:ext cx="4572000" cy="750077"/>
+            <a:off x="314324" y="349831"/>
+            <a:ext cx="2181225" cy="4546019"/>
           </a:xfrm>
           <a:prstGeom prst="rect">
             <a:avLst/>
           </a:prstGeom>
-        </p:spPr>
-        <p:txBody>
-          <a:bodyPr>
-            <a:spAutoFit/>
-          </a:bodyPr>
-          <a:lstStyle/>
-          <a:p>
-            <a:pPr lvl="0">
-              <a:lnSpc>
-                <a:spcPct val="133000"/>
-              </a:lnSpc>
-              <a:spcBef>
-                <a:spcPct val="0"/>
-              </a:spcBef>
-              <a:spcAft>
-                <a:spcPct val="0"/>
-              </a:spcAft>
-              <a:tabLst>
-                <a:tab pos="723900" algn="l"/>
-                <a:tab pos="1447800" algn="l"/>
-                <a:tab pos="2171700" algn="l"/>
-                <a:tab pos="2895600" algn="l"/>
-                <a:tab pos="3619500" algn="l"/>
-                <a:tab pos="4343400" algn="l"/>
-                <a:tab pos="5067300" algn="l"/>
-                <a:tab pos="5791200" algn="l"/>
-                <a:tab pos="6515100" algn="l"/>
-              </a:tabLst>
-            </a:pPr>
-            <a:r>
-              <a:rPr lang="en-AU" altLang="en-US" sz="3600" b="1" dirty="0" err="1" smtClean="0">
+          <a:noFill/>
+          <a:ln>
+            <a:noFill/>
+          </a:ln>
+          <a:effectLst/>
+          <a:extLst>
+            <a:ext uri="{909E8E84-426E-40DD-AFC4-6F175D3DCCD1}">
+              <a14:hiddenFill xmlns:a14="http://schemas.microsoft.com/office/drawing/2010/main">
+                <a:solidFill>
+                  <a:schemeClr val="accent1"/>
+                </a:solidFill>
+              </a14:hiddenFill>
+            </a:ext>
+            <a:ext uri="{91240B29-F687-4F45-9708-019B960494DF}">
+              <a14:hiddenLine xmlns:a14="http://schemas.microsoft.com/office/drawing/2010/main" w="9525">
                 <a:solidFill>
                   <a:schemeClr val="tx1"/>
                 </a:solidFill>
-                <a:latin typeface="Rubik" charset="0"/>
-                <a:ea typeface="Rubik" charset="0"/>
-              </a:rPr>
-              <a:t>Terima</a:t>
+                <a:miter lim="800000"/>
+                <a:headEnd/>
+                <a:tailEnd/>
+              </a14:hiddenLine>
+            </a:ext>
+            <a:ext uri="{AF507438-7753-43E0-B8FC-AC1667EBCBE1}">
+              <a14:hiddenEffects xmlns:a14="http://schemas.microsoft.com/office/drawing/2010/main">
+                <a:effectLst>
+                  <a:outerShdw dist="35921" dir="2700000" algn="ctr" rotWithShape="0">
+                    <a:schemeClr val="bg2"/>
+                  </a:outerShdw>
+                </a:effectLst>
+              </a14:hiddenEffects>
+            </a:ext>
+          </a:extLst>
+        </p:spPr>
+      </p:pic>
+      <p:sp>
+        <p:nvSpPr>
+          <p:cNvPr id="6" name="Title 5"/>
+          <p:cNvSpPr>
+            <a:spLocks noGrp="1"/>
+          </p:cNvSpPr>
+          <p:nvPr>
+            <p:ph type="ctrTitle" idx="2"/>
+          </p:nvPr>
+        </p:nvSpPr>
+        <p:spPr>
+          <a:xfrm>
+            <a:off x="2609850" y="951425"/>
+            <a:ext cx="3476700" cy="666600"/>
+          </a:xfrm>
+        </p:spPr>
+        <p:txBody>
+          <a:bodyPr/>
+          <a:lstStyle/>
+          <a:p>
+            <a:r>
+              <a:rPr lang="id-ID" dirty="0" smtClean="0"/>
+              <a:t>Hasil</a:t>
             </a:r>
+            <a:br>
+              <a:rPr lang="id-ID" dirty="0" smtClean="0"/>
+            </a:br>
             <a:r>
-              <a:rPr lang="en-AU" altLang="en-US" sz="3600" b="1" dirty="0" smtClean="0">
-                <a:solidFill>
-                  <a:schemeClr val="tx1"/>
-                </a:solidFill>
-                <a:latin typeface="Rubik" charset="0"/>
-                <a:ea typeface="Rubik" charset="0"/>
-              </a:rPr>
-              <a:t> </a:t>
+              <a:rPr lang="id-ID" dirty="0" smtClean="0"/>
+              <a:t>Volley</a:t>
             </a:r>
-            <a:r>
-              <a:rPr lang="en-AU" altLang="en-US" sz="3600" b="1" dirty="0" err="1" smtClean="0">
-                <a:solidFill>
-                  <a:schemeClr val="tx1"/>
-                </a:solidFill>
-                <a:latin typeface="Rubik" charset="0"/>
-                <a:ea typeface="Rubik" charset="0"/>
-              </a:rPr>
-              <a:t>Kasih</a:t>
-            </a:r>
-            <a:endParaRPr lang="en-AU" altLang="en-US" sz="3600" b="1" dirty="0">
-              <a:solidFill>
-                <a:schemeClr val="tx1"/>
-              </a:solidFill>
-              <a:latin typeface="Rubik" charset="0"/>
-              <a:ea typeface="Rubik" charset="0"/>
-            </a:endParaRPr>
+            <a:endParaRPr lang="id-ID" dirty="0"/>
           </a:p>
         </p:txBody>
       </p:sp>
     </p:spTree>
+    <p:extLst>
+      <p:ext uri="{BB962C8B-B14F-4D97-AF65-F5344CB8AC3E}">
+        <p14:creationId xmlns:p14="http://schemas.microsoft.com/office/powerpoint/2010/main" val="1330221310"/>
+      </p:ext>
+    </p:extLst>
   </p:cSld>
   <p:clrMapOvr>
     <a:masterClrMapping/>

--- a/VOLLEY_KELOMPOK 2.pptx
+++ b/VOLLEY_KELOMPOK 2.pptx
@@ -2,64 +2,53 @@
 <file path=ppt/presentation.xml><?xml version="1.0" encoding="utf-8"?>
 <p:presentation xmlns:a="http://schemas.openxmlformats.org/drawingml/2006/main" xmlns:r="http://schemas.openxmlformats.org/officeDocument/2006/relationships" xmlns:p="http://schemas.openxmlformats.org/presentationml/2006/main" strictFirstAndLastChars="0" embedTrueTypeFonts="1" saveSubsetFonts="1" autoCompressPictures="0">
   <p:sldMasterIdLst>
-    <p:sldMasterId id="2147483661" r:id="rId1"/>
+    <p:sldMasterId id="2147483648" r:id="rId1"/>
   </p:sldMasterIdLst>
   <p:notesMasterIdLst>
-    <p:notesMasterId r:id="rId12"/>
+    <p:notesMasterId r:id="rId4"/>
   </p:notesMasterIdLst>
   <p:sldIdLst>
-    <p:sldId id="256" r:id="rId2"/>
-    <p:sldId id="291" r:id="rId3"/>
-    <p:sldId id="262" r:id="rId4"/>
-    <p:sldId id="292" r:id="rId5"/>
-    <p:sldId id="258" r:id="rId6"/>
-    <p:sldId id="295" r:id="rId7"/>
-    <p:sldId id="296" r:id="rId8"/>
-    <p:sldId id="294" r:id="rId9"/>
-    <p:sldId id="297" r:id="rId10"/>
-    <p:sldId id="278" r:id="rId11"/>
+    <p:sldId id="256" r:id="rId3"/>
+    <p:sldId id="291" r:id="rId5"/>
+    <p:sldId id="262" r:id="rId6"/>
+    <p:sldId id="292" r:id="rId7"/>
+    <p:sldId id="258" r:id="rId8"/>
+    <p:sldId id="295" r:id="rId9"/>
+    <p:sldId id="296" r:id="rId10"/>
+    <p:sldId id="294" r:id="rId11"/>
+    <p:sldId id="297" r:id="rId12"/>
+    <p:sldId id="278" r:id="rId13"/>
   </p:sldIdLst>
   <p:sldSz cx="9144000" cy="5143500" type="screen16x9"/>
   <p:notesSz cx="6858000" cy="9144000"/>
   <p:embeddedFontLst>
     <p:embeddedFont>
-      <p:font typeface="Monotype Corsiva" pitchFamily="66" charset="0"/>
-      <p:italic r:id="rId13"/>
+      <p:font typeface="Mukta" panose="020B0000000000000000"/>
+      <p:regular r:id="rId17"/>
     </p:embeddedFont>
     <p:embeddedFont>
-      <p:font typeface="Footlight MT Light" pitchFamily="18" charset="0"/>
-      <p:regular r:id="rId14"/>
+      <p:font typeface="Lexend"/>
+      <p:regular r:id="rId18"/>
     </p:embeddedFont>
     <p:embeddedFont>
-      <p:font typeface="Mukta" charset="0"/>
-      <p:regular r:id="rId15"/>
-      <p:bold r:id="rId16"/>
+      <p:font typeface="Fira Sans Condensed" panose="020B0503050000020004"/>
+      <p:regular r:id="rId19"/>
     </p:embeddedFont>
     <p:embeddedFont>
-      <p:font typeface="Arial Narrow" pitchFamily="34" charset="0"/>
-      <p:regular r:id="rId17"/>
-      <p:bold r:id="rId18"/>
-      <p:italic r:id="rId19"/>
-      <p:boldItalic r:id="rId20"/>
+      <p:font typeface="Arial Narrow" panose="020B0606020202030204" pitchFamily="34" charset="0"/>
+      <p:regular r:id="rId20"/>
+      <p:bold r:id="rId21"/>
+      <p:italic r:id="rId22"/>
+      <p:boldItalic r:id="rId23"/>
     </p:embeddedFont>
     <p:embeddedFont>
-      <p:font typeface="Fira Sans Condensed" charset="0"/>
-      <p:regular r:id="rId21"/>
-      <p:bold r:id="rId22"/>
-      <p:italic r:id="rId23"/>
-      <p:boldItalic r:id="rId24"/>
+      <p:font typeface="Footlight MT Light" panose="0204060206030A020304" pitchFamily="18" charset="0"/>
+      <p:regular r:id="rId24"/>
     </p:embeddedFont>
     <p:embeddedFont>
-      <p:font typeface="Lexend" charset="0"/>
+      <p:font typeface="Square721 BT" panose="020B0504020202060204" pitchFamily="34" charset="0"/>
       <p:regular r:id="rId25"/>
       <p:bold r:id="rId26"/>
-    </p:embeddedFont>
-    <p:embeddedFont>
-      <p:font typeface="Fira Sans Extra Condensed" charset="0"/>
-      <p:regular r:id="rId27"/>
-      <p:bold r:id="rId28"/>
-      <p:italic r:id="rId29"/>
-      <p:boldItalic r:id="rId30"/>
     </p:embeddedFont>
   </p:embeddedFontLst>
   <p:defaultTextStyle>
@@ -87,15 +76,15 @@
       <a:buClr>
         <a:srgbClr val="000000"/>
       </a:buClr>
-      <a:buFont typeface="Arial"/>
+      <a:buFont typeface="Arial" panose="020B0604020202020204"/>
       <a:defRPr sz="1400" b="0" i="0" u="none" strike="noStrike" cap="none">
         <a:solidFill>
           <a:srgbClr val="000000"/>
         </a:solidFill>
-        <a:latin typeface="Arial"/>
-        <a:ea typeface="Arial"/>
-        <a:cs typeface="Arial"/>
-        <a:sym typeface="Arial"/>
+        <a:latin typeface="Arial" panose="020B0604020202020204"/>
+        <a:ea typeface="Arial" panose="020B0604020202020204"/>
+        <a:cs typeface="Arial" panose="020B0604020202020204"/>
+        <a:sym typeface="Arial" panose="020B0604020202020204"/>
       </a:defRPr>
     </a:lvl1pPr>
     <a:lvl2pPr marR="0" lvl="1" algn="l" rtl="0">
@@ -111,15 +100,15 @@
       <a:buClr>
         <a:srgbClr val="000000"/>
       </a:buClr>
-      <a:buFont typeface="Arial"/>
+      <a:buFont typeface="Arial" panose="020B0604020202020204"/>
       <a:defRPr sz="1400" b="0" i="0" u="none" strike="noStrike" cap="none">
         <a:solidFill>
           <a:srgbClr val="000000"/>
         </a:solidFill>
-        <a:latin typeface="Arial"/>
-        <a:ea typeface="Arial"/>
-        <a:cs typeface="Arial"/>
-        <a:sym typeface="Arial"/>
+        <a:latin typeface="Arial" panose="020B0604020202020204"/>
+        <a:ea typeface="Arial" panose="020B0604020202020204"/>
+        <a:cs typeface="Arial" panose="020B0604020202020204"/>
+        <a:sym typeface="Arial" panose="020B0604020202020204"/>
       </a:defRPr>
     </a:lvl2pPr>
     <a:lvl3pPr marR="0" lvl="2" algn="l" rtl="0">
@@ -135,15 +124,15 @@
       <a:buClr>
         <a:srgbClr val="000000"/>
       </a:buClr>
-      <a:buFont typeface="Arial"/>
+      <a:buFont typeface="Arial" panose="020B0604020202020204"/>
       <a:defRPr sz="1400" b="0" i="0" u="none" strike="noStrike" cap="none">
         <a:solidFill>
           <a:srgbClr val="000000"/>
         </a:solidFill>
-        <a:latin typeface="Arial"/>
-        <a:ea typeface="Arial"/>
-        <a:cs typeface="Arial"/>
-        <a:sym typeface="Arial"/>
+        <a:latin typeface="Arial" panose="020B0604020202020204"/>
+        <a:ea typeface="Arial" panose="020B0604020202020204"/>
+        <a:cs typeface="Arial" panose="020B0604020202020204"/>
+        <a:sym typeface="Arial" panose="020B0604020202020204"/>
       </a:defRPr>
     </a:lvl3pPr>
     <a:lvl4pPr marR="0" lvl="3" algn="l" rtl="0">
@@ -159,15 +148,15 @@
       <a:buClr>
         <a:srgbClr val="000000"/>
       </a:buClr>
-      <a:buFont typeface="Arial"/>
+      <a:buFont typeface="Arial" panose="020B0604020202020204"/>
       <a:defRPr sz="1400" b="0" i="0" u="none" strike="noStrike" cap="none">
         <a:solidFill>
           <a:srgbClr val="000000"/>
         </a:solidFill>
-        <a:latin typeface="Arial"/>
-        <a:ea typeface="Arial"/>
-        <a:cs typeface="Arial"/>
-        <a:sym typeface="Arial"/>
+        <a:latin typeface="Arial" panose="020B0604020202020204"/>
+        <a:ea typeface="Arial" panose="020B0604020202020204"/>
+        <a:cs typeface="Arial" panose="020B0604020202020204"/>
+        <a:sym typeface="Arial" panose="020B0604020202020204"/>
       </a:defRPr>
     </a:lvl4pPr>
     <a:lvl5pPr marR="0" lvl="4" algn="l" rtl="0">
@@ -183,15 +172,15 @@
       <a:buClr>
         <a:srgbClr val="000000"/>
       </a:buClr>
-      <a:buFont typeface="Arial"/>
+      <a:buFont typeface="Arial" panose="020B0604020202020204"/>
       <a:defRPr sz="1400" b="0" i="0" u="none" strike="noStrike" cap="none">
         <a:solidFill>
           <a:srgbClr val="000000"/>
         </a:solidFill>
-        <a:latin typeface="Arial"/>
-        <a:ea typeface="Arial"/>
-        <a:cs typeface="Arial"/>
-        <a:sym typeface="Arial"/>
+        <a:latin typeface="Arial" panose="020B0604020202020204"/>
+        <a:ea typeface="Arial" panose="020B0604020202020204"/>
+        <a:cs typeface="Arial" panose="020B0604020202020204"/>
+        <a:sym typeface="Arial" panose="020B0604020202020204"/>
       </a:defRPr>
     </a:lvl5pPr>
     <a:lvl6pPr marR="0" lvl="5" algn="l" rtl="0">
@@ -207,15 +196,15 @@
       <a:buClr>
         <a:srgbClr val="000000"/>
       </a:buClr>
-      <a:buFont typeface="Arial"/>
+      <a:buFont typeface="Arial" panose="020B0604020202020204"/>
       <a:defRPr sz="1400" b="0" i="0" u="none" strike="noStrike" cap="none">
         <a:solidFill>
           <a:srgbClr val="000000"/>
         </a:solidFill>
-        <a:latin typeface="Arial"/>
-        <a:ea typeface="Arial"/>
-        <a:cs typeface="Arial"/>
-        <a:sym typeface="Arial"/>
+        <a:latin typeface="Arial" panose="020B0604020202020204"/>
+        <a:ea typeface="Arial" panose="020B0604020202020204"/>
+        <a:cs typeface="Arial" panose="020B0604020202020204"/>
+        <a:sym typeface="Arial" panose="020B0604020202020204"/>
       </a:defRPr>
     </a:lvl6pPr>
     <a:lvl7pPr marR="0" lvl="6" algn="l" rtl="0">
@@ -231,15 +220,15 @@
       <a:buClr>
         <a:srgbClr val="000000"/>
       </a:buClr>
-      <a:buFont typeface="Arial"/>
+      <a:buFont typeface="Arial" panose="020B0604020202020204"/>
       <a:defRPr sz="1400" b="0" i="0" u="none" strike="noStrike" cap="none">
         <a:solidFill>
           <a:srgbClr val="000000"/>
         </a:solidFill>
-        <a:latin typeface="Arial"/>
-        <a:ea typeface="Arial"/>
-        <a:cs typeface="Arial"/>
-        <a:sym typeface="Arial"/>
+        <a:latin typeface="Arial" panose="020B0604020202020204"/>
+        <a:ea typeface="Arial" panose="020B0604020202020204"/>
+        <a:cs typeface="Arial" panose="020B0604020202020204"/>
+        <a:sym typeface="Arial" panose="020B0604020202020204"/>
       </a:defRPr>
     </a:lvl7pPr>
     <a:lvl8pPr marR="0" lvl="7" algn="l" rtl="0">
@@ -255,15 +244,15 @@
       <a:buClr>
         <a:srgbClr val="000000"/>
       </a:buClr>
-      <a:buFont typeface="Arial"/>
+      <a:buFont typeface="Arial" panose="020B0604020202020204"/>
       <a:defRPr sz="1400" b="0" i="0" u="none" strike="noStrike" cap="none">
         <a:solidFill>
           <a:srgbClr val="000000"/>
         </a:solidFill>
-        <a:latin typeface="Arial"/>
-        <a:ea typeface="Arial"/>
-        <a:cs typeface="Arial"/>
-        <a:sym typeface="Arial"/>
+        <a:latin typeface="Arial" panose="020B0604020202020204"/>
+        <a:ea typeface="Arial" panose="020B0604020202020204"/>
+        <a:cs typeface="Arial" panose="020B0604020202020204"/>
+        <a:sym typeface="Arial" panose="020B0604020202020204"/>
       </a:defRPr>
     </a:lvl8pPr>
     <a:lvl9pPr marR="0" lvl="8" algn="l" rtl="0">
@@ -279,15 +268,15 @@
       <a:buClr>
         <a:srgbClr val="000000"/>
       </a:buClr>
-      <a:buFont typeface="Arial"/>
+      <a:buFont typeface="Arial" panose="020B0604020202020204"/>
       <a:defRPr sz="1400" b="0" i="0" u="none" strike="noStrike" cap="none">
         <a:solidFill>
           <a:srgbClr val="000000"/>
         </a:solidFill>
-        <a:latin typeface="Arial"/>
-        <a:ea typeface="Arial"/>
-        <a:cs typeface="Arial"/>
-        <a:sym typeface="Arial"/>
+        <a:latin typeface="Arial" panose="020B0604020202020204"/>
+        <a:ea typeface="Arial" panose="020B0604020202020204"/>
+        <a:cs typeface="Arial" panose="020B0604020202020204"/>
+        <a:sym typeface="Arial" panose="020B0604020202020204"/>
       </a:defRPr>
     </a:lvl9pPr>
   </p:defaultTextStyle>
@@ -495,17 +484,10 @@
               <a:defRPr sz="1100"/>
             </a:lvl9pPr>
           </a:lstStyle>
-          <a:p>
-            <a:endParaRPr/>
-          </a:p>
+          <a:p/>
         </p:txBody>
       </p:sp>
     </p:spTree>
-    <p:extLst>
-      <p:ext uri="{BB962C8B-B14F-4D97-AF65-F5344CB8AC3E}">
-        <p14:creationId xmlns:p14="http://schemas.microsoft.com/office/powerpoint/2010/main" val="1473504907"/>
-      </p:ext>
-    </p:extLst>
   </p:cSld>
   <p:clrMap bg1="lt1" tx1="dk1" bg2="dk2" tx2="lt2" accent1="accent1" accent2="accent2" accent3="accent3" accent4="accent4" accent5="accent5" accent6="accent6" hlink="hlink" folHlink="folHlink"/>
   <p:notesStyle>
@@ -533,15 +515,15 @@
       <a:buClr>
         <a:srgbClr val="000000"/>
       </a:buClr>
-      <a:buFont typeface="Arial"/>
+      <a:buFont typeface="Arial" panose="020B0604020202020204"/>
       <a:defRPr sz="1400" b="0" i="0" u="none" strike="noStrike" cap="none">
         <a:solidFill>
           <a:srgbClr val="000000"/>
         </a:solidFill>
-        <a:latin typeface="Arial"/>
-        <a:ea typeface="Arial"/>
-        <a:cs typeface="Arial"/>
-        <a:sym typeface="Arial"/>
+        <a:latin typeface="Arial" panose="020B0604020202020204"/>
+        <a:ea typeface="Arial" panose="020B0604020202020204"/>
+        <a:cs typeface="Arial" panose="020B0604020202020204"/>
+        <a:sym typeface="Arial" panose="020B0604020202020204"/>
       </a:defRPr>
     </a:lvl1pPr>
     <a:lvl2pPr marR="0" lvl="1" algn="l" rtl="0">
@@ -557,15 +539,15 @@
       <a:buClr>
         <a:srgbClr val="000000"/>
       </a:buClr>
-      <a:buFont typeface="Arial"/>
+      <a:buFont typeface="Arial" panose="020B0604020202020204"/>
       <a:defRPr sz="1400" b="0" i="0" u="none" strike="noStrike" cap="none">
         <a:solidFill>
           <a:srgbClr val="000000"/>
         </a:solidFill>
-        <a:latin typeface="Arial"/>
-        <a:ea typeface="Arial"/>
-        <a:cs typeface="Arial"/>
-        <a:sym typeface="Arial"/>
+        <a:latin typeface="Arial" panose="020B0604020202020204"/>
+        <a:ea typeface="Arial" panose="020B0604020202020204"/>
+        <a:cs typeface="Arial" panose="020B0604020202020204"/>
+        <a:sym typeface="Arial" panose="020B0604020202020204"/>
       </a:defRPr>
     </a:lvl2pPr>
     <a:lvl3pPr marR="0" lvl="2" algn="l" rtl="0">
@@ -581,15 +563,15 @@
       <a:buClr>
         <a:srgbClr val="000000"/>
       </a:buClr>
-      <a:buFont typeface="Arial"/>
+      <a:buFont typeface="Arial" panose="020B0604020202020204"/>
       <a:defRPr sz="1400" b="0" i="0" u="none" strike="noStrike" cap="none">
         <a:solidFill>
           <a:srgbClr val="000000"/>
         </a:solidFill>
-        <a:latin typeface="Arial"/>
-        <a:ea typeface="Arial"/>
-        <a:cs typeface="Arial"/>
-        <a:sym typeface="Arial"/>
+        <a:latin typeface="Arial" panose="020B0604020202020204"/>
+        <a:ea typeface="Arial" panose="020B0604020202020204"/>
+        <a:cs typeface="Arial" panose="020B0604020202020204"/>
+        <a:sym typeface="Arial" panose="020B0604020202020204"/>
       </a:defRPr>
     </a:lvl3pPr>
     <a:lvl4pPr marR="0" lvl="3" algn="l" rtl="0">
@@ -605,15 +587,15 @@
       <a:buClr>
         <a:srgbClr val="000000"/>
       </a:buClr>
-      <a:buFont typeface="Arial"/>
+      <a:buFont typeface="Arial" panose="020B0604020202020204"/>
       <a:defRPr sz="1400" b="0" i="0" u="none" strike="noStrike" cap="none">
         <a:solidFill>
           <a:srgbClr val="000000"/>
         </a:solidFill>
-        <a:latin typeface="Arial"/>
-        <a:ea typeface="Arial"/>
-        <a:cs typeface="Arial"/>
-        <a:sym typeface="Arial"/>
+        <a:latin typeface="Arial" panose="020B0604020202020204"/>
+        <a:ea typeface="Arial" panose="020B0604020202020204"/>
+        <a:cs typeface="Arial" panose="020B0604020202020204"/>
+        <a:sym typeface="Arial" panose="020B0604020202020204"/>
       </a:defRPr>
     </a:lvl4pPr>
     <a:lvl5pPr marR="0" lvl="4" algn="l" rtl="0">
@@ -629,15 +611,15 @@
       <a:buClr>
         <a:srgbClr val="000000"/>
       </a:buClr>
-      <a:buFont typeface="Arial"/>
+      <a:buFont typeface="Arial" panose="020B0604020202020204"/>
       <a:defRPr sz="1400" b="0" i="0" u="none" strike="noStrike" cap="none">
         <a:solidFill>
           <a:srgbClr val="000000"/>
         </a:solidFill>
-        <a:latin typeface="Arial"/>
-        <a:ea typeface="Arial"/>
-        <a:cs typeface="Arial"/>
-        <a:sym typeface="Arial"/>
+        <a:latin typeface="Arial" panose="020B0604020202020204"/>
+        <a:ea typeface="Arial" panose="020B0604020202020204"/>
+        <a:cs typeface="Arial" panose="020B0604020202020204"/>
+        <a:sym typeface="Arial" panose="020B0604020202020204"/>
       </a:defRPr>
     </a:lvl5pPr>
     <a:lvl6pPr marR="0" lvl="5" algn="l" rtl="0">
@@ -653,15 +635,15 @@
       <a:buClr>
         <a:srgbClr val="000000"/>
       </a:buClr>
-      <a:buFont typeface="Arial"/>
+      <a:buFont typeface="Arial" panose="020B0604020202020204"/>
       <a:defRPr sz="1400" b="0" i="0" u="none" strike="noStrike" cap="none">
         <a:solidFill>
           <a:srgbClr val="000000"/>
         </a:solidFill>
-        <a:latin typeface="Arial"/>
-        <a:ea typeface="Arial"/>
-        <a:cs typeface="Arial"/>
-        <a:sym typeface="Arial"/>
+        <a:latin typeface="Arial" panose="020B0604020202020204"/>
+        <a:ea typeface="Arial" panose="020B0604020202020204"/>
+        <a:cs typeface="Arial" panose="020B0604020202020204"/>
+        <a:sym typeface="Arial" panose="020B0604020202020204"/>
       </a:defRPr>
     </a:lvl6pPr>
     <a:lvl7pPr marR="0" lvl="6" algn="l" rtl="0">
@@ -677,15 +659,15 @@
       <a:buClr>
         <a:srgbClr val="000000"/>
       </a:buClr>
-      <a:buFont typeface="Arial"/>
+      <a:buFont typeface="Arial" panose="020B0604020202020204"/>
       <a:defRPr sz="1400" b="0" i="0" u="none" strike="noStrike" cap="none">
         <a:solidFill>
           <a:srgbClr val="000000"/>
         </a:solidFill>
-        <a:latin typeface="Arial"/>
-        <a:ea typeface="Arial"/>
-        <a:cs typeface="Arial"/>
-        <a:sym typeface="Arial"/>
+        <a:latin typeface="Arial" panose="020B0604020202020204"/>
+        <a:ea typeface="Arial" panose="020B0604020202020204"/>
+        <a:cs typeface="Arial" panose="020B0604020202020204"/>
+        <a:sym typeface="Arial" panose="020B0604020202020204"/>
       </a:defRPr>
     </a:lvl7pPr>
     <a:lvl8pPr marR="0" lvl="7" algn="l" rtl="0">
@@ -701,15 +683,15 @@
       <a:buClr>
         <a:srgbClr val="000000"/>
       </a:buClr>
-      <a:buFont typeface="Arial"/>
+      <a:buFont typeface="Arial" panose="020B0604020202020204"/>
       <a:defRPr sz="1400" b="0" i="0" u="none" strike="noStrike" cap="none">
         <a:solidFill>
           <a:srgbClr val="000000"/>
         </a:solidFill>
-        <a:latin typeface="Arial"/>
-        <a:ea typeface="Arial"/>
-        <a:cs typeface="Arial"/>
-        <a:sym typeface="Arial"/>
+        <a:latin typeface="Arial" panose="020B0604020202020204"/>
+        <a:ea typeface="Arial" panose="020B0604020202020204"/>
+        <a:cs typeface="Arial" panose="020B0604020202020204"/>
+        <a:sym typeface="Arial" panose="020B0604020202020204"/>
       </a:defRPr>
     </a:lvl8pPr>
     <a:lvl9pPr marR="0" lvl="8" algn="l" rtl="0">
@@ -725,15 +707,15 @@
       <a:buClr>
         <a:srgbClr val="000000"/>
       </a:buClr>
-      <a:buFont typeface="Arial"/>
+      <a:buFont typeface="Arial" panose="020B0604020202020204"/>
       <a:defRPr sz="1400" b="0" i="0" u="none" strike="noStrike" cap="none">
         <a:solidFill>
           <a:srgbClr val="000000"/>
         </a:solidFill>
-        <a:latin typeface="Arial"/>
-        <a:ea typeface="Arial"/>
-        <a:cs typeface="Arial"/>
-        <a:sym typeface="Arial"/>
+        <a:latin typeface="Arial" panose="020B0604020202020204"/>
+        <a:ea typeface="Arial" panose="020B0604020202020204"/>
+        <a:cs typeface="Arial" panose="020B0604020202020204"/>
+        <a:sym typeface="Arial" panose="020B0604020202020204"/>
       </a:defRPr>
     </a:lvl9pPr>
   </p:notesStyle>
@@ -741,7 +723,7 @@
 </file>
 
 <file path=ppt/notesSlides/notesSlide1.xml><?xml version="1.0" encoding="utf-8"?>
-<p:notes xmlns:a="http://schemas.openxmlformats.org/drawingml/2006/main" xmlns:r="http://schemas.openxmlformats.org/officeDocument/2006/relationships" xmlns:p="http://schemas.openxmlformats.org/presentationml/2006/main" showMasterSp="0" showMasterPhAnim="0">
+<p:notes xmlns:a="http://schemas.openxmlformats.org/drawingml/2006/main" xmlns:r="http://schemas.openxmlformats.org/officeDocument/2006/relationships" xmlns:p="http://schemas.openxmlformats.org/presentationml/2006/main" showMasterPhAnim="0" showMasterSp="0">
   <p:cSld>
     <p:spTree>
       <p:nvGrpSpPr>
@@ -832,16 +814,10 @@
               </a:spcAft>
               <a:buNone/>
             </a:pPr>
-            <a:endParaRPr/>
           </a:p>
         </p:txBody>
       </p:sp>
     </p:spTree>
-    <p:extLst>
-      <p:ext uri="{BB962C8B-B14F-4D97-AF65-F5344CB8AC3E}">
-        <p14:creationId xmlns:p14="http://schemas.microsoft.com/office/powerpoint/2010/main" val="564370557"/>
-      </p:ext>
-    </p:extLst>
   </p:cSld>
   <p:clrMapOvr>
     <a:masterClrMapping/>
@@ -850,7 +826,7 @@
 </file>
 
 <file path=ppt/notesSlides/notesSlide2.xml><?xml version="1.0" encoding="utf-8"?>
-<p:notes xmlns:a="http://schemas.openxmlformats.org/drawingml/2006/main" xmlns:r="http://schemas.openxmlformats.org/officeDocument/2006/relationships" xmlns:p="http://schemas.openxmlformats.org/presentationml/2006/main" showMasterSp="0" showMasterPhAnim="0">
+<p:notes xmlns:a="http://schemas.openxmlformats.org/drawingml/2006/main" xmlns:r="http://schemas.openxmlformats.org/officeDocument/2006/relationships" xmlns:p="http://schemas.openxmlformats.org/presentationml/2006/main" showMasterPhAnim="0" showMasterSp="0">
   <p:cSld>
     <p:spTree>
       <p:nvGrpSpPr>
@@ -941,16 +917,10 @@
               </a:spcAft>
               <a:buNone/>
             </a:pPr>
-            <a:endParaRPr/>
           </a:p>
         </p:txBody>
       </p:sp>
     </p:spTree>
-    <p:extLst>
-      <p:ext uri="{BB962C8B-B14F-4D97-AF65-F5344CB8AC3E}">
-        <p14:creationId xmlns:p14="http://schemas.microsoft.com/office/powerpoint/2010/main" val="1043663988"/>
-      </p:ext>
-    </p:extLst>
   </p:cSld>
   <p:clrMapOvr>
     <a:masterClrMapping/>
@@ -959,7 +929,7 @@
 </file>
 
 <file path=ppt/notesSlides/notesSlide3.xml><?xml version="1.0" encoding="utf-8"?>
-<p:notes xmlns:a="http://schemas.openxmlformats.org/drawingml/2006/main" xmlns:r="http://schemas.openxmlformats.org/officeDocument/2006/relationships" xmlns:p="http://schemas.openxmlformats.org/presentationml/2006/main" showMasterSp="0" showMasterPhAnim="0">
+<p:notes xmlns:a="http://schemas.openxmlformats.org/drawingml/2006/main" xmlns:r="http://schemas.openxmlformats.org/officeDocument/2006/relationships" xmlns:p="http://schemas.openxmlformats.org/presentationml/2006/main" showMasterPhAnim="0" showMasterSp="0">
   <p:cSld>
     <p:spTree>
       <p:nvGrpSpPr>
@@ -1050,16 +1020,10 @@
               </a:spcAft>
               <a:buNone/>
             </a:pPr>
-            <a:endParaRPr/>
           </a:p>
         </p:txBody>
       </p:sp>
     </p:spTree>
-    <p:extLst>
-      <p:ext uri="{BB962C8B-B14F-4D97-AF65-F5344CB8AC3E}">
-        <p14:creationId xmlns:p14="http://schemas.microsoft.com/office/powerpoint/2010/main" val="4025354336"/>
-      </p:ext>
-    </p:extLst>
   </p:cSld>
   <p:clrMapOvr>
     <a:masterClrMapping/>
@@ -1068,7 +1032,7 @@
 </file>
 
 <file path=ppt/notesSlides/notesSlide4.xml><?xml version="1.0" encoding="utf-8"?>
-<p:notes xmlns:a="http://schemas.openxmlformats.org/drawingml/2006/main" xmlns:r="http://schemas.openxmlformats.org/officeDocument/2006/relationships" xmlns:p="http://schemas.openxmlformats.org/presentationml/2006/main" showMasterSp="0" showMasterPhAnim="0">
+<p:notes xmlns:a="http://schemas.openxmlformats.org/drawingml/2006/main" xmlns:r="http://schemas.openxmlformats.org/officeDocument/2006/relationships" xmlns:p="http://schemas.openxmlformats.org/presentationml/2006/main" showMasterPhAnim="0" showMasterSp="0">
   <p:cSld>
     <p:spTree>
       <p:nvGrpSpPr>
@@ -1159,16 +1123,10 @@
               </a:spcAft>
               <a:buNone/>
             </a:pPr>
-            <a:endParaRPr/>
           </a:p>
         </p:txBody>
       </p:sp>
     </p:spTree>
-    <p:extLst>
-      <p:ext uri="{BB962C8B-B14F-4D97-AF65-F5344CB8AC3E}">
-        <p14:creationId xmlns:p14="http://schemas.microsoft.com/office/powerpoint/2010/main" val="2456480164"/>
-      </p:ext>
-    </p:extLst>
   </p:cSld>
   <p:clrMapOvr>
     <a:masterClrMapping/>
@@ -1177,7 +1135,7 @@
 </file>
 
 <file path=ppt/notesSlides/notesSlide5.xml><?xml version="1.0" encoding="utf-8"?>
-<p:notes xmlns:a="http://schemas.openxmlformats.org/drawingml/2006/main" xmlns:r="http://schemas.openxmlformats.org/officeDocument/2006/relationships" xmlns:p="http://schemas.openxmlformats.org/presentationml/2006/main" showMasterSp="0" showMasterPhAnim="0">
+<p:notes xmlns:a="http://schemas.openxmlformats.org/drawingml/2006/main" xmlns:r="http://schemas.openxmlformats.org/officeDocument/2006/relationships" xmlns:p="http://schemas.openxmlformats.org/presentationml/2006/main" showMasterPhAnim="0" showMasterSp="0">
   <p:cSld>
     <p:spTree>
       <p:nvGrpSpPr>
@@ -1268,16 +1226,10 @@
               </a:spcAft>
               <a:buNone/>
             </a:pPr>
-            <a:endParaRPr/>
           </a:p>
         </p:txBody>
       </p:sp>
     </p:spTree>
-    <p:extLst>
-      <p:ext uri="{BB962C8B-B14F-4D97-AF65-F5344CB8AC3E}">
-        <p14:creationId xmlns:p14="http://schemas.microsoft.com/office/powerpoint/2010/main" val="1585695423"/>
-      </p:ext>
-    </p:extLst>
   </p:cSld>
   <p:clrMapOvr>
     <a:masterClrMapping/>
@@ -1286,7 +1238,7 @@
 </file>
 
 <file path=ppt/notesSlides/notesSlide6.xml><?xml version="1.0" encoding="utf-8"?>
-<p:notes xmlns:a="http://schemas.openxmlformats.org/drawingml/2006/main" xmlns:r="http://schemas.openxmlformats.org/officeDocument/2006/relationships" xmlns:p="http://schemas.openxmlformats.org/presentationml/2006/main" showMasterSp="0" showMasterPhAnim="0">
+<p:notes xmlns:a="http://schemas.openxmlformats.org/drawingml/2006/main" xmlns:r="http://schemas.openxmlformats.org/officeDocument/2006/relationships" xmlns:p="http://schemas.openxmlformats.org/presentationml/2006/main" showMasterPhAnim="0" showMasterSp="0">
   <p:cSld>
     <p:spTree>
       <p:nvGrpSpPr>
@@ -1377,16 +1329,10 @@
               </a:spcAft>
               <a:buNone/>
             </a:pPr>
-            <a:endParaRPr/>
           </a:p>
         </p:txBody>
       </p:sp>
     </p:spTree>
-    <p:extLst>
-      <p:ext uri="{BB962C8B-B14F-4D97-AF65-F5344CB8AC3E}">
-        <p14:creationId xmlns:p14="http://schemas.microsoft.com/office/powerpoint/2010/main" val="4291742704"/>
-      </p:ext>
-    </p:extLst>
   </p:cSld>
   <p:clrMapOvr>
     <a:masterClrMapping/>
@@ -1395,7 +1341,7 @@
 </file>
 
 <file path=ppt/notesSlides/notesSlide7.xml><?xml version="1.0" encoding="utf-8"?>
-<p:notes xmlns:a="http://schemas.openxmlformats.org/drawingml/2006/main" xmlns:r="http://schemas.openxmlformats.org/officeDocument/2006/relationships" xmlns:p="http://schemas.openxmlformats.org/presentationml/2006/main" showMasterSp="0" showMasterPhAnim="0">
+<p:notes xmlns:a="http://schemas.openxmlformats.org/drawingml/2006/main" xmlns:r="http://schemas.openxmlformats.org/officeDocument/2006/relationships" xmlns:p="http://schemas.openxmlformats.org/presentationml/2006/main" showMasterPhAnim="0" showMasterSp="0">
   <p:cSld>
     <p:spTree>
       <p:nvGrpSpPr>
@@ -1486,16 +1432,10 @@
               </a:spcAft>
               <a:buNone/>
             </a:pPr>
-            <a:endParaRPr/>
           </a:p>
         </p:txBody>
       </p:sp>
     </p:spTree>
-    <p:extLst>
-      <p:ext uri="{BB962C8B-B14F-4D97-AF65-F5344CB8AC3E}">
-        <p14:creationId xmlns:p14="http://schemas.microsoft.com/office/powerpoint/2010/main" val="3338231554"/>
-      </p:ext>
-    </p:extLst>
   </p:cSld>
   <p:clrMapOvr>
     <a:masterClrMapping/>
@@ -1504,7 +1444,7 @@
 </file>
 
 <file path=ppt/notesSlides/notesSlide8.xml><?xml version="1.0" encoding="utf-8"?>
-<p:notes xmlns:a="http://schemas.openxmlformats.org/drawingml/2006/main" xmlns:r="http://schemas.openxmlformats.org/officeDocument/2006/relationships" xmlns:p="http://schemas.openxmlformats.org/presentationml/2006/main" showMasterSp="0" showMasterPhAnim="0">
+<p:notes xmlns:a="http://schemas.openxmlformats.org/drawingml/2006/main" xmlns:r="http://schemas.openxmlformats.org/officeDocument/2006/relationships" xmlns:p="http://schemas.openxmlformats.org/presentationml/2006/main" showMasterPhAnim="0" showMasterSp="0">
   <p:cSld>
     <p:spTree>
       <p:nvGrpSpPr>
@@ -1595,16 +1535,10 @@
               </a:spcAft>
               <a:buNone/>
             </a:pPr>
-            <a:endParaRPr/>
           </a:p>
         </p:txBody>
       </p:sp>
     </p:spTree>
-    <p:extLst>
-      <p:ext uri="{BB962C8B-B14F-4D97-AF65-F5344CB8AC3E}">
-        <p14:creationId xmlns:p14="http://schemas.microsoft.com/office/powerpoint/2010/main" val="3338231554"/>
-      </p:ext>
-    </p:extLst>
   </p:cSld>
   <p:clrMapOvr>
     <a:masterClrMapping/>
@@ -1613,7 +1547,7 @@
 </file>
 
 <file path=ppt/notesSlides/notesSlide9.xml><?xml version="1.0" encoding="utf-8"?>
-<p:notes xmlns:a="http://schemas.openxmlformats.org/drawingml/2006/main" xmlns:r="http://schemas.openxmlformats.org/officeDocument/2006/relationships" xmlns:p="http://schemas.openxmlformats.org/presentationml/2006/main" showMasterSp="0" showMasterPhAnim="0">
+<p:notes xmlns:a="http://schemas.openxmlformats.org/drawingml/2006/main" xmlns:r="http://schemas.openxmlformats.org/officeDocument/2006/relationships" xmlns:p="http://schemas.openxmlformats.org/presentationml/2006/main" showMasterPhAnim="0" showMasterSp="0">
   <p:cSld>
     <p:spTree>
       <p:nvGrpSpPr>
@@ -1704,16 +1638,10 @@
               </a:spcAft>
               <a:buNone/>
             </a:pPr>
-            <a:endParaRPr/>
           </a:p>
         </p:txBody>
       </p:sp>
     </p:spTree>
-    <p:extLst>
-      <p:ext uri="{BB962C8B-B14F-4D97-AF65-F5344CB8AC3E}">
-        <p14:creationId xmlns:p14="http://schemas.microsoft.com/office/powerpoint/2010/main" val="1774226383"/>
-      </p:ext>
-    </p:extLst>
   </p:cSld>
   <p:clrMapOvr>
     <a:masterClrMapping/>
@@ -1722,7 +1650,7 @@
 </file>
 
 <file path=ppt/slideLayouts/slideLayout1.xml><?xml version="1.0" encoding="utf-8"?>
-<p:sldLayout xmlns:a="http://schemas.openxmlformats.org/drawingml/2006/main" xmlns:r="http://schemas.openxmlformats.org/officeDocument/2006/relationships" xmlns:p="http://schemas.openxmlformats.org/presentationml/2006/main" matchingName="Title slide" type="title">
+<p:sldLayout xmlns:a="http://schemas.openxmlformats.org/drawingml/2006/main" xmlns:r="http://schemas.openxmlformats.org/officeDocument/2006/relationships" xmlns:p="http://schemas.openxmlformats.org/presentationml/2006/main" type="title" matchingName="Title slide">
   <p:cSld name="TITLE">
     <p:bg>
       <p:bgPr>
@@ -1901,9 +1829,7 @@
               <a:defRPr sz="1800"/>
             </a:lvl9pPr>
           </a:lstStyle>
-          <a:p>
-            <a:endParaRPr/>
-          </a:p>
+          <a:p/>
         </p:txBody>
       </p:sp>
       <p:sp>
@@ -2093,9 +2019,7 @@
               </a:defRPr>
             </a:lvl9pPr>
           </a:lstStyle>
-          <a:p>
-            <a:endParaRPr/>
-          </a:p>
+          <a:p/>
         </p:txBody>
       </p:sp>
       <p:sp>
@@ -2285,9 +2209,7 @@
               </a:defRPr>
             </a:lvl9pPr>
           </a:lstStyle>
-          <a:p>
-            <a:endParaRPr/>
-          </a:p>
+          <a:p/>
         </p:txBody>
       </p:sp>
       <p:sp>
@@ -2386,7 +2308,6 @@
               </a:spcAft>
               <a:buNone/>
             </a:pPr>
-            <a:endParaRPr/>
           </a:p>
         </p:txBody>
       </p:sp>
@@ -2486,7 +2407,6 @@
               </a:spcAft>
               <a:buNone/>
             </a:pPr>
-            <a:endParaRPr/>
           </a:p>
         </p:txBody>
       </p:sp>
@@ -2528,7 +2448,6 @@
               </a:spcAft>
               <a:buNone/>
             </a:pPr>
-            <a:endParaRPr/>
           </a:p>
         </p:txBody>
       </p:sp>
@@ -2649,7 +2568,6 @@
               </a:spcAft>
               <a:buNone/>
             </a:pPr>
-            <a:endParaRPr/>
           </a:p>
         </p:txBody>
       </p:sp>
@@ -2759,7 +2677,6 @@
                 </a:spcAft>
                 <a:buNone/>
               </a:pPr>
-              <a:endParaRPr/>
             </a:p>
           </p:txBody>
         </p:sp>
@@ -2849,7 +2766,6 @@
                 </a:spcAft>
                 <a:buNone/>
               </a:pPr>
-              <a:endParaRPr/>
             </a:p>
           </p:txBody>
         </p:sp>
@@ -2962,7 +2878,6 @@
                 </a:spcAft>
                 <a:buNone/>
               </a:pPr>
-              <a:endParaRPr/>
             </a:p>
           </p:txBody>
         </p:sp>
@@ -3069,7 +2984,6 @@
                 </a:spcAft>
                 <a:buNone/>
               </a:pPr>
-              <a:endParaRPr/>
             </a:p>
           </p:txBody>
         </p:sp>
@@ -3133,7 +3047,6 @@
                 </a:spcAft>
                 <a:buNone/>
               </a:pPr>
-              <a:endParaRPr/>
             </a:p>
           </p:txBody>
         </p:sp>
@@ -3194,7 +3107,6 @@
                 </a:spcAft>
                 <a:buNone/>
               </a:pPr>
-              <a:endParaRPr/>
             </a:p>
           </p:txBody>
         </p:sp>
@@ -3282,7 +3194,6 @@
                 </a:spcAft>
                 <a:buNone/>
               </a:pPr>
-              <a:endParaRPr/>
             </a:p>
           </p:txBody>
         </p:sp>
@@ -3431,7 +3342,6 @@
                 </a:spcAft>
                 <a:buNone/>
               </a:pPr>
-              <a:endParaRPr/>
             </a:p>
           </p:txBody>
         </p:sp>
@@ -3516,7 +3426,6 @@
                 </a:spcAft>
                 <a:buNone/>
               </a:pPr>
-              <a:endParaRPr/>
             </a:p>
           </p:txBody>
         </p:sp>
@@ -3674,7 +3583,6 @@
                 </a:spcAft>
                 <a:buNone/>
               </a:pPr>
-              <a:endParaRPr/>
             </a:p>
           </p:txBody>
         </p:sp>
@@ -3759,7 +3667,6 @@
                 </a:spcAft>
                 <a:buNone/>
               </a:pPr>
-              <a:endParaRPr/>
             </a:p>
           </p:txBody>
         </p:sp>
@@ -3841,7 +3748,6 @@
                 </a:spcAft>
                 <a:buNone/>
               </a:pPr>
-              <a:endParaRPr/>
             </a:p>
           </p:txBody>
         </p:sp>
@@ -3951,7 +3857,6 @@
                 </a:spcAft>
                 <a:buNone/>
               </a:pPr>
-              <a:endParaRPr/>
             </a:p>
           </p:txBody>
         </p:sp>
@@ -4039,7 +3944,6 @@
                 </a:spcAft>
                 <a:buNone/>
               </a:pPr>
-              <a:endParaRPr/>
             </a:p>
           </p:txBody>
         </p:sp>
@@ -4154,7 +4058,6 @@
                 </a:spcAft>
                 <a:buNone/>
               </a:pPr>
-              <a:endParaRPr/>
             </a:p>
           </p:txBody>
         </p:sp>
@@ -4229,7 +4132,6 @@
                 </a:spcAft>
                 <a:buNone/>
               </a:pPr>
-              <a:endParaRPr/>
             </a:p>
           </p:txBody>
         </p:sp>
@@ -4302,7 +4204,6 @@
                 </a:spcAft>
                 <a:buNone/>
               </a:pPr>
-              <a:endParaRPr/>
             </a:p>
           </p:txBody>
         </p:sp>
@@ -4440,7 +4341,6 @@
                 </a:spcAft>
                 <a:buNone/>
               </a:pPr>
-              <a:endParaRPr/>
             </a:p>
           </p:txBody>
         </p:sp>
@@ -4518,7 +4418,6 @@
                 </a:spcAft>
                 <a:buNone/>
               </a:pPr>
-              <a:endParaRPr/>
             </a:p>
           </p:txBody>
         </p:sp>
@@ -4582,7 +4481,6 @@
                 </a:spcAft>
                 <a:buNone/>
               </a:pPr>
-              <a:endParaRPr/>
             </a:p>
           </p:txBody>
         </p:sp>
@@ -4646,7 +4544,6 @@
                 </a:spcAft>
                 <a:buNone/>
               </a:pPr>
-              <a:endParaRPr/>
             </a:p>
           </p:txBody>
         </p:sp>
@@ -4710,7 +4607,6 @@
                 </a:spcAft>
                 <a:buNone/>
               </a:pPr>
-              <a:endParaRPr/>
             </a:p>
           </p:txBody>
         </p:sp>
@@ -4774,7 +4670,6 @@
                 </a:spcAft>
                 <a:buNone/>
               </a:pPr>
-              <a:endParaRPr/>
             </a:p>
           </p:txBody>
         </p:sp>
@@ -4838,7 +4733,6 @@
                 </a:spcAft>
                 <a:buNone/>
               </a:pPr>
-              <a:endParaRPr/>
             </a:p>
           </p:txBody>
         </p:sp>
@@ -4961,7 +4855,6 @@
                 </a:spcAft>
                 <a:buNone/>
               </a:pPr>
-              <a:endParaRPr/>
             </a:p>
           </p:txBody>
         </p:sp>
@@ -5025,7 +4918,6 @@
                 </a:spcAft>
                 <a:buNone/>
               </a:pPr>
-              <a:endParaRPr/>
             </a:p>
           </p:txBody>
         </p:sp>
@@ -5089,7 +4981,6 @@
                 </a:spcAft>
                 <a:buNone/>
               </a:pPr>
-              <a:endParaRPr/>
             </a:p>
           </p:txBody>
         </p:sp>
@@ -5153,7 +5044,6 @@
                 </a:spcAft>
                 <a:buNone/>
               </a:pPr>
-              <a:endParaRPr/>
             </a:p>
           </p:txBody>
         </p:sp>
@@ -5247,7 +5137,6 @@
                 </a:spcAft>
                 <a:buNone/>
               </a:pPr>
-              <a:endParaRPr/>
             </a:p>
           </p:txBody>
         </p:sp>
@@ -5335,7 +5224,6 @@
                 </a:spcAft>
                 <a:buNone/>
               </a:pPr>
-              <a:endParaRPr/>
             </a:p>
           </p:txBody>
         </p:sp>
@@ -5411,7 +5299,6 @@
                 </a:spcAft>
                 <a:buNone/>
               </a:pPr>
-              <a:endParaRPr/>
             </a:p>
           </p:txBody>
         </p:sp>
@@ -5493,7 +5380,6 @@
                 </a:spcAft>
                 <a:buNone/>
               </a:pPr>
-              <a:endParaRPr/>
             </a:p>
           </p:txBody>
         </p:sp>
@@ -5813,9 +5699,7 @@
               <a:defRPr/>
             </a:lvl9pPr>
           </a:lstStyle>
-          <a:p>
-            <a:endParaRPr/>
-          </a:p>
+          <a:p/>
         </p:txBody>
       </p:sp>
     </p:spTree>
@@ -5827,7 +5711,7 @@
 </file>
 
 <file path=ppt/slideLayouts/slideLayout11.xml><?xml version="1.0" encoding="utf-8"?>
-<p:sldLayout xmlns:a="http://schemas.openxmlformats.org/drawingml/2006/main" xmlns:r="http://schemas.openxmlformats.org/officeDocument/2006/relationships" xmlns:p="http://schemas.openxmlformats.org/presentationml/2006/main" matchingName="Blank" type="blank">
+<p:sldLayout xmlns:a="http://schemas.openxmlformats.org/drawingml/2006/main" xmlns:r="http://schemas.openxmlformats.org/officeDocument/2006/relationships" xmlns:p="http://schemas.openxmlformats.org/presentationml/2006/main" type="blank" matchingName="Blank">
   <p:cSld name="BLANK">
     <p:bg>
       <p:bgPr>
@@ -5858,7 +5742,7 @@
 </file>
 
 <file path=ppt/slideLayouts/slideLayout2.xml><?xml version="1.0" encoding="utf-8"?>
-<p:sldLayout xmlns:a="http://schemas.openxmlformats.org/drawingml/2006/main" xmlns:r="http://schemas.openxmlformats.org/officeDocument/2006/relationships" xmlns:p="http://schemas.openxmlformats.org/presentationml/2006/main" matchingName="Section header" type="secHead">
+<p:sldLayout xmlns:a="http://schemas.openxmlformats.org/drawingml/2006/main" xmlns:r="http://schemas.openxmlformats.org/officeDocument/2006/relationships" xmlns:p="http://schemas.openxmlformats.org/presentationml/2006/main" type="secHead" matchingName="Section header">
   <p:cSld name="SECTION_HEADER">
     <p:spTree>
       <p:nvGrpSpPr>
@@ -5998,9 +5882,7 @@
               <a:defRPr sz="3600"/>
             </a:lvl9pPr>
           </a:lstStyle>
-          <a:p>
-            <a:endParaRPr/>
-          </a:p>
+          <a:p/>
         </p:txBody>
       </p:sp>
       <p:sp>
@@ -6293,9 +6175,7 @@
               <a:defRPr/>
             </a:lvl9pPr>
           </a:lstStyle>
-          <a:p>
-            <a:endParaRPr/>
-          </a:p>
+          <a:p/>
         </p:txBody>
       </p:sp>
     </p:spTree>
@@ -6307,7 +6187,7 @@
 </file>
 
 <file path=ppt/slideLayouts/slideLayout3.xml><?xml version="1.0" encoding="utf-8"?>
-<p:sldLayout xmlns:a="http://schemas.openxmlformats.org/drawingml/2006/main" xmlns:r="http://schemas.openxmlformats.org/officeDocument/2006/relationships" xmlns:p="http://schemas.openxmlformats.org/presentationml/2006/main" matchingName="Title and body" type="tx">
+<p:sldLayout xmlns:a="http://schemas.openxmlformats.org/drawingml/2006/main" xmlns:r="http://schemas.openxmlformats.org/officeDocument/2006/relationships" xmlns:p="http://schemas.openxmlformats.org/presentationml/2006/main" type="tx" matchingName="Title and body">
   <p:cSld name="TITLE_AND_BODY">
     <p:bg>
       <p:bgPr>
@@ -6373,7 +6253,6 @@
               </a:spcAft>
               <a:buNone/>
             </a:pPr>
-            <a:endParaRPr/>
           </a:p>
         </p:txBody>
       </p:sp>
@@ -6413,7 +6292,6 @@
               </a:spcAft>
               <a:buNone/>
             </a:pPr>
-            <a:endParaRPr/>
           </a:p>
         </p:txBody>
       </p:sp>
@@ -6455,10 +6333,10 @@
               <a:solidFill>
                 <a:srgbClr val="434343"/>
               </a:solidFill>
-              <a:latin typeface="Mukta"/>
-              <a:ea typeface="Mukta"/>
-              <a:cs typeface="Mukta"/>
-              <a:sym typeface="Mukta"/>
+              <a:latin typeface="Mukta" panose="020B0000000000000000"/>
+              <a:ea typeface="Mukta" panose="020B0000000000000000"/>
+              <a:cs typeface="Mukta" panose="020B0000000000000000"/>
+              <a:sym typeface="Mukta" panose="020B0000000000000000"/>
             </a:endParaRPr>
           </a:p>
         </p:txBody>
@@ -6677,9 +6555,7 @@
               </a:defRPr>
             </a:lvl9pPr>
           </a:lstStyle>
-          <a:p>
-            <a:endParaRPr/>
-          </a:p>
+          <a:p/>
         </p:txBody>
       </p:sp>
       <p:sp>
@@ -6806,9 +6682,7 @@
               <a:defRPr/>
             </a:lvl9pPr>
           </a:lstStyle>
-          <a:p>
-            <a:endParaRPr/>
-          </a:p>
+          <a:p/>
         </p:txBody>
       </p:sp>
     </p:spTree>
@@ -6820,7 +6694,7 @@
 </file>
 
 <file path=ppt/slideLayouts/slideLayout4.xml><?xml version="1.0" encoding="utf-8"?>
-<p:sldLayout xmlns:a="http://schemas.openxmlformats.org/drawingml/2006/main" xmlns:r="http://schemas.openxmlformats.org/officeDocument/2006/relationships" xmlns:p="http://schemas.openxmlformats.org/presentationml/2006/main" matchingName="Title and two columns" type="twoColTx">
+<p:sldLayout xmlns:a="http://schemas.openxmlformats.org/drawingml/2006/main" xmlns:r="http://schemas.openxmlformats.org/officeDocument/2006/relationships" xmlns:p="http://schemas.openxmlformats.org/presentationml/2006/main" type="twoColTx" matchingName="Title and two columns">
   <p:cSld name="TITLE_AND_TWO_COLUMNS">
     <p:spTree>
       <p:nvGrpSpPr>
@@ -6875,13 +6749,13 @@
                 <a:spcPts val="0"/>
               </a:spcAft>
               <a:buSzPts val="2000"/>
-              <a:buFont typeface="Fira Sans Condensed"/>
+              <a:buFont typeface="Fira Sans Condensed" panose="020B0503050000020004"/>
               <a:buNone/>
               <a:defRPr sz="2000" b="1">
-                <a:latin typeface="Fira Sans Condensed"/>
-                <a:ea typeface="Fira Sans Condensed"/>
-                <a:cs typeface="Fira Sans Condensed"/>
-                <a:sym typeface="Fira Sans Condensed"/>
+                <a:latin typeface="Fira Sans Condensed" panose="020B0503050000020004"/>
+                <a:ea typeface="Fira Sans Condensed" panose="020B0503050000020004"/>
+                <a:cs typeface="Fira Sans Condensed" panose="020B0503050000020004"/>
+                <a:sym typeface="Fira Sans Condensed" panose="020B0503050000020004"/>
               </a:defRPr>
             </a:lvl1pPr>
             <a:lvl2pPr lvl="1" algn="ctr">
@@ -6895,13 +6769,13 @@
                 <a:spcPts val="0"/>
               </a:spcAft>
               <a:buSzPts val="2000"/>
-              <a:buFont typeface="Fira Sans Condensed"/>
+              <a:buFont typeface="Fira Sans Condensed" panose="020B0503050000020004"/>
               <a:buNone/>
               <a:defRPr sz="2000" b="1">
-                <a:latin typeface="Fira Sans Condensed"/>
-                <a:ea typeface="Fira Sans Condensed"/>
-                <a:cs typeface="Fira Sans Condensed"/>
-                <a:sym typeface="Fira Sans Condensed"/>
+                <a:latin typeface="Fira Sans Condensed" panose="020B0503050000020004"/>
+                <a:ea typeface="Fira Sans Condensed" panose="020B0503050000020004"/>
+                <a:cs typeface="Fira Sans Condensed" panose="020B0503050000020004"/>
+                <a:sym typeface="Fira Sans Condensed" panose="020B0503050000020004"/>
               </a:defRPr>
             </a:lvl2pPr>
             <a:lvl3pPr lvl="2" algn="ctr">
@@ -6915,13 +6789,13 @@
                 <a:spcPts val="0"/>
               </a:spcAft>
               <a:buSzPts val="2000"/>
-              <a:buFont typeface="Fira Sans Condensed"/>
+              <a:buFont typeface="Fira Sans Condensed" panose="020B0503050000020004"/>
               <a:buNone/>
               <a:defRPr sz="2000" b="1">
-                <a:latin typeface="Fira Sans Condensed"/>
-                <a:ea typeface="Fira Sans Condensed"/>
-                <a:cs typeface="Fira Sans Condensed"/>
-                <a:sym typeface="Fira Sans Condensed"/>
+                <a:latin typeface="Fira Sans Condensed" panose="020B0503050000020004"/>
+                <a:ea typeface="Fira Sans Condensed" panose="020B0503050000020004"/>
+                <a:cs typeface="Fira Sans Condensed" panose="020B0503050000020004"/>
+                <a:sym typeface="Fira Sans Condensed" panose="020B0503050000020004"/>
               </a:defRPr>
             </a:lvl3pPr>
             <a:lvl4pPr lvl="3" algn="ctr">
@@ -6935,13 +6809,13 @@
                 <a:spcPts val="0"/>
               </a:spcAft>
               <a:buSzPts val="2000"/>
-              <a:buFont typeface="Fira Sans Condensed"/>
+              <a:buFont typeface="Fira Sans Condensed" panose="020B0503050000020004"/>
               <a:buNone/>
               <a:defRPr sz="2000" b="1">
-                <a:latin typeface="Fira Sans Condensed"/>
-                <a:ea typeface="Fira Sans Condensed"/>
-                <a:cs typeface="Fira Sans Condensed"/>
-                <a:sym typeface="Fira Sans Condensed"/>
+                <a:latin typeface="Fira Sans Condensed" panose="020B0503050000020004"/>
+                <a:ea typeface="Fira Sans Condensed" panose="020B0503050000020004"/>
+                <a:cs typeface="Fira Sans Condensed" panose="020B0503050000020004"/>
+                <a:sym typeface="Fira Sans Condensed" panose="020B0503050000020004"/>
               </a:defRPr>
             </a:lvl4pPr>
             <a:lvl5pPr lvl="4" algn="ctr">
@@ -6955,13 +6829,13 @@
                 <a:spcPts val="0"/>
               </a:spcAft>
               <a:buSzPts val="2000"/>
-              <a:buFont typeface="Fira Sans Condensed"/>
+              <a:buFont typeface="Fira Sans Condensed" panose="020B0503050000020004"/>
               <a:buNone/>
               <a:defRPr sz="2000" b="1">
-                <a:latin typeface="Fira Sans Condensed"/>
-                <a:ea typeface="Fira Sans Condensed"/>
-                <a:cs typeface="Fira Sans Condensed"/>
-                <a:sym typeface="Fira Sans Condensed"/>
+                <a:latin typeface="Fira Sans Condensed" panose="020B0503050000020004"/>
+                <a:ea typeface="Fira Sans Condensed" panose="020B0503050000020004"/>
+                <a:cs typeface="Fira Sans Condensed" panose="020B0503050000020004"/>
+                <a:sym typeface="Fira Sans Condensed" panose="020B0503050000020004"/>
               </a:defRPr>
             </a:lvl5pPr>
             <a:lvl6pPr lvl="5" algn="ctr">
@@ -6975,13 +6849,13 @@
                 <a:spcPts val="0"/>
               </a:spcAft>
               <a:buSzPts val="2000"/>
-              <a:buFont typeface="Fira Sans Condensed"/>
+              <a:buFont typeface="Fira Sans Condensed" panose="020B0503050000020004"/>
               <a:buNone/>
               <a:defRPr sz="2000" b="1">
-                <a:latin typeface="Fira Sans Condensed"/>
-                <a:ea typeface="Fira Sans Condensed"/>
-                <a:cs typeface="Fira Sans Condensed"/>
-                <a:sym typeface="Fira Sans Condensed"/>
+                <a:latin typeface="Fira Sans Condensed" panose="020B0503050000020004"/>
+                <a:ea typeface="Fira Sans Condensed" panose="020B0503050000020004"/>
+                <a:cs typeface="Fira Sans Condensed" panose="020B0503050000020004"/>
+                <a:sym typeface="Fira Sans Condensed" panose="020B0503050000020004"/>
               </a:defRPr>
             </a:lvl6pPr>
             <a:lvl7pPr lvl="6" algn="ctr">
@@ -6995,13 +6869,13 @@
                 <a:spcPts val="0"/>
               </a:spcAft>
               <a:buSzPts val="2000"/>
-              <a:buFont typeface="Fira Sans Condensed"/>
+              <a:buFont typeface="Fira Sans Condensed" panose="020B0503050000020004"/>
               <a:buNone/>
               <a:defRPr sz="2000" b="1">
-                <a:latin typeface="Fira Sans Condensed"/>
-                <a:ea typeface="Fira Sans Condensed"/>
-                <a:cs typeface="Fira Sans Condensed"/>
-                <a:sym typeface="Fira Sans Condensed"/>
+                <a:latin typeface="Fira Sans Condensed" panose="020B0503050000020004"/>
+                <a:ea typeface="Fira Sans Condensed" panose="020B0503050000020004"/>
+                <a:cs typeface="Fira Sans Condensed" panose="020B0503050000020004"/>
+                <a:sym typeface="Fira Sans Condensed" panose="020B0503050000020004"/>
               </a:defRPr>
             </a:lvl7pPr>
             <a:lvl8pPr lvl="7" algn="ctr">
@@ -7015,13 +6889,13 @@
                 <a:spcPts val="0"/>
               </a:spcAft>
               <a:buSzPts val="2000"/>
-              <a:buFont typeface="Fira Sans Condensed"/>
+              <a:buFont typeface="Fira Sans Condensed" panose="020B0503050000020004"/>
               <a:buNone/>
               <a:defRPr sz="2000" b="1">
-                <a:latin typeface="Fira Sans Condensed"/>
-                <a:ea typeface="Fira Sans Condensed"/>
-                <a:cs typeface="Fira Sans Condensed"/>
-                <a:sym typeface="Fira Sans Condensed"/>
+                <a:latin typeface="Fira Sans Condensed" panose="020B0503050000020004"/>
+                <a:ea typeface="Fira Sans Condensed" panose="020B0503050000020004"/>
+                <a:cs typeface="Fira Sans Condensed" panose="020B0503050000020004"/>
+                <a:sym typeface="Fira Sans Condensed" panose="020B0503050000020004"/>
               </a:defRPr>
             </a:lvl8pPr>
             <a:lvl9pPr lvl="8" algn="ctr">
@@ -7035,19 +6909,17 @@
                 <a:spcPts val="1600"/>
               </a:spcAft>
               <a:buSzPts val="2000"/>
-              <a:buFont typeface="Fira Sans Condensed"/>
+              <a:buFont typeface="Fira Sans Condensed" panose="020B0503050000020004"/>
               <a:buNone/>
               <a:defRPr sz="2000" b="1">
-                <a:latin typeface="Fira Sans Condensed"/>
-                <a:ea typeface="Fira Sans Condensed"/>
-                <a:cs typeface="Fira Sans Condensed"/>
-                <a:sym typeface="Fira Sans Condensed"/>
+                <a:latin typeface="Fira Sans Condensed" panose="020B0503050000020004"/>
+                <a:ea typeface="Fira Sans Condensed" panose="020B0503050000020004"/>
+                <a:cs typeface="Fira Sans Condensed" panose="020B0503050000020004"/>
+                <a:sym typeface="Fira Sans Condensed" panose="020B0503050000020004"/>
               </a:defRPr>
             </a:lvl9pPr>
           </a:lstStyle>
-          <a:p>
-            <a:endParaRPr/>
-          </a:p>
+          <a:p/>
         </p:txBody>
       </p:sp>
       <p:sp>
@@ -7089,13 +6961,13 @@
                 <a:spcPts val="0"/>
               </a:spcAft>
               <a:buSzPts val="2000"/>
-              <a:buFont typeface="Fira Sans Condensed"/>
+              <a:buFont typeface="Fira Sans Condensed" panose="020B0503050000020004"/>
               <a:buNone/>
               <a:defRPr sz="2000" b="1">
-                <a:latin typeface="Fira Sans Condensed"/>
-                <a:ea typeface="Fira Sans Condensed"/>
-                <a:cs typeface="Fira Sans Condensed"/>
-                <a:sym typeface="Fira Sans Condensed"/>
+                <a:latin typeface="Fira Sans Condensed" panose="020B0503050000020004"/>
+                <a:ea typeface="Fira Sans Condensed" panose="020B0503050000020004"/>
+                <a:cs typeface="Fira Sans Condensed" panose="020B0503050000020004"/>
+                <a:sym typeface="Fira Sans Condensed" panose="020B0503050000020004"/>
               </a:defRPr>
             </a:lvl1pPr>
             <a:lvl2pPr lvl="1" algn="ctr" rtl="0">
@@ -7109,13 +6981,13 @@
                 <a:spcPts val="0"/>
               </a:spcAft>
               <a:buSzPts val="2000"/>
-              <a:buFont typeface="Fira Sans Condensed"/>
+              <a:buFont typeface="Fira Sans Condensed" panose="020B0503050000020004"/>
               <a:buNone/>
               <a:defRPr sz="2000" b="1">
-                <a:latin typeface="Fira Sans Condensed"/>
-                <a:ea typeface="Fira Sans Condensed"/>
-                <a:cs typeface="Fira Sans Condensed"/>
-                <a:sym typeface="Fira Sans Condensed"/>
+                <a:latin typeface="Fira Sans Condensed" panose="020B0503050000020004"/>
+                <a:ea typeface="Fira Sans Condensed" panose="020B0503050000020004"/>
+                <a:cs typeface="Fira Sans Condensed" panose="020B0503050000020004"/>
+                <a:sym typeface="Fira Sans Condensed" panose="020B0503050000020004"/>
               </a:defRPr>
             </a:lvl2pPr>
             <a:lvl3pPr lvl="2" algn="ctr" rtl="0">
@@ -7129,13 +7001,13 @@
                 <a:spcPts val="0"/>
               </a:spcAft>
               <a:buSzPts val="2000"/>
-              <a:buFont typeface="Fira Sans Condensed"/>
+              <a:buFont typeface="Fira Sans Condensed" panose="020B0503050000020004"/>
               <a:buNone/>
               <a:defRPr sz="2000" b="1">
-                <a:latin typeface="Fira Sans Condensed"/>
-                <a:ea typeface="Fira Sans Condensed"/>
-                <a:cs typeface="Fira Sans Condensed"/>
-                <a:sym typeface="Fira Sans Condensed"/>
+                <a:latin typeface="Fira Sans Condensed" panose="020B0503050000020004"/>
+                <a:ea typeface="Fira Sans Condensed" panose="020B0503050000020004"/>
+                <a:cs typeface="Fira Sans Condensed" panose="020B0503050000020004"/>
+                <a:sym typeface="Fira Sans Condensed" panose="020B0503050000020004"/>
               </a:defRPr>
             </a:lvl3pPr>
             <a:lvl4pPr lvl="3" algn="ctr" rtl="0">
@@ -7149,13 +7021,13 @@
                 <a:spcPts val="0"/>
               </a:spcAft>
               <a:buSzPts val="2000"/>
-              <a:buFont typeface="Fira Sans Condensed"/>
+              <a:buFont typeface="Fira Sans Condensed" panose="020B0503050000020004"/>
               <a:buNone/>
               <a:defRPr sz="2000" b="1">
-                <a:latin typeface="Fira Sans Condensed"/>
-                <a:ea typeface="Fira Sans Condensed"/>
-                <a:cs typeface="Fira Sans Condensed"/>
-                <a:sym typeface="Fira Sans Condensed"/>
+                <a:latin typeface="Fira Sans Condensed" panose="020B0503050000020004"/>
+                <a:ea typeface="Fira Sans Condensed" panose="020B0503050000020004"/>
+                <a:cs typeface="Fira Sans Condensed" panose="020B0503050000020004"/>
+                <a:sym typeface="Fira Sans Condensed" panose="020B0503050000020004"/>
               </a:defRPr>
             </a:lvl4pPr>
             <a:lvl5pPr lvl="4" algn="ctr" rtl="0">
@@ -7169,13 +7041,13 @@
                 <a:spcPts val="0"/>
               </a:spcAft>
               <a:buSzPts val="2000"/>
-              <a:buFont typeface="Fira Sans Condensed"/>
+              <a:buFont typeface="Fira Sans Condensed" panose="020B0503050000020004"/>
               <a:buNone/>
               <a:defRPr sz="2000" b="1">
-                <a:latin typeface="Fira Sans Condensed"/>
-                <a:ea typeface="Fira Sans Condensed"/>
-                <a:cs typeface="Fira Sans Condensed"/>
-                <a:sym typeface="Fira Sans Condensed"/>
+                <a:latin typeface="Fira Sans Condensed" panose="020B0503050000020004"/>
+                <a:ea typeface="Fira Sans Condensed" panose="020B0503050000020004"/>
+                <a:cs typeface="Fira Sans Condensed" panose="020B0503050000020004"/>
+                <a:sym typeface="Fira Sans Condensed" panose="020B0503050000020004"/>
               </a:defRPr>
             </a:lvl5pPr>
             <a:lvl6pPr lvl="5" algn="ctr" rtl="0">
@@ -7189,13 +7061,13 @@
                 <a:spcPts val="0"/>
               </a:spcAft>
               <a:buSzPts val="2000"/>
-              <a:buFont typeface="Fira Sans Condensed"/>
+              <a:buFont typeface="Fira Sans Condensed" panose="020B0503050000020004"/>
               <a:buNone/>
               <a:defRPr sz="2000" b="1">
-                <a:latin typeface="Fira Sans Condensed"/>
-                <a:ea typeface="Fira Sans Condensed"/>
-                <a:cs typeface="Fira Sans Condensed"/>
-                <a:sym typeface="Fira Sans Condensed"/>
+                <a:latin typeface="Fira Sans Condensed" panose="020B0503050000020004"/>
+                <a:ea typeface="Fira Sans Condensed" panose="020B0503050000020004"/>
+                <a:cs typeface="Fira Sans Condensed" panose="020B0503050000020004"/>
+                <a:sym typeface="Fira Sans Condensed" panose="020B0503050000020004"/>
               </a:defRPr>
             </a:lvl6pPr>
             <a:lvl7pPr lvl="6" algn="ctr" rtl="0">
@@ -7209,13 +7081,13 @@
                 <a:spcPts val="0"/>
               </a:spcAft>
               <a:buSzPts val="2000"/>
-              <a:buFont typeface="Fira Sans Condensed"/>
+              <a:buFont typeface="Fira Sans Condensed" panose="020B0503050000020004"/>
               <a:buNone/>
               <a:defRPr sz="2000" b="1">
-                <a:latin typeface="Fira Sans Condensed"/>
-                <a:ea typeface="Fira Sans Condensed"/>
-                <a:cs typeface="Fira Sans Condensed"/>
-                <a:sym typeface="Fira Sans Condensed"/>
+                <a:latin typeface="Fira Sans Condensed" panose="020B0503050000020004"/>
+                <a:ea typeface="Fira Sans Condensed" panose="020B0503050000020004"/>
+                <a:cs typeface="Fira Sans Condensed" panose="020B0503050000020004"/>
+                <a:sym typeface="Fira Sans Condensed" panose="020B0503050000020004"/>
               </a:defRPr>
             </a:lvl7pPr>
             <a:lvl8pPr lvl="7" algn="ctr" rtl="0">
@@ -7229,13 +7101,13 @@
                 <a:spcPts val="0"/>
               </a:spcAft>
               <a:buSzPts val="2000"/>
-              <a:buFont typeface="Fira Sans Condensed"/>
+              <a:buFont typeface="Fira Sans Condensed" panose="020B0503050000020004"/>
               <a:buNone/>
               <a:defRPr sz="2000" b="1">
-                <a:latin typeface="Fira Sans Condensed"/>
-                <a:ea typeface="Fira Sans Condensed"/>
-                <a:cs typeface="Fira Sans Condensed"/>
-                <a:sym typeface="Fira Sans Condensed"/>
+                <a:latin typeface="Fira Sans Condensed" panose="020B0503050000020004"/>
+                <a:ea typeface="Fira Sans Condensed" panose="020B0503050000020004"/>
+                <a:cs typeface="Fira Sans Condensed" panose="020B0503050000020004"/>
+                <a:sym typeface="Fira Sans Condensed" panose="020B0503050000020004"/>
               </a:defRPr>
             </a:lvl8pPr>
             <a:lvl9pPr lvl="8" algn="ctr" rtl="0">
@@ -7249,19 +7121,17 @@
                 <a:spcPts val="1600"/>
               </a:spcAft>
               <a:buSzPts val="2000"/>
-              <a:buFont typeface="Fira Sans Condensed"/>
+              <a:buFont typeface="Fira Sans Condensed" panose="020B0503050000020004"/>
               <a:buNone/>
               <a:defRPr sz="2000" b="1">
-                <a:latin typeface="Fira Sans Condensed"/>
-                <a:ea typeface="Fira Sans Condensed"/>
-                <a:cs typeface="Fira Sans Condensed"/>
-                <a:sym typeface="Fira Sans Condensed"/>
+                <a:latin typeface="Fira Sans Condensed" panose="020B0503050000020004"/>
+                <a:ea typeface="Fira Sans Condensed" panose="020B0503050000020004"/>
+                <a:cs typeface="Fira Sans Condensed" panose="020B0503050000020004"/>
+                <a:sym typeface="Fira Sans Condensed" panose="020B0503050000020004"/>
               </a:defRPr>
             </a:lvl9pPr>
           </a:lstStyle>
-          <a:p>
-            <a:endParaRPr/>
-          </a:p>
+          <a:p/>
         </p:txBody>
       </p:sp>
       <p:sp>
@@ -7415,9 +7285,7 @@
               <a:defRPr/>
             </a:lvl9pPr>
           </a:lstStyle>
-          <a:p>
-            <a:endParaRPr/>
-          </a:p>
+          <a:p/>
         </p:txBody>
       </p:sp>
       <p:sp>
@@ -7571,9 +7439,7 @@
               <a:defRPr/>
             </a:lvl9pPr>
           </a:lstStyle>
-          <a:p>
-            <a:endParaRPr/>
-          </a:p>
+          <a:p/>
         </p:txBody>
       </p:sp>
       <p:sp>
@@ -7700,9 +7566,7 @@
               <a:defRPr/>
             </a:lvl9pPr>
           </a:lstStyle>
-          <a:p>
-            <a:endParaRPr/>
-          </a:p>
+          <a:p/>
         </p:txBody>
       </p:sp>
     </p:spTree>
@@ -7714,7 +7578,7 @@
 </file>
 
 <file path=ppt/slideLayouts/slideLayout5.xml><?xml version="1.0" encoding="utf-8"?>
-<p:sldLayout xmlns:a="http://schemas.openxmlformats.org/drawingml/2006/main" xmlns:r="http://schemas.openxmlformats.org/officeDocument/2006/relationships" xmlns:p="http://schemas.openxmlformats.org/presentationml/2006/main" matchingName="Title only" type="titleOnly">
+<p:sldLayout xmlns:a="http://schemas.openxmlformats.org/drawingml/2006/main" xmlns:r="http://schemas.openxmlformats.org/officeDocument/2006/relationships" xmlns:p="http://schemas.openxmlformats.org/presentationml/2006/main" type="titleOnly" matchingName="Title only">
   <p:cSld name="TITLE_ONLY">
     <p:bg>
       <p:bgPr>
@@ -7774,7 +7638,6 @@
               </a:spcAft>
               <a:buNone/>
             </a:pPr>
-            <a:endParaRPr/>
           </a:p>
         </p:txBody>
       </p:sp>
@@ -7820,7 +7683,6 @@
               </a:spcAft>
               <a:buNone/>
             </a:pPr>
-            <a:endParaRPr/>
           </a:p>
         </p:txBody>
       </p:sp>
@@ -7948,9 +7810,7 @@
               <a:defRPr/>
             </a:lvl9pPr>
           </a:lstStyle>
-          <a:p>
-            <a:endParaRPr/>
-          </a:p>
+          <a:p/>
         </p:txBody>
       </p:sp>
     </p:spTree>
@@ -8102,9 +7962,7 @@
               <a:defRPr/>
             </a:lvl9pPr>
           </a:lstStyle>
-          <a:p>
-            <a:endParaRPr/>
-          </a:p>
+          <a:p/>
         </p:txBody>
       </p:sp>
       <p:sp>
@@ -8262,9 +8120,7 @@
               <a:defRPr/>
             </a:lvl9pPr>
           </a:lstStyle>
-          <a:p>
-            <a:endParaRPr/>
-          </a:p>
+          <a:p/>
         </p:txBody>
       </p:sp>
     </p:spTree>
@@ -8416,9 +8272,7 @@
               <a:defRPr sz="4800"/>
             </a:lvl9pPr>
           </a:lstStyle>
-          <a:p>
-            <a:endParaRPr/>
-          </a:p>
+          <a:p/>
         </p:txBody>
       </p:sp>
     </p:spTree>
@@ -8574,9 +8428,7 @@
               <a:defRPr sz="3600"/>
             </a:lvl9pPr>
           </a:lstStyle>
-          <a:p>
-            <a:endParaRPr/>
-          </a:p>
+          <a:p/>
         </p:txBody>
       </p:sp>
       <p:sp>
@@ -8730,9 +8582,7 @@
               <a:defRPr/>
             </a:lvl9pPr>
           </a:lstStyle>
-          <a:p>
-            <a:endParaRPr/>
-          </a:p>
+          <a:p/>
         </p:txBody>
       </p:sp>
     </p:spTree>
@@ -8894,9 +8744,7 @@
               <a:defRPr/>
             </a:lvl9pPr>
           </a:lstStyle>
-          <a:p>
-            <a:endParaRPr/>
-          </a:p>
+          <a:p/>
         </p:txBody>
       </p:sp>
     </p:spTree>
@@ -8909,7 +8757,7 @@
 
 <file path=ppt/slideMasters/slideMaster1.xml><?xml version="1.0" encoding="utf-8"?>
 <p:sldMaster xmlns:a="http://schemas.openxmlformats.org/drawingml/2006/main" xmlns:r="http://schemas.openxmlformats.org/officeDocument/2006/relationships" xmlns:p="http://schemas.openxmlformats.org/presentationml/2006/main">
-  <p:cSld name="simple-light-2">
+  <p:cSld>
     <p:bg>
       <p:bgPr>
         <a:noFill/>
@@ -8972,16 +8820,16 @@
                 <a:schemeClr val="dk1"/>
               </a:buClr>
               <a:buSzPts val="1400"/>
-              <a:buFont typeface="Mukta"/>
+              <a:buFont typeface="Mukta" panose="020B0000000000000000"/>
               <a:buChar char="●"/>
               <a:defRPr>
                 <a:solidFill>
                   <a:schemeClr val="dk1"/>
                 </a:solidFill>
-                <a:latin typeface="Mukta"/>
-                <a:ea typeface="Mukta"/>
-                <a:cs typeface="Mukta"/>
-                <a:sym typeface="Mukta"/>
+                <a:latin typeface="Mukta" panose="020B0000000000000000"/>
+                <a:ea typeface="Mukta" panose="020B0000000000000000"/>
+                <a:cs typeface="Mukta" panose="020B0000000000000000"/>
+                <a:sym typeface="Mukta" panose="020B0000000000000000"/>
               </a:defRPr>
             </a:lvl1pPr>
             <a:lvl2pPr marL="914400" lvl="1" indent="-317500">
@@ -8998,16 +8846,16 @@
                 <a:schemeClr val="dk1"/>
               </a:buClr>
               <a:buSzPts val="1400"/>
-              <a:buFont typeface="Mukta"/>
+              <a:buFont typeface="Mukta" panose="020B0000000000000000"/>
               <a:buChar char="○"/>
               <a:defRPr>
                 <a:solidFill>
                   <a:schemeClr val="dk1"/>
                 </a:solidFill>
-                <a:latin typeface="Mukta"/>
-                <a:ea typeface="Mukta"/>
-                <a:cs typeface="Mukta"/>
-                <a:sym typeface="Mukta"/>
+                <a:latin typeface="Mukta" panose="020B0000000000000000"/>
+                <a:ea typeface="Mukta" panose="020B0000000000000000"/>
+                <a:cs typeface="Mukta" panose="020B0000000000000000"/>
+                <a:sym typeface="Mukta" panose="020B0000000000000000"/>
               </a:defRPr>
             </a:lvl2pPr>
             <a:lvl3pPr marL="1371600" lvl="2" indent="-317500">
@@ -9024,16 +8872,16 @@
                 <a:schemeClr val="dk1"/>
               </a:buClr>
               <a:buSzPts val="1400"/>
-              <a:buFont typeface="Mukta"/>
+              <a:buFont typeface="Mukta" panose="020B0000000000000000"/>
               <a:buChar char="■"/>
               <a:defRPr>
                 <a:solidFill>
                   <a:schemeClr val="dk1"/>
                 </a:solidFill>
-                <a:latin typeface="Mukta"/>
-                <a:ea typeface="Mukta"/>
-                <a:cs typeface="Mukta"/>
-                <a:sym typeface="Mukta"/>
+                <a:latin typeface="Mukta" panose="020B0000000000000000"/>
+                <a:ea typeface="Mukta" panose="020B0000000000000000"/>
+                <a:cs typeface="Mukta" panose="020B0000000000000000"/>
+                <a:sym typeface="Mukta" panose="020B0000000000000000"/>
               </a:defRPr>
             </a:lvl3pPr>
             <a:lvl4pPr marL="1828800" lvl="3" indent="-317500">
@@ -9050,16 +8898,16 @@
                 <a:schemeClr val="dk1"/>
               </a:buClr>
               <a:buSzPts val="1400"/>
-              <a:buFont typeface="Mukta"/>
+              <a:buFont typeface="Mukta" panose="020B0000000000000000"/>
               <a:buChar char="●"/>
               <a:defRPr>
                 <a:solidFill>
                   <a:schemeClr val="dk1"/>
                 </a:solidFill>
-                <a:latin typeface="Mukta"/>
-                <a:ea typeface="Mukta"/>
-                <a:cs typeface="Mukta"/>
-                <a:sym typeface="Mukta"/>
+                <a:latin typeface="Mukta" panose="020B0000000000000000"/>
+                <a:ea typeface="Mukta" panose="020B0000000000000000"/>
+                <a:cs typeface="Mukta" panose="020B0000000000000000"/>
+                <a:sym typeface="Mukta" panose="020B0000000000000000"/>
               </a:defRPr>
             </a:lvl4pPr>
             <a:lvl5pPr marL="2286000" lvl="4" indent="-317500">
@@ -9076,16 +8924,16 @@
                 <a:schemeClr val="dk1"/>
               </a:buClr>
               <a:buSzPts val="1400"/>
-              <a:buFont typeface="Mukta"/>
+              <a:buFont typeface="Mukta" panose="020B0000000000000000"/>
               <a:buChar char="○"/>
               <a:defRPr>
                 <a:solidFill>
                   <a:schemeClr val="dk1"/>
                 </a:solidFill>
-                <a:latin typeface="Mukta"/>
-                <a:ea typeface="Mukta"/>
-                <a:cs typeface="Mukta"/>
-                <a:sym typeface="Mukta"/>
+                <a:latin typeface="Mukta" panose="020B0000000000000000"/>
+                <a:ea typeface="Mukta" panose="020B0000000000000000"/>
+                <a:cs typeface="Mukta" panose="020B0000000000000000"/>
+                <a:sym typeface="Mukta" panose="020B0000000000000000"/>
               </a:defRPr>
             </a:lvl5pPr>
             <a:lvl6pPr marL="2743200" lvl="5" indent="-317500">
@@ -9102,16 +8950,16 @@
                 <a:schemeClr val="dk1"/>
               </a:buClr>
               <a:buSzPts val="1400"/>
-              <a:buFont typeface="Mukta"/>
+              <a:buFont typeface="Mukta" panose="020B0000000000000000"/>
               <a:buChar char="■"/>
               <a:defRPr>
                 <a:solidFill>
                   <a:schemeClr val="dk1"/>
                 </a:solidFill>
-                <a:latin typeface="Mukta"/>
-                <a:ea typeface="Mukta"/>
-                <a:cs typeface="Mukta"/>
-                <a:sym typeface="Mukta"/>
+                <a:latin typeface="Mukta" panose="020B0000000000000000"/>
+                <a:ea typeface="Mukta" panose="020B0000000000000000"/>
+                <a:cs typeface="Mukta" panose="020B0000000000000000"/>
+                <a:sym typeface="Mukta" panose="020B0000000000000000"/>
               </a:defRPr>
             </a:lvl6pPr>
             <a:lvl7pPr marL="3200400" lvl="6" indent="-317500">
@@ -9128,16 +8976,16 @@
                 <a:schemeClr val="dk1"/>
               </a:buClr>
               <a:buSzPts val="1400"/>
-              <a:buFont typeface="Mukta"/>
+              <a:buFont typeface="Mukta" panose="020B0000000000000000"/>
               <a:buChar char="●"/>
               <a:defRPr>
                 <a:solidFill>
                   <a:schemeClr val="dk1"/>
                 </a:solidFill>
-                <a:latin typeface="Mukta"/>
-                <a:ea typeface="Mukta"/>
-                <a:cs typeface="Mukta"/>
-                <a:sym typeface="Mukta"/>
+                <a:latin typeface="Mukta" panose="020B0000000000000000"/>
+                <a:ea typeface="Mukta" panose="020B0000000000000000"/>
+                <a:cs typeface="Mukta" panose="020B0000000000000000"/>
+                <a:sym typeface="Mukta" panose="020B0000000000000000"/>
               </a:defRPr>
             </a:lvl7pPr>
             <a:lvl8pPr marL="3657600" lvl="7" indent="-317500">
@@ -9154,16 +9002,16 @@
                 <a:schemeClr val="dk1"/>
               </a:buClr>
               <a:buSzPts val="1400"/>
-              <a:buFont typeface="Mukta"/>
+              <a:buFont typeface="Mukta" panose="020B0000000000000000"/>
               <a:buChar char="○"/>
               <a:defRPr>
                 <a:solidFill>
                   <a:schemeClr val="dk1"/>
                 </a:solidFill>
-                <a:latin typeface="Mukta"/>
-                <a:ea typeface="Mukta"/>
-                <a:cs typeface="Mukta"/>
-                <a:sym typeface="Mukta"/>
+                <a:latin typeface="Mukta" panose="020B0000000000000000"/>
+                <a:ea typeface="Mukta" panose="020B0000000000000000"/>
+                <a:cs typeface="Mukta" panose="020B0000000000000000"/>
+                <a:sym typeface="Mukta" panose="020B0000000000000000"/>
               </a:defRPr>
             </a:lvl8pPr>
             <a:lvl9pPr marL="4114800" lvl="8" indent="-317500">
@@ -9180,22 +9028,20 @@
                 <a:schemeClr val="dk1"/>
               </a:buClr>
               <a:buSzPts val="1400"/>
-              <a:buFont typeface="Mukta"/>
+              <a:buFont typeface="Mukta" panose="020B0000000000000000"/>
               <a:buChar char="■"/>
               <a:defRPr>
                 <a:solidFill>
                   <a:schemeClr val="dk1"/>
                 </a:solidFill>
-                <a:latin typeface="Mukta"/>
-                <a:ea typeface="Mukta"/>
-                <a:cs typeface="Mukta"/>
-                <a:sym typeface="Mukta"/>
+                <a:latin typeface="Mukta" panose="020B0000000000000000"/>
+                <a:ea typeface="Mukta" panose="020B0000000000000000"/>
+                <a:cs typeface="Mukta" panose="020B0000000000000000"/>
+                <a:sym typeface="Mukta" panose="020B0000000000000000"/>
               </a:defRPr>
             </a:lvl9pPr>
           </a:lstStyle>
-          <a:p>
-            <a:endParaRPr/>
-          </a:p>
+          <a:p/>
         </p:txBody>
       </p:sp>
       <p:sp>
@@ -9260,16 +9106,16 @@
                 <a:schemeClr val="dk1"/>
               </a:buClr>
               <a:buSzPts val="3100"/>
-              <a:buFont typeface="Fira Sans Extra Condensed"/>
+              <a:buFont typeface="Fira Sans Extra Condensed" panose="020B0503050000020004"/>
               <a:buNone/>
               <a:defRPr sz="3100" b="1">
                 <a:solidFill>
                   <a:schemeClr val="dk1"/>
                 </a:solidFill>
-                <a:latin typeface="Fira Sans Extra Condensed"/>
-                <a:ea typeface="Fira Sans Extra Condensed"/>
-                <a:cs typeface="Fira Sans Extra Condensed"/>
-                <a:sym typeface="Fira Sans Extra Condensed"/>
+                <a:latin typeface="Fira Sans Extra Condensed" panose="020B0503050000020004"/>
+                <a:ea typeface="Fira Sans Extra Condensed" panose="020B0503050000020004"/>
+                <a:cs typeface="Fira Sans Extra Condensed" panose="020B0503050000020004"/>
+                <a:sym typeface="Fira Sans Extra Condensed" panose="020B0503050000020004"/>
               </a:defRPr>
             </a:lvl2pPr>
             <a:lvl3pPr lvl="2" algn="ctr" rtl="0">
@@ -9283,16 +9129,16 @@
                 <a:schemeClr val="dk1"/>
               </a:buClr>
               <a:buSzPts val="3100"/>
-              <a:buFont typeface="Fira Sans Extra Condensed"/>
+              <a:buFont typeface="Fira Sans Extra Condensed" panose="020B0503050000020004"/>
               <a:buNone/>
               <a:defRPr sz="3100" b="1">
                 <a:solidFill>
                   <a:schemeClr val="dk1"/>
                 </a:solidFill>
-                <a:latin typeface="Fira Sans Extra Condensed"/>
-                <a:ea typeface="Fira Sans Extra Condensed"/>
-                <a:cs typeface="Fira Sans Extra Condensed"/>
-                <a:sym typeface="Fira Sans Extra Condensed"/>
+                <a:latin typeface="Fira Sans Extra Condensed" panose="020B0503050000020004"/>
+                <a:ea typeface="Fira Sans Extra Condensed" panose="020B0503050000020004"/>
+                <a:cs typeface="Fira Sans Extra Condensed" panose="020B0503050000020004"/>
+                <a:sym typeface="Fira Sans Extra Condensed" panose="020B0503050000020004"/>
               </a:defRPr>
             </a:lvl3pPr>
             <a:lvl4pPr lvl="3" algn="ctr" rtl="0">
@@ -9306,16 +9152,16 @@
                 <a:schemeClr val="dk1"/>
               </a:buClr>
               <a:buSzPts val="3100"/>
-              <a:buFont typeface="Fira Sans Extra Condensed"/>
+              <a:buFont typeface="Fira Sans Extra Condensed" panose="020B0503050000020004"/>
               <a:buNone/>
               <a:defRPr sz="3100" b="1">
                 <a:solidFill>
                   <a:schemeClr val="dk1"/>
                 </a:solidFill>
-                <a:latin typeface="Fira Sans Extra Condensed"/>
-                <a:ea typeface="Fira Sans Extra Condensed"/>
-                <a:cs typeface="Fira Sans Extra Condensed"/>
-                <a:sym typeface="Fira Sans Extra Condensed"/>
+                <a:latin typeface="Fira Sans Extra Condensed" panose="020B0503050000020004"/>
+                <a:ea typeface="Fira Sans Extra Condensed" panose="020B0503050000020004"/>
+                <a:cs typeface="Fira Sans Extra Condensed" panose="020B0503050000020004"/>
+                <a:sym typeface="Fira Sans Extra Condensed" panose="020B0503050000020004"/>
               </a:defRPr>
             </a:lvl4pPr>
             <a:lvl5pPr lvl="4" algn="ctr" rtl="0">
@@ -9329,16 +9175,16 @@
                 <a:schemeClr val="dk1"/>
               </a:buClr>
               <a:buSzPts val="3100"/>
-              <a:buFont typeface="Fira Sans Extra Condensed"/>
+              <a:buFont typeface="Fira Sans Extra Condensed" panose="020B0503050000020004"/>
               <a:buNone/>
               <a:defRPr sz="3100" b="1">
                 <a:solidFill>
                   <a:schemeClr val="dk1"/>
                 </a:solidFill>
-                <a:latin typeface="Fira Sans Extra Condensed"/>
-                <a:ea typeface="Fira Sans Extra Condensed"/>
-                <a:cs typeface="Fira Sans Extra Condensed"/>
-                <a:sym typeface="Fira Sans Extra Condensed"/>
+                <a:latin typeface="Fira Sans Extra Condensed" panose="020B0503050000020004"/>
+                <a:ea typeface="Fira Sans Extra Condensed" panose="020B0503050000020004"/>
+                <a:cs typeface="Fira Sans Extra Condensed" panose="020B0503050000020004"/>
+                <a:sym typeface="Fira Sans Extra Condensed" panose="020B0503050000020004"/>
               </a:defRPr>
             </a:lvl5pPr>
             <a:lvl6pPr lvl="5" algn="ctr" rtl="0">
@@ -9352,16 +9198,16 @@
                 <a:schemeClr val="dk1"/>
               </a:buClr>
               <a:buSzPts val="3100"/>
-              <a:buFont typeface="Fira Sans Extra Condensed"/>
+              <a:buFont typeface="Fira Sans Extra Condensed" panose="020B0503050000020004"/>
               <a:buNone/>
               <a:defRPr sz="3100" b="1">
                 <a:solidFill>
                   <a:schemeClr val="dk1"/>
                 </a:solidFill>
-                <a:latin typeface="Fira Sans Extra Condensed"/>
-                <a:ea typeface="Fira Sans Extra Condensed"/>
-                <a:cs typeface="Fira Sans Extra Condensed"/>
-                <a:sym typeface="Fira Sans Extra Condensed"/>
+                <a:latin typeface="Fira Sans Extra Condensed" panose="020B0503050000020004"/>
+                <a:ea typeface="Fira Sans Extra Condensed" panose="020B0503050000020004"/>
+                <a:cs typeface="Fira Sans Extra Condensed" panose="020B0503050000020004"/>
+                <a:sym typeface="Fira Sans Extra Condensed" panose="020B0503050000020004"/>
               </a:defRPr>
             </a:lvl6pPr>
             <a:lvl7pPr lvl="6" algn="ctr" rtl="0">
@@ -9375,16 +9221,16 @@
                 <a:schemeClr val="dk1"/>
               </a:buClr>
               <a:buSzPts val="3100"/>
-              <a:buFont typeface="Fira Sans Extra Condensed"/>
+              <a:buFont typeface="Fira Sans Extra Condensed" panose="020B0503050000020004"/>
               <a:buNone/>
               <a:defRPr sz="3100" b="1">
                 <a:solidFill>
                   <a:schemeClr val="dk1"/>
                 </a:solidFill>
-                <a:latin typeface="Fira Sans Extra Condensed"/>
-                <a:ea typeface="Fira Sans Extra Condensed"/>
-                <a:cs typeface="Fira Sans Extra Condensed"/>
-                <a:sym typeface="Fira Sans Extra Condensed"/>
+                <a:latin typeface="Fira Sans Extra Condensed" panose="020B0503050000020004"/>
+                <a:ea typeface="Fira Sans Extra Condensed" panose="020B0503050000020004"/>
+                <a:cs typeface="Fira Sans Extra Condensed" panose="020B0503050000020004"/>
+                <a:sym typeface="Fira Sans Extra Condensed" panose="020B0503050000020004"/>
               </a:defRPr>
             </a:lvl7pPr>
             <a:lvl8pPr lvl="7" algn="ctr" rtl="0">
@@ -9398,16 +9244,16 @@
                 <a:schemeClr val="dk1"/>
               </a:buClr>
               <a:buSzPts val="3100"/>
-              <a:buFont typeface="Fira Sans Extra Condensed"/>
+              <a:buFont typeface="Fira Sans Extra Condensed" panose="020B0503050000020004"/>
               <a:buNone/>
               <a:defRPr sz="3100" b="1">
                 <a:solidFill>
                   <a:schemeClr val="dk1"/>
                 </a:solidFill>
-                <a:latin typeface="Fira Sans Extra Condensed"/>
-                <a:ea typeface="Fira Sans Extra Condensed"/>
-                <a:cs typeface="Fira Sans Extra Condensed"/>
-                <a:sym typeface="Fira Sans Extra Condensed"/>
+                <a:latin typeface="Fira Sans Extra Condensed" panose="020B0503050000020004"/>
+                <a:ea typeface="Fira Sans Extra Condensed" panose="020B0503050000020004"/>
+                <a:cs typeface="Fira Sans Extra Condensed" panose="020B0503050000020004"/>
+                <a:sym typeface="Fira Sans Extra Condensed" panose="020B0503050000020004"/>
               </a:defRPr>
             </a:lvl8pPr>
             <a:lvl9pPr lvl="8" algn="ctr" rtl="0">
@@ -9421,39 +9267,37 @@
                 <a:schemeClr val="dk1"/>
               </a:buClr>
               <a:buSzPts val="3100"/>
-              <a:buFont typeface="Fira Sans Extra Condensed"/>
+              <a:buFont typeface="Fira Sans Extra Condensed" panose="020B0503050000020004"/>
               <a:buNone/>
               <a:defRPr sz="3100" b="1">
                 <a:solidFill>
                   <a:schemeClr val="dk1"/>
                 </a:solidFill>
-                <a:latin typeface="Fira Sans Extra Condensed"/>
-                <a:ea typeface="Fira Sans Extra Condensed"/>
-                <a:cs typeface="Fira Sans Extra Condensed"/>
-                <a:sym typeface="Fira Sans Extra Condensed"/>
+                <a:latin typeface="Fira Sans Extra Condensed" panose="020B0503050000020004"/>
+                <a:ea typeface="Fira Sans Extra Condensed" panose="020B0503050000020004"/>
+                <a:cs typeface="Fira Sans Extra Condensed" panose="020B0503050000020004"/>
+                <a:sym typeface="Fira Sans Extra Condensed" panose="020B0503050000020004"/>
               </a:defRPr>
             </a:lvl9pPr>
           </a:lstStyle>
-          <a:p>
-            <a:endParaRPr/>
-          </a:p>
+          <a:p/>
         </p:txBody>
       </p:sp>
     </p:spTree>
   </p:cSld>
   <p:clrMap bg1="lt1" tx1="dk1" bg2="dk2" tx2="lt2" accent1="accent1" accent2="accent2" accent3="accent3" accent4="accent4" accent5="accent5" accent6="accent6" hlink="hlink" folHlink="folHlink"/>
   <p:sldLayoutIdLst>
-    <p:sldLayoutId id="2147483648" r:id="rId1"/>
-    <p:sldLayoutId id="2147483649" r:id="rId2"/>
-    <p:sldLayoutId id="2147483650" r:id="rId3"/>
-    <p:sldLayoutId id="2147483651" r:id="rId4"/>
-    <p:sldLayoutId id="2147483652" r:id="rId5"/>
-    <p:sldLayoutId id="2147483653" r:id="rId6"/>
-    <p:sldLayoutId id="2147483654" r:id="rId7"/>
-    <p:sldLayoutId id="2147483655" r:id="rId8"/>
-    <p:sldLayoutId id="2147483656" r:id="rId9"/>
-    <p:sldLayoutId id="2147483657" r:id="rId10"/>
-    <p:sldLayoutId id="2147483658" r:id="rId11"/>
+    <p:sldLayoutId id="2147483649" r:id="rId1"/>
+    <p:sldLayoutId id="2147483650" r:id="rId2"/>
+    <p:sldLayoutId id="2147483651" r:id="rId3"/>
+    <p:sldLayoutId id="2147483652" r:id="rId4"/>
+    <p:sldLayoutId id="2147483653" r:id="rId5"/>
+    <p:sldLayoutId id="2147483654" r:id="rId6"/>
+    <p:sldLayoutId id="2147483655" r:id="rId7"/>
+    <p:sldLayoutId id="2147483656" r:id="rId8"/>
+    <p:sldLayoutId id="2147483657" r:id="rId9"/>
+    <p:sldLayoutId id="2147483658" r:id="rId10"/>
+    <p:sldLayoutId id="2147483659" r:id="rId11"/>
   </p:sldLayoutIdLst>
   <p:hf hdr="0" ftr="0" dt="0"/>
   <p:txStyles>
@@ -9482,15 +9326,15 @@
         <a:buClr>
           <a:srgbClr val="000000"/>
         </a:buClr>
-        <a:buFont typeface="Arial"/>
+        <a:buFont typeface="Arial" panose="020B0604020202020204"/>
         <a:defRPr sz="1400" b="0" i="0" u="none" strike="noStrike" cap="none">
           <a:solidFill>
             <a:srgbClr val="000000"/>
           </a:solidFill>
-          <a:latin typeface="Arial"/>
-          <a:ea typeface="Arial"/>
-          <a:cs typeface="Arial"/>
-          <a:sym typeface="Arial"/>
+          <a:latin typeface="Arial" panose="020B0604020202020204"/>
+          <a:ea typeface="Arial" panose="020B0604020202020204"/>
+          <a:cs typeface="Arial" panose="020B0604020202020204"/>
+          <a:sym typeface="Arial" panose="020B0604020202020204"/>
         </a:defRPr>
       </a:lvl1pPr>
       <a:lvl2pPr marR="0" lvl="1" algn="l" rtl="0">
@@ -9506,15 +9350,15 @@
         <a:buClr>
           <a:srgbClr val="000000"/>
         </a:buClr>
-        <a:buFont typeface="Arial"/>
+        <a:buFont typeface="Arial" panose="020B0604020202020204"/>
         <a:defRPr sz="1400" b="0" i="0" u="none" strike="noStrike" cap="none">
           <a:solidFill>
             <a:srgbClr val="000000"/>
           </a:solidFill>
-          <a:latin typeface="Arial"/>
-          <a:ea typeface="Arial"/>
-          <a:cs typeface="Arial"/>
-          <a:sym typeface="Arial"/>
+          <a:latin typeface="Arial" panose="020B0604020202020204"/>
+          <a:ea typeface="Arial" panose="020B0604020202020204"/>
+          <a:cs typeface="Arial" panose="020B0604020202020204"/>
+          <a:sym typeface="Arial" panose="020B0604020202020204"/>
         </a:defRPr>
       </a:lvl2pPr>
       <a:lvl3pPr marR="0" lvl="2" algn="l" rtl="0">
@@ -9530,15 +9374,15 @@
         <a:buClr>
           <a:srgbClr val="000000"/>
         </a:buClr>
-        <a:buFont typeface="Arial"/>
+        <a:buFont typeface="Arial" panose="020B0604020202020204"/>
         <a:defRPr sz="1400" b="0" i="0" u="none" strike="noStrike" cap="none">
           <a:solidFill>
             <a:srgbClr val="000000"/>
           </a:solidFill>
-          <a:latin typeface="Arial"/>
-          <a:ea typeface="Arial"/>
-          <a:cs typeface="Arial"/>
-          <a:sym typeface="Arial"/>
+          <a:latin typeface="Arial" panose="020B0604020202020204"/>
+          <a:ea typeface="Arial" panose="020B0604020202020204"/>
+          <a:cs typeface="Arial" panose="020B0604020202020204"/>
+          <a:sym typeface="Arial" panose="020B0604020202020204"/>
         </a:defRPr>
       </a:lvl3pPr>
       <a:lvl4pPr marR="0" lvl="3" algn="l" rtl="0">
@@ -9554,15 +9398,15 @@
         <a:buClr>
           <a:srgbClr val="000000"/>
         </a:buClr>
-        <a:buFont typeface="Arial"/>
+        <a:buFont typeface="Arial" panose="020B0604020202020204"/>
         <a:defRPr sz="1400" b="0" i="0" u="none" strike="noStrike" cap="none">
           <a:solidFill>
             <a:srgbClr val="000000"/>
           </a:solidFill>
-          <a:latin typeface="Arial"/>
-          <a:ea typeface="Arial"/>
-          <a:cs typeface="Arial"/>
-          <a:sym typeface="Arial"/>
+          <a:latin typeface="Arial" panose="020B0604020202020204"/>
+          <a:ea typeface="Arial" panose="020B0604020202020204"/>
+          <a:cs typeface="Arial" panose="020B0604020202020204"/>
+          <a:sym typeface="Arial" panose="020B0604020202020204"/>
         </a:defRPr>
       </a:lvl4pPr>
       <a:lvl5pPr marR="0" lvl="4" algn="l" rtl="0">
@@ -9578,15 +9422,15 @@
         <a:buClr>
           <a:srgbClr val="000000"/>
         </a:buClr>
-        <a:buFont typeface="Arial"/>
+        <a:buFont typeface="Arial" panose="020B0604020202020204"/>
         <a:defRPr sz="1400" b="0" i="0" u="none" strike="noStrike" cap="none">
           <a:solidFill>
             <a:srgbClr val="000000"/>
           </a:solidFill>
-          <a:latin typeface="Arial"/>
-          <a:ea typeface="Arial"/>
-          <a:cs typeface="Arial"/>
-          <a:sym typeface="Arial"/>
+          <a:latin typeface="Arial" panose="020B0604020202020204"/>
+          <a:ea typeface="Arial" panose="020B0604020202020204"/>
+          <a:cs typeface="Arial" panose="020B0604020202020204"/>
+          <a:sym typeface="Arial" panose="020B0604020202020204"/>
         </a:defRPr>
       </a:lvl5pPr>
       <a:lvl6pPr marR="0" lvl="5" algn="l" rtl="0">
@@ -9602,15 +9446,15 @@
         <a:buClr>
           <a:srgbClr val="000000"/>
         </a:buClr>
-        <a:buFont typeface="Arial"/>
+        <a:buFont typeface="Arial" panose="020B0604020202020204"/>
         <a:defRPr sz="1400" b="0" i="0" u="none" strike="noStrike" cap="none">
           <a:solidFill>
             <a:srgbClr val="000000"/>
           </a:solidFill>
-          <a:latin typeface="Arial"/>
-          <a:ea typeface="Arial"/>
-          <a:cs typeface="Arial"/>
-          <a:sym typeface="Arial"/>
+          <a:latin typeface="Arial" panose="020B0604020202020204"/>
+          <a:ea typeface="Arial" panose="020B0604020202020204"/>
+          <a:cs typeface="Arial" panose="020B0604020202020204"/>
+          <a:sym typeface="Arial" panose="020B0604020202020204"/>
         </a:defRPr>
       </a:lvl6pPr>
       <a:lvl7pPr marR="0" lvl="6" algn="l" rtl="0">
@@ -9626,15 +9470,15 @@
         <a:buClr>
           <a:srgbClr val="000000"/>
         </a:buClr>
-        <a:buFont typeface="Arial"/>
+        <a:buFont typeface="Arial" panose="020B0604020202020204"/>
         <a:defRPr sz="1400" b="0" i="0" u="none" strike="noStrike" cap="none">
           <a:solidFill>
             <a:srgbClr val="000000"/>
           </a:solidFill>
-          <a:latin typeface="Arial"/>
-          <a:ea typeface="Arial"/>
-          <a:cs typeface="Arial"/>
-          <a:sym typeface="Arial"/>
+          <a:latin typeface="Arial" panose="020B0604020202020204"/>
+          <a:ea typeface="Arial" panose="020B0604020202020204"/>
+          <a:cs typeface="Arial" panose="020B0604020202020204"/>
+          <a:sym typeface="Arial" panose="020B0604020202020204"/>
         </a:defRPr>
       </a:lvl7pPr>
       <a:lvl8pPr marR="0" lvl="7" algn="l" rtl="0">
@@ -9650,15 +9494,15 @@
         <a:buClr>
           <a:srgbClr val="000000"/>
         </a:buClr>
-        <a:buFont typeface="Arial"/>
+        <a:buFont typeface="Arial" panose="020B0604020202020204"/>
         <a:defRPr sz="1400" b="0" i="0" u="none" strike="noStrike" cap="none">
           <a:solidFill>
             <a:srgbClr val="000000"/>
           </a:solidFill>
-          <a:latin typeface="Arial"/>
-          <a:ea typeface="Arial"/>
-          <a:cs typeface="Arial"/>
-          <a:sym typeface="Arial"/>
+          <a:latin typeface="Arial" panose="020B0604020202020204"/>
+          <a:ea typeface="Arial" panose="020B0604020202020204"/>
+          <a:cs typeface="Arial" panose="020B0604020202020204"/>
+          <a:sym typeface="Arial" panose="020B0604020202020204"/>
         </a:defRPr>
       </a:lvl8pPr>
       <a:lvl9pPr marR="0" lvl="8" algn="l" rtl="0">
@@ -9674,15 +9518,15 @@
         <a:buClr>
           <a:srgbClr val="000000"/>
         </a:buClr>
-        <a:buFont typeface="Arial"/>
+        <a:buFont typeface="Arial" panose="020B0604020202020204"/>
         <a:defRPr sz="1400" b="0" i="0" u="none" strike="noStrike" cap="none">
           <a:solidFill>
             <a:srgbClr val="000000"/>
           </a:solidFill>
-          <a:latin typeface="Arial"/>
-          <a:ea typeface="Arial"/>
-          <a:cs typeface="Arial"/>
-          <a:sym typeface="Arial"/>
+          <a:latin typeface="Arial" panose="020B0604020202020204"/>
+          <a:ea typeface="Arial" panose="020B0604020202020204"/>
+          <a:cs typeface="Arial" panose="020B0604020202020204"/>
+          <a:sym typeface="Arial" panose="020B0604020202020204"/>
         </a:defRPr>
       </a:lvl9pPr>
     </p:titleStyle>
@@ -9711,15 +9555,15 @@
         <a:buClr>
           <a:srgbClr val="000000"/>
         </a:buClr>
-        <a:buFont typeface="Arial"/>
+        <a:buFont typeface="Arial" panose="020B0604020202020204"/>
         <a:defRPr sz="1400" b="0" i="0" u="none" strike="noStrike" cap="none">
           <a:solidFill>
             <a:srgbClr val="000000"/>
           </a:solidFill>
-          <a:latin typeface="Arial"/>
-          <a:ea typeface="Arial"/>
-          <a:cs typeface="Arial"/>
-          <a:sym typeface="Arial"/>
+          <a:latin typeface="Arial" panose="020B0604020202020204"/>
+          <a:ea typeface="Arial" panose="020B0604020202020204"/>
+          <a:cs typeface="Arial" panose="020B0604020202020204"/>
+          <a:sym typeface="Arial" panose="020B0604020202020204"/>
         </a:defRPr>
       </a:lvl1pPr>
       <a:lvl2pPr marR="0" lvl="1" algn="l" rtl="0">
@@ -9735,15 +9579,15 @@
         <a:buClr>
           <a:srgbClr val="000000"/>
         </a:buClr>
-        <a:buFont typeface="Arial"/>
+        <a:buFont typeface="Arial" panose="020B0604020202020204"/>
         <a:defRPr sz="1400" b="0" i="0" u="none" strike="noStrike" cap="none">
           <a:solidFill>
             <a:srgbClr val="000000"/>
           </a:solidFill>
-          <a:latin typeface="Arial"/>
-          <a:ea typeface="Arial"/>
-          <a:cs typeface="Arial"/>
-          <a:sym typeface="Arial"/>
+          <a:latin typeface="Arial" panose="020B0604020202020204"/>
+          <a:ea typeface="Arial" panose="020B0604020202020204"/>
+          <a:cs typeface="Arial" panose="020B0604020202020204"/>
+          <a:sym typeface="Arial" panose="020B0604020202020204"/>
         </a:defRPr>
       </a:lvl2pPr>
       <a:lvl3pPr marR="0" lvl="2" algn="l" rtl="0">
@@ -9759,15 +9603,15 @@
         <a:buClr>
           <a:srgbClr val="000000"/>
         </a:buClr>
-        <a:buFont typeface="Arial"/>
+        <a:buFont typeface="Arial" panose="020B0604020202020204"/>
         <a:defRPr sz="1400" b="0" i="0" u="none" strike="noStrike" cap="none">
           <a:solidFill>
             <a:srgbClr val="000000"/>
           </a:solidFill>
-          <a:latin typeface="Arial"/>
-          <a:ea typeface="Arial"/>
-          <a:cs typeface="Arial"/>
-          <a:sym typeface="Arial"/>
+          <a:latin typeface="Arial" panose="020B0604020202020204"/>
+          <a:ea typeface="Arial" panose="020B0604020202020204"/>
+          <a:cs typeface="Arial" panose="020B0604020202020204"/>
+          <a:sym typeface="Arial" panose="020B0604020202020204"/>
         </a:defRPr>
       </a:lvl3pPr>
       <a:lvl4pPr marR="0" lvl="3" algn="l" rtl="0">
@@ -9783,15 +9627,15 @@
         <a:buClr>
           <a:srgbClr val="000000"/>
         </a:buClr>
-        <a:buFont typeface="Arial"/>
+        <a:buFont typeface="Arial" panose="020B0604020202020204"/>
         <a:defRPr sz="1400" b="0" i="0" u="none" strike="noStrike" cap="none">
           <a:solidFill>
             <a:srgbClr val="000000"/>
           </a:solidFill>
-          <a:latin typeface="Arial"/>
-          <a:ea typeface="Arial"/>
-          <a:cs typeface="Arial"/>
-          <a:sym typeface="Arial"/>
+          <a:latin typeface="Arial" panose="020B0604020202020204"/>
+          <a:ea typeface="Arial" panose="020B0604020202020204"/>
+          <a:cs typeface="Arial" panose="020B0604020202020204"/>
+          <a:sym typeface="Arial" panose="020B0604020202020204"/>
         </a:defRPr>
       </a:lvl4pPr>
       <a:lvl5pPr marR="0" lvl="4" algn="l" rtl="0">
@@ -9807,15 +9651,15 @@
         <a:buClr>
           <a:srgbClr val="000000"/>
         </a:buClr>
-        <a:buFont typeface="Arial"/>
+        <a:buFont typeface="Arial" panose="020B0604020202020204"/>
         <a:defRPr sz="1400" b="0" i="0" u="none" strike="noStrike" cap="none">
           <a:solidFill>
             <a:srgbClr val="000000"/>
           </a:solidFill>
-          <a:latin typeface="Arial"/>
-          <a:ea typeface="Arial"/>
-          <a:cs typeface="Arial"/>
-          <a:sym typeface="Arial"/>
+          <a:latin typeface="Arial" panose="020B0604020202020204"/>
+          <a:ea typeface="Arial" panose="020B0604020202020204"/>
+          <a:cs typeface="Arial" panose="020B0604020202020204"/>
+          <a:sym typeface="Arial" panose="020B0604020202020204"/>
         </a:defRPr>
       </a:lvl5pPr>
       <a:lvl6pPr marR="0" lvl="5" algn="l" rtl="0">
@@ -9831,15 +9675,15 @@
         <a:buClr>
           <a:srgbClr val="000000"/>
         </a:buClr>
-        <a:buFont typeface="Arial"/>
+        <a:buFont typeface="Arial" panose="020B0604020202020204"/>
         <a:defRPr sz="1400" b="0" i="0" u="none" strike="noStrike" cap="none">
           <a:solidFill>
             <a:srgbClr val="000000"/>
           </a:solidFill>
-          <a:latin typeface="Arial"/>
-          <a:ea typeface="Arial"/>
-          <a:cs typeface="Arial"/>
-          <a:sym typeface="Arial"/>
+          <a:latin typeface="Arial" panose="020B0604020202020204"/>
+          <a:ea typeface="Arial" panose="020B0604020202020204"/>
+          <a:cs typeface="Arial" panose="020B0604020202020204"/>
+          <a:sym typeface="Arial" panose="020B0604020202020204"/>
         </a:defRPr>
       </a:lvl6pPr>
       <a:lvl7pPr marR="0" lvl="6" algn="l" rtl="0">
@@ -9855,15 +9699,15 @@
         <a:buClr>
           <a:srgbClr val="000000"/>
         </a:buClr>
-        <a:buFont typeface="Arial"/>
+        <a:buFont typeface="Arial" panose="020B0604020202020204"/>
         <a:defRPr sz="1400" b="0" i="0" u="none" strike="noStrike" cap="none">
           <a:solidFill>
             <a:srgbClr val="000000"/>
           </a:solidFill>
-          <a:latin typeface="Arial"/>
-          <a:ea typeface="Arial"/>
-          <a:cs typeface="Arial"/>
-          <a:sym typeface="Arial"/>
+          <a:latin typeface="Arial" panose="020B0604020202020204"/>
+          <a:ea typeface="Arial" panose="020B0604020202020204"/>
+          <a:cs typeface="Arial" panose="020B0604020202020204"/>
+          <a:sym typeface="Arial" panose="020B0604020202020204"/>
         </a:defRPr>
       </a:lvl7pPr>
       <a:lvl8pPr marR="0" lvl="7" algn="l" rtl="0">
@@ -9879,15 +9723,15 @@
         <a:buClr>
           <a:srgbClr val="000000"/>
         </a:buClr>
-        <a:buFont typeface="Arial"/>
+        <a:buFont typeface="Arial" panose="020B0604020202020204"/>
         <a:defRPr sz="1400" b="0" i="0" u="none" strike="noStrike" cap="none">
           <a:solidFill>
             <a:srgbClr val="000000"/>
           </a:solidFill>
-          <a:latin typeface="Arial"/>
-          <a:ea typeface="Arial"/>
-          <a:cs typeface="Arial"/>
-          <a:sym typeface="Arial"/>
+          <a:latin typeface="Arial" panose="020B0604020202020204"/>
+          <a:ea typeface="Arial" panose="020B0604020202020204"/>
+          <a:cs typeface="Arial" panose="020B0604020202020204"/>
+          <a:sym typeface="Arial" panose="020B0604020202020204"/>
         </a:defRPr>
       </a:lvl8pPr>
       <a:lvl9pPr marR="0" lvl="8" algn="l" rtl="0">
@@ -9903,15 +9747,15 @@
         <a:buClr>
           <a:srgbClr val="000000"/>
         </a:buClr>
-        <a:buFont typeface="Arial"/>
+        <a:buFont typeface="Arial" panose="020B0604020202020204"/>
         <a:defRPr sz="1400" b="0" i="0" u="none" strike="noStrike" cap="none">
           <a:solidFill>
             <a:srgbClr val="000000"/>
           </a:solidFill>
-          <a:latin typeface="Arial"/>
-          <a:ea typeface="Arial"/>
-          <a:cs typeface="Arial"/>
-          <a:sym typeface="Arial"/>
+          <a:latin typeface="Arial" panose="020B0604020202020204"/>
+          <a:ea typeface="Arial" panose="020B0604020202020204"/>
+          <a:cs typeface="Arial" panose="020B0604020202020204"/>
+          <a:sym typeface="Arial" panose="020B0604020202020204"/>
         </a:defRPr>
       </a:lvl9pPr>
     </p:bodyStyle>
@@ -9940,15 +9784,15 @@
         <a:buClr>
           <a:srgbClr val="000000"/>
         </a:buClr>
-        <a:buFont typeface="Arial"/>
+        <a:buFont typeface="Arial" panose="020B0604020202020204"/>
         <a:defRPr sz="1400" b="0" i="0" u="none" strike="noStrike" cap="none">
           <a:solidFill>
             <a:srgbClr val="000000"/>
           </a:solidFill>
-          <a:latin typeface="Arial"/>
-          <a:ea typeface="Arial"/>
-          <a:cs typeface="Arial"/>
-          <a:sym typeface="Arial"/>
+          <a:latin typeface="Arial" panose="020B0604020202020204"/>
+          <a:ea typeface="Arial" panose="020B0604020202020204"/>
+          <a:cs typeface="Arial" panose="020B0604020202020204"/>
+          <a:sym typeface="Arial" panose="020B0604020202020204"/>
         </a:defRPr>
       </a:lvl1pPr>
       <a:lvl2pPr marR="0" lvl="1" algn="l" rtl="0">
@@ -9964,15 +9808,15 @@
         <a:buClr>
           <a:srgbClr val="000000"/>
         </a:buClr>
-        <a:buFont typeface="Arial"/>
+        <a:buFont typeface="Arial" panose="020B0604020202020204"/>
         <a:defRPr sz="1400" b="0" i="0" u="none" strike="noStrike" cap="none">
           <a:solidFill>
             <a:srgbClr val="000000"/>
           </a:solidFill>
-          <a:latin typeface="Arial"/>
-          <a:ea typeface="Arial"/>
-          <a:cs typeface="Arial"/>
-          <a:sym typeface="Arial"/>
+          <a:latin typeface="Arial" panose="020B0604020202020204"/>
+          <a:ea typeface="Arial" panose="020B0604020202020204"/>
+          <a:cs typeface="Arial" panose="020B0604020202020204"/>
+          <a:sym typeface="Arial" panose="020B0604020202020204"/>
         </a:defRPr>
       </a:lvl2pPr>
       <a:lvl3pPr marR="0" lvl="2" algn="l" rtl="0">
@@ -9988,15 +9832,15 @@
         <a:buClr>
           <a:srgbClr val="000000"/>
         </a:buClr>
-        <a:buFont typeface="Arial"/>
+        <a:buFont typeface="Arial" panose="020B0604020202020204"/>
         <a:defRPr sz="1400" b="0" i="0" u="none" strike="noStrike" cap="none">
           <a:solidFill>
             <a:srgbClr val="000000"/>
           </a:solidFill>
-          <a:latin typeface="Arial"/>
-          <a:ea typeface="Arial"/>
-          <a:cs typeface="Arial"/>
-          <a:sym typeface="Arial"/>
+          <a:latin typeface="Arial" panose="020B0604020202020204"/>
+          <a:ea typeface="Arial" panose="020B0604020202020204"/>
+          <a:cs typeface="Arial" panose="020B0604020202020204"/>
+          <a:sym typeface="Arial" panose="020B0604020202020204"/>
         </a:defRPr>
       </a:lvl3pPr>
       <a:lvl4pPr marR="0" lvl="3" algn="l" rtl="0">
@@ -10012,15 +9856,15 @@
         <a:buClr>
           <a:srgbClr val="000000"/>
         </a:buClr>
-        <a:buFont typeface="Arial"/>
+        <a:buFont typeface="Arial" panose="020B0604020202020204"/>
         <a:defRPr sz="1400" b="0" i="0" u="none" strike="noStrike" cap="none">
           <a:solidFill>
             <a:srgbClr val="000000"/>
           </a:solidFill>
-          <a:latin typeface="Arial"/>
-          <a:ea typeface="Arial"/>
-          <a:cs typeface="Arial"/>
-          <a:sym typeface="Arial"/>
+          <a:latin typeface="Arial" panose="020B0604020202020204"/>
+          <a:ea typeface="Arial" panose="020B0604020202020204"/>
+          <a:cs typeface="Arial" panose="020B0604020202020204"/>
+          <a:sym typeface="Arial" panose="020B0604020202020204"/>
         </a:defRPr>
       </a:lvl4pPr>
       <a:lvl5pPr marR="0" lvl="4" algn="l" rtl="0">
@@ -10036,15 +9880,15 @@
         <a:buClr>
           <a:srgbClr val="000000"/>
         </a:buClr>
-        <a:buFont typeface="Arial"/>
+        <a:buFont typeface="Arial" panose="020B0604020202020204"/>
         <a:defRPr sz="1400" b="0" i="0" u="none" strike="noStrike" cap="none">
           <a:solidFill>
             <a:srgbClr val="000000"/>
           </a:solidFill>
-          <a:latin typeface="Arial"/>
-          <a:ea typeface="Arial"/>
-          <a:cs typeface="Arial"/>
-          <a:sym typeface="Arial"/>
+          <a:latin typeface="Arial" panose="020B0604020202020204"/>
+          <a:ea typeface="Arial" panose="020B0604020202020204"/>
+          <a:cs typeface="Arial" panose="020B0604020202020204"/>
+          <a:sym typeface="Arial" panose="020B0604020202020204"/>
         </a:defRPr>
       </a:lvl5pPr>
       <a:lvl6pPr marR="0" lvl="5" algn="l" rtl="0">
@@ -10060,15 +9904,15 @@
         <a:buClr>
           <a:srgbClr val="000000"/>
         </a:buClr>
-        <a:buFont typeface="Arial"/>
+        <a:buFont typeface="Arial" panose="020B0604020202020204"/>
         <a:defRPr sz="1400" b="0" i="0" u="none" strike="noStrike" cap="none">
           <a:solidFill>
             <a:srgbClr val="000000"/>
           </a:solidFill>
-          <a:latin typeface="Arial"/>
-          <a:ea typeface="Arial"/>
-          <a:cs typeface="Arial"/>
-          <a:sym typeface="Arial"/>
+          <a:latin typeface="Arial" panose="020B0604020202020204"/>
+          <a:ea typeface="Arial" panose="020B0604020202020204"/>
+          <a:cs typeface="Arial" panose="020B0604020202020204"/>
+          <a:sym typeface="Arial" panose="020B0604020202020204"/>
         </a:defRPr>
       </a:lvl6pPr>
       <a:lvl7pPr marR="0" lvl="6" algn="l" rtl="0">
@@ -10084,15 +9928,15 @@
         <a:buClr>
           <a:srgbClr val="000000"/>
         </a:buClr>
-        <a:buFont typeface="Arial"/>
+        <a:buFont typeface="Arial" panose="020B0604020202020204"/>
         <a:defRPr sz="1400" b="0" i="0" u="none" strike="noStrike" cap="none">
           <a:solidFill>
             <a:srgbClr val="000000"/>
           </a:solidFill>
-          <a:latin typeface="Arial"/>
-          <a:ea typeface="Arial"/>
-          <a:cs typeface="Arial"/>
-          <a:sym typeface="Arial"/>
+          <a:latin typeface="Arial" panose="020B0604020202020204"/>
+          <a:ea typeface="Arial" panose="020B0604020202020204"/>
+          <a:cs typeface="Arial" panose="020B0604020202020204"/>
+          <a:sym typeface="Arial" panose="020B0604020202020204"/>
         </a:defRPr>
       </a:lvl7pPr>
       <a:lvl8pPr marR="0" lvl="7" algn="l" rtl="0">
@@ -10108,15 +9952,15 @@
         <a:buClr>
           <a:srgbClr val="000000"/>
         </a:buClr>
-        <a:buFont typeface="Arial"/>
+        <a:buFont typeface="Arial" panose="020B0604020202020204"/>
         <a:defRPr sz="1400" b="0" i="0" u="none" strike="noStrike" cap="none">
           <a:solidFill>
             <a:srgbClr val="000000"/>
           </a:solidFill>
-          <a:latin typeface="Arial"/>
-          <a:ea typeface="Arial"/>
-          <a:cs typeface="Arial"/>
-          <a:sym typeface="Arial"/>
+          <a:latin typeface="Arial" panose="020B0604020202020204"/>
+          <a:ea typeface="Arial" panose="020B0604020202020204"/>
+          <a:cs typeface="Arial" panose="020B0604020202020204"/>
+          <a:sym typeface="Arial" panose="020B0604020202020204"/>
         </a:defRPr>
       </a:lvl8pPr>
       <a:lvl9pPr marR="0" lvl="8" algn="l" rtl="0">
@@ -10132,55 +9976,19 @@
         <a:buClr>
           <a:srgbClr val="000000"/>
         </a:buClr>
-        <a:buFont typeface="Arial"/>
+        <a:buFont typeface="Arial" panose="020B0604020202020204"/>
         <a:defRPr sz="1400" b="0" i="0" u="none" strike="noStrike" cap="none">
           <a:solidFill>
             <a:srgbClr val="000000"/>
           </a:solidFill>
-          <a:latin typeface="Arial"/>
-          <a:ea typeface="Arial"/>
-          <a:cs typeface="Arial"/>
-          <a:sym typeface="Arial"/>
+          <a:latin typeface="Arial" panose="020B0604020202020204"/>
+          <a:ea typeface="Arial" panose="020B0604020202020204"/>
+          <a:cs typeface="Arial" panose="020B0604020202020204"/>
+          <a:sym typeface="Arial" panose="020B0604020202020204"/>
         </a:defRPr>
       </a:lvl9pPr>
     </p:otherStyle>
   </p:txStyles>
-  <p:extLst>
-    <p:ext uri="{27BBF7A9-308A-43DC-89C8-2F10F3537804}">
-      <p15:sldGuideLst xmlns="" xmlns:p15="http://schemas.microsoft.com/office/powerpoint/2012/main">
-        <p15:guide id="1" orient="horz" pos="336">
-          <p15:clr>
-            <a:srgbClr val="EA4335"/>
-          </p15:clr>
-        </p15:guide>
-        <p15:guide id="2" pos="456">
-          <p15:clr>
-            <a:srgbClr val="EA4335"/>
-          </p15:clr>
-        </p15:guide>
-        <p15:guide id="3" orient="horz" pos="2904">
-          <p15:clr>
-            <a:srgbClr val="EA4335"/>
-          </p15:clr>
-        </p15:guide>
-        <p15:guide id="4" pos="5304">
-          <p15:clr>
-            <a:srgbClr val="EA4335"/>
-          </p15:clr>
-        </p15:guide>
-        <p15:guide id="5" orient="horz" pos="1620">
-          <p15:clr>
-            <a:srgbClr val="EA4335"/>
-          </p15:clr>
-        </p15:guide>
-        <p15:guide id="6" pos="2880">
-          <p15:clr>
-            <a:srgbClr val="EA4335"/>
-          </p15:clr>
-        </p15:guide>
-      </p15:sldGuideLst>
-    </p:ext>
-  </p:extLst>
 </p:sldMaster>
 </file>
 
@@ -10389,7 +10197,6 @@
                   </a:spcAft>
                   <a:buNone/>
                 </a:pPr>
-                <a:endParaRPr/>
               </a:p>
             </p:txBody>
           </p:sp>
@@ -10477,7 +10284,6 @@
                   </a:spcAft>
                   <a:buNone/>
                 </a:pPr>
-                <a:endParaRPr/>
               </a:p>
             </p:txBody>
           </p:sp>
@@ -10545,7 +10351,7 @@
                 <a:schemeClr val="dk1"/>
               </a:buClr>
               <a:buSzPts val="1100"/>
-              <a:buFont typeface="Arial"/>
+              <a:buFont typeface="Arial" panose="020B0604020202020204"/>
               <a:buNone/>
             </a:pPr>
             <a:r>
@@ -10681,7 +10487,6 @@
                 </a:spcAft>
                 <a:buNone/>
               </a:pPr>
-              <a:endParaRPr/>
             </a:p>
           </p:txBody>
         </p:sp>
@@ -10817,7 +10622,6 @@
                 </a:spcAft>
                 <a:buNone/>
               </a:pPr>
-              <a:endParaRPr/>
             </a:p>
           </p:txBody>
         </p:sp>
@@ -10931,7 +10735,6 @@
                 </a:spcAft>
                 <a:buNone/>
               </a:pPr>
-              <a:endParaRPr/>
             </a:p>
           </p:txBody>
         </p:sp>
@@ -11067,7 +10870,6 @@
                 </a:spcAft>
                 <a:buNone/>
               </a:pPr>
-              <a:endParaRPr/>
             </a:p>
           </p:txBody>
         </p:sp>
@@ -11207,7 +11009,6 @@
                 </a:spcAft>
                 <a:buNone/>
               </a:pPr>
-              <a:endParaRPr/>
             </a:p>
           </p:txBody>
         </p:sp>
@@ -11277,7 +11078,6 @@
                 </a:spcAft>
                 <a:buNone/>
               </a:pPr>
-              <a:endParaRPr/>
             </a:p>
           </p:txBody>
         </p:sp>
@@ -11394,7 +11194,6 @@
                 </a:spcAft>
                 <a:buNone/>
               </a:pPr>
-              <a:endParaRPr/>
             </a:p>
           </p:txBody>
         </p:sp>
@@ -11501,7 +11300,6 @@
                 </a:spcAft>
                 <a:buNone/>
               </a:pPr>
-              <a:endParaRPr/>
             </a:p>
           </p:txBody>
         </p:sp>
@@ -11596,7 +11394,6 @@
                 </a:spcAft>
                 <a:buNone/>
               </a:pPr>
-              <a:endParaRPr/>
             </a:p>
           </p:txBody>
         </p:sp>
@@ -11688,7 +11485,6 @@
                 </a:spcAft>
                 <a:buNone/>
               </a:pPr>
-              <a:endParaRPr/>
             </a:p>
           </p:txBody>
         </p:sp>
@@ -11790,7 +11586,6 @@
                 </a:spcAft>
                 <a:buNone/>
               </a:pPr>
-              <a:endParaRPr/>
             </a:p>
           </p:txBody>
         </p:sp>
@@ -11848,7 +11643,6 @@
                 </a:spcAft>
                 <a:buNone/>
               </a:pPr>
-              <a:endParaRPr/>
             </a:p>
           </p:txBody>
         </p:sp>
@@ -11906,7 +11700,6 @@
                 </a:spcAft>
                 <a:buNone/>
               </a:pPr>
-              <a:endParaRPr/>
             </a:p>
           </p:txBody>
         </p:sp>
@@ -11993,7 +11786,6 @@
                 </a:spcAft>
                 <a:buNone/>
               </a:pPr>
-              <a:endParaRPr/>
             </a:p>
           </p:txBody>
         </p:sp>
@@ -12081,7 +11873,6 @@
                 </a:spcAft>
                 <a:buNone/>
               </a:pPr>
-              <a:endParaRPr/>
             </a:p>
           </p:txBody>
         </p:sp>
@@ -12189,7 +11980,6 @@
                 </a:spcAft>
                 <a:buNone/>
               </a:pPr>
-              <a:endParaRPr/>
             </a:p>
           </p:txBody>
         </p:sp>
@@ -12269,7 +12059,6 @@
                 </a:spcAft>
                 <a:buNone/>
               </a:pPr>
-              <a:endParaRPr/>
             </a:p>
           </p:txBody>
         </p:sp>
@@ -12367,7 +12156,6 @@
                 </a:spcAft>
                 <a:buNone/>
               </a:pPr>
-              <a:endParaRPr/>
             </a:p>
           </p:txBody>
         </p:sp>
@@ -12444,7 +12232,6 @@
                 </a:spcAft>
                 <a:buNone/>
               </a:pPr>
-              <a:endParaRPr/>
             </a:p>
           </p:txBody>
         </p:sp>
@@ -12584,7 +12371,6 @@
                 </a:spcAft>
                 <a:buNone/>
               </a:pPr>
-              <a:endParaRPr/>
             </a:p>
           </p:txBody>
         </p:sp>
@@ -12689,7 +12475,6 @@
                 </a:spcAft>
                 <a:buNone/>
               </a:pPr>
-              <a:endParaRPr/>
             </a:p>
           </p:txBody>
         </p:sp>
@@ -12764,7 +12549,6 @@
                 </a:spcAft>
                 <a:buNone/>
               </a:pPr>
-              <a:endParaRPr/>
             </a:p>
           </p:txBody>
         </p:sp>
@@ -12960,7 +12744,6 @@
                 </a:spcAft>
                 <a:buNone/>
               </a:pPr>
-              <a:endParaRPr/>
             </a:p>
           </p:txBody>
         </p:sp>
@@ -13060,7 +12843,6 @@
                 </a:spcAft>
                 <a:buNone/>
               </a:pPr>
-              <a:endParaRPr/>
             </a:p>
           </p:txBody>
         </p:sp>
@@ -13137,7 +12919,6 @@
                 </a:spcAft>
                 <a:buNone/>
               </a:pPr>
-              <a:endParaRPr/>
             </a:p>
           </p:txBody>
         </p:sp>
@@ -13197,7 +12978,6 @@
                 </a:spcAft>
                 <a:buNone/>
               </a:pPr>
-              <a:endParaRPr/>
             </a:p>
           </p:txBody>
         </p:sp>
@@ -13257,7 +13037,6 @@
                 </a:spcAft>
                 <a:buNone/>
               </a:pPr>
-              <a:endParaRPr/>
             </a:p>
           </p:txBody>
         </p:sp>
@@ -13342,7 +13121,6 @@
                 </a:spcAft>
                 <a:buNone/>
               </a:pPr>
-              <a:endParaRPr/>
             </a:p>
           </p:txBody>
         </p:sp>
@@ -13490,7 +13268,6 @@
                 </a:spcAft>
                 <a:buNone/>
               </a:pPr>
-              <a:endParaRPr/>
             </a:p>
           </p:txBody>
         </p:sp>
@@ -13573,7 +13350,6 @@
                 </a:spcAft>
                 <a:buNone/>
               </a:pPr>
-              <a:endParaRPr/>
             </a:p>
           </p:txBody>
         </p:sp>
@@ -13631,7 +13407,6 @@
                 </a:spcAft>
                 <a:buNone/>
               </a:pPr>
-              <a:endParaRPr/>
             </a:p>
           </p:txBody>
         </p:sp>
@@ -13719,7 +13494,6 @@
                 </a:spcAft>
                 <a:buNone/>
               </a:pPr>
-              <a:endParaRPr/>
             </a:p>
           </p:txBody>
         </p:sp>
@@ -13861,7 +13635,6 @@
                 </a:spcAft>
                 <a:buNone/>
               </a:pPr>
-              <a:endParaRPr/>
             </a:p>
           </p:txBody>
         </p:sp>
@@ -13989,7 +13762,6 @@
                 </a:spcAft>
                 <a:buNone/>
               </a:pPr>
-              <a:endParaRPr/>
             </a:p>
           </p:txBody>
         </p:sp>
@@ -14074,7 +13846,6 @@
                 </a:spcAft>
                 <a:buNone/>
               </a:pPr>
-              <a:endParaRPr/>
             </a:p>
           </p:txBody>
         </p:sp>
@@ -14145,7 +13916,6 @@
                 </a:spcAft>
                 <a:buNone/>
               </a:pPr>
-              <a:endParaRPr/>
             </a:p>
           </p:txBody>
         </p:sp>
@@ -14236,7 +14006,6 @@
                 </a:spcAft>
                 <a:buNone/>
               </a:pPr>
-              <a:endParaRPr/>
             </a:p>
           </p:txBody>
         </p:sp>
@@ -14330,7 +14099,6 @@
                 </a:spcAft>
                 <a:buNone/>
               </a:pPr>
-              <a:endParaRPr/>
             </a:p>
           </p:txBody>
         </p:sp>
@@ -14418,7 +14186,6 @@
                 </a:spcAft>
                 <a:buNone/>
               </a:pPr>
-              <a:endParaRPr/>
             </a:p>
           </p:txBody>
         </p:sp>
@@ -14506,7 +14273,6 @@
                 </a:spcAft>
                 <a:buNone/>
               </a:pPr>
-              <a:endParaRPr/>
             </a:p>
           </p:txBody>
         </p:sp>
@@ -14604,7 +14370,6 @@
                 </a:spcAft>
                 <a:buNone/>
               </a:pPr>
-              <a:endParaRPr/>
             </a:p>
           </p:txBody>
         </p:sp>
@@ -14686,7 +14451,6 @@
                 </a:spcAft>
                 <a:buNone/>
               </a:pPr>
-              <a:endParaRPr/>
             </a:p>
           </p:txBody>
         </p:sp>
@@ -14774,7 +14538,6 @@
                 </a:spcAft>
                 <a:buNone/>
               </a:pPr>
-              <a:endParaRPr/>
             </a:p>
           </p:txBody>
         </p:sp>
@@ -14864,7 +14627,6 @@
                 </a:spcAft>
                 <a:buNone/>
               </a:pPr>
-              <a:endParaRPr/>
             </a:p>
           </p:txBody>
         </p:sp>
@@ -15021,7 +14783,6 @@
               </a:spcAft>
               <a:buNone/>
             </a:pPr>
-            <a:endParaRPr/>
           </a:p>
         </p:txBody>
       </p:sp>
@@ -15167,7 +14928,6 @@
                 </a:spcAft>
                 <a:buNone/>
               </a:pPr>
-              <a:endParaRPr/>
             </a:p>
           </p:txBody>
         </p:sp>
@@ -15233,7 +14993,6 @@
                 </a:spcAft>
                 <a:buNone/>
               </a:pPr>
-              <a:endParaRPr/>
             </a:p>
           </p:txBody>
         </p:sp>
@@ -15298,7 +15057,6 @@
                 </a:spcAft>
                 <a:buNone/>
               </a:pPr>
-              <a:endParaRPr/>
             </a:p>
           </p:txBody>
         </p:sp>
@@ -15364,7 +15122,6 @@
                 </a:spcAft>
                 <a:buNone/>
               </a:pPr>
-              <a:endParaRPr/>
             </a:p>
           </p:txBody>
         </p:sp>
@@ -15429,7 +15186,6 @@
                 </a:spcAft>
                 <a:buNone/>
               </a:pPr>
-              <a:endParaRPr/>
             </a:p>
           </p:txBody>
         </p:sp>
@@ -15550,7 +15306,6 @@
                 </a:spcAft>
                 <a:buNone/>
               </a:pPr>
-              <a:endParaRPr/>
             </a:p>
           </p:txBody>
         </p:sp>
@@ -15628,7 +15383,6 @@
                 </a:spcAft>
                 <a:buNone/>
               </a:pPr>
-              <a:endParaRPr/>
             </a:p>
           </p:txBody>
         </p:sp>
@@ -15773,7 +15527,6 @@
                 </a:spcAft>
                 <a:buNone/>
               </a:pPr>
-              <a:endParaRPr/>
             </a:p>
           </p:txBody>
         </p:sp>
@@ -15862,7 +15615,6 @@
                 </a:spcAft>
                 <a:buNone/>
               </a:pPr>
-              <a:endParaRPr/>
             </a:p>
           </p:txBody>
         </p:sp>
@@ -15926,7 +15678,6 @@
                 </a:spcAft>
                 <a:buNone/>
               </a:pPr>
-              <a:endParaRPr/>
             </a:p>
           </p:txBody>
         </p:sp>
@@ -16010,7 +15761,6 @@
                 </a:spcAft>
                 <a:buNone/>
               </a:pPr>
-              <a:endParaRPr/>
             </a:p>
           </p:txBody>
         </p:sp>
@@ -16098,7 +15848,6 @@
                 </a:spcAft>
                 <a:buNone/>
               </a:pPr>
-              <a:endParaRPr/>
             </a:p>
           </p:txBody>
         </p:sp>
@@ -16161,7 +15910,6 @@
                 </a:spcAft>
                 <a:buNone/>
               </a:pPr>
-              <a:endParaRPr/>
             </a:p>
           </p:txBody>
         </p:sp>
@@ -16226,7 +15974,6 @@
                 </a:spcAft>
                 <a:buNone/>
               </a:pPr>
-              <a:endParaRPr/>
             </a:p>
           </p:txBody>
         </p:sp>
@@ -16343,7 +16090,6 @@
                 </a:spcAft>
                 <a:buNone/>
               </a:pPr>
-              <a:endParaRPr/>
             </a:p>
           </p:txBody>
         </p:sp>
@@ -16428,7 +16174,6 @@
                 </a:spcAft>
                 <a:buNone/>
               </a:pPr>
-              <a:endParaRPr/>
             </a:p>
           </p:txBody>
         </p:sp>
@@ -16492,7 +16237,6 @@
                 </a:spcAft>
                 <a:buNone/>
               </a:pPr>
-              <a:endParaRPr/>
             </a:p>
           </p:txBody>
         </p:sp>
@@ -16560,7 +16304,6 @@
                 </a:spcAft>
                 <a:buNone/>
               </a:pPr>
-              <a:endParaRPr/>
             </a:p>
           </p:txBody>
         </p:sp>
@@ -16663,7 +16406,6 @@
                 </a:spcAft>
                 <a:buNone/>
               </a:pPr>
-              <a:endParaRPr/>
             </a:p>
           </p:txBody>
         </p:sp>
@@ -16761,7 +16503,6 @@
                 </a:spcAft>
                 <a:buNone/>
               </a:pPr>
-              <a:endParaRPr/>
             </a:p>
           </p:txBody>
         </p:sp>
@@ -16892,7 +16633,6 @@
                 </a:spcAft>
                 <a:buNone/>
               </a:pPr>
-              <a:endParaRPr/>
             </a:p>
           </p:txBody>
         </p:sp>
@@ -16956,7 +16696,6 @@
                 </a:spcAft>
                 <a:buNone/>
               </a:pPr>
-              <a:endParaRPr/>
             </a:p>
           </p:txBody>
         </p:sp>
@@ -17031,7 +16770,6 @@
                 </a:spcAft>
                 <a:buNone/>
               </a:pPr>
-              <a:endParaRPr/>
             </a:p>
           </p:txBody>
         </p:sp>
@@ -17095,7 +16833,6 @@
                 </a:spcAft>
                 <a:buNone/>
               </a:pPr>
-              <a:endParaRPr/>
             </a:p>
           </p:txBody>
         </p:sp>
@@ -17159,7 +16896,6 @@
                 </a:spcAft>
                 <a:buNone/>
               </a:pPr>
-              <a:endParaRPr/>
             </a:p>
           </p:txBody>
         </p:sp>
@@ -17223,7 +16959,6 @@
                 </a:spcAft>
                 <a:buNone/>
               </a:pPr>
-              <a:endParaRPr/>
             </a:p>
           </p:txBody>
         </p:sp>
@@ -17287,7 +17022,6 @@
                 </a:spcAft>
                 <a:buNone/>
               </a:pPr>
-              <a:endParaRPr/>
             </a:p>
           </p:txBody>
         </p:sp>
@@ -17351,7 +17085,6 @@
                 </a:spcAft>
                 <a:buNone/>
               </a:pPr>
-              <a:endParaRPr/>
             </a:p>
           </p:txBody>
         </p:sp>
@@ -17415,7 +17148,6 @@
                 </a:spcAft>
                 <a:buNone/>
               </a:pPr>
-              <a:endParaRPr/>
             </a:p>
           </p:txBody>
         </p:sp>
@@ -17561,7 +17293,6 @@
                 </a:spcAft>
                 <a:buNone/>
               </a:pPr>
-              <a:endParaRPr/>
             </a:p>
           </p:txBody>
         </p:sp>
@@ -17702,7 +17433,6 @@
                 </a:spcAft>
                 <a:buNone/>
               </a:pPr>
-              <a:endParaRPr/>
             </a:p>
           </p:txBody>
         </p:sp>
@@ -17782,7 +17512,6 @@
                 </a:spcAft>
                 <a:buNone/>
               </a:pPr>
-              <a:endParaRPr/>
             </a:p>
           </p:txBody>
         </p:sp>
@@ -17846,7 +17575,6 @@
                 </a:spcAft>
                 <a:buNone/>
               </a:pPr>
-              <a:endParaRPr/>
             </a:p>
           </p:txBody>
         </p:sp>
@@ -17925,7 +17653,6 @@
                 </a:spcAft>
                 <a:buNone/>
               </a:pPr>
-              <a:endParaRPr/>
             </a:p>
           </p:txBody>
         </p:sp>
@@ -18052,7 +17779,6 @@
                 </a:spcAft>
                 <a:buNone/>
               </a:pPr>
-              <a:endParaRPr/>
             </a:p>
           </p:txBody>
         </p:sp>
@@ -18140,7 +17866,6 @@
                 </a:spcAft>
                 <a:buNone/>
               </a:pPr>
-              <a:endParaRPr/>
             </a:p>
           </p:txBody>
         </p:sp>
@@ -18204,7 +17929,6 @@
                 </a:spcAft>
                 <a:buNone/>
               </a:pPr>
-              <a:endParaRPr/>
             </a:p>
           </p:txBody>
         </p:sp>
@@ -18286,7 +18010,6 @@
                 </a:spcAft>
                 <a:buNone/>
               </a:pPr>
-              <a:endParaRPr/>
             </a:p>
           </p:txBody>
         </p:sp>
@@ -18369,7 +18092,6 @@
                 </a:spcAft>
                 <a:buNone/>
               </a:pPr>
-              <a:endParaRPr/>
             </a:p>
           </p:txBody>
         </p:sp>
@@ -18509,6 +18231,10 @@
               </a:rPr>
               <a:t>1207050046)</a:t>
             </a:r>
+            <a:endParaRPr lang="en-AU" altLang="en-US" b="1" dirty="0">
+              <a:latin typeface="Footlight MT Light" panose="0204060206030A020304" pitchFamily="18" charset="0"/>
+              <a:ea typeface="Itim" charset="0"/>
+            </a:endParaRPr>
           </a:p>
           <a:p>
             <a:pPr lvl="0" algn="just">
@@ -18568,6 +18294,10 @@
               </a:rPr>
               <a:t>1207050051)</a:t>
             </a:r>
+            <a:endParaRPr lang="en-AU" altLang="en-US" b="1" dirty="0">
+              <a:latin typeface="Footlight MT Light" panose="0204060206030A020304" pitchFamily="18" charset="0"/>
+              <a:ea typeface="Itim" charset="0"/>
+            </a:endParaRPr>
           </a:p>
           <a:p>
             <a:pPr lvl="0" algn="just">
@@ -18641,6 +18371,10 @@
               </a:rPr>
               <a:t>1207050060)</a:t>
             </a:r>
+            <a:endParaRPr lang="en-AU" altLang="en-US" b="1" dirty="0">
+              <a:latin typeface="Footlight MT Light" panose="0204060206030A020304" pitchFamily="18" charset="0"/>
+              <a:ea typeface="Itim" charset="0"/>
+            </a:endParaRPr>
           </a:p>
           <a:p>
             <a:pPr lvl="0" algn="just">
@@ -18693,6 +18427,10 @@
               </a:rPr>
               <a:t>1207050059)</a:t>
             </a:r>
+            <a:endParaRPr lang="en-AU" altLang="en-US" b="1" dirty="0">
+              <a:latin typeface="Footlight MT Light" panose="0204060206030A020304" pitchFamily="18" charset="0"/>
+              <a:ea typeface="Itim" charset="0"/>
+            </a:endParaRPr>
           </a:p>
           <a:p>
             <a:pPr lvl="0" algn="just">
@@ -18780,6 +18518,10 @@
               </a:rPr>
               <a:t>1207050134)</a:t>
             </a:r>
+            <a:endParaRPr lang="en-AU" altLang="en-US" b="1" dirty="0">
+              <a:latin typeface="Footlight MT Light" panose="0204060206030A020304" pitchFamily="18" charset="0"/>
+              <a:ea typeface="Itim" charset="0"/>
+            </a:endParaRPr>
           </a:p>
           <a:p>
             <a:pPr marL="457200" lvl="0" indent="-457200">
@@ -18806,11 +18548,6 @@
         </p:txBody>
       </p:sp>
     </p:spTree>
-    <p:extLst>
-      <p:ext uri="{BB962C8B-B14F-4D97-AF65-F5344CB8AC3E}">
-        <p14:creationId xmlns:p14="http://schemas.microsoft.com/office/powerpoint/2010/main" val="2723982886"/>
-      </p:ext>
-    </p:extLst>
   </p:cSld>
   <p:clrMapOvr>
     <a:masterClrMapping/>
@@ -18879,7 +18616,6 @@
               </a:spcAft>
               <a:buNone/>
             </a:pPr>
-            <a:endParaRPr/>
           </a:p>
         </p:txBody>
       </p:sp>
@@ -18937,7 +18673,6 @@
                 </a:spcAft>
                 <a:buNone/>
               </a:pPr>
-              <a:endParaRPr/>
             </a:p>
           </p:txBody>
         </p:sp>
@@ -18977,7 +18712,6 @@
                 </a:spcAft>
                 <a:buNone/>
               </a:pPr>
-              <a:endParaRPr/>
             </a:p>
           </p:txBody>
         </p:sp>
@@ -19036,7 +18770,6 @@
                 </a:spcAft>
                 <a:buNone/>
               </a:pPr>
-              <a:endParaRPr/>
             </a:p>
           </p:txBody>
         </p:sp>
@@ -19076,7 +18809,6 @@
                 </a:spcAft>
                 <a:buNone/>
               </a:pPr>
-              <a:endParaRPr/>
             </a:p>
           </p:txBody>
         </p:sp>
@@ -19223,7 +18955,6 @@
                 </a:spcAft>
                 <a:buNone/>
               </a:pPr>
-              <a:endParaRPr/>
             </a:p>
           </p:txBody>
         </p:sp>
@@ -19289,7 +19020,6 @@
                 </a:spcAft>
                 <a:buNone/>
               </a:pPr>
-              <a:endParaRPr/>
             </a:p>
           </p:txBody>
         </p:sp>
@@ -19354,7 +19084,6 @@
                 </a:spcAft>
                 <a:buNone/>
               </a:pPr>
-              <a:endParaRPr/>
             </a:p>
           </p:txBody>
         </p:sp>
@@ -19420,7 +19149,6 @@
                 </a:spcAft>
                 <a:buNone/>
               </a:pPr>
-              <a:endParaRPr/>
             </a:p>
           </p:txBody>
         </p:sp>
@@ -19485,7 +19213,6 @@
                 </a:spcAft>
                 <a:buNone/>
               </a:pPr>
-              <a:endParaRPr/>
             </a:p>
           </p:txBody>
         </p:sp>
@@ -19606,7 +19333,6 @@
                 </a:spcAft>
                 <a:buNone/>
               </a:pPr>
-              <a:endParaRPr/>
             </a:p>
           </p:txBody>
         </p:sp>
@@ -19684,7 +19410,6 @@
                 </a:spcAft>
                 <a:buNone/>
               </a:pPr>
-              <a:endParaRPr/>
             </a:p>
           </p:txBody>
         </p:sp>
@@ -19829,7 +19554,6 @@
                 </a:spcAft>
                 <a:buNone/>
               </a:pPr>
-              <a:endParaRPr/>
             </a:p>
           </p:txBody>
         </p:sp>
@@ -19918,7 +19642,6 @@
                 </a:spcAft>
                 <a:buNone/>
               </a:pPr>
-              <a:endParaRPr/>
             </a:p>
           </p:txBody>
         </p:sp>
@@ -19982,7 +19705,6 @@
                 </a:spcAft>
                 <a:buNone/>
               </a:pPr>
-              <a:endParaRPr/>
             </a:p>
           </p:txBody>
         </p:sp>
@@ -20066,7 +19788,6 @@
                 </a:spcAft>
                 <a:buNone/>
               </a:pPr>
-              <a:endParaRPr/>
             </a:p>
           </p:txBody>
         </p:sp>
@@ -20154,7 +19875,6 @@
                 </a:spcAft>
                 <a:buNone/>
               </a:pPr>
-              <a:endParaRPr/>
             </a:p>
           </p:txBody>
         </p:sp>
@@ -20217,7 +19937,6 @@
                 </a:spcAft>
                 <a:buNone/>
               </a:pPr>
-              <a:endParaRPr/>
             </a:p>
           </p:txBody>
         </p:sp>
@@ -20282,7 +20001,6 @@
                 </a:spcAft>
                 <a:buNone/>
               </a:pPr>
-              <a:endParaRPr/>
             </a:p>
           </p:txBody>
         </p:sp>
@@ -20399,7 +20117,6 @@
                 </a:spcAft>
                 <a:buNone/>
               </a:pPr>
-              <a:endParaRPr/>
             </a:p>
           </p:txBody>
         </p:sp>
@@ -20484,7 +20201,6 @@
                 </a:spcAft>
                 <a:buNone/>
               </a:pPr>
-              <a:endParaRPr/>
             </a:p>
           </p:txBody>
         </p:sp>
@@ -20548,7 +20264,6 @@
                 </a:spcAft>
                 <a:buNone/>
               </a:pPr>
-              <a:endParaRPr/>
             </a:p>
           </p:txBody>
         </p:sp>
@@ -20616,7 +20331,6 @@
                 </a:spcAft>
                 <a:buNone/>
               </a:pPr>
-              <a:endParaRPr/>
             </a:p>
           </p:txBody>
         </p:sp>
@@ -20719,7 +20433,6 @@
                 </a:spcAft>
                 <a:buNone/>
               </a:pPr>
-              <a:endParaRPr/>
             </a:p>
           </p:txBody>
         </p:sp>
@@ -20817,7 +20530,6 @@
                 </a:spcAft>
                 <a:buNone/>
               </a:pPr>
-              <a:endParaRPr/>
             </a:p>
           </p:txBody>
         </p:sp>
@@ -20948,7 +20660,6 @@
                 </a:spcAft>
                 <a:buNone/>
               </a:pPr>
-              <a:endParaRPr/>
             </a:p>
           </p:txBody>
         </p:sp>
@@ -21012,7 +20723,6 @@
                 </a:spcAft>
                 <a:buNone/>
               </a:pPr>
-              <a:endParaRPr/>
             </a:p>
           </p:txBody>
         </p:sp>
@@ -21087,7 +20797,6 @@
                 </a:spcAft>
                 <a:buNone/>
               </a:pPr>
-              <a:endParaRPr/>
             </a:p>
           </p:txBody>
         </p:sp>
@@ -21151,7 +20860,6 @@
                 </a:spcAft>
                 <a:buNone/>
               </a:pPr>
-              <a:endParaRPr/>
             </a:p>
           </p:txBody>
         </p:sp>
@@ -21215,7 +20923,6 @@
                 </a:spcAft>
                 <a:buNone/>
               </a:pPr>
-              <a:endParaRPr/>
             </a:p>
           </p:txBody>
         </p:sp>
@@ -21279,7 +20986,6 @@
                 </a:spcAft>
                 <a:buNone/>
               </a:pPr>
-              <a:endParaRPr/>
             </a:p>
           </p:txBody>
         </p:sp>
@@ -21343,7 +21049,6 @@
                 </a:spcAft>
                 <a:buNone/>
               </a:pPr>
-              <a:endParaRPr/>
             </a:p>
           </p:txBody>
         </p:sp>
@@ -21407,7 +21112,6 @@
                 </a:spcAft>
                 <a:buNone/>
               </a:pPr>
-              <a:endParaRPr/>
             </a:p>
           </p:txBody>
         </p:sp>
@@ -21471,7 +21175,6 @@
                 </a:spcAft>
                 <a:buNone/>
               </a:pPr>
-              <a:endParaRPr/>
             </a:p>
           </p:txBody>
         </p:sp>
@@ -21617,7 +21320,6 @@
                 </a:spcAft>
                 <a:buNone/>
               </a:pPr>
-              <a:endParaRPr/>
             </a:p>
           </p:txBody>
         </p:sp>
@@ -21758,7 +21460,6 @@
                 </a:spcAft>
                 <a:buNone/>
               </a:pPr>
-              <a:endParaRPr/>
             </a:p>
           </p:txBody>
         </p:sp>
@@ -21838,7 +21539,6 @@
                 </a:spcAft>
                 <a:buNone/>
               </a:pPr>
-              <a:endParaRPr/>
             </a:p>
           </p:txBody>
         </p:sp>
@@ -21902,7 +21602,6 @@
                 </a:spcAft>
                 <a:buNone/>
               </a:pPr>
-              <a:endParaRPr/>
             </a:p>
           </p:txBody>
         </p:sp>
@@ -21981,7 +21680,6 @@
                 </a:spcAft>
                 <a:buNone/>
               </a:pPr>
-              <a:endParaRPr/>
             </a:p>
           </p:txBody>
         </p:sp>
@@ -22108,7 +21806,6 @@
                 </a:spcAft>
                 <a:buNone/>
               </a:pPr>
-              <a:endParaRPr/>
             </a:p>
           </p:txBody>
         </p:sp>
@@ -22196,7 +21893,6 @@
                 </a:spcAft>
                 <a:buNone/>
               </a:pPr>
-              <a:endParaRPr/>
             </a:p>
           </p:txBody>
         </p:sp>
@@ -22260,7 +21956,6 @@
                 </a:spcAft>
                 <a:buNone/>
               </a:pPr>
-              <a:endParaRPr/>
             </a:p>
           </p:txBody>
         </p:sp>
@@ -22342,7 +22037,6 @@
                 </a:spcAft>
                 <a:buNone/>
               </a:pPr>
-              <a:endParaRPr/>
             </a:p>
           </p:txBody>
         </p:sp>
@@ -22425,7 +22119,6 @@
                 </a:spcAft>
                 <a:buNone/>
               </a:pPr>
-              <a:endParaRPr/>
             </a:p>
           </p:txBody>
         </p:sp>
@@ -22491,7 +22184,7 @@
               <a:buNone/>
             </a:pPr>
             <a:r>
-              <a:rPr lang="en" b="1" dirty="0" smtClean="0">
+              <a:rPr lang="en-GB" b="1" dirty="0" smtClean="0">
                 <a:solidFill>
                   <a:srgbClr val="0A0A0A"/>
                 </a:solidFill>
@@ -22560,7 +22253,6 @@
               </a:spcAft>
               <a:buNone/>
             </a:pPr>
-            <a:endParaRPr/>
           </a:p>
         </p:txBody>
       </p:sp>
@@ -22599,7 +22291,7 @@
               <a:buNone/>
             </a:pPr>
             <a:r>
-              <a:rPr lang="en" sz="2000" b="1" dirty="0">
+              <a:rPr lang="en-GB" sz="2000" b="1" dirty="0">
                 <a:solidFill>
                   <a:schemeClr val="lt1"/>
                 </a:solidFill>
@@ -22683,7 +22375,7 @@
               <a:buNone/>
             </a:pPr>
             <a:r>
-              <a:rPr lang="en" b="1" dirty="0" smtClean="0">
+              <a:rPr lang="en-GB" b="1" dirty="0" smtClean="0">
                 <a:solidFill>
                   <a:srgbClr val="0A0A0A"/>
                 </a:solidFill>
@@ -22767,7 +22459,7 @@
               <a:buNone/>
             </a:pPr>
             <a:r>
-              <a:rPr lang="en" b="1" dirty="0" smtClean="0">
+              <a:rPr lang="en-GB" b="1" dirty="0" smtClean="0">
                 <a:solidFill>
                   <a:srgbClr val="0A0A0A"/>
                 </a:solidFill>
@@ -22844,7 +22536,6 @@
                 </a:spcAft>
                 <a:buNone/>
               </a:pPr>
-              <a:endParaRPr/>
             </a:p>
           </p:txBody>
         </p:sp>
@@ -22884,7 +22575,6 @@
                 </a:spcAft>
                 <a:buNone/>
               </a:pPr>
-              <a:endParaRPr/>
             </a:p>
           </p:txBody>
         </p:sp>
@@ -23021,7 +22711,6 @@
               </a:spcAft>
               <a:buNone/>
             </a:pPr>
-            <a:endParaRPr/>
           </a:p>
         </p:txBody>
       </p:sp>
@@ -23060,7 +22749,7 @@
               <a:buNone/>
             </a:pPr>
             <a:r>
-              <a:rPr lang="en" sz="2000" b="1" dirty="0">
+              <a:rPr lang="en-GB" sz="2000" b="1" dirty="0">
                 <a:solidFill>
                   <a:schemeClr val="lt1"/>
                 </a:solidFill>
@@ -23129,7 +22818,6 @@
               </a:spcAft>
               <a:buNone/>
             </a:pPr>
-            <a:endParaRPr/>
           </a:p>
         </p:txBody>
       </p:sp>
@@ -23171,6 +22859,15 @@
               </a:rPr>
               <a:t>Step 3</a:t>
             </a:r>
+            <a:endParaRPr lang="en-US" sz="2000" b="1" dirty="0">
+              <a:solidFill>
+                <a:schemeClr val="lt1"/>
+              </a:solidFill>
+              <a:latin typeface="Lexend"/>
+              <a:ea typeface="Lexend"/>
+              <a:cs typeface="Lexend"/>
+              <a:sym typeface="Lexend"/>
+            </a:endParaRPr>
           </a:p>
         </p:txBody>
       </p:sp>
@@ -23190,7 +22887,6 @@
               <a:gd name="adj" fmla="val 50000"/>
             </a:avLst>
           </a:prstGeom>
-          <a:ln/>
         </p:spPr>
         <p:style>
           <a:lnRef idx="1">
@@ -23221,7 +22917,6 @@
               </a:spcAft>
               <a:buNone/>
             </a:pPr>
-            <a:endParaRPr/>
           </a:p>
         </p:txBody>
       </p:sp>
@@ -23782,9 +23477,7 @@
           <p:nvPr/>
         </p:nvPicPr>
         <p:blipFill>
-          <a:blip r:embed="rId3">
-            <a:alphaModFix/>
-          </a:blip>
+          <a:blip r:embed="rId1"/>
           <a:stretch>
             <a:fillRect/>
           </a:stretch>
@@ -23894,7 +23587,6 @@
                 </a:spcAft>
                 <a:buNone/>
               </a:pPr>
-              <a:endParaRPr/>
             </a:p>
           </p:txBody>
         </p:sp>
@@ -23983,7 +23675,6 @@
                 </a:spcAft>
                 <a:buNone/>
               </a:pPr>
-              <a:endParaRPr/>
             </a:p>
           </p:txBody>
         </p:sp>
@@ -24055,7 +23746,6 @@
                 </a:spcAft>
                 <a:buNone/>
               </a:pPr>
-              <a:endParaRPr/>
             </a:p>
           </p:txBody>
         </p:sp>
@@ -24136,7 +23826,6 @@
                 </a:spcAft>
                 <a:buNone/>
               </a:pPr>
-              <a:endParaRPr/>
             </a:p>
           </p:txBody>
         </p:sp>
@@ -24247,7 +23936,6 @@
                 </a:spcAft>
                 <a:buNone/>
               </a:pPr>
-              <a:endParaRPr/>
             </a:p>
           </p:txBody>
         </p:sp>
@@ -24383,7 +24071,6 @@
                 </a:spcAft>
                 <a:buNone/>
               </a:pPr>
-              <a:endParaRPr/>
             </a:p>
           </p:txBody>
         </p:sp>
@@ -24494,7 +24181,6 @@
                 </a:spcAft>
                 <a:buNone/>
               </a:pPr>
-              <a:endParaRPr/>
             </a:p>
           </p:txBody>
         </p:sp>
@@ -24630,7 +24316,6 @@
                 </a:spcAft>
                 <a:buNone/>
               </a:pPr>
-              <a:endParaRPr/>
             </a:p>
           </p:txBody>
         </p:sp>
@@ -24743,7 +24428,6 @@
                 </a:spcAft>
                 <a:buNone/>
               </a:pPr>
-              <a:endParaRPr/>
             </a:p>
           </p:txBody>
         </p:sp>
@@ -24879,7 +24563,6 @@
                 </a:spcAft>
                 <a:buNone/>
               </a:pPr>
-              <a:endParaRPr/>
             </a:p>
           </p:txBody>
         </p:sp>
@@ -24975,7 +24658,6 @@
                 </a:spcAft>
                 <a:buNone/>
               </a:pPr>
-              <a:endParaRPr/>
             </a:p>
           </p:txBody>
         </p:sp>
@@ -25064,7 +24746,6 @@
                 </a:spcAft>
                 <a:buNone/>
               </a:pPr>
-              <a:endParaRPr/>
             </a:p>
           </p:txBody>
         </p:sp>
@@ -25150,7 +24831,6 @@
                 </a:spcAft>
                 <a:buNone/>
               </a:pPr>
-              <a:endParaRPr/>
             </a:p>
           </p:txBody>
         </p:sp>
@@ -25164,7 +24844,7 @@
           <p:nvPr/>
         </p:nvPicPr>
         <p:blipFill>
-          <a:blip r:embed="rId4">
+          <a:blip r:embed="rId2">
             <a:extLst>
               <a:ext uri="{28A0092B-C50C-407E-A947-70E740481C1C}">
                 <a14:useLocalDpi xmlns:a14="http://schemas.microsoft.com/office/drawing/2010/main" val="0"/>
@@ -25220,11 +24900,6 @@
         </p:spPr>
       </p:pic>
     </p:spTree>
-    <p:extLst>
-      <p:ext uri="{BB962C8B-B14F-4D97-AF65-F5344CB8AC3E}">
-        <p14:creationId xmlns:p14="http://schemas.microsoft.com/office/powerpoint/2010/main" val="3733804439"/>
-      </p:ext>
-    </p:extLst>
   </p:cSld>
   <p:clrMapOvr>
     <a:masterClrMapping/>
@@ -25371,7 +25046,6 @@
               </a:spcAft>
               <a:buNone/>
             </a:pPr>
-            <a:endParaRPr/>
           </a:p>
         </p:txBody>
       </p:sp>
@@ -25403,10 +25077,6 @@
             <a:r>
               <a:rPr lang="en-AU" b="0" dirty="0"/>
               <a:t>Add dependencies and internet permission</a:t>
-            </a:r>
-            <a:r>
-              <a:rPr lang="en-US" dirty="0"/>
-              <a:t/>
             </a:r>
             <a:br>
               <a:rPr lang="en-US" dirty="0"/>
@@ -25524,7 +25194,6 @@
                 </a:spcAft>
                 <a:buNone/>
               </a:pPr>
-              <a:endParaRPr/>
             </a:p>
           </p:txBody>
         </p:sp>
@@ -25617,7 +25286,6 @@
                 </a:spcAft>
                 <a:buNone/>
               </a:pPr>
-              <a:endParaRPr/>
             </a:p>
           </p:txBody>
         </p:sp>
@@ -25713,7 +25381,6 @@
                 </a:spcAft>
                 <a:buNone/>
               </a:pPr>
-              <a:endParaRPr/>
             </a:p>
           </p:txBody>
         </p:sp>
@@ -25811,7 +25478,6 @@
                 </a:spcAft>
                 <a:buNone/>
               </a:pPr>
-              <a:endParaRPr/>
             </a:p>
           </p:txBody>
         </p:sp>
@@ -25900,7 +25566,6 @@
                 </a:spcAft>
                 <a:buNone/>
               </a:pPr>
-              <a:endParaRPr/>
             </a:p>
           </p:txBody>
         </p:sp>
@@ -25977,7 +25642,6 @@
                 </a:spcAft>
                 <a:buNone/>
               </a:pPr>
-              <a:endParaRPr/>
             </a:p>
           </p:txBody>
         </p:sp>
@@ -26035,7 +25699,6 @@
                 </a:spcAft>
                 <a:buNone/>
               </a:pPr>
-              <a:endParaRPr/>
             </a:p>
           </p:txBody>
         </p:sp>
@@ -26098,7 +25761,6 @@
                 </a:spcAft>
                 <a:buNone/>
               </a:pPr>
-              <a:endParaRPr/>
             </a:p>
           </p:txBody>
         </p:sp>
@@ -26162,7 +25824,6 @@
                 </a:spcAft>
                 <a:buNone/>
               </a:pPr>
-              <a:endParaRPr/>
             </a:p>
           </p:txBody>
         </p:sp>
@@ -26280,7 +25941,6 @@
                 </a:spcAft>
                 <a:buNone/>
               </a:pPr>
-              <a:endParaRPr/>
             </a:p>
           </p:txBody>
         </p:sp>
@@ -26411,7 +26071,6 @@
                 </a:spcAft>
                 <a:buNone/>
               </a:pPr>
-              <a:endParaRPr/>
             </a:p>
           </p:txBody>
         </p:sp>
@@ -26508,7 +26167,6 @@
                 </a:spcAft>
                 <a:buNone/>
               </a:pPr>
-              <a:endParaRPr/>
             </a:p>
           </p:txBody>
         </p:sp>
@@ -26596,7 +26254,6 @@
                 </a:spcAft>
                 <a:buNone/>
               </a:pPr>
-              <a:endParaRPr/>
             </a:p>
           </p:txBody>
         </p:sp>
@@ -26699,7 +26356,6 @@
                 </a:spcAft>
                 <a:buNone/>
               </a:pPr>
-              <a:endParaRPr/>
             </a:p>
           </p:txBody>
         </p:sp>
@@ -26757,7 +26413,6 @@
                 </a:spcAft>
                 <a:buNone/>
               </a:pPr>
-              <a:endParaRPr/>
             </a:p>
           </p:txBody>
         </p:sp>
@@ -26837,7 +26492,6 @@
                 </a:spcAft>
                 <a:buNone/>
               </a:pPr>
-              <a:endParaRPr/>
             </a:p>
           </p:txBody>
         </p:sp>
@@ -26911,7 +26565,6 @@
                 </a:spcAft>
                 <a:buNone/>
               </a:pPr>
-              <a:endParaRPr/>
             </a:p>
           </p:txBody>
         </p:sp>
@@ -26974,7 +26627,6 @@
                 </a:spcAft>
                 <a:buNone/>
               </a:pPr>
-              <a:endParaRPr/>
             </a:p>
           </p:txBody>
         </p:sp>
@@ -27037,7 +26689,6 @@
                 </a:spcAft>
                 <a:buNone/>
               </a:pPr>
-              <a:endParaRPr/>
             </a:p>
           </p:txBody>
         </p:sp>
@@ -27112,7 +26763,6 @@
                 </a:spcAft>
                 <a:buNone/>
               </a:pPr>
-              <a:endParaRPr/>
             </a:p>
           </p:txBody>
         </p:sp>
@@ -27230,7 +26880,6 @@
                 </a:spcAft>
                 <a:buNone/>
               </a:pPr>
-              <a:endParaRPr/>
             </a:p>
           </p:txBody>
         </p:sp>
@@ -27305,7 +26954,6 @@
                 </a:spcAft>
                 <a:buNone/>
               </a:pPr>
-              <a:endParaRPr/>
             </a:p>
           </p:txBody>
         </p:sp>
@@ -27389,7 +27037,6 @@
                 </a:spcAft>
                 <a:buNone/>
               </a:pPr>
-              <a:endParaRPr/>
             </a:p>
           </p:txBody>
         </p:sp>
@@ -27470,7 +27117,6 @@
                 </a:spcAft>
                 <a:buNone/>
               </a:pPr>
-              <a:endParaRPr/>
             </a:p>
           </p:txBody>
         </p:sp>
@@ -27531,7 +27177,6 @@
                 </a:spcAft>
                 <a:buNone/>
               </a:pPr>
-              <a:endParaRPr/>
             </a:p>
           </p:txBody>
         </p:sp>
@@ -27609,7 +27254,6 @@
                 </a:spcAft>
                 <a:buNone/>
               </a:pPr>
-              <a:endParaRPr/>
             </a:p>
           </p:txBody>
         </p:sp>
@@ -27690,7 +27334,6 @@
                 </a:spcAft>
                 <a:buNone/>
               </a:pPr>
-              <a:endParaRPr/>
             </a:p>
           </p:txBody>
         </p:sp>
@@ -27780,7 +27423,6 @@
                 </a:spcAft>
                 <a:buNone/>
               </a:pPr>
-              <a:endParaRPr/>
             </a:p>
           </p:txBody>
         </p:sp>
@@ -27852,7 +27494,6 @@
                 </a:spcAft>
                 <a:buNone/>
               </a:pPr>
-              <a:endParaRPr/>
             </a:p>
           </p:txBody>
         </p:sp>
@@ -27895,7 +27536,6 @@
               </a:spcAft>
               <a:buNone/>
             </a:pPr>
-            <a:endParaRPr/>
           </a:p>
         </p:txBody>
       </p:sp>
@@ -27997,10 +27637,10 @@
                 <a:solidFill>
                   <a:srgbClr val="0A0A0A"/>
                 </a:solidFill>
-                <a:latin typeface="Mukta"/>
-                <a:ea typeface="Mukta"/>
-                <a:cs typeface="Mukta"/>
-                <a:sym typeface="Mukta"/>
+                <a:latin typeface="Mukta" panose="020B0000000000000000"/>
+                <a:ea typeface="Mukta" panose="020B0000000000000000"/>
+                <a:cs typeface="Mukta" panose="020B0000000000000000"/>
+                <a:sym typeface="Mukta" panose="020B0000000000000000"/>
               </a:endParaRPr>
             </a:p>
           </p:txBody>
@@ -28136,10 +27776,10 @@
               <a:solidFill>
                 <a:srgbClr val="0A0A0A"/>
               </a:solidFill>
-              <a:latin typeface="Mukta"/>
-              <a:ea typeface="Mukta"/>
-              <a:cs typeface="Mukta"/>
-              <a:sym typeface="Mukta"/>
+              <a:latin typeface="Mukta" panose="020B0000000000000000"/>
+              <a:ea typeface="Mukta" panose="020B0000000000000000"/>
+              <a:cs typeface="Mukta" panose="020B0000000000000000"/>
+              <a:sym typeface="Mukta" panose="020B0000000000000000"/>
             </a:endParaRPr>
           </a:p>
         </p:txBody>
@@ -28182,7 +27822,6 @@
               </a:spcAft>
               <a:buNone/>
             </a:pPr>
-            <a:endParaRPr/>
           </a:p>
         </p:txBody>
       </p:sp>
@@ -28258,10 +27897,10 @@
               <a:solidFill>
                 <a:srgbClr val="0A0A0A"/>
               </a:solidFill>
-              <a:latin typeface="Mukta"/>
-              <a:ea typeface="Mukta"/>
-              <a:cs typeface="Mukta"/>
-              <a:sym typeface="Mukta"/>
+              <a:latin typeface="Mukta" panose="020B0000000000000000"/>
+              <a:ea typeface="Mukta" panose="020B0000000000000000"/>
+              <a:cs typeface="Mukta" panose="020B0000000000000000"/>
+              <a:sym typeface="Mukta" panose="020B0000000000000000"/>
             </a:endParaRPr>
           </a:p>
         </p:txBody>
@@ -28358,10 +27997,10 @@
               <a:solidFill>
                 <a:srgbClr val="0A0A0A"/>
               </a:solidFill>
-              <a:latin typeface="Mukta"/>
-              <a:ea typeface="Mukta"/>
-              <a:cs typeface="Mukta"/>
-              <a:sym typeface="Mukta"/>
+              <a:latin typeface="Mukta" panose="020B0000000000000000"/>
+              <a:ea typeface="Mukta" panose="020B0000000000000000"/>
+              <a:cs typeface="Mukta" panose="020B0000000000000000"/>
+              <a:sym typeface="Mukta" panose="020B0000000000000000"/>
             </a:endParaRPr>
           </a:p>
         </p:txBody>
@@ -28533,23 +28172,6 @@
               </a:rPr>
               <a:t> button</a:t>
             </a:r>
-            <a:r>
-              <a:rPr lang="en-AU" altLang="en-US" sz="1800" dirty="0">
-                <a:solidFill>
-                  <a:schemeClr val="bg1"/>
-                </a:solidFill>
-                <a:effectLst>
-                  <a:outerShdw blurRad="38100" dist="38100" dir="2700000" algn="tl">
-                    <a:srgbClr val="000000">
-                      <a:alpha val="43137"/>
-                    </a:srgbClr>
-                  </a:outerShdw>
-                </a:effectLst>
-                <a:latin typeface="Square721 BT" panose="020B0504020202060204" pitchFamily="34" charset="0"/>
-                <a:ea typeface="Rubik" charset="0"/>
-              </a:rPr>
-              <a:t/>
-            </a:r>
             <a:br>
               <a:rPr lang="en-AU" altLang="en-US" sz="1800" dirty="0">
                 <a:solidFill>
@@ -28577,9 +28199,7 @@
           <p:nvPr/>
         </p:nvPicPr>
         <p:blipFill>
-          <a:blip r:embed="rId3">
-            <a:alphaModFix/>
-          </a:blip>
+          <a:blip r:embed="rId1"/>
           <a:stretch>
             <a:fillRect/>
           </a:stretch>
@@ -28689,7 +28309,6 @@
                 </a:spcAft>
                 <a:buNone/>
               </a:pPr>
-              <a:endParaRPr/>
             </a:p>
           </p:txBody>
         </p:sp>
@@ -28778,7 +28397,6 @@
                 </a:spcAft>
                 <a:buNone/>
               </a:pPr>
-              <a:endParaRPr/>
             </a:p>
           </p:txBody>
         </p:sp>
@@ -28850,7 +28468,6 @@
                 </a:spcAft>
                 <a:buNone/>
               </a:pPr>
-              <a:endParaRPr/>
             </a:p>
           </p:txBody>
         </p:sp>
@@ -28931,7 +28548,6 @@
                 </a:spcAft>
                 <a:buNone/>
               </a:pPr>
-              <a:endParaRPr/>
             </a:p>
           </p:txBody>
         </p:sp>
@@ -29042,7 +28658,6 @@
                 </a:spcAft>
                 <a:buNone/>
               </a:pPr>
-              <a:endParaRPr/>
             </a:p>
           </p:txBody>
         </p:sp>
@@ -29178,7 +28793,6 @@
                 </a:spcAft>
                 <a:buNone/>
               </a:pPr>
-              <a:endParaRPr/>
             </a:p>
           </p:txBody>
         </p:sp>
@@ -29291,7 +28905,6 @@
                 </a:spcAft>
                 <a:buNone/>
               </a:pPr>
-              <a:endParaRPr/>
             </a:p>
           </p:txBody>
         </p:sp>
@@ -29427,7 +29040,6 @@
                 </a:spcAft>
                 <a:buNone/>
               </a:pPr>
-              <a:endParaRPr/>
             </a:p>
           </p:txBody>
         </p:sp>
@@ -29523,7 +29135,6 @@
                 </a:spcAft>
                 <a:buNone/>
               </a:pPr>
-              <a:endParaRPr/>
             </a:p>
           </p:txBody>
         </p:sp>
@@ -29612,7 +29223,6 @@
                 </a:spcAft>
                 <a:buNone/>
               </a:pPr>
-              <a:endParaRPr/>
             </a:p>
           </p:txBody>
         </p:sp>
@@ -29698,7 +29308,6 @@
                 </a:spcAft>
                 <a:buNone/>
               </a:pPr>
-              <a:endParaRPr/>
             </a:p>
           </p:txBody>
         </p:sp>
@@ -29873,7 +29482,6 @@
                 </a:spcAft>
                 <a:buNone/>
               </a:pPr>
-              <a:endParaRPr/>
             </a:p>
           </p:txBody>
         </p:sp>
@@ -30009,7 +29617,6 @@
                 </a:spcAft>
                 <a:buNone/>
               </a:pPr>
-              <a:endParaRPr/>
             </a:p>
           </p:txBody>
         </p:sp>
@@ -30023,7 +29630,7 @@
           <p:nvPr/>
         </p:nvPicPr>
         <p:blipFill>
-          <a:blip r:embed="rId4">
+          <a:blip r:embed="rId2">
             <a:extLst>
               <a:ext uri="{28A0092B-C50C-407E-A947-70E740481C1C}">
                 <a14:useLocalDpi xmlns:a14="http://schemas.microsoft.com/office/drawing/2010/main" val="0"/>
@@ -30079,11 +29686,6 @@
         </p:spPr>
       </p:pic>
     </p:spTree>
-    <p:extLst>
-      <p:ext uri="{BB962C8B-B14F-4D97-AF65-F5344CB8AC3E}">
-        <p14:creationId xmlns:p14="http://schemas.microsoft.com/office/powerpoint/2010/main" val="911051828"/>
-      </p:ext>
-    </p:extLst>
   </p:cSld>
   <p:clrMapOvr>
     <a:masterClrMapping/>
@@ -30174,14 +29776,6 @@
               </a:rPr>
               <a:t>bisa</a:t>
             </a:r>
-            <a:r>
-              <a:rPr lang="en-US" sz="1800" dirty="0">
-                <a:solidFill>
-                  <a:schemeClr val="bg1"/>
-                </a:solidFill>
-              </a:rPr>
-              <a:t/>
-            </a:r>
             <a:br>
               <a:rPr lang="en-US" sz="1800" dirty="0">
                 <a:solidFill>
@@ -30229,6 +29823,11 @@
               </a:rPr>
               <a:t> HTTP</a:t>
             </a:r>
+            <a:endParaRPr lang="en-US" sz="1800" dirty="0">
+              <a:solidFill>
+                <a:schemeClr val="bg1"/>
+              </a:solidFill>
+            </a:endParaRPr>
           </a:p>
         </p:txBody>
       </p:sp>
@@ -30239,9 +29838,7 @@
           <p:nvPr/>
         </p:nvPicPr>
         <p:blipFill>
-          <a:blip r:embed="rId3">
-            <a:alphaModFix/>
-          </a:blip>
+          <a:blip r:embed="rId1"/>
           <a:stretch>
             <a:fillRect/>
           </a:stretch>
@@ -30351,7 +29948,6 @@
                 </a:spcAft>
                 <a:buNone/>
               </a:pPr>
-              <a:endParaRPr/>
             </a:p>
           </p:txBody>
         </p:sp>
@@ -30440,7 +30036,6 @@
                 </a:spcAft>
                 <a:buNone/>
               </a:pPr>
-              <a:endParaRPr/>
             </a:p>
           </p:txBody>
         </p:sp>
@@ -30512,7 +30107,6 @@
                 </a:spcAft>
                 <a:buNone/>
               </a:pPr>
-              <a:endParaRPr/>
             </a:p>
           </p:txBody>
         </p:sp>
@@ -30593,7 +30187,6 @@
                 </a:spcAft>
                 <a:buNone/>
               </a:pPr>
-              <a:endParaRPr/>
             </a:p>
           </p:txBody>
         </p:sp>
@@ -30704,7 +30297,6 @@
                 </a:spcAft>
                 <a:buNone/>
               </a:pPr>
-              <a:endParaRPr/>
             </a:p>
           </p:txBody>
         </p:sp>
@@ -30840,7 +30432,6 @@
                 </a:spcAft>
                 <a:buNone/>
               </a:pPr>
-              <a:endParaRPr/>
             </a:p>
           </p:txBody>
         </p:sp>
@@ -30953,7 +30544,6 @@
                 </a:spcAft>
                 <a:buNone/>
               </a:pPr>
-              <a:endParaRPr/>
             </a:p>
           </p:txBody>
         </p:sp>
@@ -31089,7 +30679,6 @@
                 </a:spcAft>
                 <a:buNone/>
               </a:pPr>
-              <a:endParaRPr/>
             </a:p>
           </p:txBody>
         </p:sp>
@@ -31185,7 +30774,6 @@
                 </a:spcAft>
                 <a:buNone/>
               </a:pPr>
-              <a:endParaRPr/>
             </a:p>
           </p:txBody>
         </p:sp>
@@ -31274,7 +30862,6 @@
                 </a:spcAft>
                 <a:buNone/>
               </a:pPr>
-              <a:endParaRPr/>
             </a:p>
           </p:txBody>
         </p:sp>
@@ -31360,7 +30947,6 @@
                 </a:spcAft>
                 <a:buNone/>
               </a:pPr>
-              <a:endParaRPr/>
             </a:p>
           </p:txBody>
         </p:sp>
@@ -31559,6 +31145,13 @@
               </a:rPr>
               <a:t> data</a:t>
             </a:r>
+            <a:endParaRPr lang="en-AU" altLang="en-US" b="1" dirty="0">
+              <a:solidFill>
+                <a:schemeClr val="tx1"/>
+              </a:solidFill>
+              <a:latin typeface="Rubik" charset="0"/>
+              <a:ea typeface="Rubik" charset="0"/>
+            </a:endParaRPr>
           </a:p>
         </p:txBody>
       </p:sp>
@@ -31571,7 +31164,7 @@
           <p:nvPr/>
         </p:nvPicPr>
         <p:blipFill>
-          <a:blip r:embed="rId4">
+          <a:blip r:embed="rId2">
             <a:extLst>
               <a:ext uri="{28A0092B-C50C-407E-A947-70E740481C1C}">
                 <a14:useLocalDpi xmlns:a14="http://schemas.microsoft.com/office/drawing/2010/main" val="0"/>
@@ -31627,11 +31220,6 @@
         </p:spPr>
       </p:pic>
     </p:spTree>
-    <p:extLst>
-      <p:ext uri="{BB962C8B-B14F-4D97-AF65-F5344CB8AC3E}">
-        <p14:creationId xmlns:p14="http://schemas.microsoft.com/office/powerpoint/2010/main" val="2798037212"/>
-      </p:ext>
-    </p:extLst>
   </p:cSld>
   <p:clrMapOvr>
     <a:masterClrMapping/>
@@ -31665,7 +31253,7 @@
           <p:nvPr/>
         </p:nvPicPr>
         <p:blipFill>
-          <a:blip r:embed="rId3">
+          <a:blip r:embed="rId1">
             <a:extLst>
               <a:ext uri="{28A0092B-C50C-407E-A947-70E740481C1C}">
                 <a14:useLocalDpi xmlns:a14="http://schemas.microsoft.com/office/drawing/2010/main" val="0"/>
@@ -31786,14 +31374,6 @@
               </a:rPr>
               <a:t>bisa</a:t>
             </a:r>
-            <a:r>
-              <a:rPr lang="en-US" sz="1800" dirty="0">
-                <a:solidFill>
-                  <a:schemeClr val="bg1"/>
-                </a:solidFill>
-              </a:rPr>
-              <a:t/>
-            </a:r>
             <a:br>
               <a:rPr lang="en-US" sz="1800" dirty="0">
                 <a:solidFill>
@@ -31841,6 +31421,11 @@
               </a:rPr>
               <a:t> HTTP</a:t>
             </a:r>
+            <a:endParaRPr lang="en-US" sz="1800" dirty="0">
+              <a:solidFill>
+                <a:schemeClr val="bg1"/>
+              </a:solidFill>
+            </a:endParaRPr>
           </a:p>
         </p:txBody>
       </p:sp>
@@ -31851,9 +31436,7 @@
           <p:nvPr/>
         </p:nvPicPr>
         <p:blipFill>
-          <a:blip r:embed="rId4">
-            <a:alphaModFix/>
-          </a:blip>
+          <a:blip r:embed="rId2"/>
           <a:stretch>
             <a:fillRect/>
           </a:stretch>
@@ -31963,7 +31546,6 @@
                 </a:spcAft>
                 <a:buNone/>
               </a:pPr>
-              <a:endParaRPr/>
             </a:p>
           </p:txBody>
         </p:sp>
@@ -32052,7 +31634,6 @@
                 </a:spcAft>
                 <a:buNone/>
               </a:pPr>
-              <a:endParaRPr/>
             </a:p>
           </p:txBody>
         </p:sp>
@@ -32124,7 +31705,6 @@
                 </a:spcAft>
                 <a:buNone/>
               </a:pPr>
-              <a:endParaRPr/>
             </a:p>
           </p:txBody>
         </p:sp>
@@ -32205,7 +31785,6 @@
                 </a:spcAft>
                 <a:buNone/>
               </a:pPr>
-              <a:endParaRPr/>
             </a:p>
           </p:txBody>
         </p:sp>
@@ -32316,7 +31895,6 @@
                 </a:spcAft>
                 <a:buNone/>
               </a:pPr>
-              <a:endParaRPr/>
             </a:p>
           </p:txBody>
         </p:sp>
@@ -32452,7 +32030,6 @@
                 </a:spcAft>
                 <a:buNone/>
               </a:pPr>
-              <a:endParaRPr/>
             </a:p>
           </p:txBody>
         </p:sp>
@@ -32565,7 +32142,6 @@
                 </a:spcAft>
                 <a:buNone/>
               </a:pPr>
-              <a:endParaRPr/>
             </a:p>
           </p:txBody>
         </p:sp>
@@ -32701,7 +32277,6 @@
                 </a:spcAft>
                 <a:buNone/>
               </a:pPr>
-              <a:endParaRPr/>
             </a:p>
           </p:txBody>
         </p:sp>
@@ -32797,7 +32372,6 @@
                 </a:spcAft>
                 <a:buNone/>
               </a:pPr>
-              <a:endParaRPr/>
             </a:p>
           </p:txBody>
         </p:sp>
@@ -32886,7 +32460,6 @@
                 </a:spcAft>
                 <a:buNone/>
               </a:pPr>
-              <a:endParaRPr/>
             </a:p>
           </p:txBody>
         </p:sp>
@@ -32972,7 +32545,6 @@
                 </a:spcAft>
                 <a:buNone/>
               </a:pPr>
-              <a:endParaRPr/>
             </a:p>
           </p:txBody>
         </p:sp>
@@ -33042,11 +32614,6 @@
         </p:txBody>
       </p:sp>
     </p:spTree>
-    <p:extLst>
-      <p:ext uri="{BB962C8B-B14F-4D97-AF65-F5344CB8AC3E}">
-        <p14:creationId xmlns:p14="http://schemas.microsoft.com/office/powerpoint/2010/main" val="1639895857"/>
-      </p:ext>
-    </p:extLst>
   </p:cSld>
   <p:clrMapOvr>
     <a:masterClrMapping/>
@@ -33071,70 +32638,6 @@
           <a:chExt cx="0" cy="0"/>
         </a:xfrm>
       </p:grpSpPr>
-      <p:pic>
-        <p:nvPicPr>
-          <p:cNvPr id="1026" name="Picture 2"/>
-          <p:cNvPicPr>
-            <a:picLocks noChangeAspect="1" noChangeArrowheads="1"/>
-          </p:cNvPicPr>
-          <p:nvPr/>
-        </p:nvPicPr>
-        <p:blipFill>
-          <a:blip r:embed="rId2">
-            <a:extLst>
-              <a:ext uri="{28A0092B-C50C-407E-A947-70E740481C1C}">
-                <a14:useLocalDpi xmlns:a14="http://schemas.microsoft.com/office/drawing/2010/main" val="0"/>
-              </a:ext>
-            </a:extLst>
-          </a:blip>
-          <a:srcRect/>
-          <a:stretch>
-            <a:fillRect/>
-          </a:stretch>
-        </p:blipFill>
-        <p:spPr bwMode="auto">
-          <a:xfrm>
-            <a:off x="314324" y="349831"/>
-            <a:ext cx="2181225" cy="4546019"/>
-          </a:xfrm>
-          <a:prstGeom prst="rect">
-            <a:avLst/>
-          </a:prstGeom>
-          <a:noFill/>
-          <a:ln>
-            <a:noFill/>
-          </a:ln>
-          <a:effectLst/>
-          <a:extLst>
-            <a:ext uri="{909E8E84-426E-40DD-AFC4-6F175D3DCCD1}">
-              <a14:hiddenFill xmlns:a14="http://schemas.microsoft.com/office/drawing/2010/main">
-                <a:solidFill>
-                  <a:schemeClr val="accent1"/>
-                </a:solidFill>
-              </a14:hiddenFill>
-            </a:ext>
-            <a:ext uri="{91240B29-F687-4F45-9708-019B960494DF}">
-              <a14:hiddenLine xmlns:a14="http://schemas.microsoft.com/office/drawing/2010/main" w="9525">
-                <a:solidFill>
-                  <a:schemeClr val="tx1"/>
-                </a:solidFill>
-                <a:miter lim="800000"/>
-                <a:headEnd/>
-                <a:tailEnd/>
-              </a14:hiddenLine>
-            </a:ext>
-            <a:ext uri="{AF507438-7753-43E0-B8FC-AC1667EBCBE1}">
-              <a14:hiddenEffects xmlns:a14="http://schemas.microsoft.com/office/drawing/2010/main">
-                <a:effectLst>
-                  <a:outerShdw dist="35921" dir="2700000" algn="ctr" rotWithShape="0">
-                    <a:schemeClr val="bg2"/>
-                  </a:outerShdw>
-                </a:effectLst>
-              </a14:hiddenEffects>
-            </a:ext>
-          </a:extLst>
-        </p:spPr>
-      </p:pic>
       <p:sp>
         <p:nvSpPr>
           <p:cNvPr id="6" name="Title 5"/>
@@ -33147,8 +32650,8 @@
         </p:nvSpPr>
         <p:spPr>
           <a:xfrm>
-            <a:off x="2609850" y="951425"/>
-            <a:ext cx="3476700" cy="666600"/>
+            <a:off x="233680" y="267335"/>
+            <a:ext cx="4650740" cy="666750"/>
           </a:xfrm>
         </p:spPr>
         <p:txBody>
@@ -33159,9 +32662,10 @@
               <a:rPr lang="id-ID" dirty="0" smtClean="0"/>
               <a:t>Hasil</a:t>
             </a:r>
-            <a:br>
-              <a:rPr lang="id-ID" dirty="0" smtClean="0"/>
-            </a:br>
+            <a:r>
+              <a:rPr lang="en-AU" altLang="id-ID" dirty="0" smtClean="0"/>
+              <a:t> </a:t>
+            </a:r>
             <a:r>
               <a:rPr lang="id-ID" dirty="0" smtClean="0"/>
               <a:t>Volley</a:t>
@@ -33170,12 +32674,55 @@
           </a:p>
         </p:txBody>
       </p:sp>
+      <p:pic>
+        <p:nvPicPr>
+          <p:cNvPr id="2" name="Picture 1" descr="Screenshot_20221201_094650"/>
+          <p:cNvPicPr>
+            <a:picLocks noChangeAspect="1"/>
+          </p:cNvPicPr>
+          <p:nvPr/>
+        </p:nvPicPr>
+        <p:blipFill>
+          <a:blip r:embed="rId1"/>
+          <a:stretch>
+            <a:fillRect/>
+          </a:stretch>
+        </p:blipFill>
+        <p:spPr>
+          <a:xfrm>
+            <a:off x="3028315" y="1283970"/>
+            <a:ext cx="1927225" cy="3427730"/>
+          </a:xfrm>
+          <a:prstGeom prst="rect">
+            <a:avLst/>
+          </a:prstGeom>
+        </p:spPr>
+      </p:pic>
+      <p:pic>
+        <p:nvPicPr>
+          <p:cNvPr id="3" name="Picture 2" descr="Screenshot_20221201_094716"/>
+          <p:cNvPicPr>
+            <a:picLocks noChangeAspect="1"/>
+          </p:cNvPicPr>
+          <p:nvPr/>
+        </p:nvPicPr>
+        <p:blipFill>
+          <a:blip r:embed="rId2"/>
+          <a:stretch>
+            <a:fillRect/>
+          </a:stretch>
+        </p:blipFill>
+        <p:spPr>
+          <a:xfrm>
+            <a:off x="598170" y="1283970"/>
+            <a:ext cx="1929130" cy="3430905"/>
+          </a:xfrm>
+          <a:prstGeom prst="rect">
+            <a:avLst/>
+          </a:prstGeom>
+        </p:spPr>
+      </p:pic>
     </p:spTree>
-    <p:extLst>
-      <p:ext uri="{BB962C8B-B14F-4D97-AF65-F5344CB8AC3E}">
-        <p14:creationId xmlns:p14="http://schemas.microsoft.com/office/powerpoint/2010/main" val="1330221310"/>
-      </p:ext>
-    </p:extLst>
   </p:cSld>
   <p:clrMapOvr>
     <a:masterClrMapping/>
@@ -33459,8 +33006,11 @@
       </a:bgFillStyleLst>
     </a:fmtScheme>
   </a:themeElements>
-  <a:objectDefaults/>
-  <a:extraClrSchemeLst/>
+  <a:extLst>
+    <a:ext uri="{05A4C25C-085E-4340-85A3-A5531E510DB2}">
+      <thm15:themeFamily xmlns:thm15="http://schemas.microsoft.com/office/thememl/2012/main" name="Office Theme" id="{62F939B6-93AF-4DB8-9C6B-D6C7DFDC589F}" vid="{4A3C46E8-61CC-4603-A589-7422A47A8E4A}"/>
+    </a:ext>
+  </a:extLst>
 </a:theme>
 </file>
 
@@ -33740,7 +33290,10 @@
       </a:bgFillStyleLst>
     </a:fmtScheme>
   </a:themeElements>
-  <a:objectDefaults/>
-  <a:extraClrSchemeLst/>
+  <a:extLst>
+    <a:ext uri="{05A4C25C-085E-4340-85A3-A5531E510DB2}">
+      <thm15:themeFamily xmlns:thm15="http://schemas.microsoft.com/office/thememl/2012/main" name="Office Theme" id="{62F939B6-93AF-4DB8-9C6B-D6C7DFDC589F}" vid="{4A3C46E8-61CC-4603-A589-7422A47A8E4A}"/>
+    </a:ext>
+  </a:extLst>
 </a:theme>
 </file>